--- a/Part1_Session1_StrategicInventory.pptx
+++ b/Part1_Session1_StrategicInventory.pptx
@@ -7,6 +7,29 @@
   <p:sldIdLst>
     <p:sldId id="256" r:id="rId7"/>
     <p:sldId id="257" r:id="rId8"/>
+    <p:sldId id="258" r:id="rId9"/>
+    <p:sldId id="259" r:id="rId10"/>
+    <p:sldId id="260" r:id="rId11"/>
+    <p:sldId id="261" r:id="rId12"/>
+    <p:sldId id="262" r:id="rId13"/>
+    <p:sldId id="263" r:id="rId14"/>
+    <p:sldId id="264" r:id="rId15"/>
+    <p:sldId id="265" r:id="rId16"/>
+    <p:sldId id="266" r:id="rId17"/>
+    <p:sldId id="267" r:id="rId18"/>
+    <p:sldId id="268" r:id="rId19"/>
+    <p:sldId id="269" r:id="rId20"/>
+    <p:sldId id="270" r:id="rId21"/>
+    <p:sldId id="271" r:id="rId22"/>
+    <p:sldId id="272" r:id="rId23"/>
+    <p:sldId id="273" r:id="rId24"/>
+    <p:sldId id="274" r:id="rId25"/>
+    <p:sldId id="275" r:id="rId26"/>
+    <p:sldId id="276" r:id="rId27"/>
+    <p:sldId id="277" r:id="rId28"/>
+    <p:sldId id="278" r:id="rId29"/>
+    <p:sldId id="279" r:id="rId30"/>
+    <p:sldId id="280" r:id="rId31"/>
   </p:sldIdLst>
   <p:sldSz cx="9902952" cy="6858000" type="screen4x3"/>
   <p:notesSz cx="6858000" cy="9144000"/>
@@ -3240,7 +3263,301 @@
 </p:sld>
 </file>
 
-<file path=ppt/slides/slide2.xml><?xml version="1.0" encoding="utf-8"?>
+<file path=ppt/slides/slide10.xml><?xml version="1.0" encoding="utf-8"?>
+<p:sld xmlns:a="http://schemas.openxmlformats.org/drawingml/2006/main" xmlns:p="http://schemas.openxmlformats.org/presentationml/2006/main" xmlns:r="http://schemas.openxmlformats.org/officeDocument/2006/relationships">
+  <p:cSld>
+    <p:spTree>
+      <p:nvGrpSpPr>
+        <p:cNvPr id="1" name=""/>
+        <p:cNvGrpSpPr/>
+        <p:nvPr/>
+      </p:nvGrpSpPr>
+      <p:grpSpPr/>
+      <p:sp>
+        <p:nvSpPr>
+          <p:cNvPr id="2" name="TextBox 1"/>
+          <p:cNvSpPr txBox="1"/>
+          <p:nvPr/>
+        </p:nvSpPr>
+        <p:spPr>
+          <a:xfrm>
+            <a:off x="274320" y="274320"/>
+            <a:ext cx="9354312" cy="548640"/>
+          </a:xfrm>
+          <a:prstGeom prst="rect">
+            <a:avLst/>
+          </a:prstGeom>
+          <a:noFill/>
+        </p:spPr>
+        <p:txBody>
+          <a:bodyPr wrap="none">
+            <a:spAutoFit/>
+          </a:bodyPr>
+          <a:lstStyle/>
+          <a:p>
+            <a:pPr>
+              <a:defRPr sz="2000" b="1">
+                <a:solidFill>
+                  <a:srgbClr val="000000"/>
+                </a:solidFill>
+                <a:latin typeface="맑은 고딕"/>
+              </a:defRPr>
+            </a:pPr>
+            <a:r>
+              <a:t>2.2 2×2 매트릭스의 두 축</a:t>
+            </a:r>
+          </a:p>
+        </p:txBody>
+      </p:sp>
+      <p:sp>
+        <p:nvSpPr>
+          <p:cNvPr id="3" name="TextBox 2"/>
+          <p:cNvSpPr txBox="1"/>
+          <p:nvPr/>
+        </p:nvSpPr>
+        <p:spPr>
+          <a:xfrm>
+            <a:off x="274320" y="923544"/>
+            <a:ext cx="9436608" cy="576072"/>
+          </a:xfrm>
+          <a:prstGeom prst="rect">
+            <a:avLst/>
+          </a:prstGeom>
+          <a:noFill/>
+        </p:spPr>
+        <p:txBody>
+          <a:bodyPr wrap="square">
+            <a:spAutoFit/>
+          </a:bodyPr>
+          <a:lstStyle/>
+          <a:p>
+            <a:pPr>
+              <a:defRPr sz="1600" b="1">
+                <a:solidFill>
+                  <a:srgbClr val="666666"/>
+                </a:solidFill>
+                <a:latin typeface="맑은 고딕"/>
+              </a:defRPr>
+            </a:pPr>
+            <a:r>
+              <a:t>공급 리스크와 구매 임팩트를 평가하여 자재를 4개 군으로 분류합니다.</a:t>
+            </a:r>
+          </a:p>
+        </p:txBody>
+      </p:sp>
+      <p:sp>
+        <p:nvSpPr>
+          <p:cNvPr id="4" name="TextBox 3"/>
+          <p:cNvSpPr txBox="1"/>
+          <p:nvPr/>
+        </p:nvSpPr>
+        <p:spPr>
+          <a:xfrm>
+            <a:off x="914400" y="1828800"/>
+            <a:ext cx="8074152" cy="4114800"/>
+          </a:xfrm>
+          <a:prstGeom prst="rect">
+            <a:avLst/>
+          </a:prstGeom>
+          <a:noFill/>
+        </p:spPr>
+        <p:txBody>
+          <a:bodyPr wrap="square">
+            <a:spAutoFit/>
+          </a:bodyPr>
+          <a:lstStyle/>
+          <a:p>
+            <a:pPr>
+              <a:spcAft>
+                <a:spcPts val="1200"/>
+              </a:spcAft>
+              <a:defRPr sz="1200">
+                <a:solidFill>
+                  <a:srgbClr val="333333"/>
+                </a:solidFill>
+                <a:latin typeface="맑은 고딕"/>
+              </a:defRPr>
+            </a:pPr>
+            <a:r>
+              <a:t>• Y축: 공급 리스크 (Supply Risk) - 공급의 어려움</a:t>
+            </a:r>
+          </a:p>
+          <a:p>
+            <a:pPr>
+              <a:spcAft>
+                <a:spcPts val="1200"/>
+              </a:spcAft>
+              <a:defRPr sz="1200">
+                <a:solidFill>
+                  <a:srgbClr val="333333"/>
+                </a:solidFill>
+                <a:latin typeface="맑은 고딕"/>
+              </a:defRPr>
+            </a:pPr>
+            <a:r>
+              <a:t>  - 평가 요소: 공급업체 수, 대체 가능성, 시장 구조, 지리적 집중도, 기술 복잡성, 리드타임</a:t>
+            </a:r>
+          </a:p>
+          <a:p>
+            <a:pPr>
+              <a:spcAft>
+                <a:spcPts val="1200"/>
+              </a:spcAft>
+              <a:defRPr sz="1200">
+                <a:solidFill>
+                  <a:srgbClr val="333333"/>
+                </a:solidFill>
+                <a:latin typeface="맑은 고딕"/>
+              </a:defRPr>
+            </a:pPr>
+            <a:r>
+              <a:t>  - 높음: 1-2개 업체, 대체 불가, 독과점, 6개월+ 리드타임</a:t>
+            </a:r>
+          </a:p>
+          <a:p>
+            <a:pPr>
+              <a:spcAft>
+                <a:spcPts val="1200"/>
+              </a:spcAft>
+              <a:defRPr sz="1200">
+                <a:solidFill>
+                  <a:srgbClr val="333333"/>
+                </a:solidFill>
+                <a:latin typeface="맑은 고딕"/>
+              </a:defRPr>
+            </a:pPr>
+          </a:p>
+          <a:p>
+            <a:pPr>
+              <a:spcAft>
+                <a:spcPts val="1200"/>
+              </a:spcAft>
+              <a:defRPr sz="1200">
+                <a:solidFill>
+                  <a:srgbClr val="333333"/>
+                </a:solidFill>
+                <a:latin typeface="맑은 고딕"/>
+              </a:defRPr>
+            </a:pPr>
+            <a:r>
+              <a:t>• X축: 구매 임팩트 (Purchase Impact) - 사업에 미치는 영향</a:t>
+            </a:r>
+          </a:p>
+          <a:p>
+            <a:pPr>
+              <a:spcAft>
+                <a:spcPts val="1200"/>
+              </a:spcAft>
+              <a:defRPr sz="1200">
+                <a:solidFill>
+                  <a:srgbClr val="333333"/>
+                </a:solidFill>
+                <a:latin typeface="맑은 고딕"/>
+              </a:defRPr>
+            </a:pPr>
+            <a:r>
+              <a:t>  - 평가 요소: 구매 금액, 원가 비중, 사업 영향도, 부가가치, 품질 중요성</a:t>
+            </a:r>
+          </a:p>
+          <a:p>
+            <a:pPr>
+              <a:spcAft>
+                <a:spcPts val="1200"/>
+              </a:spcAft>
+              <a:defRPr sz="1200">
+                <a:solidFill>
+                  <a:srgbClr val="333333"/>
+                </a:solidFill>
+                <a:latin typeface="맑은 고딕"/>
+              </a:defRPr>
+            </a:pPr>
+            <a:r>
+              <a:t>  - 높음: 총 구매액 대비 비중 높음, 결품 시 생산 중단</a:t>
+            </a:r>
+          </a:p>
+        </p:txBody>
+      </p:sp>
+      <p:sp>
+        <p:nvSpPr>
+          <p:cNvPr id="5" name="TextBox 4"/>
+          <p:cNvSpPr txBox="1"/>
+          <p:nvPr/>
+        </p:nvSpPr>
+        <p:spPr>
+          <a:xfrm>
+            <a:off x="274320" y="6400800"/>
+            <a:ext cx="7315200" cy="274320"/>
+          </a:xfrm>
+          <a:prstGeom prst="rect">
+            <a:avLst/>
+          </a:prstGeom>
+          <a:noFill/>
+        </p:spPr>
+        <p:txBody>
+          <a:bodyPr wrap="none">
+            <a:spAutoFit/>
+          </a:bodyPr>
+          <a:lstStyle/>
+          <a:p>
+            <a:pPr>
+              <a:defRPr sz="800">
+                <a:solidFill>
+                  <a:srgbClr val="666666"/>
+                </a:solidFill>
+                <a:latin typeface="Arial"/>
+              </a:defRPr>
+            </a:pPr>
+            <a:r>
+              <a:t>전략적 재고운영 Foundation</a:t>
+            </a:r>
+          </a:p>
+        </p:txBody>
+      </p:sp>
+      <p:sp>
+        <p:nvSpPr>
+          <p:cNvPr id="6" name="TextBox 5"/>
+          <p:cNvSpPr txBox="1"/>
+          <p:nvPr/>
+        </p:nvSpPr>
+        <p:spPr>
+          <a:xfrm>
+            <a:off x="9144000" y="6400800"/>
+            <a:ext cx="457200" cy="274320"/>
+          </a:xfrm>
+          <a:prstGeom prst="rect">
+            <a:avLst/>
+          </a:prstGeom>
+          <a:noFill/>
+        </p:spPr>
+        <p:txBody>
+          <a:bodyPr wrap="none">
+            <a:spAutoFit/>
+          </a:bodyPr>
+          <a:lstStyle/>
+          <a:p>
+            <a:pPr algn="r">
+              <a:defRPr sz="800">
+                <a:solidFill>
+                  <a:srgbClr val="666666"/>
+                </a:solidFill>
+                <a:latin typeface="Arial"/>
+              </a:defRPr>
+            </a:pPr>
+            <a:r>
+              <a:t>10</a:t>
+            </a:r>
+          </a:p>
+        </p:txBody>
+      </p:sp>
+    </p:spTree>
+  </p:cSld>
+  <p:clrMapOvr>
+    <a:masterClrMapping/>
+  </p:clrMapOvr>
+</p:sld>
+</file>
+
+<file path=ppt/slides/slide11.xml><?xml version="1.0" encoding="utf-8"?>
 <p:sld xmlns:a="http://schemas.openxmlformats.org/drawingml/2006/main" xmlns:p="http://schemas.openxmlformats.org/presentationml/2006/main" xmlns:r="http://schemas.openxmlformats.org/officeDocument/2006/relationships">
   <p:cSld>
     <p:spTree>
@@ -4241,7 +4558,7649 @@
               </a:defRPr>
             </a:pPr>
             <a:r>
+              <a:t>11</a:t>
+            </a:r>
+          </a:p>
+        </p:txBody>
+      </p:sp>
+    </p:spTree>
+  </p:cSld>
+  <p:clrMapOvr>
+    <a:masterClrMapping/>
+  </p:clrMapOvr>
+</p:sld>
+</file>
+
+<file path=ppt/slides/slide12.xml><?xml version="1.0" encoding="utf-8"?>
+<p:sld xmlns:a="http://schemas.openxmlformats.org/drawingml/2006/main" xmlns:p="http://schemas.openxmlformats.org/presentationml/2006/main" xmlns:r="http://schemas.openxmlformats.org/officeDocument/2006/relationships">
+  <p:cSld>
+    <p:spTree>
+      <p:nvGrpSpPr>
+        <p:cNvPr id="1" name=""/>
+        <p:cNvGrpSpPr/>
+        <p:nvPr/>
+      </p:nvGrpSpPr>
+      <p:grpSpPr/>
+      <p:sp>
+        <p:nvSpPr>
+          <p:cNvPr id="2" name="TextBox 1"/>
+          <p:cNvSpPr txBox="1"/>
+          <p:nvPr/>
+        </p:nvSpPr>
+        <p:spPr>
+          <a:xfrm>
+            <a:off x="274320" y="274320"/>
+            <a:ext cx="9354312" cy="548640"/>
+          </a:xfrm>
+          <a:prstGeom prst="rect">
+            <a:avLst/>
+          </a:prstGeom>
+          <a:noFill/>
+        </p:spPr>
+        <p:txBody>
+          <a:bodyPr wrap="none">
+            <a:spAutoFit/>
+          </a:bodyPr>
+          <a:lstStyle/>
+          <a:p>
+            <a:pPr>
+              <a:defRPr sz="2000" b="1">
+                <a:solidFill>
+                  <a:srgbClr val="000000"/>
+                </a:solidFill>
+                <a:latin typeface="맑은 고딕"/>
+              </a:defRPr>
+            </a:pPr>
+            <a:r>
+              <a:t>2.4 병목자재 (Bottleneck Materials) 상세</a:t>
+            </a:r>
+          </a:p>
+        </p:txBody>
+      </p:sp>
+      <p:sp>
+        <p:nvSpPr>
+          <p:cNvPr id="3" name="TextBox 2"/>
+          <p:cNvSpPr txBox="1"/>
+          <p:nvPr/>
+        </p:nvSpPr>
+        <p:spPr>
+          <a:xfrm>
+            <a:off x="274320" y="923544"/>
+            <a:ext cx="9436608" cy="576072"/>
+          </a:xfrm>
+          <a:prstGeom prst="rect">
+            <a:avLst/>
+          </a:prstGeom>
+          <a:noFill/>
+        </p:spPr>
+        <p:txBody>
+          <a:bodyPr wrap="square">
+            <a:spAutoFit/>
+          </a:bodyPr>
+          <a:lstStyle/>
+          <a:p>
+            <a:pPr>
+              <a:defRPr sz="1600" b="1">
+                <a:solidFill>
+                  <a:srgbClr val="666666"/>
+                </a:solidFill>
+                <a:latin typeface="맑은 고딕"/>
+              </a:defRPr>
+            </a:pPr>
+            <a:r>
+              <a:t>금액은 작지만 공급이 어려운 병목자재는 재고를 보험료로 인식하고 높은 안전재고를 확보해야 합니다.</a:t>
+            </a:r>
+          </a:p>
+        </p:txBody>
+      </p:sp>
+      <p:sp>
+        <p:nvSpPr>
+          <p:cNvPr id="4" name="TextBox 3"/>
+          <p:cNvSpPr txBox="1"/>
+          <p:nvPr/>
+        </p:nvSpPr>
+        <p:spPr>
+          <a:xfrm>
+            <a:off x="914400" y="1828800"/>
+            <a:ext cx="8074152" cy="4114800"/>
+          </a:xfrm>
+          <a:prstGeom prst="rect">
+            <a:avLst/>
+          </a:prstGeom>
+          <a:noFill/>
+        </p:spPr>
+        <p:txBody>
+          <a:bodyPr wrap="square">
+            <a:spAutoFit/>
+          </a:bodyPr>
+          <a:lstStyle/>
+          <a:p>
+            <a:pPr>
+              <a:spcAft>
+                <a:spcPts val="1200"/>
+              </a:spcAft>
+              <a:defRPr sz="1200">
+                <a:solidFill>
+                  <a:srgbClr val="333333"/>
+                </a:solidFill>
+                <a:latin typeface="맑은 고딕"/>
+              </a:defRPr>
+            </a:pPr>
+            <a:r>
+              <a:t>• 정의: 높은 공급 리스크 + 낮은 구매 임팩트</a:t>
+            </a:r>
+          </a:p>
+          <a:p>
+            <a:pPr>
+              <a:spcAft>
+                <a:spcPts val="1200"/>
+              </a:spcAft>
+              <a:defRPr sz="1200">
+                <a:solidFill>
+                  <a:srgbClr val="333333"/>
+                </a:solidFill>
+                <a:latin typeface="맑은 고딕"/>
+              </a:defRPr>
+            </a:pPr>
+            <a:r>
+              <a:t>• 특징: 금액은 작지만 없으면 생산 중단, 공급업체 1-2개로 매우 제한적, 대체 자재/공급선 찾기 어려움</a:t>
+            </a:r>
+          </a:p>
+          <a:p>
+            <a:pPr>
+              <a:spcAft>
+                <a:spcPts val="1200"/>
+              </a:spcAft>
+              <a:defRPr sz="1200">
+                <a:solidFill>
+                  <a:srgbClr val="333333"/>
+                </a:solidFill>
+                <a:latin typeface="맑은 고딕"/>
+              </a:defRPr>
+            </a:pPr>
+            <a:r>
+              <a:t>• 사례: 차량용 MCU, 특수 규격 센서, 희소 원자재, 인증 필요 부품</a:t>
+            </a:r>
+          </a:p>
+          <a:p>
+            <a:pPr>
+              <a:spcAft>
+                <a:spcPts val="1200"/>
+              </a:spcAft>
+              <a:defRPr sz="1200">
+                <a:solidFill>
+                  <a:srgbClr val="333333"/>
+                </a:solidFill>
+                <a:latin typeface="맑은 고딕"/>
+              </a:defRPr>
+            </a:pPr>
+            <a:r>
+              <a:t>• 핵심 과제: 공급 안정성 확보 (비용이 들더라도 공급이 확실해야)</a:t>
+            </a:r>
+          </a:p>
+          <a:p>
+            <a:pPr>
+              <a:spcAft>
+                <a:spcPts val="1200"/>
+              </a:spcAft>
+              <a:defRPr sz="1200">
+                <a:solidFill>
+                  <a:srgbClr val="333333"/>
+                </a:solidFill>
+                <a:latin typeface="맑은 고딕"/>
+              </a:defRPr>
+            </a:pPr>
+            <a:r>
+              <a:t>• 전략: 안전재고 확보 (4-8주), 대체품 발굴, 장기 계약, ROP 발주</a:t>
+            </a:r>
+          </a:p>
+        </p:txBody>
+      </p:sp>
+      <p:sp>
+        <p:nvSpPr>
+          <p:cNvPr id="5" name="TextBox 4"/>
+          <p:cNvSpPr txBox="1"/>
+          <p:nvPr/>
+        </p:nvSpPr>
+        <p:spPr>
+          <a:xfrm>
+            <a:off x="274320" y="6400800"/>
+            <a:ext cx="7315200" cy="274320"/>
+          </a:xfrm>
+          <a:prstGeom prst="rect">
+            <a:avLst/>
+          </a:prstGeom>
+          <a:noFill/>
+        </p:spPr>
+        <p:txBody>
+          <a:bodyPr wrap="none">
+            <a:spAutoFit/>
+          </a:bodyPr>
+          <a:lstStyle/>
+          <a:p>
+            <a:pPr>
+              <a:defRPr sz="800">
+                <a:solidFill>
+                  <a:srgbClr val="666666"/>
+                </a:solidFill>
+                <a:latin typeface="Arial"/>
+              </a:defRPr>
+            </a:pPr>
+            <a:r>
+              <a:t>전략적 재고운영 Foundation</a:t>
+            </a:r>
+          </a:p>
+        </p:txBody>
+      </p:sp>
+      <p:sp>
+        <p:nvSpPr>
+          <p:cNvPr id="6" name="TextBox 5"/>
+          <p:cNvSpPr txBox="1"/>
+          <p:nvPr/>
+        </p:nvSpPr>
+        <p:spPr>
+          <a:xfrm>
+            <a:off x="9144000" y="6400800"/>
+            <a:ext cx="457200" cy="274320"/>
+          </a:xfrm>
+          <a:prstGeom prst="rect">
+            <a:avLst/>
+          </a:prstGeom>
+          <a:noFill/>
+        </p:spPr>
+        <p:txBody>
+          <a:bodyPr wrap="none">
+            <a:spAutoFit/>
+          </a:bodyPr>
+          <a:lstStyle/>
+          <a:p>
+            <a:pPr algn="r">
+              <a:defRPr sz="800">
+                <a:solidFill>
+                  <a:srgbClr val="666666"/>
+                </a:solidFill>
+                <a:latin typeface="Arial"/>
+              </a:defRPr>
+            </a:pPr>
+            <a:r>
+              <a:t>12</a:t>
+            </a:r>
+          </a:p>
+        </p:txBody>
+      </p:sp>
+    </p:spTree>
+  </p:cSld>
+  <p:clrMapOvr>
+    <a:masterClrMapping/>
+  </p:clrMapOvr>
+</p:sld>
+</file>
+
+<file path=ppt/slides/slide13.xml><?xml version="1.0" encoding="utf-8"?>
+<p:sld xmlns:a="http://schemas.openxmlformats.org/drawingml/2006/main" xmlns:p="http://schemas.openxmlformats.org/presentationml/2006/main" xmlns:r="http://schemas.openxmlformats.org/officeDocument/2006/relationships">
+  <p:cSld>
+    <p:spTree>
+      <p:nvGrpSpPr>
+        <p:cNvPr id="1" name=""/>
+        <p:cNvGrpSpPr/>
+        <p:nvPr/>
+      </p:nvGrpSpPr>
+      <p:grpSpPr/>
+      <p:sp>
+        <p:nvSpPr>
+          <p:cNvPr id="2" name="TextBox 1"/>
+          <p:cNvSpPr txBox="1"/>
+          <p:nvPr/>
+        </p:nvSpPr>
+        <p:spPr>
+          <a:xfrm>
+            <a:off x="274320" y="274320"/>
+            <a:ext cx="9354312" cy="548640"/>
+          </a:xfrm>
+          <a:prstGeom prst="rect">
+            <a:avLst/>
+          </a:prstGeom>
+          <a:noFill/>
+        </p:spPr>
+        <p:txBody>
+          <a:bodyPr wrap="none">
+            <a:spAutoFit/>
+          </a:bodyPr>
+          <a:lstStyle/>
+          <a:p>
+            <a:pPr>
+              <a:defRPr sz="2000" b="1">
+                <a:solidFill>
+                  <a:srgbClr val="000000"/>
+                </a:solidFill>
+                <a:latin typeface="맑은 고딕"/>
+              </a:defRPr>
+            </a:pPr>
+            <a:r>
+              <a:t>2.5 레버리지자재 (Leverage Materials) 상세</a:t>
+            </a:r>
+          </a:p>
+        </p:txBody>
+      </p:sp>
+      <p:sp>
+        <p:nvSpPr>
+          <p:cNvPr id="3" name="TextBox 2"/>
+          <p:cNvSpPr txBox="1"/>
+          <p:nvPr/>
+        </p:nvSpPr>
+        <p:spPr>
+          <a:xfrm>
+            <a:off x="274320" y="923544"/>
+            <a:ext cx="9436608" cy="576072"/>
+          </a:xfrm>
+          <a:prstGeom prst="rect">
+            <a:avLst/>
+          </a:prstGeom>
+          <a:noFill/>
+        </p:spPr>
+        <p:txBody>
+          <a:bodyPr wrap="square">
+            <a:spAutoFit/>
+          </a:bodyPr>
+          <a:lstStyle/>
+          <a:p>
+            <a:pPr>
+              <a:defRPr sz="1600" b="1">
+                <a:solidFill>
+                  <a:srgbClr val="666666"/>
+                </a:solidFill>
+                <a:latin typeface="맑은 고딕"/>
+              </a:defRPr>
+            </a:pPr>
+            <a:r>
+              <a:t>공급이 안정적이고 금액이 큰 레버리지자재는 경쟁 입찰을 통한 원가 절감에 집중해야 합니다.</a:t>
+            </a:r>
+          </a:p>
+        </p:txBody>
+      </p:sp>
+      <p:sp>
+        <p:nvSpPr>
+          <p:cNvPr id="4" name="TextBox 3"/>
+          <p:cNvSpPr txBox="1"/>
+          <p:nvPr/>
+        </p:nvSpPr>
+        <p:spPr>
+          <a:xfrm>
+            <a:off x="914400" y="1828800"/>
+            <a:ext cx="8074152" cy="4114800"/>
+          </a:xfrm>
+          <a:prstGeom prst="rect">
+            <a:avLst/>
+          </a:prstGeom>
+          <a:noFill/>
+        </p:spPr>
+        <p:txBody>
+          <a:bodyPr wrap="square">
+            <a:spAutoFit/>
+          </a:bodyPr>
+          <a:lstStyle/>
+          <a:p>
+            <a:pPr>
+              <a:spcAft>
+                <a:spcPts val="1200"/>
+              </a:spcAft>
+              <a:defRPr sz="1200">
+                <a:solidFill>
+                  <a:srgbClr val="333333"/>
+                </a:solidFill>
+                <a:latin typeface="맑은 고딕"/>
+              </a:defRPr>
+            </a:pPr>
+            <a:r>
+              <a:t>• 정의: 낮은 공급 리스크 + 높은 구매 임팩트</a:t>
+            </a:r>
+          </a:p>
+          <a:p>
+            <a:pPr>
+              <a:spcAft>
+                <a:spcPts val="1200"/>
+              </a:spcAft>
+              <a:defRPr sz="1200">
+                <a:solidFill>
+                  <a:srgbClr val="333333"/>
+                </a:solidFill>
+                <a:latin typeface="맑은 고딕"/>
+              </a:defRPr>
+            </a:pPr>
+            <a:r>
+              <a:t>• 특징: 금액이 크지만 공급은 안정적, 공급업체 다수 (5개 이상), 표준화된 품목, 경쟁시장</a:t>
+            </a:r>
+          </a:p>
+          <a:p>
+            <a:pPr>
+              <a:spcAft>
+                <a:spcPts val="1200"/>
+              </a:spcAft>
+              <a:defRPr sz="1200">
+                <a:solidFill>
+                  <a:srgbClr val="333333"/>
+                </a:solidFill>
+                <a:latin typeface="맑은 고딕"/>
+              </a:defRPr>
+            </a:pPr>
+            <a:r>
+              <a:t>• 사례: 범용 원자재 (철강, 플라스틱), 표준 전자부품, 대량 구매 품목</a:t>
+            </a:r>
+          </a:p>
+          <a:p>
+            <a:pPr>
+              <a:spcAft>
+                <a:spcPts val="1200"/>
+              </a:spcAft>
+              <a:defRPr sz="1200">
+                <a:solidFill>
+                  <a:srgbClr val="333333"/>
+                </a:solidFill>
+                <a:latin typeface="맑은 고딕"/>
+              </a:defRPr>
+            </a:pPr>
+            <a:r>
+              <a:t>• 핵심 과제: 원가 절감 (경쟁을 통한 최적 가격 확보)</a:t>
+            </a:r>
+          </a:p>
+          <a:p>
+            <a:pPr>
+              <a:spcAft>
+                <a:spcPts val="1200"/>
+              </a:spcAft>
+              <a:defRPr sz="1200">
+                <a:solidFill>
+                  <a:srgbClr val="333333"/>
+                </a:solidFill>
+                <a:latin typeface="맑은 고딕"/>
+              </a:defRPr>
+            </a:pPr>
+            <a:r>
+              <a:t>• 전략: 경쟁 입찰, 가격 협상, Volume Discount, MRP 계획</a:t>
+            </a:r>
+          </a:p>
+        </p:txBody>
+      </p:sp>
+      <p:sp>
+        <p:nvSpPr>
+          <p:cNvPr id="5" name="TextBox 4"/>
+          <p:cNvSpPr txBox="1"/>
+          <p:nvPr/>
+        </p:nvSpPr>
+        <p:spPr>
+          <a:xfrm>
+            <a:off x="274320" y="6400800"/>
+            <a:ext cx="7315200" cy="274320"/>
+          </a:xfrm>
+          <a:prstGeom prst="rect">
+            <a:avLst/>
+          </a:prstGeom>
+          <a:noFill/>
+        </p:spPr>
+        <p:txBody>
+          <a:bodyPr wrap="none">
+            <a:spAutoFit/>
+          </a:bodyPr>
+          <a:lstStyle/>
+          <a:p>
+            <a:pPr>
+              <a:defRPr sz="800">
+                <a:solidFill>
+                  <a:srgbClr val="666666"/>
+                </a:solidFill>
+                <a:latin typeface="Arial"/>
+              </a:defRPr>
+            </a:pPr>
+            <a:r>
+              <a:t>전략적 재고운영 Foundation</a:t>
+            </a:r>
+          </a:p>
+        </p:txBody>
+      </p:sp>
+      <p:sp>
+        <p:nvSpPr>
+          <p:cNvPr id="6" name="TextBox 5"/>
+          <p:cNvSpPr txBox="1"/>
+          <p:nvPr/>
+        </p:nvSpPr>
+        <p:spPr>
+          <a:xfrm>
+            <a:off x="9144000" y="6400800"/>
+            <a:ext cx="457200" cy="274320"/>
+          </a:xfrm>
+          <a:prstGeom prst="rect">
+            <a:avLst/>
+          </a:prstGeom>
+          <a:noFill/>
+        </p:spPr>
+        <p:txBody>
+          <a:bodyPr wrap="none">
+            <a:spAutoFit/>
+          </a:bodyPr>
+          <a:lstStyle/>
+          <a:p>
+            <a:pPr algn="r">
+              <a:defRPr sz="800">
+                <a:solidFill>
+                  <a:srgbClr val="666666"/>
+                </a:solidFill>
+                <a:latin typeface="Arial"/>
+              </a:defRPr>
+            </a:pPr>
+            <a:r>
+              <a:t>13</a:t>
+            </a:r>
+          </a:p>
+        </p:txBody>
+      </p:sp>
+    </p:spTree>
+  </p:cSld>
+  <p:clrMapOvr>
+    <a:masterClrMapping/>
+  </p:clrMapOvr>
+</p:sld>
+</file>
+
+<file path=ppt/slides/slide14.xml><?xml version="1.0" encoding="utf-8"?>
+<p:sld xmlns:a="http://schemas.openxmlformats.org/drawingml/2006/main" xmlns:p="http://schemas.openxmlformats.org/presentationml/2006/main" xmlns:r="http://schemas.openxmlformats.org/officeDocument/2006/relationships">
+  <p:cSld>
+    <p:spTree>
+      <p:nvGrpSpPr>
+        <p:cNvPr id="1" name=""/>
+        <p:cNvGrpSpPr/>
+        <p:nvPr/>
+      </p:nvGrpSpPr>
+      <p:grpSpPr/>
+      <p:sp>
+        <p:nvSpPr>
+          <p:cNvPr id="2" name="TextBox 1"/>
+          <p:cNvSpPr txBox="1"/>
+          <p:nvPr/>
+        </p:nvSpPr>
+        <p:spPr>
+          <a:xfrm>
+            <a:off x="274320" y="274320"/>
+            <a:ext cx="9354312" cy="548640"/>
+          </a:xfrm>
+          <a:prstGeom prst="rect">
+            <a:avLst/>
+          </a:prstGeom>
+          <a:noFill/>
+        </p:spPr>
+        <p:txBody>
+          <a:bodyPr wrap="none">
+            <a:spAutoFit/>
+          </a:bodyPr>
+          <a:lstStyle/>
+          <a:p>
+            <a:pPr>
+              <a:defRPr sz="2000" b="1">
+                <a:solidFill>
+                  <a:srgbClr val="000000"/>
+                </a:solidFill>
+                <a:latin typeface="맑은 고딕"/>
+              </a:defRPr>
+            </a:pPr>
+            <a:r>
+              <a:t>2.6 전략자재 (Strategic Materials) 상세</a:t>
+            </a:r>
+          </a:p>
+        </p:txBody>
+      </p:sp>
+      <p:sp>
+        <p:nvSpPr>
+          <p:cNvPr id="3" name="TextBox 2"/>
+          <p:cNvSpPr txBox="1"/>
+          <p:nvPr/>
+        </p:nvSpPr>
+        <p:spPr>
+          <a:xfrm>
+            <a:off x="274320" y="923544"/>
+            <a:ext cx="9436608" cy="576072"/>
+          </a:xfrm>
+          <a:prstGeom prst="rect">
+            <a:avLst/>
+          </a:prstGeom>
+          <a:noFill/>
+        </p:spPr>
+        <p:txBody>
+          <a:bodyPr wrap="square">
+            <a:spAutoFit/>
+          </a:bodyPr>
+          <a:lstStyle/>
+          <a:p>
+            <a:pPr>
+              <a:defRPr sz="1600" b="1">
+                <a:solidFill>
+                  <a:srgbClr val="666666"/>
+                </a:solidFill>
+                <a:latin typeface="맑은 고딕"/>
+              </a:defRPr>
+            </a:pPr>
+            <a:r>
+              <a:t>공급도 어렵고 금액도 큰 전략자재는 단기 이익보다 장기 파트너십이 핵심입니다.</a:t>
+            </a:r>
+          </a:p>
+        </p:txBody>
+      </p:sp>
+      <p:sp>
+        <p:nvSpPr>
+          <p:cNvPr id="4" name="TextBox 3"/>
+          <p:cNvSpPr txBox="1"/>
+          <p:nvPr/>
+        </p:nvSpPr>
+        <p:spPr>
+          <a:xfrm>
+            <a:off x="914400" y="1828800"/>
+            <a:ext cx="8074152" cy="4114800"/>
+          </a:xfrm>
+          <a:prstGeom prst="rect">
+            <a:avLst/>
+          </a:prstGeom>
+          <a:noFill/>
+        </p:spPr>
+        <p:txBody>
+          <a:bodyPr wrap="square">
+            <a:spAutoFit/>
+          </a:bodyPr>
+          <a:lstStyle/>
+          <a:p>
+            <a:pPr>
+              <a:spcAft>
+                <a:spcPts val="1200"/>
+              </a:spcAft>
+              <a:defRPr sz="1200">
+                <a:solidFill>
+                  <a:srgbClr val="333333"/>
+                </a:solidFill>
+                <a:latin typeface="맑은 고딕"/>
+              </a:defRPr>
+            </a:pPr>
+            <a:r>
+              <a:t>• 정의: 높은 공급 리스크 + 높은 구매 임팩트</a:t>
+            </a:r>
+          </a:p>
+          <a:p>
+            <a:pPr>
+              <a:spcAft>
+                <a:spcPts val="1200"/>
+              </a:spcAft>
+              <a:defRPr sz="1200">
+                <a:solidFill>
+                  <a:srgbClr val="333333"/>
+                </a:solidFill>
+                <a:latin typeface="맑은 고딕"/>
+              </a:defRPr>
+            </a:pPr>
+            <a:r>
+              <a:t>• 특징: 금액도 크고 공급도 어려움, 사업의 성패를 좌우, 대체 불가능, 장기 개발 필요</a:t>
+            </a:r>
+          </a:p>
+          <a:p>
+            <a:pPr>
+              <a:spcAft>
+                <a:spcPts val="1200"/>
+              </a:spcAft>
+              <a:defRPr sz="1200">
+                <a:solidFill>
+                  <a:srgbClr val="333333"/>
+                </a:solidFill>
+                <a:latin typeface="맑은 고딕"/>
+              </a:defRPr>
+            </a:pPr>
+            <a:r>
+              <a:t>• 사례: 핵심 반도체 (AP, SoC), 특수 소재, 장납기 외자재, 독점 기술 부품</a:t>
+            </a:r>
+          </a:p>
+          <a:p>
+            <a:pPr>
+              <a:spcAft>
+                <a:spcPts val="1200"/>
+              </a:spcAft>
+              <a:defRPr sz="1200">
+                <a:solidFill>
+                  <a:srgbClr val="333333"/>
+                </a:solidFill>
+                <a:latin typeface="맑은 고딕"/>
+              </a:defRPr>
+            </a:pPr>
+            <a:r>
+              <a:t>• 핵심 과제: 전략적 파트너십 (Win-Win 협력을 통한 상호 성장)</a:t>
+            </a:r>
+          </a:p>
+          <a:p>
+            <a:pPr>
+              <a:spcAft>
+                <a:spcPts val="1200"/>
+              </a:spcAft>
+              <a:defRPr sz="1200">
+                <a:solidFill>
+                  <a:srgbClr val="333333"/>
+                </a:solidFill>
+                <a:latin typeface="맑은 고딕"/>
+              </a:defRPr>
+            </a:pPr>
+            <a:r>
+              <a:t>• 전략: 장기 계약 (3-5년), 기술 협력, 공동 개발, LTP + Hybrid 계획</a:t>
+            </a:r>
+          </a:p>
+        </p:txBody>
+      </p:sp>
+      <p:sp>
+        <p:nvSpPr>
+          <p:cNvPr id="5" name="TextBox 4"/>
+          <p:cNvSpPr txBox="1"/>
+          <p:nvPr/>
+        </p:nvSpPr>
+        <p:spPr>
+          <a:xfrm>
+            <a:off x="274320" y="6400800"/>
+            <a:ext cx="7315200" cy="274320"/>
+          </a:xfrm>
+          <a:prstGeom prst="rect">
+            <a:avLst/>
+          </a:prstGeom>
+          <a:noFill/>
+        </p:spPr>
+        <p:txBody>
+          <a:bodyPr wrap="none">
+            <a:spAutoFit/>
+          </a:bodyPr>
+          <a:lstStyle/>
+          <a:p>
+            <a:pPr>
+              <a:defRPr sz="800">
+                <a:solidFill>
+                  <a:srgbClr val="666666"/>
+                </a:solidFill>
+                <a:latin typeface="Arial"/>
+              </a:defRPr>
+            </a:pPr>
+            <a:r>
+              <a:t>전략적 재고운영 Foundation</a:t>
+            </a:r>
+          </a:p>
+        </p:txBody>
+      </p:sp>
+      <p:sp>
+        <p:nvSpPr>
+          <p:cNvPr id="6" name="TextBox 5"/>
+          <p:cNvSpPr txBox="1"/>
+          <p:nvPr/>
+        </p:nvSpPr>
+        <p:spPr>
+          <a:xfrm>
+            <a:off x="9144000" y="6400800"/>
+            <a:ext cx="457200" cy="274320"/>
+          </a:xfrm>
+          <a:prstGeom prst="rect">
+            <a:avLst/>
+          </a:prstGeom>
+          <a:noFill/>
+        </p:spPr>
+        <p:txBody>
+          <a:bodyPr wrap="none">
+            <a:spAutoFit/>
+          </a:bodyPr>
+          <a:lstStyle/>
+          <a:p>
+            <a:pPr algn="r">
+              <a:defRPr sz="800">
+                <a:solidFill>
+                  <a:srgbClr val="666666"/>
+                </a:solidFill>
+                <a:latin typeface="Arial"/>
+              </a:defRPr>
+            </a:pPr>
+            <a:r>
+              <a:t>14</a:t>
+            </a:r>
+          </a:p>
+        </p:txBody>
+      </p:sp>
+    </p:spTree>
+  </p:cSld>
+  <p:clrMapOvr>
+    <a:masterClrMapping/>
+  </p:clrMapOvr>
+</p:sld>
+</file>
+
+<file path=ppt/slides/slide15.xml><?xml version="1.0" encoding="utf-8"?>
+<p:sld xmlns:a="http://schemas.openxmlformats.org/drawingml/2006/main" xmlns:p="http://schemas.openxmlformats.org/presentationml/2006/main" xmlns:r="http://schemas.openxmlformats.org/officeDocument/2006/relationships">
+  <p:cSld>
+    <p:spTree>
+      <p:nvGrpSpPr>
+        <p:cNvPr id="1" name=""/>
+        <p:cNvGrpSpPr/>
+        <p:nvPr/>
+      </p:nvGrpSpPr>
+      <p:grpSpPr/>
+      <p:sp>
+        <p:nvSpPr>
+          <p:cNvPr id="2" name="TextBox 1"/>
+          <p:cNvSpPr txBox="1"/>
+          <p:nvPr/>
+        </p:nvSpPr>
+        <p:spPr>
+          <a:xfrm>
+            <a:off x="274320" y="274320"/>
+            <a:ext cx="9354312" cy="548640"/>
+          </a:xfrm>
+          <a:prstGeom prst="rect">
+            <a:avLst/>
+          </a:prstGeom>
+          <a:noFill/>
+        </p:spPr>
+        <p:txBody>
+          <a:bodyPr wrap="none">
+            <a:spAutoFit/>
+          </a:bodyPr>
+          <a:lstStyle/>
+          <a:p>
+            <a:pPr>
+              <a:defRPr sz="2000" b="1">
+                <a:solidFill>
+                  <a:srgbClr val="000000"/>
+                </a:solidFill>
+                <a:latin typeface="맑은 고딕"/>
+              </a:defRPr>
+            </a:pPr>
+            <a:r>
+              <a:t>2.7 일상자재 (Routine Materials) 상세</a:t>
+            </a:r>
+          </a:p>
+        </p:txBody>
+      </p:sp>
+      <p:sp>
+        <p:nvSpPr>
+          <p:cNvPr id="3" name="TextBox 2"/>
+          <p:cNvSpPr txBox="1"/>
+          <p:nvPr/>
+        </p:nvSpPr>
+        <p:spPr>
+          <a:xfrm>
+            <a:off x="274320" y="923544"/>
+            <a:ext cx="9436608" cy="576072"/>
+          </a:xfrm>
+          <a:prstGeom prst="rect">
+            <a:avLst/>
+          </a:prstGeom>
+          <a:noFill/>
+        </p:spPr>
+        <p:txBody>
+          <a:bodyPr wrap="square">
+            <a:spAutoFit/>
+          </a:bodyPr>
+          <a:lstStyle/>
+          <a:p>
+            <a:pPr>
+              <a:defRPr sz="1600" b="1">
+                <a:solidFill>
+                  <a:srgbClr val="666666"/>
+                </a:solidFill>
+                <a:latin typeface="맑은 고딕"/>
+              </a:defRPr>
+            </a:pPr>
+            <a:r>
+              <a:t>금액도 작고 공급도 쉬운 일상자재는 자동화를 통해 관리 비용을 최소화해야 합니다.</a:t>
+            </a:r>
+          </a:p>
+        </p:txBody>
+      </p:sp>
+      <p:sp>
+        <p:nvSpPr>
+          <p:cNvPr id="4" name="TextBox 3"/>
+          <p:cNvSpPr txBox="1"/>
+          <p:nvPr/>
+        </p:nvSpPr>
+        <p:spPr>
+          <a:xfrm>
+            <a:off x="914400" y="1828800"/>
+            <a:ext cx="8074152" cy="4114800"/>
+          </a:xfrm>
+          <a:prstGeom prst="rect">
+            <a:avLst/>
+          </a:prstGeom>
+          <a:noFill/>
+        </p:spPr>
+        <p:txBody>
+          <a:bodyPr wrap="square">
+            <a:spAutoFit/>
+          </a:bodyPr>
+          <a:lstStyle/>
+          <a:p>
+            <a:pPr>
+              <a:spcAft>
+                <a:spcPts val="1200"/>
+              </a:spcAft>
+              <a:defRPr sz="1200">
+                <a:solidFill>
+                  <a:srgbClr val="333333"/>
+                </a:solidFill>
+                <a:latin typeface="맑은 고딕"/>
+              </a:defRPr>
+            </a:pPr>
+            <a:r>
+              <a:t>• 정의: 낮은 공급 리스크 + 낮은 구매 임팩트</a:t>
+            </a:r>
+          </a:p>
+          <a:p>
+            <a:pPr>
+              <a:spcAft>
+                <a:spcPts val="1200"/>
+              </a:spcAft>
+              <a:defRPr sz="1200">
+                <a:solidFill>
+                  <a:srgbClr val="333333"/>
+                </a:solidFill>
+                <a:latin typeface="맑은 고딕"/>
+              </a:defRPr>
+            </a:pPr>
+            <a:r>
+              <a:t>• 특징: 금액도 작고 공급도 쉬움, 하지만 품목 수는 전체의 60-80%, 관리 부담 큼</a:t>
+            </a:r>
+          </a:p>
+          <a:p>
+            <a:pPr>
+              <a:spcAft>
+                <a:spcPts val="1200"/>
+              </a:spcAft>
+              <a:defRPr sz="1200">
+                <a:solidFill>
+                  <a:srgbClr val="333333"/>
+                </a:solidFill>
+                <a:latin typeface="맑은 고딕"/>
+              </a:defRPr>
+            </a:pPr>
+            <a:r>
+              <a:t>• 사례: MRO 품목 (볼트, 너트), 사무용품, 소모품 전반</a:t>
+            </a:r>
+          </a:p>
+          <a:p>
+            <a:pPr>
+              <a:spcAft>
+                <a:spcPts val="1200"/>
+              </a:spcAft>
+              <a:defRPr sz="1200">
+                <a:solidFill>
+                  <a:srgbClr val="333333"/>
+                </a:solidFill>
+                <a:latin typeface="맑은 고딕"/>
+              </a:defRPr>
+            </a:pPr>
+            <a:r>
+              <a:t>• 핵심 과제: 효율화 &amp; 자동화 (최소한의 노력으로 관리)</a:t>
+            </a:r>
+          </a:p>
+          <a:p>
+            <a:pPr>
+              <a:spcAft>
+                <a:spcPts val="1200"/>
+              </a:spcAft>
+              <a:defRPr sz="1200">
+                <a:solidFill>
+                  <a:srgbClr val="333333"/>
+                </a:solidFill>
+                <a:latin typeface="맑은 고딕"/>
+              </a:defRPr>
+            </a:pPr>
+            <a:r>
+              <a:t>• 전략: E-Procurement, VMI, 통합 발주, Min-Max 자동 보충</a:t>
+            </a:r>
+          </a:p>
+        </p:txBody>
+      </p:sp>
+      <p:sp>
+        <p:nvSpPr>
+          <p:cNvPr id="5" name="TextBox 4"/>
+          <p:cNvSpPr txBox="1"/>
+          <p:nvPr/>
+        </p:nvSpPr>
+        <p:spPr>
+          <a:xfrm>
+            <a:off x="274320" y="6400800"/>
+            <a:ext cx="7315200" cy="274320"/>
+          </a:xfrm>
+          <a:prstGeom prst="rect">
+            <a:avLst/>
+          </a:prstGeom>
+          <a:noFill/>
+        </p:spPr>
+        <p:txBody>
+          <a:bodyPr wrap="none">
+            <a:spAutoFit/>
+          </a:bodyPr>
+          <a:lstStyle/>
+          <a:p>
+            <a:pPr>
+              <a:defRPr sz="800">
+                <a:solidFill>
+                  <a:srgbClr val="666666"/>
+                </a:solidFill>
+                <a:latin typeface="Arial"/>
+              </a:defRPr>
+            </a:pPr>
+            <a:r>
+              <a:t>전략적 재고운영 Foundation</a:t>
+            </a:r>
+          </a:p>
+        </p:txBody>
+      </p:sp>
+      <p:sp>
+        <p:nvSpPr>
+          <p:cNvPr id="6" name="TextBox 5"/>
+          <p:cNvSpPr txBox="1"/>
+          <p:nvPr/>
+        </p:nvSpPr>
+        <p:spPr>
+          <a:xfrm>
+            <a:off x="9144000" y="6400800"/>
+            <a:ext cx="457200" cy="274320"/>
+          </a:xfrm>
+          <a:prstGeom prst="rect">
+            <a:avLst/>
+          </a:prstGeom>
+          <a:noFill/>
+        </p:spPr>
+        <p:txBody>
+          <a:bodyPr wrap="none">
+            <a:spAutoFit/>
+          </a:bodyPr>
+          <a:lstStyle/>
+          <a:p>
+            <a:pPr algn="r">
+              <a:defRPr sz="800">
+                <a:solidFill>
+                  <a:srgbClr val="666666"/>
+                </a:solidFill>
+                <a:latin typeface="Arial"/>
+              </a:defRPr>
+            </a:pPr>
+            <a:r>
+              <a:t>15</a:t>
+            </a:r>
+          </a:p>
+        </p:txBody>
+      </p:sp>
+    </p:spTree>
+  </p:cSld>
+  <p:clrMapOvr>
+    <a:masterClrMapping/>
+  </p:clrMapOvr>
+</p:sld>
+</file>
+
+<file path=ppt/slides/slide16.xml><?xml version="1.0" encoding="utf-8"?>
+<p:sld xmlns:a="http://schemas.openxmlformats.org/drawingml/2006/main" xmlns:p="http://schemas.openxmlformats.org/presentationml/2006/main" xmlns:r="http://schemas.openxmlformats.org/officeDocument/2006/relationships">
+  <p:cSld>
+    <p:spTree>
+      <p:nvGrpSpPr>
+        <p:cNvPr id="1" name=""/>
+        <p:cNvGrpSpPr/>
+        <p:nvPr/>
+      </p:nvGrpSpPr>
+      <p:grpSpPr/>
+      <p:sp>
+        <p:nvSpPr>
+          <p:cNvPr id="2" name="TextBox 1"/>
+          <p:cNvSpPr txBox="1"/>
+          <p:nvPr/>
+        </p:nvSpPr>
+        <p:spPr>
+          <a:xfrm>
+            <a:off x="1828800" y="2286000"/>
+            <a:ext cx="6245352" cy="1828800"/>
+          </a:xfrm>
+          <a:prstGeom prst="rect">
+            <a:avLst/>
+          </a:prstGeom>
+          <a:noFill/>
+        </p:spPr>
+        <p:txBody>
+          <a:bodyPr wrap="none">
+            <a:spAutoFit/>
+          </a:bodyPr>
+          <a:lstStyle/>
+          <a:p>
+            <a:pPr algn="ctr">
+              <a:defRPr sz="7200" b="1">
+                <a:solidFill>
+                  <a:srgbClr val="333333"/>
+                </a:solidFill>
+                <a:latin typeface="맑은 고딕"/>
+              </a:defRPr>
+            </a:pPr>
+            <a:r>
+              <a:t>3장</a:t>
+            </a:r>
+          </a:p>
+        </p:txBody>
+      </p:sp>
+      <p:sp>
+        <p:nvSpPr>
+          <p:cNvPr id="3" name="TextBox 2"/>
+          <p:cNvSpPr txBox="1"/>
+          <p:nvPr/>
+        </p:nvSpPr>
+        <p:spPr>
+          <a:xfrm>
+            <a:off x="1828800" y="4297680"/>
+            <a:ext cx="6245352" cy="731520"/>
+          </a:xfrm>
+          <a:prstGeom prst="rect">
+            <a:avLst/>
+          </a:prstGeom>
+          <a:noFill/>
+        </p:spPr>
+        <p:txBody>
+          <a:bodyPr wrap="none">
+            <a:spAutoFit/>
+          </a:bodyPr>
+          <a:lstStyle/>
+          <a:p>
+            <a:pPr algn="ctr">
+              <a:defRPr sz="2400">
+                <a:solidFill>
+                  <a:srgbClr val="666666"/>
+                </a:solidFill>
+                <a:latin typeface="맑은 고딕"/>
+              </a:defRPr>
+            </a:pPr>
+            <a:r>
+              <a:t>자재군별 차별화 전략</a:t>
+            </a:r>
+          </a:p>
+        </p:txBody>
+      </p:sp>
+      <p:sp>
+        <p:nvSpPr>
+          <p:cNvPr id="4" name="TextBox 3"/>
+          <p:cNvSpPr txBox="1"/>
+          <p:nvPr/>
+        </p:nvSpPr>
+        <p:spPr>
+          <a:xfrm>
+            <a:off x="274320" y="6400800"/>
+            <a:ext cx="7315200" cy="274320"/>
+          </a:xfrm>
+          <a:prstGeom prst="rect">
+            <a:avLst/>
+          </a:prstGeom>
+          <a:noFill/>
+        </p:spPr>
+        <p:txBody>
+          <a:bodyPr wrap="none">
+            <a:spAutoFit/>
+          </a:bodyPr>
+          <a:lstStyle/>
+          <a:p>
+            <a:pPr>
+              <a:defRPr sz="800">
+                <a:solidFill>
+                  <a:srgbClr val="666666"/>
+                </a:solidFill>
+                <a:latin typeface="Arial"/>
+              </a:defRPr>
+            </a:pPr>
+            <a:r>
+              <a:t>전략적 재고운영 Foundation</a:t>
+            </a:r>
+          </a:p>
+        </p:txBody>
+      </p:sp>
+      <p:sp>
+        <p:nvSpPr>
+          <p:cNvPr id="5" name="TextBox 4"/>
+          <p:cNvSpPr txBox="1"/>
+          <p:nvPr/>
+        </p:nvSpPr>
+        <p:spPr>
+          <a:xfrm>
+            <a:off x="9144000" y="6400800"/>
+            <a:ext cx="457200" cy="274320"/>
+          </a:xfrm>
+          <a:prstGeom prst="rect">
+            <a:avLst/>
+          </a:prstGeom>
+          <a:noFill/>
+        </p:spPr>
+        <p:txBody>
+          <a:bodyPr wrap="none">
+            <a:spAutoFit/>
+          </a:bodyPr>
+          <a:lstStyle/>
+          <a:p>
+            <a:pPr algn="r">
+              <a:defRPr sz="800">
+                <a:solidFill>
+                  <a:srgbClr val="666666"/>
+                </a:solidFill>
+                <a:latin typeface="Arial"/>
+              </a:defRPr>
+            </a:pPr>
+            <a:r>
+              <a:t>16</a:t>
+            </a:r>
+          </a:p>
+        </p:txBody>
+      </p:sp>
+    </p:spTree>
+  </p:cSld>
+  <p:clrMapOvr>
+    <a:masterClrMapping/>
+  </p:clrMapOvr>
+</p:sld>
+</file>
+
+<file path=ppt/slides/slide17.xml><?xml version="1.0" encoding="utf-8"?>
+<p:sld xmlns:a="http://schemas.openxmlformats.org/drawingml/2006/main" xmlns:p="http://schemas.openxmlformats.org/presentationml/2006/main" xmlns:r="http://schemas.openxmlformats.org/officeDocument/2006/relationships">
+  <p:cSld>
+    <p:spTree>
+      <p:nvGrpSpPr>
+        <p:cNvPr id="1" name=""/>
+        <p:cNvGrpSpPr/>
+        <p:nvPr/>
+      </p:nvGrpSpPr>
+      <p:grpSpPr/>
+      <p:sp>
+        <p:nvSpPr>
+          <p:cNvPr id="2" name="TextBox 1"/>
+          <p:cNvSpPr txBox="1"/>
+          <p:nvPr/>
+        </p:nvSpPr>
+        <p:spPr>
+          <a:xfrm>
+            <a:off x="274320" y="274320"/>
+            <a:ext cx="9354312" cy="548640"/>
+          </a:xfrm>
+          <a:prstGeom prst="rect">
+            <a:avLst/>
+          </a:prstGeom>
+          <a:noFill/>
+        </p:spPr>
+        <p:txBody>
+          <a:bodyPr wrap="none">
+            <a:spAutoFit/>
+          </a:bodyPr>
+          <a:lstStyle/>
+          <a:p>
+            <a:pPr>
+              <a:defRPr sz="2000" b="1">
+                <a:solidFill>
+                  <a:srgbClr val="000000"/>
+                </a:solidFill>
+                <a:latin typeface="맑은 고딕"/>
+              </a:defRPr>
+            </a:pPr>
+            <a:r>
+              <a:t>3.1 차별화가 필수인 이유</a:t>
+            </a:r>
+          </a:p>
+        </p:txBody>
+      </p:sp>
+      <p:sp>
+        <p:nvSpPr>
+          <p:cNvPr id="3" name="TextBox 2"/>
+          <p:cNvSpPr txBox="1"/>
+          <p:nvPr/>
+        </p:nvSpPr>
+        <p:spPr>
+          <a:xfrm>
+            <a:off x="274320" y="923544"/>
+            <a:ext cx="9436608" cy="576072"/>
+          </a:xfrm>
+          <a:prstGeom prst="rect">
+            <a:avLst/>
+          </a:prstGeom>
+          <a:noFill/>
+        </p:spPr>
+        <p:txBody>
+          <a:bodyPr wrap="square">
+            <a:spAutoFit/>
+          </a:bodyPr>
+          <a:lstStyle/>
+          <a:p>
+            <a:pPr>
+              <a:defRPr sz="1600" b="1">
+                <a:solidFill>
+                  <a:srgbClr val="666666"/>
+                </a:solidFill>
+                <a:latin typeface="맑은 고딕"/>
+              </a:defRPr>
+            </a:pPr>
+            <a:r>
+              <a:t>모든 자재를 동일하게 관리하면 전략자재는 공급 중단, 레버리지자재는 원가 경쟁력 상실, 병목자재는 결품 발생, 일상자재는 인력 낭비가 발생합니다.</a:t>
+            </a:r>
+          </a:p>
+        </p:txBody>
+      </p:sp>
+      <p:sp>
+        <p:nvSpPr>
+          <p:cNvPr id="4" name="TextBox 3"/>
+          <p:cNvSpPr txBox="1"/>
+          <p:nvPr/>
+        </p:nvSpPr>
+        <p:spPr>
+          <a:xfrm>
+            <a:off x="914400" y="1828800"/>
+            <a:ext cx="8074152" cy="4114800"/>
+          </a:xfrm>
+          <a:prstGeom prst="rect">
+            <a:avLst/>
+          </a:prstGeom>
+          <a:noFill/>
+        </p:spPr>
+        <p:txBody>
+          <a:bodyPr wrap="square">
+            <a:spAutoFit/>
+          </a:bodyPr>
+          <a:lstStyle/>
+          <a:p>
+            <a:pPr>
+              <a:spcAft>
+                <a:spcPts val="1200"/>
+              </a:spcAft>
+              <a:defRPr sz="1200">
+                <a:solidFill>
+                  <a:srgbClr val="333333"/>
+                </a:solidFill>
+                <a:latin typeface="맑은 고딕"/>
+              </a:defRPr>
+            </a:pPr>
+            <a:r>
+              <a:t>• 획일적 관리의 문제점:</a:t>
+            </a:r>
+          </a:p>
+          <a:p>
+            <a:pPr>
+              <a:spcAft>
+                <a:spcPts val="1200"/>
+              </a:spcAft>
+              <a:defRPr sz="1200">
+                <a:solidFill>
+                  <a:srgbClr val="333333"/>
+                </a:solidFill>
+                <a:latin typeface="맑은 고딕"/>
+              </a:defRPr>
+            </a:pPr>
+            <a:r>
+              <a:t>  - 전략자재에 원가 절감 압박 → 공급업체 이탈 → 생산 중단</a:t>
+            </a:r>
+          </a:p>
+          <a:p>
+            <a:pPr>
+              <a:spcAft>
+                <a:spcPts val="1200"/>
+              </a:spcAft>
+              <a:defRPr sz="1200">
+                <a:solidFill>
+                  <a:srgbClr val="333333"/>
+                </a:solidFill>
+                <a:latin typeface="맑은 고딕"/>
+              </a:defRPr>
+            </a:pPr>
+            <a:r>
+              <a:t>  - 레버리지자재에 높은 안전재고 → 재고 비용 증가 → 원가 경쟁력 상실</a:t>
+            </a:r>
+          </a:p>
+          <a:p>
+            <a:pPr>
+              <a:spcAft>
+                <a:spcPts val="1200"/>
+              </a:spcAft>
+              <a:defRPr sz="1200">
+                <a:solidFill>
+                  <a:srgbClr val="333333"/>
+                </a:solidFill>
+                <a:latin typeface="맑은 고딕"/>
+              </a:defRPr>
+            </a:pPr>
+            <a:r>
+              <a:t>  - 병목자재를 소홀히 관리 → 결품 발생 → 생산 라인 정지</a:t>
+            </a:r>
+          </a:p>
+          <a:p>
+            <a:pPr>
+              <a:spcAft>
+                <a:spcPts val="1200"/>
+              </a:spcAft>
+              <a:defRPr sz="1200">
+                <a:solidFill>
+                  <a:srgbClr val="333333"/>
+                </a:solidFill>
+                <a:latin typeface="맑은 고딕"/>
+              </a:defRPr>
+            </a:pPr>
+            <a:r>
+              <a:t>  - 일상자재에 과도한 관리 → 인력 낭비 → 전략 업무 소홀</a:t>
+            </a:r>
+          </a:p>
+        </p:txBody>
+      </p:sp>
+      <p:sp>
+        <p:nvSpPr>
+          <p:cNvPr id="5" name="TextBox 4"/>
+          <p:cNvSpPr txBox="1"/>
+          <p:nvPr/>
+        </p:nvSpPr>
+        <p:spPr>
+          <a:xfrm>
+            <a:off x="274320" y="6400800"/>
+            <a:ext cx="7315200" cy="274320"/>
+          </a:xfrm>
+          <a:prstGeom prst="rect">
+            <a:avLst/>
+          </a:prstGeom>
+          <a:noFill/>
+        </p:spPr>
+        <p:txBody>
+          <a:bodyPr wrap="none">
+            <a:spAutoFit/>
+          </a:bodyPr>
+          <a:lstStyle/>
+          <a:p>
+            <a:pPr>
+              <a:defRPr sz="800">
+                <a:solidFill>
+                  <a:srgbClr val="666666"/>
+                </a:solidFill>
+                <a:latin typeface="Arial"/>
+              </a:defRPr>
+            </a:pPr>
+            <a:r>
+              <a:t>전략적 재고운영 Foundation</a:t>
+            </a:r>
+          </a:p>
+        </p:txBody>
+      </p:sp>
+      <p:sp>
+        <p:nvSpPr>
+          <p:cNvPr id="6" name="TextBox 5"/>
+          <p:cNvSpPr txBox="1"/>
+          <p:nvPr/>
+        </p:nvSpPr>
+        <p:spPr>
+          <a:xfrm>
+            <a:off x="9144000" y="6400800"/>
+            <a:ext cx="457200" cy="274320"/>
+          </a:xfrm>
+          <a:prstGeom prst="rect">
+            <a:avLst/>
+          </a:prstGeom>
+          <a:noFill/>
+        </p:spPr>
+        <p:txBody>
+          <a:bodyPr wrap="none">
+            <a:spAutoFit/>
+          </a:bodyPr>
+          <a:lstStyle/>
+          <a:p>
+            <a:pPr algn="r">
+              <a:defRPr sz="800">
+                <a:solidFill>
+                  <a:srgbClr val="666666"/>
+                </a:solidFill>
+                <a:latin typeface="Arial"/>
+              </a:defRPr>
+            </a:pPr>
+            <a:r>
+              <a:t>17</a:t>
+            </a:r>
+          </a:p>
+        </p:txBody>
+      </p:sp>
+    </p:spTree>
+  </p:cSld>
+  <p:clrMapOvr>
+    <a:masterClrMapping/>
+  </p:clrMapOvr>
+</p:sld>
+</file>
+
+<file path=ppt/slides/slide18.xml><?xml version="1.0" encoding="utf-8"?>
+<p:sld xmlns:a="http://schemas.openxmlformats.org/drawingml/2006/main" xmlns:p="http://schemas.openxmlformats.org/presentationml/2006/main" xmlns:r="http://schemas.openxmlformats.org/officeDocument/2006/relationships">
+  <p:cSld>
+    <p:spTree>
+      <p:nvGrpSpPr>
+        <p:cNvPr id="1" name=""/>
+        <p:cNvGrpSpPr/>
+        <p:nvPr/>
+      </p:nvGrpSpPr>
+      <p:grpSpPr/>
+      <p:sp>
+        <p:nvSpPr>
+          <p:cNvPr id="2" name="TextBox 1"/>
+          <p:cNvSpPr txBox="1"/>
+          <p:nvPr/>
+        </p:nvSpPr>
+        <p:spPr>
+          <a:xfrm>
+            <a:off x="274320" y="274320"/>
+            <a:ext cx="9354312" cy="548640"/>
+          </a:xfrm>
+          <a:prstGeom prst="rect">
+            <a:avLst/>
+          </a:prstGeom>
+          <a:noFill/>
+        </p:spPr>
+        <p:txBody>
+          <a:bodyPr wrap="none">
+            <a:spAutoFit/>
+          </a:bodyPr>
+          <a:lstStyle/>
+          <a:p>
+            <a:pPr>
+              <a:defRPr sz="2000" b="1">
+                <a:solidFill>
+                  <a:srgbClr val="000000"/>
+                </a:solidFill>
+                <a:latin typeface="맑은 고딕"/>
+              </a:defRPr>
+            </a:pPr>
+            <a:r>
+              <a:t>3.2 자재군별 차별화 전략 매트릭스</a:t>
+            </a:r>
+          </a:p>
+        </p:txBody>
+      </p:sp>
+      <p:sp>
+        <p:nvSpPr>
+          <p:cNvPr id="3" name="TextBox 2"/>
+          <p:cNvSpPr txBox="1"/>
+          <p:nvPr/>
+        </p:nvSpPr>
+        <p:spPr>
+          <a:xfrm>
+            <a:off x="274320" y="923544"/>
+            <a:ext cx="9436608" cy="576072"/>
+          </a:xfrm>
+          <a:prstGeom prst="rect">
+            <a:avLst/>
+          </a:prstGeom>
+          <a:noFill/>
+        </p:spPr>
+        <p:txBody>
+          <a:bodyPr wrap="square">
+            <a:spAutoFit/>
+          </a:bodyPr>
+          <a:lstStyle/>
+          <a:p>
+            <a:pPr>
+              <a:defRPr sz="1600" b="1">
+                <a:solidFill>
+                  <a:srgbClr val="666666"/>
+                </a:solidFill>
+                <a:latin typeface="맑은 고딕"/>
+              </a:defRPr>
+            </a:pPr>
+            <a:r>
+              <a:t>자재군별로 관리 목표, 우선순위, 안전재고 수준, 발주 방식을 차별화해야 전체 최적화가 가능합니다.</a:t>
+            </a:r>
+          </a:p>
+        </p:txBody>
+      </p:sp>
+      <p:graphicFrame>
+        <p:nvGraphicFramePr>
+          <p:cNvPr id="4" name="Table 3"/>
+          <p:cNvGraphicFramePr>
+            <a:graphicFrameLocks noGrp="1"/>
+          </p:cNvGraphicFramePr>
+          <p:nvPr/>
+        </p:nvGraphicFramePr>
+        <p:xfrm>
+          <a:off x="274320" y="1645920"/>
+          <a:ext cx="9354312" cy="4114800"/>
+        </p:xfrm>
+        <a:graphic>
+          <a:graphicData uri="http://schemas.openxmlformats.org/drawingml/2006/table">
+            <a:tbl>
+              <a:tblPr firstRow="1" bandRow="1">
+                <a:tableStyleId>{5C22544A-7EE6-4342-B048-85BDC9FD1C3A}</a:tableStyleId>
+              </a:tblPr>
+              <a:tblGrid>
+                <a:gridCol w="1870862"/>
+                <a:gridCol w="1870862"/>
+                <a:gridCol w="1870862"/>
+                <a:gridCol w="1870862"/>
+                <a:gridCol w="1870864"/>
+              </a:tblGrid>
+              <a:tr h="822960">
+                <a:tc>
+                  <a:txBody>
+                    <a:bodyPr/>
+                    <a:lstStyle/>
+                    <a:p>
+                      <a:pPr algn="ctr">
+                        <a:defRPr sz="1100" b="1">
+                          <a:solidFill>
+                            <a:srgbClr val="FFFFFF"/>
+                          </a:solidFill>
+                          <a:latin typeface="맑은 고딕"/>
+                        </a:defRPr>
+                      </a:pPr>
+                      <a:r>
+                        <a:t>구분</a:t>
+                      </a:r>
+                    </a:p>
+                  </a:txBody>
+                  <a:tcPr>
+                    <a:solidFill>
+                      <a:srgbClr val="333333"/>
+                    </a:solidFill>
+                  </a:tcPr>
+                </a:tc>
+                <a:tc>
+                  <a:txBody>
+                    <a:bodyPr/>
+                    <a:lstStyle/>
+                    <a:p>
+                      <a:pPr algn="ctr">
+                        <a:defRPr sz="1100" b="1">
+                          <a:solidFill>
+                            <a:srgbClr val="FFFFFF"/>
+                          </a:solidFill>
+                          <a:latin typeface="맑은 고딕"/>
+                        </a:defRPr>
+                      </a:pPr>
+                      <a:r>
+                        <a:t>병목</a:t>
+                      </a:r>
+                    </a:p>
+                  </a:txBody>
+                  <a:tcPr>
+                    <a:solidFill>
+                      <a:srgbClr val="333333"/>
+                    </a:solidFill>
+                  </a:tcPr>
+                </a:tc>
+                <a:tc>
+                  <a:txBody>
+                    <a:bodyPr/>
+                    <a:lstStyle/>
+                    <a:p>
+                      <a:pPr algn="ctr">
+                        <a:defRPr sz="1100" b="1">
+                          <a:solidFill>
+                            <a:srgbClr val="FFFFFF"/>
+                          </a:solidFill>
+                          <a:latin typeface="맑은 고딕"/>
+                        </a:defRPr>
+                      </a:pPr>
+                      <a:r>
+                        <a:t>레버리지</a:t>
+                      </a:r>
+                    </a:p>
+                  </a:txBody>
+                  <a:tcPr>
+                    <a:solidFill>
+                      <a:srgbClr val="333333"/>
+                    </a:solidFill>
+                  </a:tcPr>
+                </a:tc>
+                <a:tc>
+                  <a:txBody>
+                    <a:bodyPr/>
+                    <a:lstStyle/>
+                    <a:p>
+                      <a:pPr algn="ctr">
+                        <a:defRPr sz="1100" b="1">
+                          <a:solidFill>
+                            <a:srgbClr val="FFFFFF"/>
+                          </a:solidFill>
+                          <a:latin typeface="맑은 고딕"/>
+                        </a:defRPr>
+                      </a:pPr>
+                      <a:r>
+                        <a:t>전략</a:t>
+                      </a:r>
+                    </a:p>
+                  </a:txBody>
+                  <a:tcPr>
+                    <a:solidFill>
+                      <a:srgbClr val="333333"/>
+                    </a:solidFill>
+                  </a:tcPr>
+                </a:tc>
+                <a:tc>
+                  <a:txBody>
+                    <a:bodyPr/>
+                    <a:lstStyle/>
+                    <a:p>
+                      <a:pPr algn="ctr">
+                        <a:defRPr sz="1100" b="1">
+                          <a:solidFill>
+                            <a:srgbClr val="FFFFFF"/>
+                          </a:solidFill>
+                          <a:latin typeface="맑은 고딕"/>
+                        </a:defRPr>
+                      </a:pPr>
+                      <a:r>
+                        <a:t>일상</a:t>
+                      </a:r>
+                    </a:p>
+                  </a:txBody>
+                  <a:tcPr>
+                    <a:solidFill>
+                      <a:srgbClr val="333333"/>
+                    </a:solidFill>
+                  </a:tcPr>
+                </a:tc>
+              </a:tr>
+              <a:tr h="822960">
+                <a:tc>
+                  <a:txBody>
+                    <a:bodyPr/>
+                    <a:lstStyle/>
+                    <a:p>
+                      <a:pPr algn="l">
+                        <a:defRPr sz="900">
+                          <a:solidFill>
+                            <a:srgbClr val="333333"/>
+                          </a:solidFill>
+                          <a:latin typeface="맑은 고딕"/>
+                        </a:defRPr>
+                      </a:pPr>
+                      <a:r>
+                        <a:t>관리 목표</a:t>
+                      </a:r>
+                    </a:p>
+                  </a:txBody>
+                  <a:tcPr/>
+                </a:tc>
+                <a:tc>
+                  <a:txBody>
+                    <a:bodyPr/>
+                    <a:lstStyle/>
+                    <a:p>
+                      <a:pPr algn="ctr">
+                        <a:defRPr sz="900">
+                          <a:solidFill>
+                            <a:srgbClr val="333333"/>
+                          </a:solidFill>
+                          <a:latin typeface="맑은 고딕"/>
+                        </a:defRPr>
+                      </a:pPr>
+                      <a:r>
+                        <a:t>공급 확보</a:t>
+                      </a:r>
+                    </a:p>
+                  </a:txBody>
+                  <a:tcPr/>
+                </a:tc>
+                <a:tc>
+                  <a:txBody>
+                    <a:bodyPr/>
+                    <a:lstStyle/>
+                    <a:p>
+                      <a:pPr algn="ctr">
+                        <a:defRPr sz="900">
+                          <a:solidFill>
+                            <a:srgbClr val="333333"/>
+                          </a:solidFill>
+                          <a:latin typeface="맑은 고딕"/>
+                        </a:defRPr>
+                      </a:pPr>
+                      <a:r>
+                        <a:t>원가 절감</a:t>
+                      </a:r>
+                    </a:p>
+                  </a:txBody>
+                  <a:tcPr/>
+                </a:tc>
+                <a:tc>
+                  <a:txBody>
+                    <a:bodyPr/>
+                    <a:lstStyle/>
+                    <a:p>
+                      <a:pPr algn="ctr">
+                        <a:defRPr sz="900">
+                          <a:solidFill>
+                            <a:srgbClr val="333333"/>
+                          </a:solidFill>
+                          <a:latin typeface="맑은 고딕"/>
+                        </a:defRPr>
+                      </a:pPr>
+                      <a:r>
+                        <a:t>파트너십</a:t>
+                      </a:r>
+                    </a:p>
+                  </a:txBody>
+                  <a:tcPr/>
+                </a:tc>
+                <a:tc>
+                  <a:txBody>
+                    <a:bodyPr/>
+                    <a:lstStyle/>
+                    <a:p>
+                      <a:pPr algn="ctr">
+                        <a:defRPr sz="900">
+                          <a:solidFill>
+                            <a:srgbClr val="333333"/>
+                          </a:solidFill>
+                          <a:latin typeface="맑은 고딕"/>
+                        </a:defRPr>
+                      </a:pPr>
+                      <a:r>
+                        <a:t>효율화</a:t>
+                      </a:r>
+                    </a:p>
+                  </a:txBody>
+                  <a:tcPr/>
+                </a:tc>
+              </a:tr>
+              <a:tr h="822960">
+                <a:tc>
+                  <a:txBody>
+                    <a:bodyPr/>
+                    <a:lstStyle/>
+                    <a:p>
+                      <a:pPr algn="l">
+                        <a:defRPr sz="900">
+                          <a:solidFill>
+                            <a:srgbClr val="333333"/>
+                          </a:solidFill>
+                          <a:latin typeface="맑은 고딕"/>
+                        </a:defRPr>
+                      </a:pPr>
+                      <a:r>
+                        <a:t>안전재고</a:t>
+                      </a:r>
+                    </a:p>
+                  </a:txBody>
+                  <a:tcPr>
+                    <a:solidFill>
+                      <a:srgbClr val="E6E6E6"/>
+                    </a:solidFill>
+                  </a:tcPr>
+                </a:tc>
+                <a:tc>
+                  <a:txBody>
+                    <a:bodyPr/>
+                    <a:lstStyle/>
+                    <a:p>
+                      <a:pPr algn="ctr">
+                        <a:defRPr sz="900">
+                          <a:solidFill>
+                            <a:srgbClr val="333333"/>
+                          </a:solidFill>
+                          <a:latin typeface="맑은 고딕"/>
+                        </a:defRPr>
+                      </a:pPr>
+                      <a:r>
+                        <a:t>높음 (4-8주)</a:t>
+                      </a:r>
+                    </a:p>
+                  </a:txBody>
+                  <a:tcPr>
+                    <a:solidFill>
+                      <a:srgbClr val="E6E6E6"/>
+                    </a:solidFill>
+                  </a:tcPr>
+                </a:tc>
+                <a:tc>
+                  <a:txBody>
+                    <a:bodyPr/>
+                    <a:lstStyle/>
+                    <a:p>
+                      <a:pPr algn="ctr">
+                        <a:defRPr sz="900">
+                          <a:solidFill>
+                            <a:srgbClr val="333333"/>
+                          </a:solidFill>
+                          <a:latin typeface="맑은 고딕"/>
+                        </a:defRPr>
+                      </a:pPr>
+                      <a:r>
+                        <a:t>낮음 (1-2주)</a:t>
+                      </a:r>
+                    </a:p>
+                  </a:txBody>
+                  <a:tcPr>
+                    <a:solidFill>
+                      <a:srgbClr val="E6E6E6"/>
+                    </a:solidFill>
+                  </a:tcPr>
+                </a:tc>
+                <a:tc>
+                  <a:txBody>
+                    <a:bodyPr/>
+                    <a:lstStyle/>
+                    <a:p>
+                      <a:pPr algn="ctr">
+                        <a:defRPr sz="900">
+                          <a:solidFill>
+                            <a:srgbClr val="333333"/>
+                          </a:solidFill>
+                          <a:latin typeface="맑은 고딕"/>
+                        </a:defRPr>
+                      </a:pPr>
+                      <a:r>
+                        <a:t>중상 (3-6주)</a:t>
+                      </a:r>
+                    </a:p>
+                  </a:txBody>
+                  <a:tcPr>
+                    <a:solidFill>
+                      <a:srgbClr val="E6E6E6"/>
+                    </a:solidFill>
+                  </a:tcPr>
+                </a:tc>
+                <a:tc>
+                  <a:txBody>
+                    <a:bodyPr/>
+                    <a:lstStyle/>
+                    <a:p>
+                      <a:pPr algn="ctr">
+                        <a:defRPr sz="900">
+                          <a:solidFill>
+                            <a:srgbClr val="333333"/>
+                          </a:solidFill>
+                          <a:latin typeface="맑은 고딕"/>
+                        </a:defRPr>
+                      </a:pPr>
+                      <a:r>
+                        <a:t>최소 (1주)</a:t>
+                      </a:r>
+                    </a:p>
+                  </a:txBody>
+                  <a:tcPr>
+                    <a:solidFill>
+                      <a:srgbClr val="E6E6E6"/>
+                    </a:solidFill>
+                  </a:tcPr>
+                </a:tc>
+              </a:tr>
+              <a:tr h="822960">
+                <a:tc>
+                  <a:txBody>
+                    <a:bodyPr/>
+                    <a:lstStyle/>
+                    <a:p>
+                      <a:pPr algn="l">
+                        <a:defRPr sz="900">
+                          <a:solidFill>
+                            <a:srgbClr val="333333"/>
+                          </a:solidFill>
+                          <a:latin typeface="맑은 고딕"/>
+                        </a:defRPr>
+                      </a:pPr>
+                      <a:r>
+                        <a:t>발주 방식</a:t>
+                      </a:r>
+                    </a:p>
+                  </a:txBody>
+                  <a:tcPr/>
+                </a:tc>
+                <a:tc>
+                  <a:txBody>
+                    <a:bodyPr/>
+                    <a:lstStyle/>
+                    <a:p>
+                      <a:pPr algn="ctr">
+                        <a:defRPr sz="900">
+                          <a:solidFill>
+                            <a:srgbClr val="333333"/>
+                          </a:solidFill>
+                          <a:latin typeface="맑은 고딕"/>
+                        </a:defRPr>
+                      </a:pPr>
+                      <a:r>
+                        <a:t>ROP</a:t>
+                      </a:r>
+                    </a:p>
+                  </a:txBody>
+                  <a:tcPr/>
+                </a:tc>
+                <a:tc>
+                  <a:txBody>
+                    <a:bodyPr/>
+                    <a:lstStyle/>
+                    <a:p>
+                      <a:pPr algn="ctr">
+                        <a:defRPr sz="900">
+                          <a:solidFill>
+                            <a:srgbClr val="333333"/>
+                          </a:solidFill>
+                          <a:latin typeface="맑은 고딕"/>
+                        </a:defRPr>
+                      </a:pPr>
+                      <a:r>
+                        <a:t>MRP</a:t>
+                      </a:r>
+                    </a:p>
+                  </a:txBody>
+                  <a:tcPr/>
+                </a:tc>
+                <a:tc>
+                  <a:txBody>
+                    <a:bodyPr/>
+                    <a:lstStyle/>
+                    <a:p>
+                      <a:pPr algn="ctr">
+                        <a:defRPr sz="900">
+                          <a:solidFill>
+                            <a:srgbClr val="333333"/>
+                          </a:solidFill>
+                          <a:latin typeface="맑은 고딕"/>
+                        </a:defRPr>
+                      </a:pPr>
+                      <a:r>
+                        <a:t>LTP+Hybrid</a:t>
+                      </a:r>
+                    </a:p>
+                  </a:txBody>
+                  <a:tcPr/>
+                </a:tc>
+                <a:tc>
+                  <a:txBody>
+                    <a:bodyPr/>
+                    <a:lstStyle/>
+                    <a:p>
+                      <a:pPr algn="ctr">
+                        <a:defRPr sz="900">
+                          <a:solidFill>
+                            <a:srgbClr val="333333"/>
+                          </a:solidFill>
+                          <a:latin typeface="맑은 고딕"/>
+                        </a:defRPr>
+                      </a:pPr>
+                      <a:r>
+                        <a:t>Min-Max/VMI</a:t>
+                      </a:r>
+                    </a:p>
+                  </a:txBody>
+                  <a:tcPr/>
+                </a:tc>
+              </a:tr>
+              <a:tr h="822960">
+                <a:tc>
+                  <a:txBody>
+                    <a:bodyPr/>
+                    <a:lstStyle/>
+                    <a:p>
+                      <a:pPr algn="l">
+                        <a:defRPr sz="900">
+                          <a:solidFill>
+                            <a:srgbClr val="333333"/>
+                          </a:solidFill>
+                          <a:latin typeface="맑은 고딕"/>
+                        </a:defRPr>
+                      </a:pPr>
+                      <a:r>
+                        <a:t>공급업체</a:t>
+                      </a:r>
+                    </a:p>
+                  </a:txBody>
+                  <a:tcPr>
+                    <a:solidFill>
+                      <a:srgbClr val="E6E6E6"/>
+                    </a:solidFill>
+                  </a:tcPr>
+                </a:tc>
+                <a:tc>
+                  <a:txBody>
+                    <a:bodyPr/>
+                    <a:lstStyle/>
+                    <a:p>
+                      <a:pPr algn="ctr">
+                        <a:defRPr sz="900">
+                          <a:solidFill>
+                            <a:srgbClr val="333333"/>
+                          </a:solidFill>
+                          <a:latin typeface="맑은 고딕"/>
+                        </a:defRPr>
+                      </a:pPr>
+                      <a:r>
+                        <a:t>증가 (1→2-3)</a:t>
+                      </a:r>
+                    </a:p>
+                  </a:txBody>
+                  <a:tcPr>
+                    <a:solidFill>
+                      <a:srgbClr val="E6E6E6"/>
+                    </a:solidFill>
+                  </a:tcPr>
+                </a:tc>
+                <a:tc>
+                  <a:txBody>
+                    <a:bodyPr/>
+                    <a:lstStyle/>
+                    <a:p>
+                      <a:pPr algn="ctr">
+                        <a:defRPr sz="900">
+                          <a:solidFill>
+                            <a:srgbClr val="333333"/>
+                          </a:solidFill>
+                          <a:latin typeface="맑은 고딕"/>
+                        </a:defRPr>
+                      </a:pPr>
+                      <a:r>
+                        <a:t>경쟁 (5+)</a:t>
+                      </a:r>
+                    </a:p>
+                  </a:txBody>
+                  <a:tcPr>
+                    <a:solidFill>
+                      <a:srgbClr val="E6E6E6"/>
+                    </a:solidFill>
+                  </a:tcPr>
+                </a:tc>
+                <a:tc>
+                  <a:txBody>
+                    <a:bodyPr/>
+                    <a:lstStyle/>
+                    <a:p>
+                      <a:pPr algn="ctr">
+                        <a:defRPr sz="900">
+                          <a:solidFill>
+                            <a:srgbClr val="333333"/>
+                          </a:solidFill>
+                          <a:latin typeface="맑은 고딕"/>
+                        </a:defRPr>
+                      </a:pPr>
+                      <a:r>
+                        <a:t>전략 (1-2)</a:t>
+                      </a:r>
+                    </a:p>
+                  </a:txBody>
+                  <a:tcPr>
+                    <a:solidFill>
+                      <a:srgbClr val="E6E6E6"/>
+                    </a:solidFill>
+                  </a:tcPr>
+                </a:tc>
+                <a:tc>
+                  <a:txBody>
+                    <a:bodyPr/>
+                    <a:lstStyle/>
+                    <a:p>
+                      <a:pPr algn="ctr">
+                        <a:defRPr sz="900">
+                          <a:solidFill>
+                            <a:srgbClr val="333333"/>
+                          </a:solidFill>
+                          <a:latin typeface="맑은 고딕"/>
+                        </a:defRPr>
+                      </a:pPr>
+                      <a:r>
+                        <a:t>통합 (10-20)</a:t>
+                      </a:r>
+                    </a:p>
+                  </a:txBody>
+                  <a:tcPr>
+                    <a:solidFill>
+                      <a:srgbClr val="E6E6E6"/>
+                    </a:solidFill>
+                  </a:tcPr>
+                </a:tc>
+              </a:tr>
+            </a:tbl>
+          </a:graphicData>
+        </a:graphic>
+      </p:graphicFrame>
+      <p:sp>
+        <p:nvSpPr>
+          <p:cNvPr id="5" name="TextBox 4"/>
+          <p:cNvSpPr txBox="1"/>
+          <p:nvPr/>
+        </p:nvSpPr>
+        <p:spPr>
+          <a:xfrm>
+            <a:off x="274320" y="6400800"/>
+            <a:ext cx="7315200" cy="274320"/>
+          </a:xfrm>
+          <a:prstGeom prst="rect">
+            <a:avLst/>
+          </a:prstGeom>
+          <a:noFill/>
+        </p:spPr>
+        <p:txBody>
+          <a:bodyPr wrap="none">
+            <a:spAutoFit/>
+          </a:bodyPr>
+          <a:lstStyle/>
+          <a:p>
+            <a:pPr>
+              <a:defRPr sz="800">
+                <a:solidFill>
+                  <a:srgbClr val="666666"/>
+                </a:solidFill>
+                <a:latin typeface="Arial"/>
+              </a:defRPr>
+            </a:pPr>
+            <a:r>
+              <a:t>전략적 재고운영 Foundation</a:t>
+            </a:r>
+          </a:p>
+        </p:txBody>
+      </p:sp>
+      <p:sp>
+        <p:nvSpPr>
+          <p:cNvPr id="6" name="TextBox 5"/>
+          <p:cNvSpPr txBox="1"/>
+          <p:nvPr/>
+        </p:nvSpPr>
+        <p:spPr>
+          <a:xfrm>
+            <a:off x="9144000" y="6400800"/>
+            <a:ext cx="457200" cy="274320"/>
+          </a:xfrm>
+          <a:prstGeom prst="rect">
+            <a:avLst/>
+          </a:prstGeom>
+          <a:noFill/>
+        </p:spPr>
+        <p:txBody>
+          <a:bodyPr wrap="none">
+            <a:spAutoFit/>
+          </a:bodyPr>
+          <a:lstStyle/>
+          <a:p>
+            <a:pPr algn="r">
+              <a:defRPr sz="800">
+                <a:solidFill>
+                  <a:srgbClr val="666666"/>
+                </a:solidFill>
+                <a:latin typeface="Arial"/>
+              </a:defRPr>
+            </a:pPr>
+            <a:r>
+              <a:t>18</a:t>
+            </a:r>
+          </a:p>
+        </p:txBody>
+      </p:sp>
+    </p:spTree>
+  </p:cSld>
+  <p:clrMapOvr>
+    <a:masterClrMapping/>
+  </p:clrMapOvr>
+</p:sld>
+</file>
+
+<file path=ppt/slides/slide19.xml><?xml version="1.0" encoding="utf-8"?>
+<p:sld xmlns:a="http://schemas.openxmlformats.org/drawingml/2006/main" xmlns:p="http://schemas.openxmlformats.org/presentationml/2006/main" xmlns:r="http://schemas.openxmlformats.org/officeDocument/2006/relationships">
+  <p:cSld>
+    <p:spTree>
+      <p:nvGrpSpPr>
+        <p:cNvPr id="1" name=""/>
+        <p:cNvGrpSpPr/>
+        <p:nvPr/>
+      </p:nvGrpSpPr>
+      <p:grpSpPr/>
+      <p:sp>
+        <p:nvSpPr>
+          <p:cNvPr id="2" name="TextBox 1"/>
+          <p:cNvSpPr txBox="1"/>
+          <p:nvPr/>
+        </p:nvSpPr>
+        <p:spPr>
+          <a:xfrm>
+            <a:off x="1828800" y="2286000"/>
+            <a:ext cx="6245352" cy="1828800"/>
+          </a:xfrm>
+          <a:prstGeom prst="rect">
+            <a:avLst/>
+          </a:prstGeom>
+          <a:noFill/>
+        </p:spPr>
+        <p:txBody>
+          <a:bodyPr wrap="none">
+            <a:spAutoFit/>
+          </a:bodyPr>
+          <a:lstStyle/>
+          <a:p>
+            <a:pPr algn="ctr">
+              <a:defRPr sz="7200" b="1">
+                <a:solidFill>
+                  <a:srgbClr val="333333"/>
+                </a:solidFill>
+                <a:latin typeface="맑은 고딕"/>
+              </a:defRPr>
+            </a:pPr>
+            <a:r>
+              <a:t>4장</a:t>
+            </a:r>
+          </a:p>
+        </p:txBody>
+      </p:sp>
+      <p:sp>
+        <p:nvSpPr>
+          <p:cNvPr id="3" name="TextBox 2"/>
+          <p:cNvSpPr txBox="1"/>
+          <p:nvPr/>
+        </p:nvSpPr>
+        <p:spPr>
+          <a:xfrm>
+            <a:off x="1828800" y="4297680"/>
+            <a:ext cx="6245352" cy="731520"/>
+          </a:xfrm>
+          <a:prstGeom prst="rect">
+            <a:avLst/>
+          </a:prstGeom>
+          <a:noFill/>
+        </p:spPr>
+        <p:txBody>
+          <a:bodyPr wrap="none">
+            <a:spAutoFit/>
+          </a:bodyPr>
+          <a:lstStyle/>
+          <a:p>
+            <a:pPr algn="ctr">
+              <a:defRPr sz="2400">
+                <a:solidFill>
+                  <a:srgbClr val="666666"/>
+                </a:solidFill>
+                <a:latin typeface="맑은 고딕"/>
+              </a:defRPr>
+            </a:pPr>
+            <a:r>
+              <a:t>자재계획 방법론 전체 맵</a:t>
+            </a:r>
+          </a:p>
+        </p:txBody>
+      </p:sp>
+      <p:sp>
+        <p:nvSpPr>
+          <p:cNvPr id="4" name="TextBox 3"/>
+          <p:cNvSpPr txBox="1"/>
+          <p:nvPr/>
+        </p:nvSpPr>
+        <p:spPr>
+          <a:xfrm>
+            <a:off x="274320" y="6400800"/>
+            <a:ext cx="7315200" cy="274320"/>
+          </a:xfrm>
+          <a:prstGeom prst="rect">
+            <a:avLst/>
+          </a:prstGeom>
+          <a:noFill/>
+        </p:spPr>
+        <p:txBody>
+          <a:bodyPr wrap="none">
+            <a:spAutoFit/>
+          </a:bodyPr>
+          <a:lstStyle/>
+          <a:p>
+            <a:pPr>
+              <a:defRPr sz="800">
+                <a:solidFill>
+                  <a:srgbClr val="666666"/>
+                </a:solidFill>
+                <a:latin typeface="Arial"/>
+              </a:defRPr>
+            </a:pPr>
+            <a:r>
+              <a:t>전략적 재고운영 Foundation</a:t>
+            </a:r>
+          </a:p>
+        </p:txBody>
+      </p:sp>
+      <p:sp>
+        <p:nvSpPr>
+          <p:cNvPr id="5" name="TextBox 4"/>
+          <p:cNvSpPr txBox="1"/>
+          <p:nvPr/>
+        </p:nvSpPr>
+        <p:spPr>
+          <a:xfrm>
+            <a:off x="9144000" y="6400800"/>
+            <a:ext cx="457200" cy="274320"/>
+          </a:xfrm>
+          <a:prstGeom prst="rect">
+            <a:avLst/>
+          </a:prstGeom>
+          <a:noFill/>
+        </p:spPr>
+        <p:txBody>
+          <a:bodyPr wrap="none">
+            <a:spAutoFit/>
+          </a:bodyPr>
+          <a:lstStyle/>
+          <a:p>
+            <a:pPr algn="r">
+              <a:defRPr sz="800">
+                <a:solidFill>
+                  <a:srgbClr val="666666"/>
+                </a:solidFill>
+                <a:latin typeface="Arial"/>
+              </a:defRPr>
+            </a:pPr>
+            <a:r>
+              <a:t>19</a:t>
+            </a:r>
+          </a:p>
+        </p:txBody>
+      </p:sp>
+    </p:spTree>
+  </p:cSld>
+  <p:clrMapOvr>
+    <a:masterClrMapping/>
+  </p:clrMapOvr>
+</p:sld>
+</file>
+
+<file path=ppt/slides/slide2.xml><?xml version="1.0" encoding="utf-8"?>
+<p:sld xmlns:a="http://schemas.openxmlformats.org/drawingml/2006/main" xmlns:p="http://schemas.openxmlformats.org/presentationml/2006/main" xmlns:r="http://schemas.openxmlformats.org/officeDocument/2006/relationships">
+  <p:cSld>
+    <p:spTree>
+      <p:nvGrpSpPr>
+        <p:cNvPr id="1" name=""/>
+        <p:cNvGrpSpPr/>
+        <p:nvPr/>
+      </p:nvGrpSpPr>
+      <p:grpSpPr/>
+      <p:sp>
+        <p:nvSpPr>
+          <p:cNvPr id="2" name="TextBox 1"/>
+          <p:cNvSpPr txBox="1"/>
+          <p:nvPr/>
+        </p:nvSpPr>
+        <p:spPr>
+          <a:xfrm>
+            <a:off x="274320" y="274320"/>
+            <a:ext cx="9354312" cy="548640"/>
+          </a:xfrm>
+          <a:prstGeom prst="rect">
+            <a:avLst/>
+          </a:prstGeom>
+          <a:noFill/>
+        </p:spPr>
+        <p:txBody>
+          <a:bodyPr wrap="none">
+            <a:spAutoFit/>
+          </a:bodyPr>
+          <a:lstStyle/>
+          <a:p>
+            <a:pPr>
+              <a:defRPr sz="2000" b="1">
+                <a:solidFill>
+                  <a:srgbClr val="000000"/>
+                </a:solidFill>
+                <a:latin typeface="맑은 고딕"/>
+              </a:defRPr>
+            </a:pPr>
+            <a:r>
+              <a:t>목차</a:t>
+            </a:r>
+          </a:p>
+        </p:txBody>
+      </p:sp>
+      <p:sp>
+        <p:nvSpPr>
+          <p:cNvPr id="3" name="Rectangle 2"/>
+          <p:cNvSpPr/>
+          <p:nvPr/>
+        </p:nvSpPr>
+        <p:spPr>
+          <a:xfrm>
+            <a:off x="548640" y="1371600"/>
+            <a:ext cx="8686800" cy="594360"/>
+          </a:xfrm>
+          <a:prstGeom prst="rect">
+            <a:avLst/>
+          </a:prstGeom>
+          <a:solidFill>
+            <a:srgbClr val="E6E6E6"/>
+          </a:solidFill>
+          <a:ln>
+            <a:solidFill>
+              <a:srgbClr val="CCCCCC"/>
+            </a:solidFill>
+          </a:ln>
+        </p:spPr>
+        <p:style>
+          <a:lnRef idx="1">
+            <a:schemeClr val="accent1"/>
+          </a:lnRef>
+          <a:fillRef idx="3">
+            <a:schemeClr val="accent1"/>
+          </a:fillRef>
+          <a:effectRef idx="2">
+            <a:schemeClr val="accent1"/>
+          </a:effectRef>
+          <a:fontRef idx="minor">
+            <a:schemeClr val="lt1"/>
+          </a:fontRef>
+        </p:style>
+        <p:txBody>
+          <a:bodyPr rtlCol="0" anchor="ctr"/>
+          <a:lstStyle/>
+          <a:p>
+            <a:pPr algn="ctr">
+              <a:defRPr sz="1400" b="1">
+                <a:solidFill>
+                  <a:srgbClr val="333333"/>
+                </a:solidFill>
+                <a:latin typeface="맑은 고딕"/>
+              </a:defRPr>
+            </a:pPr>
+            <a:r>
+              <a:t>1장 패러다임의 전환: JIT에서 JIC로</a:t>
+            </a:r>
+          </a:p>
+        </p:txBody>
+      </p:sp>
+      <p:sp>
+        <p:nvSpPr>
+          <p:cNvPr id="4" name="Rectangle 3"/>
+          <p:cNvSpPr/>
+          <p:nvPr/>
+        </p:nvSpPr>
+        <p:spPr>
+          <a:xfrm>
+            <a:off x="548640" y="2057400"/>
+            <a:ext cx="8686800" cy="594360"/>
+          </a:xfrm>
+          <a:prstGeom prst="rect">
+            <a:avLst/>
+          </a:prstGeom>
+          <a:solidFill>
+            <a:srgbClr val="FFFFFF"/>
+          </a:solidFill>
+          <a:ln>
+            <a:solidFill>
+              <a:srgbClr val="CCCCCC"/>
+            </a:solidFill>
+          </a:ln>
+        </p:spPr>
+        <p:style>
+          <a:lnRef idx="1">
+            <a:schemeClr val="accent1"/>
+          </a:lnRef>
+          <a:fillRef idx="3">
+            <a:schemeClr val="accent1"/>
+          </a:fillRef>
+          <a:effectRef idx="2">
+            <a:schemeClr val="accent1"/>
+          </a:effectRef>
+          <a:fontRef idx="minor">
+            <a:schemeClr val="lt1"/>
+          </a:fontRef>
+        </p:style>
+        <p:txBody>
+          <a:bodyPr rtlCol="0" anchor="ctr"/>
+          <a:lstStyle/>
+          <a:p>
+            <a:pPr algn="ctr">
+              <a:defRPr sz="1400" b="1">
+                <a:solidFill>
+                  <a:srgbClr val="333333"/>
+                </a:solidFill>
+                <a:latin typeface="맑은 고딕"/>
+              </a:defRPr>
+            </a:pPr>
+            <a:r>
+              <a:t>2장 Kraljic Matrix 프레임워크</a:t>
+            </a:r>
+          </a:p>
+        </p:txBody>
+      </p:sp>
+      <p:sp>
+        <p:nvSpPr>
+          <p:cNvPr id="5" name="Rectangle 4"/>
+          <p:cNvSpPr/>
+          <p:nvPr/>
+        </p:nvSpPr>
+        <p:spPr>
+          <a:xfrm>
+            <a:off x="548640" y="2743200"/>
+            <a:ext cx="8686800" cy="594360"/>
+          </a:xfrm>
+          <a:prstGeom prst="rect">
+            <a:avLst/>
+          </a:prstGeom>
+          <a:solidFill>
+            <a:srgbClr val="E6E6E6"/>
+          </a:solidFill>
+          <a:ln>
+            <a:solidFill>
+              <a:srgbClr val="CCCCCC"/>
+            </a:solidFill>
+          </a:ln>
+        </p:spPr>
+        <p:style>
+          <a:lnRef idx="1">
+            <a:schemeClr val="accent1"/>
+          </a:lnRef>
+          <a:fillRef idx="3">
+            <a:schemeClr val="accent1"/>
+          </a:fillRef>
+          <a:effectRef idx="2">
+            <a:schemeClr val="accent1"/>
+          </a:effectRef>
+          <a:fontRef idx="minor">
+            <a:schemeClr val="lt1"/>
+          </a:fontRef>
+        </p:style>
+        <p:txBody>
+          <a:bodyPr rtlCol="0" anchor="ctr"/>
+          <a:lstStyle/>
+          <a:p>
+            <a:pPr algn="ctr">
+              <a:defRPr sz="1400" b="1">
+                <a:solidFill>
+                  <a:srgbClr val="333333"/>
+                </a:solidFill>
+                <a:latin typeface="맑은 고딕"/>
+              </a:defRPr>
+            </a:pPr>
+            <a:r>
+              <a:t>3장 자재군별 차별화 전략</a:t>
+            </a:r>
+          </a:p>
+        </p:txBody>
+      </p:sp>
+      <p:sp>
+        <p:nvSpPr>
+          <p:cNvPr id="6" name="Rectangle 5"/>
+          <p:cNvSpPr/>
+          <p:nvPr/>
+        </p:nvSpPr>
+        <p:spPr>
+          <a:xfrm>
+            <a:off x="548640" y="3429000"/>
+            <a:ext cx="8686800" cy="594360"/>
+          </a:xfrm>
+          <a:prstGeom prst="rect">
+            <a:avLst/>
+          </a:prstGeom>
+          <a:solidFill>
+            <a:srgbClr val="FFFFFF"/>
+          </a:solidFill>
+          <a:ln>
+            <a:solidFill>
+              <a:srgbClr val="CCCCCC"/>
+            </a:solidFill>
+          </a:ln>
+        </p:spPr>
+        <p:style>
+          <a:lnRef idx="1">
+            <a:schemeClr val="accent1"/>
+          </a:lnRef>
+          <a:fillRef idx="3">
+            <a:schemeClr val="accent1"/>
+          </a:fillRef>
+          <a:effectRef idx="2">
+            <a:schemeClr val="accent1"/>
+          </a:effectRef>
+          <a:fontRef idx="minor">
+            <a:schemeClr val="lt1"/>
+          </a:fontRef>
+        </p:style>
+        <p:txBody>
+          <a:bodyPr rtlCol="0" anchor="ctr"/>
+          <a:lstStyle/>
+          <a:p>
+            <a:pPr algn="ctr">
+              <a:defRPr sz="1400" b="1">
+                <a:solidFill>
+                  <a:srgbClr val="333333"/>
+                </a:solidFill>
+                <a:latin typeface="맑은 고딕"/>
+              </a:defRPr>
+            </a:pPr>
+            <a:r>
+              <a:t>4장 자재계획 방법론 전체 맵</a:t>
+            </a:r>
+          </a:p>
+        </p:txBody>
+      </p:sp>
+      <p:sp>
+        <p:nvSpPr>
+          <p:cNvPr id="7" name="Rectangle 6"/>
+          <p:cNvSpPr/>
+          <p:nvPr/>
+        </p:nvSpPr>
+        <p:spPr>
+          <a:xfrm>
+            <a:off x="548640" y="4114800"/>
+            <a:ext cx="8686800" cy="594360"/>
+          </a:xfrm>
+          <a:prstGeom prst="rect">
+            <a:avLst/>
+          </a:prstGeom>
+          <a:solidFill>
+            <a:srgbClr val="E6E6E6"/>
+          </a:solidFill>
+          <a:ln>
+            <a:solidFill>
+              <a:srgbClr val="CCCCCC"/>
+            </a:solidFill>
+          </a:ln>
+        </p:spPr>
+        <p:style>
+          <a:lnRef idx="1">
+            <a:schemeClr val="accent1"/>
+          </a:lnRef>
+          <a:fillRef idx="3">
+            <a:schemeClr val="accent1"/>
+          </a:fillRef>
+          <a:effectRef idx="2">
+            <a:schemeClr val="accent1"/>
+          </a:effectRef>
+          <a:fontRef idx="minor">
+            <a:schemeClr val="lt1"/>
+          </a:fontRef>
+        </p:style>
+        <p:txBody>
+          <a:bodyPr rtlCol="0" anchor="ctr"/>
+          <a:lstStyle/>
+          <a:p>
+            <a:pPr algn="ctr">
+              <a:defRPr sz="1400" b="1">
+                <a:solidFill>
+                  <a:srgbClr val="333333"/>
+                </a:solidFill>
+                <a:latin typeface="맑은 고딕"/>
+              </a:defRPr>
+            </a:pPr>
+            <a:r>
+              <a:t>5장 통합 KPI 프레임워크</a:t>
+            </a:r>
+          </a:p>
+        </p:txBody>
+      </p:sp>
+      <p:sp>
+        <p:nvSpPr>
+          <p:cNvPr id="8" name="Rectangle 7"/>
+          <p:cNvSpPr/>
+          <p:nvPr/>
+        </p:nvSpPr>
+        <p:spPr>
+          <a:xfrm>
+            <a:off x="548640" y="4800600"/>
+            <a:ext cx="8686800" cy="594360"/>
+          </a:xfrm>
+          <a:prstGeom prst="rect">
+            <a:avLst/>
+          </a:prstGeom>
+          <a:solidFill>
+            <a:srgbClr val="FFFFFF"/>
+          </a:solidFill>
+          <a:ln>
+            <a:solidFill>
+              <a:srgbClr val="CCCCCC"/>
+            </a:solidFill>
+          </a:ln>
+        </p:spPr>
+        <p:style>
+          <a:lnRef idx="1">
+            <a:schemeClr val="accent1"/>
+          </a:lnRef>
+          <a:fillRef idx="3">
+            <a:schemeClr val="accent1"/>
+          </a:fillRef>
+          <a:effectRef idx="2">
+            <a:schemeClr val="accent1"/>
+          </a:effectRef>
+          <a:fontRef idx="minor">
+            <a:schemeClr val="lt1"/>
+          </a:fontRef>
+        </p:style>
+        <p:txBody>
+          <a:bodyPr rtlCol="0" anchor="ctr"/>
+          <a:lstStyle/>
+          <a:p>
+            <a:pPr algn="ctr">
+              <a:defRPr sz="1400" b="1">
+                <a:solidFill>
+                  <a:srgbClr val="333333"/>
+                </a:solidFill>
+                <a:latin typeface="맑은 고딕"/>
+              </a:defRPr>
+            </a:pPr>
+            <a:r>
+              <a:t>6장 산업별·규모별 적용 가이드</a:t>
+            </a:r>
+          </a:p>
+        </p:txBody>
+      </p:sp>
+      <p:sp>
+        <p:nvSpPr>
+          <p:cNvPr id="9" name="Rectangle 8"/>
+          <p:cNvSpPr/>
+          <p:nvPr/>
+        </p:nvSpPr>
+        <p:spPr>
+          <a:xfrm>
+            <a:off x="548640" y="5486400"/>
+            <a:ext cx="8686800" cy="594360"/>
+          </a:xfrm>
+          <a:prstGeom prst="rect">
+            <a:avLst/>
+          </a:prstGeom>
+          <a:solidFill>
+            <a:srgbClr val="E6E6E6"/>
+          </a:solidFill>
+          <a:ln>
+            <a:solidFill>
+              <a:srgbClr val="CCCCCC"/>
+            </a:solidFill>
+          </a:ln>
+        </p:spPr>
+        <p:style>
+          <a:lnRef idx="1">
+            <a:schemeClr val="accent1"/>
+          </a:lnRef>
+          <a:fillRef idx="3">
+            <a:schemeClr val="accent1"/>
+          </a:fillRef>
+          <a:effectRef idx="2">
+            <a:schemeClr val="accent1"/>
+          </a:effectRef>
+          <a:fontRef idx="minor">
+            <a:schemeClr val="lt1"/>
+          </a:fontRef>
+        </p:style>
+        <p:txBody>
+          <a:bodyPr rtlCol="0" anchor="ctr"/>
+          <a:lstStyle/>
+          <a:p>
+            <a:pPr algn="ctr">
+              <a:defRPr sz="1400" b="1">
+                <a:solidFill>
+                  <a:srgbClr val="333333"/>
+                </a:solidFill>
+                <a:latin typeface="맑은 고딕"/>
+              </a:defRPr>
+            </a:pPr>
+            <a:r>
+              <a:t>7장 9회차 학습 여정</a:t>
+            </a:r>
+          </a:p>
+        </p:txBody>
+      </p:sp>
+      <p:sp>
+        <p:nvSpPr>
+          <p:cNvPr id="10" name="TextBox 9"/>
+          <p:cNvSpPr txBox="1"/>
+          <p:nvPr/>
+        </p:nvSpPr>
+        <p:spPr>
+          <a:xfrm>
+            <a:off x="274320" y="6400800"/>
+            <a:ext cx="7315200" cy="274320"/>
+          </a:xfrm>
+          <a:prstGeom prst="rect">
+            <a:avLst/>
+          </a:prstGeom>
+          <a:noFill/>
+        </p:spPr>
+        <p:txBody>
+          <a:bodyPr wrap="none">
+            <a:spAutoFit/>
+          </a:bodyPr>
+          <a:lstStyle/>
+          <a:p>
+            <a:pPr>
+              <a:defRPr sz="800">
+                <a:solidFill>
+                  <a:srgbClr val="666666"/>
+                </a:solidFill>
+                <a:latin typeface="Arial"/>
+              </a:defRPr>
+            </a:pPr>
+            <a:r>
+              <a:t>전략적 재고운영 Foundation</a:t>
+            </a:r>
+          </a:p>
+        </p:txBody>
+      </p:sp>
+      <p:sp>
+        <p:nvSpPr>
+          <p:cNvPr id="11" name="TextBox 10"/>
+          <p:cNvSpPr txBox="1"/>
+          <p:nvPr/>
+        </p:nvSpPr>
+        <p:spPr>
+          <a:xfrm>
+            <a:off x="9144000" y="6400800"/>
+            <a:ext cx="457200" cy="274320"/>
+          </a:xfrm>
+          <a:prstGeom prst="rect">
+            <a:avLst/>
+          </a:prstGeom>
+          <a:noFill/>
+        </p:spPr>
+        <p:txBody>
+          <a:bodyPr wrap="none">
+            <a:spAutoFit/>
+          </a:bodyPr>
+          <a:lstStyle/>
+          <a:p>
+            <a:pPr algn="r">
+              <a:defRPr sz="800">
+                <a:solidFill>
+                  <a:srgbClr val="666666"/>
+                </a:solidFill>
+                <a:latin typeface="Arial"/>
+              </a:defRPr>
+            </a:pPr>
+            <a:r>
               <a:t>2</a:t>
+            </a:r>
+          </a:p>
+        </p:txBody>
+      </p:sp>
+    </p:spTree>
+  </p:cSld>
+  <p:clrMapOvr>
+    <a:masterClrMapping/>
+  </p:clrMapOvr>
+</p:sld>
+</file>
+
+<file path=ppt/slides/slide20.xml><?xml version="1.0" encoding="utf-8"?>
+<p:sld xmlns:a="http://schemas.openxmlformats.org/drawingml/2006/main" xmlns:p="http://schemas.openxmlformats.org/presentationml/2006/main" xmlns:r="http://schemas.openxmlformats.org/officeDocument/2006/relationships">
+  <p:cSld>
+    <p:spTree>
+      <p:nvGrpSpPr>
+        <p:cNvPr id="1" name=""/>
+        <p:cNvGrpSpPr/>
+        <p:nvPr/>
+      </p:nvGrpSpPr>
+      <p:grpSpPr/>
+      <p:sp>
+        <p:nvSpPr>
+          <p:cNvPr id="2" name="TextBox 1"/>
+          <p:cNvSpPr txBox="1"/>
+          <p:nvPr/>
+        </p:nvSpPr>
+        <p:spPr>
+          <a:xfrm>
+            <a:off x="274320" y="274320"/>
+            <a:ext cx="9354312" cy="548640"/>
+          </a:xfrm>
+          <a:prstGeom prst="rect">
+            <a:avLst/>
+          </a:prstGeom>
+          <a:noFill/>
+        </p:spPr>
+        <p:txBody>
+          <a:bodyPr wrap="none">
+            <a:spAutoFit/>
+          </a:bodyPr>
+          <a:lstStyle/>
+          <a:p>
+            <a:pPr>
+              <a:defRPr sz="2000" b="1">
+                <a:solidFill>
+                  <a:srgbClr val="000000"/>
+                </a:solidFill>
+                <a:latin typeface="맑은 고딕"/>
+              </a:defRPr>
+            </a:pPr>
+            <a:r>
+              <a:t>4.1 자재계획 방법론 전체 맵</a:t>
+            </a:r>
+          </a:p>
+        </p:txBody>
+      </p:sp>
+      <p:sp>
+        <p:nvSpPr>
+          <p:cNvPr id="3" name="TextBox 2"/>
+          <p:cNvSpPr txBox="1"/>
+          <p:nvPr/>
+        </p:nvSpPr>
+        <p:spPr>
+          <a:xfrm>
+            <a:off x="274320" y="923544"/>
+            <a:ext cx="9436608" cy="576072"/>
+          </a:xfrm>
+          <a:prstGeom prst="rect">
+            <a:avLst/>
+          </a:prstGeom>
+          <a:noFill/>
+        </p:spPr>
+        <p:txBody>
+          <a:bodyPr wrap="square">
+            <a:spAutoFit/>
+          </a:bodyPr>
+          <a:lstStyle/>
+          <a:p>
+            <a:pPr>
+              <a:defRPr sz="1600" b="1">
+                <a:solidFill>
+                  <a:srgbClr val="666666"/>
+                </a:solidFill>
+                <a:latin typeface="맑은 고딕"/>
+              </a:defRPr>
+            </a:pPr>
+            <a:r>
+              <a:t>병목은 ROP, 레버리지는 MRP, 전략은 LTP+Hybrid, 일상은 Min-Max/VMI로 자재 특성에 맞는 방법론을 적용해야 합니다.</a:t>
+            </a:r>
+          </a:p>
+        </p:txBody>
+      </p:sp>
+      <p:sp>
+        <p:nvSpPr>
+          <p:cNvPr id="4" name="Rectangle 3"/>
+          <p:cNvSpPr/>
+          <p:nvPr/>
+        </p:nvSpPr>
+        <p:spPr>
+          <a:xfrm>
+            <a:off x="548640" y="1737360"/>
+            <a:ext cx="4297680" cy="1188720"/>
+          </a:xfrm>
+          <a:prstGeom prst="rect">
+            <a:avLst/>
+          </a:prstGeom>
+          <a:solidFill>
+            <a:srgbClr val="E6E6E6"/>
+          </a:solidFill>
+          <a:ln>
+            <a:solidFill>
+              <a:srgbClr val="CCCCCC"/>
+            </a:solidFill>
+          </a:ln>
+        </p:spPr>
+        <p:style>
+          <a:lnRef idx="1">
+            <a:schemeClr val="accent1"/>
+          </a:lnRef>
+          <a:fillRef idx="3">
+            <a:schemeClr val="accent1"/>
+          </a:fillRef>
+          <a:effectRef idx="2">
+            <a:schemeClr val="accent1"/>
+          </a:effectRef>
+          <a:fontRef idx="minor">
+            <a:schemeClr val="lt1"/>
+          </a:fontRef>
+        </p:style>
+        <p:txBody>
+          <a:bodyPr rtlCol="0" anchor="ctr"/>
+          <a:lstStyle/>
+          <a:p>
+            <a:pPr algn="ctr"/>
+          </a:p>
+        </p:txBody>
+      </p:sp>
+      <p:sp>
+        <p:nvSpPr>
+          <p:cNvPr id="5" name="TextBox 4"/>
+          <p:cNvSpPr txBox="1"/>
+          <p:nvPr/>
+        </p:nvSpPr>
+        <p:spPr>
+          <a:xfrm>
+            <a:off x="685800" y="1828800"/>
+            <a:ext cx="4023360" cy="274320"/>
+          </a:xfrm>
+          <a:prstGeom prst="rect">
+            <a:avLst/>
+          </a:prstGeom>
+          <a:noFill/>
+        </p:spPr>
+        <p:txBody>
+          <a:bodyPr wrap="none">
+            <a:spAutoFit/>
+          </a:bodyPr>
+          <a:lstStyle/>
+          <a:p>
+            <a:pPr>
+              <a:defRPr sz="1300" b="1">
+                <a:solidFill>
+                  <a:srgbClr val="333333"/>
+                </a:solidFill>
+                <a:latin typeface="맑은 고딕"/>
+              </a:defRPr>
+            </a:pPr>
+            <a:r>
+              <a:t>ROP (Re-Order Point)</a:t>
+            </a:r>
+          </a:p>
+        </p:txBody>
+      </p:sp>
+      <p:sp>
+        <p:nvSpPr>
+          <p:cNvPr id="6" name="TextBox 5"/>
+          <p:cNvSpPr txBox="1"/>
+          <p:nvPr/>
+        </p:nvSpPr>
+        <p:spPr>
+          <a:xfrm>
+            <a:off x="685800" y="2148840"/>
+            <a:ext cx="4023360" cy="182880"/>
+          </a:xfrm>
+          <a:prstGeom prst="rect">
+            <a:avLst/>
+          </a:prstGeom>
+          <a:noFill/>
+        </p:spPr>
+        <p:txBody>
+          <a:bodyPr wrap="none">
+            <a:spAutoFit/>
+          </a:bodyPr>
+          <a:lstStyle/>
+          <a:p>
+            <a:pPr>
+              <a:defRPr sz="1100">
+                <a:solidFill>
+                  <a:srgbClr val="666666"/>
+                </a:solidFill>
+                <a:latin typeface="맑은 고딕"/>
+              </a:defRPr>
+            </a:pPr>
+            <a:r>
+              <a:t>→ 병목자재</a:t>
+            </a:r>
+          </a:p>
+        </p:txBody>
+      </p:sp>
+      <p:sp>
+        <p:nvSpPr>
+          <p:cNvPr id="7" name="TextBox 6"/>
+          <p:cNvSpPr txBox="1"/>
+          <p:nvPr/>
+        </p:nvSpPr>
+        <p:spPr>
+          <a:xfrm>
+            <a:off x="685800" y="2377440"/>
+            <a:ext cx="4023360" cy="457200"/>
+          </a:xfrm>
+          <a:prstGeom prst="rect">
+            <a:avLst/>
+          </a:prstGeom>
+          <a:noFill/>
+        </p:spPr>
+        <p:txBody>
+          <a:bodyPr wrap="square">
+            <a:spAutoFit/>
+          </a:bodyPr>
+          <a:lstStyle/>
+          <a:p>
+            <a:pPr>
+              <a:defRPr sz="900">
+                <a:solidFill>
+                  <a:srgbClr val="333333"/>
+                </a:solidFill>
+                <a:latin typeface="맑은 고딕"/>
+              </a:defRPr>
+            </a:pPr>
+            <a:r>
+              <a:t>재고 수준이 발주점 도달 시 자동 발주</a:t>
+            </a:r>
+          </a:p>
+          <a:p>
+            <a:pPr>
+              <a:defRPr sz="900">
+                <a:solidFill>
+                  <a:srgbClr val="333333"/>
+                </a:solidFill>
+                <a:latin typeface="맑은 고딕"/>
+              </a:defRPr>
+            </a:pPr>
+            <a:r>
+              <a:t>지속 모니터링, 높은 서비스 수준</a:t>
+            </a:r>
+          </a:p>
+        </p:txBody>
+      </p:sp>
+      <p:sp>
+        <p:nvSpPr>
+          <p:cNvPr id="8" name="Rectangle 7"/>
+          <p:cNvSpPr/>
+          <p:nvPr/>
+        </p:nvSpPr>
+        <p:spPr>
+          <a:xfrm>
+            <a:off x="5120640" y="1737360"/>
+            <a:ext cx="4297680" cy="1188720"/>
+          </a:xfrm>
+          <a:prstGeom prst="rect">
+            <a:avLst/>
+          </a:prstGeom>
+          <a:solidFill>
+            <a:srgbClr val="E6E6E6"/>
+          </a:solidFill>
+          <a:ln>
+            <a:solidFill>
+              <a:srgbClr val="CCCCCC"/>
+            </a:solidFill>
+          </a:ln>
+        </p:spPr>
+        <p:style>
+          <a:lnRef idx="1">
+            <a:schemeClr val="accent1"/>
+          </a:lnRef>
+          <a:fillRef idx="3">
+            <a:schemeClr val="accent1"/>
+          </a:fillRef>
+          <a:effectRef idx="2">
+            <a:schemeClr val="accent1"/>
+          </a:effectRef>
+          <a:fontRef idx="minor">
+            <a:schemeClr val="lt1"/>
+          </a:fontRef>
+        </p:style>
+        <p:txBody>
+          <a:bodyPr rtlCol="0" anchor="ctr"/>
+          <a:lstStyle/>
+          <a:p>
+            <a:pPr algn="ctr"/>
+          </a:p>
+        </p:txBody>
+      </p:sp>
+      <p:sp>
+        <p:nvSpPr>
+          <p:cNvPr id="9" name="TextBox 8"/>
+          <p:cNvSpPr txBox="1"/>
+          <p:nvPr/>
+        </p:nvSpPr>
+        <p:spPr>
+          <a:xfrm>
+            <a:off x="5257800" y="1828800"/>
+            <a:ext cx="4023360" cy="274320"/>
+          </a:xfrm>
+          <a:prstGeom prst="rect">
+            <a:avLst/>
+          </a:prstGeom>
+          <a:noFill/>
+        </p:spPr>
+        <p:txBody>
+          <a:bodyPr wrap="none">
+            <a:spAutoFit/>
+          </a:bodyPr>
+          <a:lstStyle/>
+          <a:p>
+            <a:pPr>
+              <a:defRPr sz="1300" b="1">
+                <a:solidFill>
+                  <a:srgbClr val="333333"/>
+                </a:solidFill>
+                <a:latin typeface="맑은 고딕"/>
+              </a:defRPr>
+            </a:pPr>
+            <a:r>
+              <a:t>MRP (Material Requirements Planning)</a:t>
+            </a:r>
+          </a:p>
+        </p:txBody>
+      </p:sp>
+      <p:sp>
+        <p:nvSpPr>
+          <p:cNvPr id="10" name="TextBox 9"/>
+          <p:cNvSpPr txBox="1"/>
+          <p:nvPr/>
+        </p:nvSpPr>
+        <p:spPr>
+          <a:xfrm>
+            <a:off x="5257800" y="2148840"/>
+            <a:ext cx="4023360" cy="182880"/>
+          </a:xfrm>
+          <a:prstGeom prst="rect">
+            <a:avLst/>
+          </a:prstGeom>
+          <a:noFill/>
+        </p:spPr>
+        <p:txBody>
+          <a:bodyPr wrap="none">
+            <a:spAutoFit/>
+          </a:bodyPr>
+          <a:lstStyle/>
+          <a:p>
+            <a:pPr>
+              <a:defRPr sz="1100">
+                <a:solidFill>
+                  <a:srgbClr val="666666"/>
+                </a:solidFill>
+                <a:latin typeface="맑은 고딕"/>
+              </a:defRPr>
+            </a:pPr>
+            <a:r>
+              <a:t>→ 레버리지자재</a:t>
+            </a:r>
+          </a:p>
+        </p:txBody>
+      </p:sp>
+      <p:sp>
+        <p:nvSpPr>
+          <p:cNvPr id="11" name="TextBox 10"/>
+          <p:cNvSpPr txBox="1"/>
+          <p:nvPr/>
+        </p:nvSpPr>
+        <p:spPr>
+          <a:xfrm>
+            <a:off x="5257800" y="2377440"/>
+            <a:ext cx="4023360" cy="457200"/>
+          </a:xfrm>
+          <a:prstGeom prst="rect">
+            <a:avLst/>
+          </a:prstGeom>
+          <a:noFill/>
+        </p:spPr>
+        <p:txBody>
+          <a:bodyPr wrap="square">
+            <a:spAutoFit/>
+          </a:bodyPr>
+          <a:lstStyle/>
+          <a:p>
+            <a:pPr>
+              <a:defRPr sz="900">
+                <a:solidFill>
+                  <a:srgbClr val="333333"/>
+                </a:solidFill>
+                <a:latin typeface="맑은 고딕"/>
+              </a:defRPr>
+            </a:pPr>
+            <a:r>
+              <a:t>MPS + BOM 기반 소요량 계산</a:t>
+            </a:r>
+          </a:p>
+          <a:p>
+            <a:pPr>
+              <a:defRPr sz="900">
+                <a:solidFill>
+                  <a:srgbClr val="333333"/>
+                </a:solidFill>
+                <a:latin typeface="맑은 고딕"/>
+              </a:defRPr>
+            </a:pPr>
+            <a:r>
+              <a:t>계획적 발주, 재고 최적화</a:t>
+            </a:r>
+          </a:p>
+        </p:txBody>
+      </p:sp>
+      <p:sp>
+        <p:nvSpPr>
+          <p:cNvPr id="12" name="Rectangle 11"/>
+          <p:cNvSpPr/>
+          <p:nvPr/>
+        </p:nvSpPr>
+        <p:spPr>
+          <a:xfrm>
+            <a:off x="548640" y="3200400"/>
+            <a:ext cx="4297680" cy="1188720"/>
+          </a:xfrm>
+          <a:prstGeom prst="rect">
+            <a:avLst/>
+          </a:prstGeom>
+          <a:solidFill>
+            <a:srgbClr val="E6E6E6"/>
+          </a:solidFill>
+          <a:ln>
+            <a:solidFill>
+              <a:srgbClr val="CCCCCC"/>
+            </a:solidFill>
+          </a:ln>
+        </p:spPr>
+        <p:style>
+          <a:lnRef idx="1">
+            <a:schemeClr val="accent1"/>
+          </a:lnRef>
+          <a:fillRef idx="3">
+            <a:schemeClr val="accent1"/>
+          </a:fillRef>
+          <a:effectRef idx="2">
+            <a:schemeClr val="accent1"/>
+          </a:effectRef>
+          <a:fontRef idx="minor">
+            <a:schemeClr val="lt1"/>
+          </a:fontRef>
+        </p:style>
+        <p:txBody>
+          <a:bodyPr rtlCol="0" anchor="ctr"/>
+          <a:lstStyle/>
+          <a:p>
+            <a:pPr algn="ctr"/>
+          </a:p>
+        </p:txBody>
+      </p:sp>
+      <p:sp>
+        <p:nvSpPr>
+          <p:cNvPr id="13" name="TextBox 12"/>
+          <p:cNvSpPr txBox="1"/>
+          <p:nvPr/>
+        </p:nvSpPr>
+        <p:spPr>
+          <a:xfrm>
+            <a:off x="685800" y="3291840"/>
+            <a:ext cx="4023360" cy="274320"/>
+          </a:xfrm>
+          <a:prstGeom prst="rect">
+            <a:avLst/>
+          </a:prstGeom>
+          <a:noFill/>
+        </p:spPr>
+        <p:txBody>
+          <a:bodyPr wrap="none">
+            <a:spAutoFit/>
+          </a:bodyPr>
+          <a:lstStyle/>
+          <a:p>
+            <a:pPr>
+              <a:defRPr sz="1300" b="1">
+                <a:solidFill>
+                  <a:srgbClr val="333333"/>
+                </a:solidFill>
+                <a:latin typeface="맑은 고딕"/>
+              </a:defRPr>
+            </a:pPr>
+            <a:r>
+              <a:t>LTP (Long-Term Planning)</a:t>
+            </a:r>
+          </a:p>
+        </p:txBody>
+      </p:sp>
+      <p:sp>
+        <p:nvSpPr>
+          <p:cNvPr id="14" name="TextBox 13"/>
+          <p:cNvSpPr txBox="1"/>
+          <p:nvPr/>
+        </p:nvSpPr>
+        <p:spPr>
+          <a:xfrm>
+            <a:off x="685800" y="3611880"/>
+            <a:ext cx="4023360" cy="182880"/>
+          </a:xfrm>
+          <a:prstGeom prst="rect">
+            <a:avLst/>
+          </a:prstGeom>
+          <a:noFill/>
+        </p:spPr>
+        <p:txBody>
+          <a:bodyPr wrap="none">
+            <a:spAutoFit/>
+          </a:bodyPr>
+          <a:lstStyle/>
+          <a:p>
+            <a:pPr>
+              <a:defRPr sz="1100">
+                <a:solidFill>
+                  <a:srgbClr val="666666"/>
+                </a:solidFill>
+                <a:latin typeface="맑은 고딕"/>
+              </a:defRPr>
+            </a:pPr>
+            <a:r>
+              <a:t>→ 전략자재</a:t>
+            </a:r>
+          </a:p>
+        </p:txBody>
+      </p:sp>
+      <p:sp>
+        <p:nvSpPr>
+          <p:cNvPr id="15" name="TextBox 14"/>
+          <p:cNvSpPr txBox="1"/>
+          <p:nvPr/>
+        </p:nvSpPr>
+        <p:spPr>
+          <a:xfrm>
+            <a:off x="685800" y="3840480"/>
+            <a:ext cx="4023360" cy="457200"/>
+          </a:xfrm>
+          <a:prstGeom prst="rect">
+            <a:avLst/>
+          </a:prstGeom>
+          <a:noFill/>
+        </p:spPr>
+        <p:txBody>
+          <a:bodyPr wrap="square">
+            <a:spAutoFit/>
+          </a:bodyPr>
+          <a:lstStyle/>
+          <a:p>
+            <a:pPr>
+              <a:defRPr sz="900">
+                <a:solidFill>
+                  <a:srgbClr val="333333"/>
+                </a:solidFill>
+                <a:latin typeface="맑은 고딕"/>
+              </a:defRPr>
+            </a:pPr>
+            <a:r>
+              <a:t>장기 수급 계획 + 분할 납입</a:t>
+            </a:r>
+          </a:p>
+          <a:p>
+            <a:pPr>
+              <a:defRPr sz="900">
+                <a:solidFill>
+                  <a:srgbClr val="333333"/>
+                </a:solidFill>
+                <a:latin typeface="맑은 고딕"/>
+              </a:defRPr>
+            </a:pPr>
+            <a:r>
+              <a:t>Capacity 확보, 협업 계획</a:t>
+            </a:r>
+          </a:p>
+        </p:txBody>
+      </p:sp>
+      <p:sp>
+        <p:nvSpPr>
+          <p:cNvPr id="16" name="Rectangle 15"/>
+          <p:cNvSpPr/>
+          <p:nvPr/>
+        </p:nvSpPr>
+        <p:spPr>
+          <a:xfrm>
+            <a:off x="5120640" y="3200400"/>
+            <a:ext cx="4297680" cy="1188720"/>
+          </a:xfrm>
+          <a:prstGeom prst="rect">
+            <a:avLst/>
+          </a:prstGeom>
+          <a:solidFill>
+            <a:srgbClr val="E6E6E6"/>
+          </a:solidFill>
+          <a:ln>
+            <a:solidFill>
+              <a:srgbClr val="CCCCCC"/>
+            </a:solidFill>
+          </a:ln>
+        </p:spPr>
+        <p:style>
+          <a:lnRef idx="1">
+            <a:schemeClr val="accent1"/>
+          </a:lnRef>
+          <a:fillRef idx="3">
+            <a:schemeClr val="accent1"/>
+          </a:fillRef>
+          <a:effectRef idx="2">
+            <a:schemeClr val="accent1"/>
+          </a:effectRef>
+          <a:fontRef idx="minor">
+            <a:schemeClr val="lt1"/>
+          </a:fontRef>
+        </p:style>
+        <p:txBody>
+          <a:bodyPr rtlCol="0" anchor="ctr"/>
+          <a:lstStyle/>
+          <a:p>
+            <a:pPr algn="ctr"/>
+          </a:p>
+        </p:txBody>
+      </p:sp>
+      <p:sp>
+        <p:nvSpPr>
+          <p:cNvPr id="17" name="TextBox 16"/>
+          <p:cNvSpPr txBox="1"/>
+          <p:nvPr/>
+        </p:nvSpPr>
+        <p:spPr>
+          <a:xfrm>
+            <a:off x="5257800" y="3291840"/>
+            <a:ext cx="4023360" cy="274320"/>
+          </a:xfrm>
+          <a:prstGeom prst="rect">
+            <a:avLst/>
+          </a:prstGeom>
+          <a:noFill/>
+        </p:spPr>
+        <p:txBody>
+          <a:bodyPr wrap="none">
+            <a:spAutoFit/>
+          </a:bodyPr>
+          <a:lstStyle/>
+          <a:p>
+            <a:pPr>
+              <a:defRPr sz="1300" b="1">
+                <a:solidFill>
+                  <a:srgbClr val="333333"/>
+                </a:solidFill>
+                <a:latin typeface="맑은 고딕"/>
+              </a:defRPr>
+            </a:pPr>
+            <a:r>
+              <a:t>Min-Max / VMI</a:t>
+            </a:r>
+          </a:p>
+        </p:txBody>
+      </p:sp>
+      <p:sp>
+        <p:nvSpPr>
+          <p:cNvPr id="18" name="TextBox 17"/>
+          <p:cNvSpPr txBox="1"/>
+          <p:nvPr/>
+        </p:nvSpPr>
+        <p:spPr>
+          <a:xfrm>
+            <a:off x="5257800" y="3611880"/>
+            <a:ext cx="4023360" cy="182880"/>
+          </a:xfrm>
+          <a:prstGeom prst="rect">
+            <a:avLst/>
+          </a:prstGeom>
+          <a:noFill/>
+        </p:spPr>
+        <p:txBody>
+          <a:bodyPr wrap="none">
+            <a:spAutoFit/>
+          </a:bodyPr>
+          <a:lstStyle/>
+          <a:p>
+            <a:pPr>
+              <a:defRPr sz="1100">
+                <a:solidFill>
+                  <a:srgbClr val="666666"/>
+                </a:solidFill>
+                <a:latin typeface="맑은 고딕"/>
+              </a:defRPr>
+            </a:pPr>
+            <a:r>
+              <a:t>→ 일상자재</a:t>
+            </a:r>
+          </a:p>
+        </p:txBody>
+      </p:sp>
+      <p:sp>
+        <p:nvSpPr>
+          <p:cNvPr id="19" name="TextBox 18"/>
+          <p:cNvSpPr txBox="1"/>
+          <p:nvPr/>
+        </p:nvSpPr>
+        <p:spPr>
+          <a:xfrm>
+            <a:off x="5257800" y="3840480"/>
+            <a:ext cx="4023360" cy="457200"/>
+          </a:xfrm>
+          <a:prstGeom prst="rect">
+            <a:avLst/>
+          </a:prstGeom>
+          <a:noFill/>
+        </p:spPr>
+        <p:txBody>
+          <a:bodyPr wrap="square">
+            <a:spAutoFit/>
+          </a:bodyPr>
+          <a:lstStyle/>
+          <a:p>
+            <a:pPr>
+              <a:defRPr sz="900">
+                <a:solidFill>
+                  <a:srgbClr val="333333"/>
+                </a:solidFill>
+                <a:latin typeface="맑은 고딕"/>
+              </a:defRPr>
+            </a:pPr>
+            <a:r>
+              <a:t>최소/최대값 기준 자동 보충</a:t>
+            </a:r>
+          </a:p>
+          <a:p>
+            <a:pPr>
+              <a:defRPr sz="900">
+                <a:solidFill>
+                  <a:srgbClr val="333333"/>
+                </a:solidFill>
+                <a:latin typeface="맑은 고딕"/>
+              </a:defRPr>
+            </a:pPr>
+            <a:r>
+              <a:t>단순 자동화, 관리 최소화</a:t>
+            </a:r>
+          </a:p>
+        </p:txBody>
+      </p:sp>
+      <p:sp>
+        <p:nvSpPr>
+          <p:cNvPr id="20" name="TextBox 19"/>
+          <p:cNvSpPr txBox="1"/>
+          <p:nvPr/>
+        </p:nvSpPr>
+        <p:spPr>
+          <a:xfrm>
+            <a:off x="274320" y="6400800"/>
+            <a:ext cx="7315200" cy="274320"/>
+          </a:xfrm>
+          <a:prstGeom prst="rect">
+            <a:avLst/>
+          </a:prstGeom>
+          <a:noFill/>
+        </p:spPr>
+        <p:txBody>
+          <a:bodyPr wrap="none">
+            <a:spAutoFit/>
+          </a:bodyPr>
+          <a:lstStyle/>
+          <a:p>
+            <a:pPr>
+              <a:defRPr sz="800">
+                <a:solidFill>
+                  <a:srgbClr val="666666"/>
+                </a:solidFill>
+                <a:latin typeface="Arial"/>
+              </a:defRPr>
+            </a:pPr>
+            <a:r>
+              <a:t>전략적 재고운영 Foundation</a:t>
+            </a:r>
+          </a:p>
+        </p:txBody>
+      </p:sp>
+      <p:sp>
+        <p:nvSpPr>
+          <p:cNvPr id="21" name="TextBox 20"/>
+          <p:cNvSpPr txBox="1"/>
+          <p:nvPr/>
+        </p:nvSpPr>
+        <p:spPr>
+          <a:xfrm>
+            <a:off x="9144000" y="6400800"/>
+            <a:ext cx="457200" cy="274320"/>
+          </a:xfrm>
+          <a:prstGeom prst="rect">
+            <a:avLst/>
+          </a:prstGeom>
+          <a:noFill/>
+        </p:spPr>
+        <p:txBody>
+          <a:bodyPr wrap="none">
+            <a:spAutoFit/>
+          </a:bodyPr>
+          <a:lstStyle/>
+          <a:p>
+            <a:pPr algn="r">
+              <a:defRPr sz="800">
+                <a:solidFill>
+                  <a:srgbClr val="666666"/>
+                </a:solidFill>
+                <a:latin typeface="Arial"/>
+              </a:defRPr>
+            </a:pPr>
+            <a:r>
+              <a:t>20</a:t>
+            </a:r>
+          </a:p>
+        </p:txBody>
+      </p:sp>
+    </p:spTree>
+  </p:cSld>
+  <p:clrMapOvr>
+    <a:masterClrMapping/>
+  </p:clrMapOvr>
+</p:sld>
+</file>
+
+<file path=ppt/slides/slide21.xml><?xml version="1.0" encoding="utf-8"?>
+<p:sld xmlns:a="http://schemas.openxmlformats.org/drawingml/2006/main" xmlns:p="http://schemas.openxmlformats.org/presentationml/2006/main" xmlns:r="http://schemas.openxmlformats.org/officeDocument/2006/relationships">
+  <p:cSld>
+    <p:spTree>
+      <p:nvGrpSpPr>
+        <p:cNvPr id="1" name=""/>
+        <p:cNvGrpSpPr/>
+        <p:nvPr/>
+      </p:nvGrpSpPr>
+      <p:grpSpPr/>
+      <p:sp>
+        <p:nvSpPr>
+          <p:cNvPr id="2" name="TextBox 1"/>
+          <p:cNvSpPr txBox="1"/>
+          <p:nvPr/>
+        </p:nvSpPr>
+        <p:spPr>
+          <a:xfrm>
+            <a:off x="274320" y="274320"/>
+            <a:ext cx="9354312" cy="548640"/>
+          </a:xfrm>
+          <a:prstGeom prst="rect">
+            <a:avLst/>
+          </a:prstGeom>
+          <a:noFill/>
+        </p:spPr>
+        <p:txBody>
+          <a:bodyPr wrap="none">
+            <a:spAutoFit/>
+          </a:bodyPr>
+          <a:lstStyle/>
+          <a:p>
+            <a:pPr>
+              <a:defRPr sz="2000" b="1">
+                <a:solidFill>
+                  <a:srgbClr val="000000"/>
+                </a:solidFill>
+                <a:latin typeface="맑은 고딕"/>
+              </a:defRPr>
+            </a:pPr>
+            <a:r>
+              <a:t>4.2 하이브리드 접근법 (전략자재)</a:t>
+            </a:r>
+          </a:p>
+        </p:txBody>
+      </p:sp>
+      <p:sp>
+        <p:nvSpPr>
+          <p:cNvPr id="3" name="TextBox 2"/>
+          <p:cNvSpPr txBox="1"/>
+          <p:nvPr/>
+        </p:nvSpPr>
+        <p:spPr>
+          <a:xfrm>
+            <a:off x="274320" y="923544"/>
+            <a:ext cx="9436608" cy="576072"/>
+          </a:xfrm>
+          <a:prstGeom prst="rect">
+            <a:avLst/>
+          </a:prstGeom>
+          <a:noFill/>
+        </p:spPr>
+        <p:txBody>
+          <a:bodyPr wrap="square">
+            <a:spAutoFit/>
+          </a:bodyPr>
+          <a:lstStyle/>
+          <a:p>
+            <a:pPr>
+              <a:defRPr sz="1600" b="1">
+                <a:solidFill>
+                  <a:srgbClr val="666666"/>
+                </a:solidFill>
+                <a:latin typeface="맑은 고딕"/>
+              </a:defRPr>
+            </a:pPr>
+            <a:r>
+              <a:t>전략자재는 단일 방법론으로 해결 불가하며, 장기+중기+단기 계획을 통합해야 합니다.</a:t>
+            </a:r>
+          </a:p>
+        </p:txBody>
+      </p:sp>
+      <p:sp>
+        <p:nvSpPr>
+          <p:cNvPr id="4" name="TextBox 3"/>
+          <p:cNvSpPr txBox="1"/>
+          <p:nvPr/>
+        </p:nvSpPr>
+        <p:spPr>
+          <a:xfrm>
+            <a:off x="914400" y="1828800"/>
+            <a:ext cx="8074152" cy="4114800"/>
+          </a:xfrm>
+          <a:prstGeom prst="rect">
+            <a:avLst/>
+          </a:prstGeom>
+          <a:noFill/>
+        </p:spPr>
+        <p:txBody>
+          <a:bodyPr wrap="square">
+            <a:spAutoFit/>
+          </a:bodyPr>
+          <a:lstStyle/>
+          <a:p>
+            <a:pPr>
+              <a:spcAft>
+                <a:spcPts val="1200"/>
+              </a:spcAft>
+              <a:defRPr sz="1200">
+                <a:solidFill>
+                  <a:srgbClr val="333333"/>
+                </a:solidFill>
+                <a:latin typeface="맑은 고딕"/>
+              </a:defRPr>
+            </a:pPr>
+            <a:r>
+              <a:t>• 전략자재의 특수성: 공급도 어렵고 금액도 커서 단일 방법론으로 불충분</a:t>
+            </a:r>
+          </a:p>
+          <a:p>
+            <a:pPr>
+              <a:spcAft>
+                <a:spcPts val="1200"/>
+              </a:spcAft>
+              <a:defRPr sz="1200">
+                <a:solidFill>
+                  <a:srgbClr val="333333"/>
+                </a:solidFill>
+                <a:latin typeface="맑은 고딕"/>
+              </a:defRPr>
+            </a:pPr>
+            <a:r>
+              <a:t>• 3단계 통합 계획:</a:t>
+            </a:r>
+          </a:p>
+          <a:p>
+            <a:pPr>
+              <a:spcAft>
+                <a:spcPts val="1200"/>
+              </a:spcAft>
+              <a:defRPr sz="1200">
+                <a:solidFill>
+                  <a:srgbClr val="333333"/>
+                </a:solidFill>
+                <a:latin typeface="맑은 고딕"/>
+              </a:defRPr>
+            </a:pPr>
+            <a:r>
+              <a:t>  - LTP (18-24개월): Framework Agreement, Capacity 확보, 분기별 총량 계획</a:t>
+            </a:r>
+          </a:p>
+          <a:p>
+            <a:pPr>
+              <a:spcAft>
+                <a:spcPts val="1200"/>
+              </a:spcAft>
+              <a:defRPr sz="1200">
+                <a:solidFill>
+                  <a:srgbClr val="333333"/>
+                </a:solidFill>
+                <a:latin typeface="맑은 고딕"/>
+              </a:defRPr>
+            </a:pPr>
+            <a:r>
+              <a:t>  - MRP (3-6개월): 월간 상세 계획, Release Order, BOM 기반 계산</a:t>
+            </a:r>
+          </a:p>
+          <a:p>
+            <a:pPr>
+              <a:spcAft>
+                <a:spcPts val="1200"/>
+              </a:spcAft>
+              <a:defRPr sz="1200">
+                <a:solidFill>
+                  <a:srgbClr val="333333"/>
+                </a:solidFill>
+                <a:latin typeface="맑은 고딕"/>
+              </a:defRPr>
+            </a:pPr>
+            <a:r>
+              <a:t>  - ROP (실시간): 안전재고 모니터링, 긴급 발주 대응, 버퍼 역할</a:t>
+            </a:r>
+          </a:p>
+          <a:p>
+            <a:pPr>
+              <a:spcAft>
+                <a:spcPts val="1200"/>
+              </a:spcAft>
+              <a:defRPr sz="1200">
+                <a:solidFill>
+                  <a:srgbClr val="333333"/>
+                </a:solidFill>
+                <a:latin typeface="맑은 고딕"/>
+              </a:defRPr>
+            </a:pPr>
+            <a:r>
+              <a:t>• 효과: 장기 안정성 + 중기 유연성 + 단기 대응력</a:t>
+            </a:r>
+          </a:p>
+        </p:txBody>
+      </p:sp>
+      <p:sp>
+        <p:nvSpPr>
+          <p:cNvPr id="5" name="TextBox 4"/>
+          <p:cNvSpPr txBox="1"/>
+          <p:nvPr/>
+        </p:nvSpPr>
+        <p:spPr>
+          <a:xfrm>
+            <a:off x="274320" y="6400800"/>
+            <a:ext cx="7315200" cy="274320"/>
+          </a:xfrm>
+          <a:prstGeom prst="rect">
+            <a:avLst/>
+          </a:prstGeom>
+          <a:noFill/>
+        </p:spPr>
+        <p:txBody>
+          <a:bodyPr wrap="none">
+            <a:spAutoFit/>
+          </a:bodyPr>
+          <a:lstStyle/>
+          <a:p>
+            <a:pPr>
+              <a:defRPr sz="800">
+                <a:solidFill>
+                  <a:srgbClr val="666666"/>
+                </a:solidFill>
+                <a:latin typeface="Arial"/>
+              </a:defRPr>
+            </a:pPr>
+            <a:r>
+              <a:t>전략적 재고운영 Foundation</a:t>
+            </a:r>
+          </a:p>
+        </p:txBody>
+      </p:sp>
+      <p:sp>
+        <p:nvSpPr>
+          <p:cNvPr id="6" name="TextBox 5"/>
+          <p:cNvSpPr txBox="1"/>
+          <p:nvPr/>
+        </p:nvSpPr>
+        <p:spPr>
+          <a:xfrm>
+            <a:off x="9144000" y="6400800"/>
+            <a:ext cx="457200" cy="274320"/>
+          </a:xfrm>
+          <a:prstGeom prst="rect">
+            <a:avLst/>
+          </a:prstGeom>
+          <a:noFill/>
+        </p:spPr>
+        <p:txBody>
+          <a:bodyPr wrap="none">
+            <a:spAutoFit/>
+          </a:bodyPr>
+          <a:lstStyle/>
+          <a:p>
+            <a:pPr algn="r">
+              <a:defRPr sz="800">
+                <a:solidFill>
+                  <a:srgbClr val="666666"/>
+                </a:solidFill>
+                <a:latin typeface="Arial"/>
+              </a:defRPr>
+            </a:pPr>
+            <a:r>
+              <a:t>21</a:t>
+            </a:r>
+          </a:p>
+        </p:txBody>
+      </p:sp>
+    </p:spTree>
+  </p:cSld>
+  <p:clrMapOvr>
+    <a:masterClrMapping/>
+  </p:clrMapOvr>
+</p:sld>
+</file>
+
+<file path=ppt/slides/slide22.xml><?xml version="1.0" encoding="utf-8"?>
+<p:sld xmlns:a="http://schemas.openxmlformats.org/drawingml/2006/main" xmlns:p="http://schemas.openxmlformats.org/presentationml/2006/main" xmlns:r="http://schemas.openxmlformats.org/officeDocument/2006/relationships">
+  <p:cSld>
+    <p:spTree>
+      <p:nvGrpSpPr>
+        <p:cNvPr id="1" name=""/>
+        <p:cNvGrpSpPr/>
+        <p:nvPr/>
+      </p:nvGrpSpPr>
+      <p:grpSpPr/>
+      <p:sp>
+        <p:nvSpPr>
+          <p:cNvPr id="2" name="TextBox 1"/>
+          <p:cNvSpPr txBox="1"/>
+          <p:nvPr/>
+        </p:nvSpPr>
+        <p:spPr>
+          <a:xfrm>
+            <a:off x="274320" y="274320"/>
+            <a:ext cx="9354312" cy="548640"/>
+          </a:xfrm>
+          <a:prstGeom prst="rect">
+            <a:avLst/>
+          </a:prstGeom>
+          <a:noFill/>
+        </p:spPr>
+        <p:txBody>
+          <a:bodyPr wrap="none">
+            <a:spAutoFit/>
+          </a:bodyPr>
+          <a:lstStyle/>
+          <a:p>
+            <a:pPr>
+              <a:defRPr sz="2000" b="1">
+                <a:solidFill>
+                  <a:srgbClr val="000000"/>
+                </a:solidFill>
+                <a:latin typeface="맑은 고딕"/>
+              </a:defRPr>
+            </a:pPr>
+            <a:r>
+              <a:t>5.1 통합 KPI 프레임워크</a:t>
+            </a:r>
+          </a:p>
+        </p:txBody>
+      </p:sp>
+      <p:sp>
+        <p:nvSpPr>
+          <p:cNvPr id="3" name="TextBox 2"/>
+          <p:cNvSpPr txBox="1"/>
+          <p:nvPr/>
+        </p:nvSpPr>
+        <p:spPr>
+          <a:xfrm>
+            <a:off x="274320" y="923544"/>
+            <a:ext cx="9436608" cy="576072"/>
+          </a:xfrm>
+          <a:prstGeom prst="rect">
+            <a:avLst/>
+          </a:prstGeom>
+          <a:noFill/>
+        </p:spPr>
+        <p:txBody>
+          <a:bodyPr wrap="square">
+            <a:spAutoFit/>
+          </a:bodyPr>
+          <a:lstStyle/>
+          <a:p>
+            <a:pPr>
+              <a:defRPr sz="1600" b="1">
+                <a:solidFill>
+                  <a:srgbClr val="666666"/>
+                </a:solidFill>
+                <a:latin typeface="맑은 고딕"/>
+              </a:defRPr>
+            </a:pPr>
+            <a:r>
+              <a:t>자재군별로 다른 KPI를 설정하고 측정해야 올바른 성과 평가가 가능합니다.</a:t>
+            </a:r>
+          </a:p>
+        </p:txBody>
+      </p:sp>
+      <p:sp>
+        <p:nvSpPr>
+          <p:cNvPr id="4" name="TextBox 3"/>
+          <p:cNvSpPr txBox="1"/>
+          <p:nvPr/>
+        </p:nvSpPr>
+        <p:spPr>
+          <a:xfrm>
+            <a:off x="914400" y="1828800"/>
+            <a:ext cx="8074152" cy="4114800"/>
+          </a:xfrm>
+          <a:prstGeom prst="rect">
+            <a:avLst/>
+          </a:prstGeom>
+          <a:noFill/>
+        </p:spPr>
+        <p:txBody>
+          <a:bodyPr wrap="square">
+            <a:spAutoFit/>
+          </a:bodyPr>
+          <a:lstStyle/>
+          <a:p>
+            <a:pPr>
+              <a:spcAft>
+                <a:spcPts val="1200"/>
+              </a:spcAft>
+              <a:defRPr sz="1200">
+                <a:solidFill>
+                  <a:srgbClr val="333333"/>
+                </a:solidFill>
+                <a:latin typeface="맑은 고딕"/>
+              </a:defRPr>
+            </a:pPr>
+            <a:r>
+              <a:t>• 병목자재: 재고 가용률 95% 이상, 공급 안정성 95% 이상, 긴급 발주 5회/월 이하</a:t>
+            </a:r>
+          </a:p>
+          <a:p>
+            <a:pPr>
+              <a:spcAft>
+                <a:spcPts val="1200"/>
+              </a:spcAft>
+              <a:defRPr sz="1200">
+                <a:solidFill>
+                  <a:srgbClr val="333333"/>
+                </a:solidFill>
+                <a:latin typeface="맑은 고딕"/>
+              </a:defRPr>
+            </a:pPr>
+            <a:r>
+              <a:t>• 레버리지자재: 원가 절감률 3-5%/년, 재고 회전율 12회 이상, 발주 정확도 95% 이상</a:t>
+            </a:r>
+          </a:p>
+          <a:p>
+            <a:pPr>
+              <a:spcAft>
+                <a:spcPts val="1200"/>
+              </a:spcAft>
+              <a:defRPr sz="1200">
+                <a:solidFill>
+                  <a:srgbClr val="333333"/>
+                </a:solidFill>
+                <a:latin typeface="맑은 고딕"/>
+              </a:defRPr>
+            </a:pPr>
+            <a:r>
+              <a:t>• 전략자재: 공급 연속성 100%, LTP 정확도 70% 이상, TCO 개선 -3%/년</a:t>
+            </a:r>
+          </a:p>
+          <a:p>
+            <a:pPr>
+              <a:spcAft>
+                <a:spcPts val="1200"/>
+              </a:spcAft>
+              <a:defRPr sz="1200">
+                <a:solidFill>
+                  <a:srgbClr val="333333"/>
+                </a:solidFill>
+                <a:latin typeface="맑은 고딕"/>
+              </a:defRPr>
+            </a:pPr>
+            <a:r>
+              <a:t>• 일상자재: 발주 처리비용 5천원/건 이하, 자동화율 80% 이상, 공급업체 수 100개 이하</a:t>
+            </a:r>
+          </a:p>
+        </p:txBody>
+      </p:sp>
+      <p:sp>
+        <p:nvSpPr>
+          <p:cNvPr id="5" name="TextBox 4"/>
+          <p:cNvSpPr txBox="1"/>
+          <p:nvPr/>
+        </p:nvSpPr>
+        <p:spPr>
+          <a:xfrm>
+            <a:off x="274320" y="6400800"/>
+            <a:ext cx="7315200" cy="274320"/>
+          </a:xfrm>
+          <a:prstGeom prst="rect">
+            <a:avLst/>
+          </a:prstGeom>
+          <a:noFill/>
+        </p:spPr>
+        <p:txBody>
+          <a:bodyPr wrap="none">
+            <a:spAutoFit/>
+          </a:bodyPr>
+          <a:lstStyle/>
+          <a:p>
+            <a:pPr>
+              <a:defRPr sz="800">
+                <a:solidFill>
+                  <a:srgbClr val="666666"/>
+                </a:solidFill>
+                <a:latin typeface="Arial"/>
+              </a:defRPr>
+            </a:pPr>
+            <a:r>
+              <a:t>전략적 재고운영 Foundation</a:t>
+            </a:r>
+          </a:p>
+        </p:txBody>
+      </p:sp>
+      <p:sp>
+        <p:nvSpPr>
+          <p:cNvPr id="6" name="TextBox 5"/>
+          <p:cNvSpPr txBox="1"/>
+          <p:nvPr/>
+        </p:nvSpPr>
+        <p:spPr>
+          <a:xfrm>
+            <a:off x="9144000" y="6400800"/>
+            <a:ext cx="457200" cy="274320"/>
+          </a:xfrm>
+          <a:prstGeom prst="rect">
+            <a:avLst/>
+          </a:prstGeom>
+          <a:noFill/>
+        </p:spPr>
+        <p:txBody>
+          <a:bodyPr wrap="none">
+            <a:spAutoFit/>
+          </a:bodyPr>
+          <a:lstStyle/>
+          <a:p>
+            <a:pPr algn="r">
+              <a:defRPr sz="800">
+                <a:solidFill>
+                  <a:srgbClr val="666666"/>
+                </a:solidFill>
+                <a:latin typeface="Arial"/>
+              </a:defRPr>
+            </a:pPr>
+            <a:r>
+              <a:t>22</a:t>
+            </a:r>
+          </a:p>
+        </p:txBody>
+      </p:sp>
+    </p:spTree>
+  </p:cSld>
+  <p:clrMapOvr>
+    <a:masterClrMapping/>
+  </p:clrMapOvr>
+</p:sld>
+</file>
+
+<file path=ppt/slides/slide23.xml><?xml version="1.0" encoding="utf-8"?>
+<p:sld xmlns:a="http://schemas.openxmlformats.org/drawingml/2006/main" xmlns:p="http://schemas.openxmlformats.org/presentationml/2006/main" xmlns:r="http://schemas.openxmlformats.org/officeDocument/2006/relationships">
+  <p:cSld>
+    <p:spTree>
+      <p:nvGrpSpPr>
+        <p:cNvPr id="1" name=""/>
+        <p:cNvGrpSpPr/>
+        <p:nvPr/>
+      </p:nvGrpSpPr>
+      <p:grpSpPr/>
+      <p:sp>
+        <p:nvSpPr>
+          <p:cNvPr id="2" name="TextBox 1"/>
+          <p:cNvSpPr txBox="1"/>
+          <p:nvPr/>
+        </p:nvSpPr>
+        <p:spPr>
+          <a:xfrm>
+            <a:off x="274320" y="274320"/>
+            <a:ext cx="9354312" cy="548640"/>
+          </a:xfrm>
+          <a:prstGeom prst="rect">
+            <a:avLst/>
+          </a:prstGeom>
+          <a:noFill/>
+        </p:spPr>
+        <p:txBody>
+          <a:bodyPr wrap="none">
+            <a:spAutoFit/>
+          </a:bodyPr>
+          <a:lstStyle/>
+          <a:p>
+            <a:pPr>
+              <a:defRPr sz="2000" b="1">
+                <a:solidFill>
+                  <a:srgbClr val="000000"/>
+                </a:solidFill>
+                <a:latin typeface="맑은 고딕"/>
+              </a:defRPr>
+            </a:pPr>
+            <a:r>
+              <a:t>6.1 산업별·규모별 적용 가이드</a:t>
+            </a:r>
+          </a:p>
+        </p:txBody>
+      </p:sp>
+      <p:sp>
+        <p:nvSpPr>
+          <p:cNvPr id="3" name="TextBox 2"/>
+          <p:cNvSpPr txBox="1"/>
+          <p:nvPr/>
+        </p:nvSpPr>
+        <p:spPr>
+          <a:xfrm>
+            <a:off x="274320" y="923544"/>
+            <a:ext cx="9436608" cy="576072"/>
+          </a:xfrm>
+          <a:prstGeom prst="rect">
+            <a:avLst/>
+          </a:prstGeom>
+          <a:noFill/>
+        </p:spPr>
+        <p:txBody>
+          <a:bodyPr wrap="square">
+            <a:spAutoFit/>
+          </a:bodyPr>
+          <a:lstStyle/>
+          <a:p>
+            <a:pPr>
+              <a:defRPr sz="1600" b="1">
+                <a:solidFill>
+                  <a:srgbClr val="666666"/>
+                </a:solidFill>
+                <a:latin typeface="맑은 고딕"/>
+              </a:defRPr>
+            </a:pPr>
+            <a:r>
+              <a:t>제조업, 프로세스 산업, 유통업은 자재 분포가 다르므로, 산업 특성에 맞는 우선순위와 전략을 수립해야 합니다.</a:t>
+            </a:r>
+          </a:p>
+        </p:txBody>
+      </p:sp>
+      <p:sp>
+        <p:nvSpPr>
+          <p:cNvPr id="4" name="TextBox 3"/>
+          <p:cNvSpPr txBox="1"/>
+          <p:nvPr/>
+        </p:nvSpPr>
+        <p:spPr>
+          <a:xfrm>
+            <a:off x="914400" y="1828800"/>
+            <a:ext cx="8074152" cy="4114800"/>
+          </a:xfrm>
+          <a:prstGeom prst="rect">
+            <a:avLst/>
+          </a:prstGeom>
+          <a:noFill/>
+        </p:spPr>
+        <p:txBody>
+          <a:bodyPr wrap="square">
+            <a:spAutoFit/>
+          </a:bodyPr>
+          <a:lstStyle/>
+          <a:p>
+            <a:pPr>
+              <a:spcAft>
+                <a:spcPts val="1200"/>
+              </a:spcAft>
+              <a:defRPr sz="1200">
+                <a:solidFill>
+                  <a:srgbClr val="333333"/>
+                </a:solidFill>
+                <a:latin typeface="맑은 고딕"/>
+              </a:defRPr>
+            </a:pPr>
+            <a:r>
+              <a:t>• 제조업 (자동차, 전자): 전략 10-15%, 병목 15-20%, 레버리지 30-35%, 일상 35-40%</a:t>
+            </a:r>
+          </a:p>
+          <a:p>
+            <a:pPr>
+              <a:spcAft>
+                <a:spcPts val="1200"/>
+              </a:spcAft>
+              <a:defRPr sz="1200">
+                <a:solidFill>
+                  <a:srgbClr val="333333"/>
+                </a:solidFill>
+                <a:latin typeface="맑은 고딕"/>
+              </a:defRPr>
+            </a:pPr>
+            <a:r>
+              <a:t>  → 우선순위: 전략 → 병목 → 레버리지 → 일상</a:t>
+            </a:r>
+          </a:p>
+          <a:p>
+            <a:pPr>
+              <a:spcAft>
+                <a:spcPts val="1200"/>
+              </a:spcAft>
+              <a:defRPr sz="1200">
+                <a:solidFill>
+                  <a:srgbClr val="333333"/>
+                </a:solidFill>
+                <a:latin typeface="맑은 고딕"/>
+              </a:defRPr>
+            </a:pPr>
+            <a:r>
+              <a:t>• 프로세스 산업 (화학, 제약): 전략 20-30%, 병목 10-15%, 레버리지 40-50%, 일상 10-20%</a:t>
+            </a:r>
+          </a:p>
+          <a:p>
+            <a:pPr>
+              <a:spcAft>
+                <a:spcPts val="1200"/>
+              </a:spcAft>
+              <a:defRPr sz="1200">
+                <a:solidFill>
+                  <a:srgbClr val="333333"/>
+                </a:solidFill>
+                <a:latin typeface="맑은 고딕"/>
+              </a:defRPr>
+            </a:pPr>
+            <a:r>
+              <a:t>  → 우선순위: 전략 → 레버리지 → 병목 → 일상</a:t>
+            </a:r>
+          </a:p>
+          <a:p>
+            <a:pPr>
+              <a:spcAft>
+                <a:spcPts val="1200"/>
+              </a:spcAft>
+              <a:defRPr sz="1200">
+                <a:solidFill>
+                  <a:srgbClr val="333333"/>
+                </a:solidFill>
+                <a:latin typeface="맑은 고딕"/>
+              </a:defRPr>
+            </a:pPr>
+            <a:r>
+              <a:t>• 유통·서비스업: 전략 0-5%, 병목 5-10%, 레버리지 10-20%, 일상 70-80%</a:t>
+            </a:r>
+          </a:p>
+          <a:p>
+            <a:pPr>
+              <a:spcAft>
+                <a:spcPts val="1200"/>
+              </a:spcAft>
+              <a:defRPr sz="1200">
+                <a:solidFill>
+                  <a:srgbClr val="333333"/>
+                </a:solidFill>
+                <a:latin typeface="맑은 고딕"/>
+              </a:defRPr>
+            </a:pPr>
+            <a:r>
+              <a:t>  → 우선순위: 일상 → 레버리지 → 병목</a:t>
+            </a:r>
+          </a:p>
+        </p:txBody>
+      </p:sp>
+      <p:sp>
+        <p:nvSpPr>
+          <p:cNvPr id="5" name="TextBox 4"/>
+          <p:cNvSpPr txBox="1"/>
+          <p:nvPr/>
+        </p:nvSpPr>
+        <p:spPr>
+          <a:xfrm>
+            <a:off x="274320" y="6400800"/>
+            <a:ext cx="7315200" cy="274320"/>
+          </a:xfrm>
+          <a:prstGeom prst="rect">
+            <a:avLst/>
+          </a:prstGeom>
+          <a:noFill/>
+        </p:spPr>
+        <p:txBody>
+          <a:bodyPr wrap="none">
+            <a:spAutoFit/>
+          </a:bodyPr>
+          <a:lstStyle/>
+          <a:p>
+            <a:pPr>
+              <a:defRPr sz="800">
+                <a:solidFill>
+                  <a:srgbClr val="666666"/>
+                </a:solidFill>
+                <a:latin typeface="Arial"/>
+              </a:defRPr>
+            </a:pPr>
+            <a:r>
+              <a:t>전략적 재고운영 Foundation</a:t>
+            </a:r>
+          </a:p>
+        </p:txBody>
+      </p:sp>
+      <p:sp>
+        <p:nvSpPr>
+          <p:cNvPr id="6" name="TextBox 5"/>
+          <p:cNvSpPr txBox="1"/>
+          <p:nvPr/>
+        </p:nvSpPr>
+        <p:spPr>
+          <a:xfrm>
+            <a:off x="9144000" y="6400800"/>
+            <a:ext cx="457200" cy="274320"/>
+          </a:xfrm>
+          <a:prstGeom prst="rect">
+            <a:avLst/>
+          </a:prstGeom>
+          <a:noFill/>
+        </p:spPr>
+        <p:txBody>
+          <a:bodyPr wrap="none">
+            <a:spAutoFit/>
+          </a:bodyPr>
+          <a:lstStyle/>
+          <a:p>
+            <a:pPr algn="r">
+              <a:defRPr sz="800">
+                <a:solidFill>
+                  <a:srgbClr val="666666"/>
+                </a:solidFill>
+                <a:latin typeface="Arial"/>
+              </a:defRPr>
+            </a:pPr>
+            <a:r>
+              <a:t>23</a:t>
+            </a:r>
+          </a:p>
+        </p:txBody>
+      </p:sp>
+    </p:spTree>
+  </p:cSld>
+  <p:clrMapOvr>
+    <a:masterClrMapping/>
+  </p:clrMapOvr>
+</p:sld>
+</file>
+
+<file path=ppt/slides/slide24.xml><?xml version="1.0" encoding="utf-8"?>
+<p:sld xmlns:a="http://schemas.openxmlformats.org/drawingml/2006/main" xmlns:p="http://schemas.openxmlformats.org/presentationml/2006/main" xmlns:r="http://schemas.openxmlformats.org/officeDocument/2006/relationships">
+  <p:cSld>
+    <p:spTree>
+      <p:nvGrpSpPr>
+        <p:cNvPr id="1" name=""/>
+        <p:cNvGrpSpPr/>
+        <p:nvPr/>
+      </p:nvGrpSpPr>
+      <p:grpSpPr/>
+      <p:sp>
+        <p:nvSpPr>
+          <p:cNvPr id="2" name="TextBox 1"/>
+          <p:cNvSpPr txBox="1"/>
+          <p:nvPr/>
+        </p:nvSpPr>
+        <p:spPr>
+          <a:xfrm>
+            <a:off x="274320" y="274320"/>
+            <a:ext cx="9354312" cy="548640"/>
+          </a:xfrm>
+          <a:prstGeom prst="rect">
+            <a:avLst/>
+          </a:prstGeom>
+          <a:noFill/>
+        </p:spPr>
+        <p:txBody>
+          <a:bodyPr wrap="none">
+            <a:spAutoFit/>
+          </a:bodyPr>
+          <a:lstStyle/>
+          <a:p>
+            <a:pPr>
+              <a:defRPr sz="2000" b="1">
+                <a:solidFill>
+                  <a:srgbClr val="000000"/>
+                </a:solidFill>
+                <a:latin typeface="맑은 고딕"/>
+              </a:defRPr>
+            </a:pPr>
+            <a:r>
+              <a:t>7.1 9회차 학습 여정</a:t>
+            </a:r>
+          </a:p>
+        </p:txBody>
+      </p:sp>
+      <p:sp>
+        <p:nvSpPr>
+          <p:cNvPr id="3" name="TextBox 2"/>
+          <p:cNvSpPr txBox="1"/>
+          <p:nvPr/>
+        </p:nvSpPr>
+        <p:spPr>
+          <a:xfrm>
+            <a:off x="274320" y="923544"/>
+            <a:ext cx="9436608" cy="576072"/>
+          </a:xfrm>
+          <a:prstGeom prst="rect">
+            <a:avLst/>
+          </a:prstGeom>
+          <a:noFill/>
+        </p:spPr>
+        <p:txBody>
+          <a:bodyPr wrap="square">
+            <a:spAutoFit/>
+          </a:bodyPr>
+          <a:lstStyle/>
+          <a:p>
+            <a:pPr>
+              <a:defRPr sz="1600" b="1">
+                <a:solidFill>
+                  <a:srgbClr val="666666"/>
+                </a:solidFill>
+                <a:latin typeface="맑은 고딕"/>
+              </a:defRPr>
+            </a:pPr>
+            <a:r>
+              <a:t>Session 1-3은 구조적 기초, Session 4-7은 자재군별 실습, Session 8-9는 통합 워크샵으로 진행되며 점진적으로 마스터할 수 있습니다.</a:t>
+            </a:r>
+          </a:p>
+        </p:txBody>
+      </p:sp>
+      <p:sp>
+        <p:nvSpPr>
+          <p:cNvPr id="4" name="TextBox 3"/>
+          <p:cNvSpPr txBox="1"/>
+          <p:nvPr/>
+        </p:nvSpPr>
+        <p:spPr>
+          <a:xfrm>
+            <a:off x="914400" y="1828800"/>
+            <a:ext cx="8074152" cy="4114800"/>
+          </a:xfrm>
+          <a:prstGeom prst="rect">
+            <a:avLst/>
+          </a:prstGeom>
+          <a:noFill/>
+        </p:spPr>
+        <p:txBody>
+          <a:bodyPr wrap="square">
+            <a:spAutoFit/>
+          </a:bodyPr>
+          <a:lstStyle/>
+          <a:p>
+            <a:pPr>
+              <a:spcAft>
+                <a:spcPts val="1200"/>
+              </a:spcAft>
+              <a:defRPr sz="1200">
+                <a:solidFill>
+                  <a:srgbClr val="333333"/>
+                </a:solidFill>
+                <a:latin typeface="맑은 고딕"/>
+              </a:defRPr>
+            </a:pPr>
+            <a:r>
+              <a:t>• Module 1: Foundation (1-2회차)</a:t>
+            </a:r>
+          </a:p>
+          <a:p>
+            <a:pPr>
+              <a:spcAft>
+                <a:spcPts val="1200"/>
+              </a:spcAft>
+              <a:defRPr sz="1200">
+                <a:solidFill>
+                  <a:srgbClr val="333333"/>
+                </a:solidFill>
+                <a:latin typeface="맑은 고딕"/>
+              </a:defRPr>
+            </a:pPr>
+            <a:r>
+              <a:t>  - 1회차: JIT→JIC + Kraljic Matrix (지금)</a:t>
+            </a:r>
+          </a:p>
+          <a:p>
+            <a:pPr>
+              <a:spcAft>
+                <a:spcPts val="1200"/>
+              </a:spcAft>
+              <a:defRPr sz="1200">
+                <a:solidFill>
+                  <a:srgbClr val="333333"/>
+                </a:solidFill>
+                <a:latin typeface="맑은 고딕"/>
+              </a:defRPr>
+            </a:pPr>
+            <a:r>
+              <a:t>  - 2회차: 소싱 전략 + 공급업체 관계 관리</a:t>
+            </a:r>
+          </a:p>
+          <a:p>
+            <a:pPr>
+              <a:spcAft>
+                <a:spcPts val="1200"/>
+              </a:spcAft>
+              <a:defRPr sz="1200">
+                <a:solidFill>
+                  <a:srgbClr val="333333"/>
+                </a:solidFill>
+                <a:latin typeface="맑은 고딕"/>
+              </a:defRPr>
+            </a:pPr>
+          </a:p>
+          <a:p>
+            <a:pPr>
+              <a:spcAft>
+                <a:spcPts val="1200"/>
+              </a:spcAft>
+              <a:defRPr sz="1200">
+                <a:solidFill>
+                  <a:srgbClr val="333333"/>
+                </a:solidFill>
+                <a:latin typeface="맑은 고딕"/>
+              </a:defRPr>
+            </a:pPr>
+            <a:r>
+              <a:t>• Module 2: 자재군별 심화 (3-6회차)</a:t>
+            </a:r>
+          </a:p>
+          <a:p>
+            <a:pPr>
+              <a:spcAft>
+                <a:spcPts val="1200"/>
+              </a:spcAft>
+              <a:defRPr sz="1200">
+                <a:solidFill>
+                  <a:srgbClr val="333333"/>
+                </a:solidFill>
+                <a:latin typeface="맑은 고딕"/>
+              </a:defRPr>
+            </a:pPr>
+            <a:r>
+              <a:t>  - 3회차: 병목자재 + ROP (이론+실습)</a:t>
+            </a:r>
+          </a:p>
+          <a:p>
+            <a:pPr>
+              <a:spcAft>
+                <a:spcPts val="1200"/>
+              </a:spcAft>
+              <a:defRPr sz="1200">
+                <a:solidFill>
+                  <a:srgbClr val="333333"/>
+                </a:solidFill>
+                <a:latin typeface="맑은 고딕"/>
+              </a:defRPr>
+            </a:pPr>
+            <a:r>
+              <a:t>  - 4회차: 레버리지자재 + MRP (이론+실습)</a:t>
+            </a:r>
+          </a:p>
+          <a:p>
+            <a:pPr>
+              <a:spcAft>
+                <a:spcPts val="1200"/>
+              </a:spcAft>
+              <a:defRPr sz="1200">
+                <a:solidFill>
+                  <a:srgbClr val="333333"/>
+                </a:solidFill>
+                <a:latin typeface="맑은 고딕"/>
+              </a:defRPr>
+            </a:pPr>
+            <a:r>
+              <a:t>  - 5회차: 전략자재 + LTP (이론+실습)</a:t>
+            </a:r>
+          </a:p>
+          <a:p>
+            <a:pPr>
+              <a:spcAft>
+                <a:spcPts val="1200"/>
+              </a:spcAft>
+              <a:defRPr sz="1200">
+                <a:solidFill>
+                  <a:srgbClr val="333333"/>
+                </a:solidFill>
+                <a:latin typeface="맑은 고딕"/>
+              </a:defRPr>
+            </a:pPr>
+            <a:r>
+              <a:t>  - 6회차: 일상자재 + 자동화</a:t>
+            </a:r>
+          </a:p>
+          <a:p>
+            <a:pPr>
+              <a:spcAft>
+                <a:spcPts val="1200"/>
+              </a:spcAft>
+              <a:defRPr sz="1200">
+                <a:solidFill>
+                  <a:srgbClr val="333333"/>
+                </a:solidFill>
+                <a:latin typeface="맑은 고딕"/>
+              </a:defRPr>
+            </a:pPr>
+          </a:p>
+          <a:p>
+            <a:pPr>
+              <a:spcAft>
+                <a:spcPts val="1200"/>
+              </a:spcAft>
+              <a:defRPr sz="1200">
+                <a:solidFill>
+                  <a:srgbClr val="333333"/>
+                </a:solidFill>
+                <a:latin typeface="맑은 고딕"/>
+              </a:defRPr>
+            </a:pPr>
+            <a:r>
+              <a:t>• Module 3: 실전 통합 (7-9회차)</a:t>
+            </a:r>
+          </a:p>
+          <a:p>
+            <a:pPr>
+              <a:spcAft>
+                <a:spcPts val="1200"/>
+              </a:spcAft>
+              <a:defRPr sz="1200">
+                <a:solidFill>
+                  <a:srgbClr val="333333"/>
+                </a:solidFill>
+                <a:latin typeface="맑은 고딕"/>
+              </a:defRPr>
+            </a:pPr>
+            <a:r>
+              <a:t>  - 7-8회차: 실전 워크샵, 9회차: 발표 및 피드백</a:t>
+            </a:r>
+          </a:p>
+        </p:txBody>
+      </p:sp>
+      <p:sp>
+        <p:nvSpPr>
+          <p:cNvPr id="5" name="TextBox 4"/>
+          <p:cNvSpPr txBox="1"/>
+          <p:nvPr/>
+        </p:nvSpPr>
+        <p:spPr>
+          <a:xfrm>
+            <a:off x="274320" y="6400800"/>
+            <a:ext cx="7315200" cy="274320"/>
+          </a:xfrm>
+          <a:prstGeom prst="rect">
+            <a:avLst/>
+          </a:prstGeom>
+          <a:noFill/>
+        </p:spPr>
+        <p:txBody>
+          <a:bodyPr wrap="none">
+            <a:spAutoFit/>
+          </a:bodyPr>
+          <a:lstStyle/>
+          <a:p>
+            <a:pPr>
+              <a:defRPr sz="800">
+                <a:solidFill>
+                  <a:srgbClr val="666666"/>
+                </a:solidFill>
+                <a:latin typeface="Arial"/>
+              </a:defRPr>
+            </a:pPr>
+            <a:r>
+              <a:t>전략적 재고운영 Foundation</a:t>
+            </a:r>
+          </a:p>
+        </p:txBody>
+      </p:sp>
+      <p:sp>
+        <p:nvSpPr>
+          <p:cNvPr id="6" name="TextBox 5"/>
+          <p:cNvSpPr txBox="1"/>
+          <p:nvPr/>
+        </p:nvSpPr>
+        <p:spPr>
+          <a:xfrm>
+            <a:off x="9144000" y="6400800"/>
+            <a:ext cx="457200" cy="274320"/>
+          </a:xfrm>
+          <a:prstGeom prst="rect">
+            <a:avLst/>
+          </a:prstGeom>
+          <a:noFill/>
+        </p:spPr>
+        <p:txBody>
+          <a:bodyPr wrap="none">
+            <a:spAutoFit/>
+          </a:bodyPr>
+          <a:lstStyle/>
+          <a:p>
+            <a:pPr algn="r">
+              <a:defRPr sz="800">
+                <a:solidFill>
+                  <a:srgbClr val="666666"/>
+                </a:solidFill>
+                <a:latin typeface="Arial"/>
+              </a:defRPr>
+            </a:pPr>
+            <a:r>
+              <a:t>24</a:t>
+            </a:r>
+          </a:p>
+        </p:txBody>
+      </p:sp>
+    </p:spTree>
+  </p:cSld>
+  <p:clrMapOvr>
+    <a:masterClrMapping/>
+  </p:clrMapOvr>
+</p:sld>
+</file>
+
+<file path=ppt/slides/slide25.xml><?xml version="1.0" encoding="utf-8"?>
+<p:sld xmlns:a="http://schemas.openxmlformats.org/drawingml/2006/main" xmlns:p="http://schemas.openxmlformats.org/presentationml/2006/main" xmlns:r="http://schemas.openxmlformats.org/officeDocument/2006/relationships">
+  <p:cSld>
+    <p:spTree>
+      <p:nvGrpSpPr>
+        <p:cNvPr id="1" name=""/>
+        <p:cNvGrpSpPr/>
+        <p:nvPr/>
+      </p:nvGrpSpPr>
+      <p:grpSpPr/>
+      <p:sp>
+        <p:nvSpPr>
+          <p:cNvPr id="2" name="TextBox 1"/>
+          <p:cNvSpPr txBox="1"/>
+          <p:nvPr/>
+        </p:nvSpPr>
+        <p:spPr>
+          <a:xfrm>
+            <a:off x="274320" y="274320"/>
+            <a:ext cx="9354312" cy="548640"/>
+          </a:xfrm>
+          <a:prstGeom prst="rect">
+            <a:avLst/>
+          </a:prstGeom>
+          <a:noFill/>
+        </p:spPr>
+        <p:txBody>
+          <a:bodyPr wrap="none">
+            <a:spAutoFit/>
+          </a:bodyPr>
+          <a:lstStyle/>
+          <a:p>
+            <a:pPr>
+              <a:defRPr sz="2000" b="1">
+                <a:solidFill>
+                  <a:srgbClr val="000000"/>
+                </a:solidFill>
+                <a:latin typeface="맑은 고딕"/>
+              </a:defRPr>
+            </a:pPr>
+            <a:r>
+              <a:t>핵심 요약 &amp; Next Steps</a:t>
+            </a:r>
+          </a:p>
+        </p:txBody>
+      </p:sp>
+      <p:sp>
+        <p:nvSpPr>
+          <p:cNvPr id="3" name="TextBox 2"/>
+          <p:cNvSpPr txBox="1"/>
+          <p:nvPr/>
+        </p:nvSpPr>
+        <p:spPr>
+          <a:xfrm>
+            <a:off x="274320" y="923544"/>
+            <a:ext cx="9436608" cy="576072"/>
+          </a:xfrm>
+          <a:prstGeom prst="rect">
+            <a:avLst/>
+          </a:prstGeom>
+          <a:noFill/>
+        </p:spPr>
+        <p:txBody>
+          <a:bodyPr wrap="square">
+            <a:spAutoFit/>
+          </a:bodyPr>
+          <a:lstStyle/>
+          <a:p>
+            <a:pPr>
+              <a:defRPr sz="1600" b="1">
+                <a:solidFill>
+                  <a:srgbClr val="666666"/>
+                </a:solidFill>
+                <a:latin typeface="맑은 고딕"/>
+              </a:defRPr>
+            </a:pPr>
+            <a:r>
+              <a:t>JIT에서 JIC로의 패러다임 전환과 Kraljic Matrix 기반 차별화 전략이 전략적 재고운영의 핵심이며, 다음 회차부터 각 자재군별 구체적 방법론을 학습합니다.</a:t>
+            </a:r>
+          </a:p>
+        </p:txBody>
+      </p:sp>
+      <p:sp>
+        <p:nvSpPr>
+          <p:cNvPr id="4" name="Rectangle 3"/>
+          <p:cNvSpPr/>
+          <p:nvPr/>
+        </p:nvSpPr>
+        <p:spPr>
+          <a:xfrm>
+            <a:off x="731520" y="1737360"/>
+            <a:ext cx="4114800" cy="1645920"/>
+          </a:xfrm>
+          <a:prstGeom prst="rect">
+            <a:avLst/>
+          </a:prstGeom>
+          <a:solidFill>
+            <a:srgbClr val="E6E6E6"/>
+          </a:solidFill>
+          <a:ln w="19050">
+            <a:solidFill>
+              <a:srgbClr val="CCCCCC"/>
+            </a:solidFill>
+          </a:ln>
+        </p:spPr>
+        <p:style>
+          <a:lnRef idx="1">
+            <a:schemeClr val="accent1"/>
+          </a:lnRef>
+          <a:fillRef idx="3">
+            <a:schemeClr val="accent1"/>
+          </a:fillRef>
+          <a:effectRef idx="2">
+            <a:schemeClr val="accent1"/>
+          </a:effectRef>
+          <a:fontRef idx="minor">
+            <a:schemeClr val="lt1"/>
+          </a:fontRef>
+        </p:style>
+        <p:txBody>
+          <a:bodyPr rtlCol="0" anchor="ctr"/>
+          <a:lstStyle/>
+          <a:p>
+            <a:pPr algn="ctr"/>
+          </a:p>
+        </p:txBody>
+      </p:sp>
+      <p:sp>
+        <p:nvSpPr>
+          <p:cNvPr id="5" name="TextBox 4"/>
+          <p:cNvSpPr txBox="1"/>
+          <p:nvPr/>
+        </p:nvSpPr>
+        <p:spPr>
+          <a:xfrm>
+            <a:off x="914400" y="1874520"/>
+            <a:ext cx="3749040" cy="320040"/>
+          </a:xfrm>
+          <a:prstGeom prst="rect">
+            <a:avLst/>
+          </a:prstGeom>
+          <a:noFill/>
+        </p:spPr>
+        <p:txBody>
+          <a:bodyPr wrap="none">
+            <a:spAutoFit/>
+          </a:bodyPr>
+          <a:lstStyle/>
+          <a:p>
+            <a:pPr>
+              <a:defRPr sz="1400" b="1">
+                <a:solidFill>
+                  <a:srgbClr val="333333"/>
+                </a:solidFill>
+                <a:latin typeface="맑은 고딕"/>
+              </a:defRPr>
+            </a:pPr>
+            <a:r>
+              <a:t>1. 패러다임의 전환</a:t>
+            </a:r>
+          </a:p>
+        </p:txBody>
+      </p:sp>
+      <p:sp>
+        <p:nvSpPr>
+          <p:cNvPr id="6" name="TextBox 5"/>
+          <p:cNvSpPr txBox="1"/>
+          <p:nvPr/>
+        </p:nvSpPr>
+        <p:spPr>
+          <a:xfrm>
+            <a:off x="914400" y="2286000"/>
+            <a:ext cx="3749040" cy="914400"/>
+          </a:xfrm>
+          <a:prstGeom prst="rect">
+            <a:avLst/>
+          </a:prstGeom>
+          <a:noFill/>
+        </p:spPr>
+        <p:txBody>
+          <a:bodyPr wrap="square">
+            <a:spAutoFit/>
+          </a:bodyPr>
+          <a:lstStyle/>
+          <a:p>
+            <a:pPr>
+              <a:spcAft>
+                <a:spcPts val="600"/>
+              </a:spcAft>
+              <a:defRPr sz="1100">
+                <a:solidFill>
+                  <a:srgbClr val="333333"/>
+                </a:solidFill>
+                <a:latin typeface="맑은 고딕"/>
+              </a:defRPr>
+            </a:pPr>
+            <a:r>
+              <a:t>JIT (재고=낭비) → JIC (재고=전략적 자산)</a:t>
+            </a:r>
+          </a:p>
+          <a:p>
+            <a:pPr>
+              <a:spcAft>
+                <a:spcPts val="600"/>
+              </a:spcAft>
+              <a:defRPr sz="1100">
+                <a:solidFill>
+                  <a:srgbClr val="333333"/>
+                </a:solidFill>
+                <a:latin typeface="맑은 고딕"/>
+              </a:defRPr>
+            </a:pPr>
+            <a:r>
+              <a:t>효율성 추구 → 회복력 확보</a:t>
+            </a:r>
+          </a:p>
+        </p:txBody>
+      </p:sp>
+      <p:sp>
+        <p:nvSpPr>
+          <p:cNvPr id="7" name="Rectangle 6"/>
+          <p:cNvSpPr/>
+          <p:nvPr/>
+        </p:nvSpPr>
+        <p:spPr>
+          <a:xfrm>
+            <a:off x="5212080" y="1737360"/>
+            <a:ext cx="4114800" cy="1645920"/>
+          </a:xfrm>
+          <a:prstGeom prst="rect">
+            <a:avLst/>
+          </a:prstGeom>
+          <a:solidFill>
+            <a:srgbClr val="E6E6E6"/>
+          </a:solidFill>
+          <a:ln w="19050">
+            <a:solidFill>
+              <a:srgbClr val="CCCCCC"/>
+            </a:solidFill>
+          </a:ln>
+        </p:spPr>
+        <p:style>
+          <a:lnRef idx="1">
+            <a:schemeClr val="accent1"/>
+          </a:lnRef>
+          <a:fillRef idx="3">
+            <a:schemeClr val="accent1"/>
+          </a:fillRef>
+          <a:effectRef idx="2">
+            <a:schemeClr val="accent1"/>
+          </a:effectRef>
+          <a:fontRef idx="minor">
+            <a:schemeClr val="lt1"/>
+          </a:fontRef>
+        </p:style>
+        <p:txBody>
+          <a:bodyPr rtlCol="0" anchor="ctr"/>
+          <a:lstStyle/>
+          <a:p>
+            <a:pPr algn="ctr"/>
+          </a:p>
+        </p:txBody>
+      </p:sp>
+      <p:sp>
+        <p:nvSpPr>
+          <p:cNvPr id="8" name="TextBox 7"/>
+          <p:cNvSpPr txBox="1"/>
+          <p:nvPr/>
+        </p:nvSpPr>
+        <p:spPr>
+          <a:xfrm>
+            <a:off x="5394960" y="1874520"/>
+            <a:ext cx="3749040" cy="320040"/>
+          </a:xfrm>
+          <a:prstGeom prst="rect">
+            <a:avLst/>
+          </a:prstGeom>
+          <a:noFill/>
+        </p:spPr>
+        <p:txBody>
+          <a:bodyPr wrap="none">
+            <a:spAutoFit/>
+          </a:bodyPr>
+          <a:lstStyle/>
+          <a:p>
+            <a:pPr>
+              <a:defRPr sz="1400" b="1">
+                <a:solidFill>
+                  <a:srgbClr val="333333"/>
+                </a:solidFill>
+                <a:latin typeface="맑은 고딕"/>
+              </a:defRPr>
+            </a:pPr>
+            <a:r>
+              <a:t>2. Kraljic Matrix</a:t>
+            </a:r>
+          </a:p>
+        </p:txBody>
+      </p:sp>
+      <p:sp>
+        <p:nvSpPr>
+          <p:cNvPr id="9" name="TextBox 8"/>
+          <p:cNvSpPr txBox="1"/>
+          <p:nvPr/>
+        </p:nvSpPr>
+        <p:spPr>
+          <a:xfrm>
+            <a:off x="5394960" y="2286000"/>
+            <a:ext cx="3749040" cy="914400"/>
+          </a:xfrm>
+          <a:prstGeom prst="rect">
+            <a:avLst/>
+          </a:prstGeom>
+          <a:noFill/>
+        </p:spPr>
+        <p:txBody>
+          <a:bodyPr wrap="square">
+            <a:spAutoFit/>
+          </a:bodyPr>
+          <a:lstStyle/>
+          <a:p>
+            <a:pPr>
+              <a:spcAft>
+                <a:spcPts val="600"/>
+              </a:spcAft>
+              <a:defRPr sz="1100">
+                <a:solidFill>
+                  <a:srgbClr val="333333"/>
+                </a:solidFill>
+                <a:latin typeface="맑은 고딕"/>
+              </a:defRPr>
+            </a:pPr>
+            <a:r>
+              <a:t>공급 리스크 × 구매 임팩트</a:t>
+            </a:r>
+          </a:p>
+          <a:p>
+            <a:pPr>
+              <a:spcAft>
+                <a:spcPts val="600"/>
+              </a:spcAft>
+              <a:defRPr sz="1100">
+                <a:solidFill>
+                  <a:srgbClr val="333333"/>
+                </a:solidFill>
+                <a:latin typeface="맑은 고딕"/>
+              </a:defRPr>
+            </a:pPr>
+            <a:r>
+              <a:t>4개 자재군 차별화 전략</a:t>
+            </a:r>
+          </a:p>
+        </p:txBody>
+      </p:sp>
+      <p:sp>
+        <p:nvSpPr>
+          <p:cNvPr id="10" name="Rectangle 9"/>
+          <p:cNvSpPr/>
+          <p:nvPr/>
+        </p:nvSpPr>
+        <p:spPr>
+          <a:xfrm>
+            <a:off x="731520" y="3749040"/>
+            <a:ext cx="4114800" cy="1645920"/>
+          </a:xfrm>
+          <a:prstGeom prst="rect">
+            <a:avLst/>
+          </a:prstGeom>
+          <a:solidFill>
+            <a:srgbClr val="E6E6E6"/>
+          </a:solidFill>
+          <a:ln w="19050">
+            <a:solidFill>
+              <a:srgbClr val="CCCCCC"/>
+            </a:solidFill>
+          </a:ln>
+        </p:spPr>
+        <p:style>
+          <a:lnRef idx="1">
+            <a:schemeClr val="accent1"/>
+          </a:lnRef>
+          <a:fillRef idx="3">
+            <a:schemeClr val="accent1"/>
+          </a:fillRef>
+          <a:effectRef idx="2">
+            <a:schemeClr val="accent1"/>
+          </a:effectRef>
+          <a:fontRef idx="minor">
+            <a:schemeClr val="lt1"/>
+          </a:fontRef>
+        </p:style>
+        <p:txBody>
+          <a:bodyPr rtlCol="0" anchor="ctr"/>
+          <a:lstStyle/>
+          <a:p>
+            <a:pPr algn="ctr"/>
+          </a:p>
+        </p:txBody>
+      </p:sp>
+      <p:sp>
+        <p:nvSpPr>
+          <p:cNvPr id="11" name="TextBox 10"/>
+          <p:cNvSpPr txBox="1"/>
+          <p:nvPr/>
+        </p:nvSpPr>
+        <p:spPr>
+          <a:xfrm>
+            <a:off x="914400" y="3886200"/>
+            <a:ext cx="3749040" cy="320040"/>
+          </a:xfrm>
+          <a:prstGeom prst="rect">
+            <a:avLst/>
+          </a:prstGeom>
+          <a:noFill/>
+        </p:spPr>
+        <p:txBody>
+          <a:bodyPr wrap="none">
+            <a:spAutoFit/>
+          </a:bodyPr>
+          <a:lstStyle/>
+          <a:p>
+            <a:pPr>
+              <a:defRPr sz="1400" b="1">
+                <a:solidFill>
+                  <a:srgbClr val="333333"/>
+                </a:solidFill>
+                <a:latin typeface="맑은 고딕"/>
+              </a:defRPr>
+            </a:pPr>
+            <a:r>
+              <a:t>3. 자재계획 방법론</a:t>
+            </a:r>
+          </a:p>
+        </p:txBody>
+      </p:sp>
+      <p:sp>
+        <p:nvSpPr>
+          <p:cNvPr id="12" name="TextBox 11"/>
+          <p:cNvSpPr txBox="1"/>
+          <p:nvPr/>
+        </p:nvSpPr>
+        <p:spPr>
+          <a:xfrm>
+            <a:off x="914400" y="4297680"/>
+            <a:ext cx="3749040" cy="914400"/>
+          </a:xfrm>
+          <a:prstGeom prst="rect">
+            <a:avLst/>
+          </a:prstGeom>
+          <a:noFill/>
+        </p:spPr>
+        <p:txBody>
+          <a:bodyPr wrap="square">
+            <a:spAutoFit/>
+          </a:bodyPr>
+          <a:lstStyle/>
+          <a:p>
+            <a:pPr>
+              <a:spcAft>
+                <a:spcPts val="600"/>
+              </a:spcAft>
+              <a:defRPr sz="1100">
+                <a:solidFill>
+                  <a:srgbClr val="333333"/>
+                </a:solidFill>
+                <a:latin typeface="맑은 고딕"/>
+              </a:defRPr>
+            </a:pPr>
+            <a:r>
+              <a:t>병목→ROP, 레버리지→MRP</a:t>
+            </a:r>
+          </a:p>
+          <a:p>
+            <a:pPr>
+              <a:spcAft>
+                <a:spcPts val="600"/>
+              </a:spcAft>
+              <a:defRPr sz="1100">
+                <a:solidFill>
+                  <a:srgbClr val="333333"/>
+                </a:solidFill>
+                <a:latin typeface="맑은 고딕"/>
+              </a:defRPr>
+            </a:pPr>
+            <a:r>
+              <a:t>전략→LTP+Hybrid, 일상→VMI</a:t>
+            </a:r>
+          </a:p>
+        </p:txBody>
+      </p:sp>
+      <p:sp>
+        <p:nvSpPr>
+          <p:cNvPr id="13" name="Rectangle 12"/>
+          <p:cNvSpPr/>
+          <p:nvPr/>
+        </p:nvSpPr>
+        <p:spPr>
+          <a:xfrm>
+            <a:off x="5212080" y="3749040"/>
+            <a:ext cx="4114800" cy="1645920"/>
+          </a:xfrm>
+          <a:prstGeom prst="rect">
+            <a:avLst/>
+          </a:prstGeom>
+          <a:solidFill>
+            <a:srgbClr val="E6E6E6"/>
+          </a:solidFill>
+          <a:ln w="19050">
+            <a:solidFill>
+              <a:srgbClr val="CCCCCC"/>
+            </a:solidFill>
+          </a:ln>
+        </p:spPr>
+        <p:style>
+          <a:lnRef idx="1">
+            <a:schemeClr val="accent1"/>
+          </a:lnRef>
+          <a:fillRef idx="3">
+            <a:schemeClr val="accent1"/>
+          </a:fillRef>
+          <a:effectRef idx="2">
+            <a:schemeClr val="accent1"/>
+          </a:effectRef>
+          <a:fontRef idx="minor">
+            <a:schemeClr val="lt1"/>
+          </a:fontRef>
+        </p:style>
+        <p:txBody>
+          <a:bodyPr rtlCol="0" anchor="ctr"/>
+          <a:lstStyle/>
+          <a:p>
+            <a:pPr algn="ctr"/>
+          </a:p>
+        </p:txBody>
+      </p:sp>
+      <p:sp>
+        <p:nvSpPr>
+          <p:cNvPr id="14" name="TextBox 13"/>
+          <p:cNvSpPr txBox="1"/>
+          <p:nvPr/>
+        </p:nvSpPr>
+        <p:spPr>
+          <a:xfrm>
+            <a:off x="5394960" y="3886200"/>
+            <a:ext cx="3749040" cy="320040"/>
+          </a:xfrm>
+          <a:prstGeom prst="rect">
+            <a:avLst/>
+          </a:prstGeom>
+          <a:noFill/>
+        </p:spPr>
+        <p:txBody>
+          <a:bodyPr wrap="none">
+            <a:spAutoFit/>
+          </a:bodyPr>
+          <a:lstStyle/>
+          <a:p>
+            <a:pPr>
+              <a:defRPr sz="1400" b="1">
+                <a:solidFill>
+                  <a:srgbClr val="333333"/>
+                </a:solidFill>
+                <a:latin typeface="맑은 고딕"/>
+              </a:defRPr>
+            </a:pPr>
+            <a:r>
+              <a:t>4. Next Steps</a:t>
+            </a:r>
+          </a:p>
+        </p:txBody>
+      </p:sp>
+      <p:sp>
+        <p:nvSpPr>
+          <p:cNvPr id="15" name="TextBox 14"/>
+          <p:cNvSpPr txBox="1"/>
+          <p:nvPr/>
+        </p:nvSpPr>
+        <p:spPr>
+          <a:xfrm>
+            <a:off x="5394960" y="4297680"/>
+            <a:ext cx="3749040" cy="914400"/>
+          </a:xfrm>
+          <a:prstGeom prst="rect">
+            <a:avLst/>
+          </a:prstGeom>
+          <a:noFill/>
+        </p:spPr>
+        <p:txBody>
+          <a:bodyPr wrap="square">
+            <a:spAutoFit/>
+          </a:bodyPr>
+          <a:lstStyle/>
+          <a:p>
+            <a:pPr>
+              <a:spcAft>
+                <a:spcPts val="600"/>
+              </a:spcAft>
+              <a:defRPr sz="1100">
+                <a:solidFill>
+                  <a:srgbClr val="333333"/>
+                </a:solidFill>
+                <a:latin typeface="맑은 고딕"/>
+              </a:defRPr>
+            </a:pPr>
+            <a:r>
+              <a:t>Session 2: 소싱 전략 &amp; 공급업체 관계</a:t>
+            </a:r>
+          </a:p>
+          <a:p>
+            <a:pPr>
+              <a:spcAft>
+                <a:spcPts val="600"/>
+              </a:spcAft>
+              <a:defRPr sz="1100">
+                <a:solidFill>
+                  <a:srgbClr val="333333"/>
+                </a:solidFill>
+                <a:latin typeface="맑은 고딕"/>
+              </a:defRPr>
+            </a:pPr>
+            <a:r>
+              <a:t>Session 3-7: 자재군별 심화 학습</a:t>
+            </a:r>
+          </a:p>
+        </p:txBody>
+      </p:sp>
+      <p:sp>
+        <p:nvSpPr>
+          <p:cNvPr id="16" name="TextBox 15"/>
+          <p:cNvSpPr txBox="1"/>
+          <p:nvPr/>
+        </p:nvSpPr>
+        <p:spPr>
+          <a:xfrm>
+            <a:off x="274320" y="6400800"/>
+            <a:ext cx="7315200" cy="274320"/>
+          </a:xfrm>
+          <a:prstGeom prst="rect">
+            <a:avLst/>
+          </a:prstGeom>
+          <a:noFill/>
+        </p:spPr>
+        <p:txBody>
+          <a:bodyPr wrap="none">
+            <a:spAutoFit/>
+          </a:bodyPr>
+          <a:lstStyle/>
+          <a:p>
+            <a:pPr>
+              <a:defRPr sz="800">
+                <a:solidFill>
+                  <a:srgbClr val="666666"/>
+                </a:solidFill>
+                <a:latin typeface="Arial"/>
+              </a:defRPr>
+            </a:pPr>
+            <a:r>
+              <a:t>전략적 재고운영 Foundation</a:t>
+            </a:r>
+          </a:p>
+        </p:txBody>
+      </p:sp>
+      <p:sp>
+        <p:nvSpPr>
+          <p:cNvPr id="17" name="TextBox 16"/>
+          <p:cNvSpPr txBox="1"/>
+          <p:nvPr/>
+        </p:nvSpPr>
+        <p:spPr>
+          <a:xfrm>
+            <a:off x="9144000" y="6400800"/>
+            <a:ext cx="457200" cy="274320"/>
+          </a:xfrm>
+          <a:prstGeom prst="rect">
+            <a:avLst/>
+          </a:prstGeom>
+          <a:noFill/>
+        </p:spPr>
+        <p:txBody>
+          <a:bodyPr wrap="none">
+            <a:spAutoFit/>
+          </a:bodyPr>
+          <a:lstStyle/>
+          <a:p>
+            <a:pPr algn="r">
+              <a:defRPr sz="800">
+                <a:solidFill>
+                  <a:srgbClr val="666666"/>
+                </a:solidFill>
+                <a:latin typeface="Arial"/>
+              </a:defRPr>
+            </a:pPr>
+            <a:r>
+              <a:t>25</a:t>
+            </a:r>
+          </a:p>
+        </p:txBody>
+      </p:sp>
+    </p:spTree>
+  </p:cSld>
+  <p:clrMapOvr>
+    <a:masterClrMapping/>
+  </p:clrMapOvr>
+</p:sld>
+</file>
+
+<file path=ppt/slides/slide3.xml><?xml version="1.0" encoding="utf-8"?>
+<p:sld xmlns:a="http://schemas.openxmlformats.org/drawingml/2006/main" xmlns:p="http://schemas.openxmlformats.org/presentationml/2006/main" xmlns:r="http://schemas.openxmlformats.org/officeDocument/2006/relationships">
+  <p:cSld>
+    <p:spTree>
+      <p:nvGrpSpPr>
+        <p:cNvPr id="1" name=""/>
+        <p:cNvGrpSpPr/>
+        <p:nvPr/>
+      </p:nvGrpSpPr>
+      <p:grpSpPr/>
+      <p:sp>
+        <p:nvSpPr>
+          <p:cNvPr id="2" name="TextBox 1"/>
+          <p:cNvSpPr txBox="1"/>
+          <p:nvPr/>
+        </p:nvSpPr>
+        <p:spPr>
+          <a:xfrm>
+            <a:off x="1828800" y="2286000"/>
+            <a:ext cx="6245352" cy="1828800"/>
+          </a:xfrm>
+          <a:prstGeom prst="rect">
+            <a:avLst/>
+          </a:prstGeom>
+          <a:noFill/>
+        </p:spPr>
+        <p:txBody>
+          <a:bodyPr wrap="none">
+            <a:spAutoFit/>
+          </a:bodyPr>
+          <a:lstStyle/>
+          <a:p>
+            <a:pPr algn="ctr">
+              <a:defRPr sz="7200" b="1">
+                <a:solidFill>
+                  <a:srgbClr val="333333"/>
+                </a:solidFill>
+                <a:latin typeface="맑은 고딕"/>
+              </a:defRPr>
+            </a:pPr>
+            <a:r>
+              <a:t>1장</a:t>
+            </a:r>
+          </a:p>
+        </p:txBody>
+      </p:sp>
+      <p:sp>
+        <p:nvSpPr>
+          <p:cNvPr id="3" name="TextBox 2"/>
+          <p:cNvSpPr txBox="1"/>
+          <p:nvPr/>
+        </p:nvSpPr>
+        <p:spPr>
+          <a:xfrm>
+            <a:off x="1828800" y="4297680"/>
+            <a:ext cx="6245352" cy="731520"/>
+          </a:xfrm>
+          <a:prstGeom prst="rect">
+            <a:avLst/>
+          </a:prstGeom>
+          <a:noFill/>
+        </p:spPr>
+        <p:txBody>
+          <a:bodyPr wrap="none">
+            <a:spAutoFit/>
+          </a:bodyPr>
+          <a:lstStyle/>
+          <a:p>
+            <a:pPr algn="ctr">
+              <a:defRPr sz="2400">
+                <a:solidFill>
+                  <a:srgbClr val="666666"/>
+                </a:solidFill>
+                <a:latin typeface="맑은 고딕"/>
+              </a:defRPr>
+            </a:pPr>
+            <a:r>
+              <a:t>패러다임의 전환: JIT에서 JIC로</a:t>
+            </a:r>
+          </a:p>
+        </p:txBody>
+      </p:sp>
+      <p:sp>
+        <p:nvSpPr>
+          <p:cNvPr id="4" name="TextBox 3"/>
+          <p:cNvSpPr txBox="1"/>
+          <p:nvPr/>
+        </p:nvSpPr>
+        <p:spPr>
+          <a:xfrm>
+            <a:off x="274320" y="6400800"/>
+            <a:ext cx="7315200" cy="274320"/>
+          </a:xfrm>
+          <a:prstGeom prst="rect">
+            <a:avLst/>
+          </a:prstGeom>
+          <a:noFill/>
+        </p:spPr>
+        <p:txBody>
+          <a:bodyPr wrap="none">
+            <a:spAutoFit/>
+          </a:bodyPr>
+          <a:lstStyle/>
+          <a:p>
+            <a:pPr>
+              <a:defRPr sz="800">
+                <a:solidFill>
+                  <a:srgbClr val="666666"/>
+                </a:solidFill>
+                <a:latin typeface="Arial"/>
+              </a:defRPr>
+            </a:pPr>
+            <a:r>
+              <a:t>전략적 재고운영 Foundation</a:t>
+            </a:r>
+          </a:p>
+        </p:txBody>
+      </p:sp>
+      <p:sp>
+        <p:nvSpPr>
+          <p:cNvPr id="5" name="TextBox 4"/>
+          <p:cNvSpPr txBox="1"/>
+          <p:nvPr/>
+        </p:nvSpPr>
+        <p:spPr>
+          <a:xfrm>
+            <a:off x="9144000" y="6400800"/>
+            <a:ext cx="457200" cy="274320"/>
+          </a:xfrm>
+          <a:prstGeom prst="rect">
+            <a:avLst/>
+          </a:prstGeom>
+          <a:noFill/>
+        </p:spPr>
+        <p:txBody>
+          <a:bodyPr wrap="none">
+            <a:spAutoFit/>
+          </a:bodyPr>
+          <a:lstStyle/>
+          <a:p>
+            <a:pPr algn="r">
+              <a:defRPr sz="800">
+                <a:solidFill>
+                  <a:srgbClr val="666666"/>
+                </a:solidFill>
+                <a:latin typeface="Arial"/>
+              </a:defRPr>
+            </a:pPr>
+            <a:r>
+              <a:t>3</a:t>
+            </a:r>
+          </a:p>
+        </p:txBody>
+      </p:sp>
+    </p:spTree>
+  </p:cSld>
+  <p:clrMapOvr>
+    <a:masterClrMapping/>
+  </p:clrMapOvr>
+</p:sld>
+</file>
+
+<file path=ppt/slides/slide4.xml><?xml version="1.0" encoding="utf-8"?>
+<p:sld xmlns:a="http://schemas.openxmlformats.org/drawingml/2006/main" xmlns:p="http://schemas.openxmlformats.org/presentationml/2006/main" xmlns:r="http://schemas.openxmlformats.org/officeDocument/2006/relationships">
+  <p:cSld>
+    <p:spTree>
+      <p:nvGrpSpPr>
+        <p:cNvPr id="1" name=""/>
+        <p:cNvGrpSpPr/>
+        <p:nvPr/>
+      </p:nvGrpSpPr>
+      <p:grpSpPr/>
+      <p:sp>
+        <p:nvSpPr>
+          <p:cNvPr id="2" name="TextBox 1"/>
+          <p:cNvSpPr txBox="1"/>
+          <p:nvPr/>
+        </p:nvSpPr>
+        <p:spPr>
+          <a:xfrm>
+            <a:off x="274320" y="274320"/>
+            <a:ext cx="9354312" cy="548640"/>
+          </a:xfrm>
+          <a:prstGeom prst="rect">
+            <a:avLst/>
+          </a:prstGeom>
+          <a:noFill/>
+        </p:spPr>
+        <p:txBody>
+          <a:bodyPr wrap="none">
+            <a:spAutoFit/>
+          </a:bodyPr>
+          <a:lstStyle/>
+          <a:p>
+            <a:pPr>
+              <a:defRPr sz="2000" b="1">
+                <a:solidFill>
+                  <a:srgbClr val="000000"/>
+                </a:solidFill>
+                <a:latin typeface="맑은 고딕"/>
+              </a:defRPr>
+            </a:pPr>
+            <a:r>
+              <a:t>1.1 JIT의 영광과 몰락</a:t>
+            </a:r>
+          </a:p>
+        </p:txBody>
+      </p:sp>
+      <p:sp>
+        <p:nvSpPr>
+          <p:cNvPr id="3" name="TextBox 2"/>
+          <p:cNvSpPr txBox="1"/>
+          <p:nvPr/>
+        </p:nvSpPr>
+        <p:spPr>
+          <a:xfrm>
+            <a:off x="274320" y="923544"/>
+            <a:ext cx="9436608" cy="576072"/>
+          </a:xfrm>
+          <a:prstGeom prst="rect">
+            <a:avLst/>
+          </a:prstGeom>
+          <a:noFill/>
+        </p:spPr>
+        <p:txBody>
+          <a:bodyPr wrap="square">
+            <a:spAutoFit/>
+          </a:bodyPr>
+          <a:lstStyle/>
+          <a:p>
+            <a:pPr>
+              <a:defRPr sz="1600" b="1">
+                <a:solidFill>
+                  <a:srgbClr val="666666"/>
+                </a:solidFill>
+                <a:latin typeface="맑은 고딕"/>
+              </a:defRPr>
+            </a:pPr>
+            <a:r>
+              <a:t>도요타의 JIT는 안정적인 공급망 환경에서는 완벽했으나, 공급 충격에는 극도로 취약한 시스템이었습니다.</a:t>
+            </a:r>
+          </a:p>
+        </p:txBody>
+      </p:sp>
+      <p:sp>
+        <p:nvSpPr>
+          <p:cNvPr id="4" name="TextBox 3"/>
+          <p:cNvSpPr txBox="1"/>
+          <p:nvPr/>
+        </p:nvSpPr>
+        <p:spPr>
+          <a:xfrm>
+            <a:off x="914400" y="1828800"/>
+            <a:ext cx="8074152" cy="4114800"/>
+          </a:xfrm>
+          <a:prstGeom prst="rect">
+            <a:avLst/>
+          </a:prstGeom>
+          <a:noFill/>
+        </p:spPr>
+        <p:txBody>
+          <a:bodyPr wrap="square">
+            <a:spAutoFit/>
+          </a:bodyPr>
+          <a:lstStyle/>
+          <a:p>
+            <a:pPr>
+              <a:spcAft>
+                <a:spcPts val="1200"/>
+              </a:spcAft>
+              <a:defRPr sz="1200">
+                <a:solidFill>
+                  <a:srgbClr val="333333"/>
+                </a:solidFill>
+                <a:latin typeface="맑은 고딕"/>
+              </a:defRPr>
+            </a:pPr>
+            <a:r>
+              <a:t>• JIT 7대 원칙: Zero Inventory, Pull System, Kanban, Continuous Flow, Short Lead Time, Perfect Quality, Supplier Partnership</a:t>
+            </a:r>
+          </a:p>
+          <a:p>
+            <a:pPr>
+              <a:spcAft>
+                <a:spcPts val="1200"/>
+              </a:spcAft>
+              <a:defRPr sz="1200">
+                <a:solidFill>
+                  <a:srgbClr val="333333"/>
+                </a:solidFill>
+                <a:latin typeface="맑은 고딕"/>
+              </a:defRPr>
+            </a:pPr>
+            <a:r>
+              <a:t>• 1980-2010년대: GM, Harley-Davidson, Ford 등 전 세계 제조업체들이 JIT 도입</a:t>
+            </a:r>
+          </a:p>
+          <a:p>
+            <a:pPr>
+              <a:spcAft>
+                <a:spcPts val="1200"/>
+              </a:spcAft>
+              <a:defRPr sz="1200">
+                <a:solidFill>
+                  <a:srgbClr val="333333"/>
+                </a:solidFill>
+                <a:latin typeface="맑은 고딕"/>
+              </a:defRPr>
+            </a:pPr>
+            <a:r>
+              <a:t>• 성공 사례: 재고 비용 30-50% 절감, 생산성 대폭 향상</a:t>
+            </a:r>
+          </a:p>
+          <a:p>
+            <a:pPr>
+              <a:spcAft>
+                <a:spcPts val="1200"/>
+              </a:spcAft>
+              <a:defRPr sz="1200">
+                <a:solidFill>
+                  <a:srgbClr val="333333"/>
+                </a:solidFill>
+                <a:latin typeface="맑은 고딕"/>
+              </a:defRPr>
+            </a:pPr>
+            <a:r>
+              <a:t>• 당시의 전제: 안정적 공급망, 예측 가능한 수요, 저렴한 운송</a:t>
+            </a:r>
+          </a:p>
+        </p:txBody>
+      </p:sp>
+      <p:sp>
+        <p:nvSpPr>
+          <p:cNvPr id="5" name="TextBox 4"/>
+          <p:cNvSpPr txBox="1"/>
+          <p:nvPr/>
+        </p:nvSpPr>
+        <p:spPr>
+          <a:xfrm>
+            <a:off x="274320" y="6400800"/>
+            <a:ext cx="7315200" cy="274320"/>
+          </a:xfrm>
+          <a:prstGeom prst="rect">
+            <a:avLst/>
+          </a:prstGeom>
+          <a:noFill/>
+        </p:spPr>
+        <p:txBody>
+          <a:bodyPr wrap="none">
+            <a:spAutoFit/>
+          </a:bodyPr>
+          <a:lstStyle/>
+          <a:p>
+            <a:pPr>
+              <a:defRPr sz="800">
+                <a:solidFill>
+                  <a:srgbClr val="666666"/>
+                </a:solidFill>
+                <a:latin typeface="Arial"/>
+              </a:defRPr>
+            </a:pPr>
+            <a:r>
+              <a:t>전략적 재고운영 Foundation</a:t>
+            </a:r>
+          </a:p>
+        </p:txBody>
+      </p:sp>
+      <p:sp>
+        <p:nvSpPr>
+          <p:cNvPr id="6" name="TextBox 5"/>
+          <p:cNvSpPr txBox="1"/>
+          <p:nvPr/>
+        </p:nvSpPr>
+        <p:spPr>
+          <a:xfrm>
+            <a:off x="9144000" y="6400800"/>
+            <a:ext cx="457200" cy="274320"/>
+          </a:xfrm>
+          <a:prstGeom prst="rect">
+            <a:avLst/>
+          </a:prstGeom>
+          <a:noFill/>
+        </p:spPr>
+        <p:txBody>
+          <a:bodyPr wrap="none">
+            <a:spAutoFit/>
+          </a:bodyPr>
+          <a:lstStyle/>
+          <a:p>
+            <a:pPr algn="r">
+              <a:defRPr sz="800">
+                <a:solidFill>
+                  <a:srgbClr val="666666"/>
+                </a:solidFill>
+                <a:latin typeface="Arial"/>
+              </a:defRPr>
+            </a:pPr>
+            <a:r>
+              <a:t>4</a:t>
+            </a:r>
+          </a:p>
+        </p:txBody>
+      </p:sp>
+    </p:spTree>
+  </p:cSld>
+  <p:clrMapOvr>
+    <a:masterClrMapping/>
+  </p:clrMapOvr>
+</p:sld>
+</file>
+
+<file path=ppt/slides/slide5.xml><?xml version="1.0" encoding="utf-8"?>
+<p:sld xmlns:a="http://schemas.openxmlformats.org/drawingml/2006/main" xmlns:p="http://schemas.openxmlformats.org/presentationml/2006/main" xmlns:r="http://schemas.openxmlformats.org/officeDocument/2006/relationships">
+  <p:cSld>
+    <p:spTree>
+      <p:nvGrpSpPr>
+        <p:cNvPr id="1" name=""/>
+        <p:cNvGrpSpPr/>
+        <p:nvPr/>
+      </p:nvGrpSpPr>
+      <p:grpSpPr/>
+      <p:sp>
+        <p:nvSpPr>
+          <p:cNvPr id="2" name="TextBox 1"/>
+          <p:cNvSpPr txBox="1"/>
+          <p:nvPr/>
+        </p:nvSpPr>
+        <p:spPr>
+          <a:xfrm>
+            <a:off x="274320" y="274320"/>
+            <a:ext cx="9354312" cy="548640"/>
+          </a:xfrm>
+          <a:prstGeom prst="rect">
+            <a:avLst/>
+          </a:prstGeom>
+          <a:noFill/>
+        </p:spPr>
+        <p:txBody>
+          <a:bodyPr wrap="none">
+            <a:spAutoFit/>
+          </a:bodyPr>
+          <a:lstStyle/>
+          <a:p>
+            <a:pPr>
+              <a:defRPr sz="2000" b="1">
+                <a:solidFill>
+                  <a:srgbClr val="000000"/>
+                </a:solidFill>
+                <a:latin typeface="맑은 고딕"/>
+              </a:defRPr>
+            </a:pPr>
+            <a:r>
+              <a:t>1.2 팬데믹이 드러낸 JIT의 치명적 약점</a:t>
+            </a:r>
+          </a:p>
+        </p:txBody>
+      </p:sp>
+      <p:sp>
+        <p:nvSpPr>
+          <p:cNvPr id="3" name="TextBox 2"/>
+          <p:cNvSpPr txBox="1"/>
+          <p:nvPr/>
+        </p:nvSpPr>
+        <p:spPr>
+          <a:xfrm>
+            <a:off x="274320" y="923544"/>
+            <a:ext cx="9436608" cy="576072"/>
+          </a:xfrm>
+          <a:prstGeom prst="rect">
+            <a:avLst/>
+          </a:prstGeom>
+          <a:noFill/>
+        </p:spPr>
+        <p:txBody>
+          <a:bodyPr wrap="square">
+            <a:spAutoFit/>
+          </a:bodyPr>
+          <a:lstStyle/>
+          <a:p>
+            <a:pPr>
+              <a:defRPr sz="1600" b="1">
+                <a:solidFill>
+                  <a:srgbClr val="666666"/>
+                </a:solidFill>
+                <a:latin typeface="맑은 고딕"/>
+              </a:defRPr>
+            </a:pPr>
+            <a:r>
+              <a:t>2021년 글로벌 반도체 대란은 $210억 손실을 초래했으며, 재고 Zero 전략의 위험성을 명확히 증명했습니다.</a:t>
+            </a:r>
+          </a:p>
+        </p:txBody>
+      </p:sp>
+      <p:sp>
+        <p:nvSpPr>
+          <p:cNvPr id="4" name="TextBox 3"/>
+          <p:cNvSpPr txBox="1"/>
+          <p:nvPr/>
+        </p:nvSpPr>
+        <p:spPr>
+          <a:xfrm>
+            <a:off x="914400" y="1828800"/>
+            <a:ext cx="8074152" cy="4114800"/>
+          </a:xfrm>
+          <a:prstGeom prst="rect">
+            <a:avLst/>
+          </a:prstGeom>
+          <a:noFill/>
+        </p:spPr>
+        <p:txBody>
+          <a:bodyPr wrap="square">
+            <a:spAutoFit/>
+          </a:bodyPr>
+          <a:lstStyle/>
+          <a:p>
+            <a:pPr>
+              <a:spcAft>
+                <a:spcPts val="1200"/>
+              </a:spcAft>
+              <a:defRPr sz="1200">
+                <a:solidFill>
+                  <a:srgbClr val="333333"/>
+                </a:solidFill>
+                <a:latin typeface="맑은 고딕"/>
+              </a:defRPr>
+            </a:pPr>
+            <a:r>
+              <a:t>• 2021년 글로벌 반도체 대란: 자동차 생산 1,000만 대 감소, 산업 손실 $210억</a:t>
+            </a:r>
+          </a:p>
+          <a:p>
+            <a:pPr>
+              <a:spcAft>
+                <a:spcPts val="1200"/>
+              </a:spcAft>
+              <a:defRPr sz="1200">
+                <a:solidFill>
+                  <a:srgbClr val="333333"/>
+                </a:solidFill>
+                <a:latin typeface="맑은 고딕"/>
+              </a:defRPr>
+            </a:pPr>
+            <a:r>
+              <a:t>• GM, 포드, 폭스바겐 등 수개월간 생산 중단</a:t>
+            </a:r>
+          </a:p>
+          <a:p>
+            <a:pPr>
+              <a:spcAft>
+                <a:spcPts val="1200"/>
+              </a:spcAft>
+              <a:defRPr sz="1200">
+                <a:solidFill>
+                  <a:srgbClr val="333333"/>
+                </a:solidFill>
+                <a:latin typeface="맑은 고딕"/>
+              </a:defRPr>
+            </a:pPr>
+            <a:r>
+              <a:t>• 원인: JIT 방식으로 안전재고 Zero → 공급 충격에 즉각 노출</a:t>
+            </a:r>
+          </a:p>
+          <a:p>
+            <a:pPr>
+              <a:spcAft>
+                <a:spcPts val="1200"/>
+              </a:spcAft>
+              <a:defRPr sz="1200">
+                <a:solidFill>
+                  <a:srgbClr val="333333"/>
+                </a:solidFill>
+                <a:latin typeface="맑은 고딕"/>
+              </a:defRPr>
+            </a:pPr>
+            <a:r>
+              <a:t>• 교훈: 재고 Zero = 리스크 Maximum, 효율적이지만 깨지기 쉬운 시스템</a:t>
+            </a:r>
+          </a:p>
+        </p:txBody>
+      </p:sp>
+      <p:sp>
+        <p:nvSpPr>
+          <p:cNvPr id="5" name="TextBox 4"/>
+          <p:cNvSpPr txBox="1"/>
+          <p:nvPr/>
+        </p:nvSpPr>
+        <p:spPr>
+          <a:xfrm>
+            <a:off x="274320" y="6400800"/>
+            <a:ext cx="7315200" cy="274320"/>
+          </a:xfrm>
+          <a:prstGeom prst="rect">
+            <a:avLst/>
+          </a:prstGeom>
+          <a:noFill/>
+        </p:spPr>
+        <p:txBody>
+          <a:bodyPr wrap="none">
+            <a:spAutoFit/>
+          </a:bodyPr>
+          <a:lstStyle/>
+          <a:p>
+            <a:pPr>
+              <a:defRPr sz="800">
+                <a:solidFill>
+                  <a:srgbClr val="666666"/>
+                </a:solidFill>
+                <a:latin typeface="Arial"/>
+              </a:defRPr>
+            </a:pPr>
+            <a:r>
+              <a:t>전략적 재고운영 Foundation</a:t>
+            </a:r>
+          </a:p>
+        </p:txBody>
+      </p:sp>
+      <p:sp>
+        <p:nvSpPr>
+          <p:cNvPr id="6" name="TextBox 5"/>
+          <p:cNvSpPr txBox="1"/>
+          <p:nvPr/>
+        </p:nvSpPr>
+        <p:spPr>
+          <a:xfrm>
+            <a:off x="9144000" y="6400800"/>
+            <a:ext cx="457200" cy="274320"/>
+          </a:xfrm>
+          <a:prstGeom prst="rect">
+            <a:avLst/>
+          </a:prstGeom>
+          <a:noFill/>
+        </p:spPr>
+        <p:txBody>
+          <a:bodyPr wrap="none">
+            <a:spAutoFit/>
+          </a:bodyPr>
+          <a:lstStyle/>
+          <a:p>
+            <a:pPr algn="r">
+              <a:defRPr sz="800">
+                <a:solidFill>
+                  <a:srgbClr val="666666"/>
+                </a:solidFill>
+                <a:latin typeface="Arial"/>
+              </a:defRPr>
+            </a:pPr>
+            <a:r>
+              <a:t>5</a:t>
+            </a:r>
+          </a:p>
+        </p:txBody>
+      </p:sp>
+    </p:spTree>
+  </p:cSld>
+  <p:clrMapOvr>
+    <a:masterClrMapping/>
+  </p:clrMapOvr>
+</p:sld>
+</file>
+
+<file path=ppt/slides/slide6.xml><?xml version="1.0" encoding="utf-8"?>
+<p:sld xmlns:a="http://schemas.openxmlformats.org/drawingml/2006/main" xmlns:p="http://schemas.openxmlformats.org/presentationml/2006/main" xmlns:r="http://schemas.openxmlformats.org/officeDocument/2006/relationships">
+  <p:cSld>
+    <p:spTree>
+      <p:nvGrpSpPr>
+        <p:cNvPr id="1" name=""/>
+        <p:cNvGrpSpPr/>
+        <p:nvPr/>
+      </p:nvGrpSpPr>
+      <p:grpSpPr/>
+      <p:sp>
+        <p:nvSpPr>
+          <p:cNvPr id="2" name="TextBox 1"/>
+          <p:cNvSpPr txBox="1"/>
+          <p:nvPr/>
+        </p:nvSpPr>
+        <p:spPr>
+          <a:xfrm>
+            <a:off x="274320" y="274320"/>
+            <a:ext cx="9354312" cy="548640"/>
+          </a:xfrm>
+          <a:prstGeom prst="rect">
+            <a:avLst/>
+          </a:prstGeom>
+          <a:noFill/>
+        </p:spPr>
+        <p:txBody>
+          <a:bodyPr wrap="none">
+            <a:spAutoFit/>
+          </a:bodyPr>
+          <a:lstStyle/>
+          <a:p>
+            <a:pPr>
+              <a:defRPr sz="2000" b="1">
+                <a:solidFill>
+                  <a:srgbClr val="000000"/>
+                </a:solidFill>
+                <a:latin typeface="맑은 고딕"/>
+              </a:defRPr>
+            </a:pPr>
+            <a:r>
+              <a:t>1.2 JIT vs JIC 비교</a:t>
+            </a:r>
+          </a:p>
+        </p:txBody>
+      </p:sp>
+      <p:sp>
+        <p:nvSpPr>
+          <p:cNvPr id="3" name="TextBox 2"/>
+          <p:cNvSpPr txBox="1"/>
+          <p:nvPr/>
+        </p:nvSpPr>
+        <p:spPr>
+          <a:xfrm>
+            <a:off x="274320" y="923544"/>
+            <a:ext cx="9436608" cy="576072"/>
+          </a:xfrm>
+          <a:prstGeom prst="rect">
+            <a:avLst/>
+          </a:prstGeom>
+          <a:noFill/>
+        </p:spPr>
+        <p:txBody>
+          <a:bodyPr wrap="square">
+            <a:spAutoFit/>
+          </a:bodyPr>
+          <a:lstStyle/>
+          <a:p>
+            <a:pPr>
+              <a:defRPr sz="1600" b="1">
+                <a:solidFill>
+                  <a:srgbClr val="666666"/>
+                </a:solidFill>
+                <a:latin typeface="맑은 고딕"/>
+              </a:defRPr>
+            </a:pPr>
+            <a:r>
+              <a:t>JIC는 무조건적인 재고 증가가 아니라, 자재 특성에 따른 차별화된 접근을 의미합니다.</a:t>
+            </a:r>
+          </a:p>
+        </p:txBody>
+      </p:sp>
+      <p:graphicFrame>
+        <p:nvGraphicFramePr>
+          <p:cNvPr id="4" name="Table 3"/>
+          <p:cNvGraphicFramePr>
+            <a:graphicFrameLocks noGrp="1"/>
+          </p:cNvGraphicFramePr>
+          <p:nvPr/>
+        </p:nvGraphicFramePr>
+        <p:xfrm>
+          <a:off x="457200" y="1645920"/>
+          <a:ext cx="8961120" cy="4389120"/>
+        </p:xfrm>
+        <a:graphic>
+          <a:graphicData uri="http://schemas.openxmlformats.org/drawingml/2006/table">
+            <a:tbl>
+              <a:tblPr firstRow="1" bandRow="1">
+                <a:tableStyleId>{5C22544A-7EE6-4342-B048-85BDC9FD1C3A}</a:tableStyleId>
+              </a:tblPr>
+              <a:tblGrid>
+                <a:gridCol w="1828800"/>
+                <a:gridCol w="3566160"/>
+                <a:gridCol w="3566160"/>
+              </a:tblGrid>
+              <a:tr h="627017">
+                <a:tc>
+                  <a:txBody>
+                    <a:bodyPr/>
+                    <a:lstStyle/>
+                    <a:p>
+                      <a:pPr algn="ctr">
+                        <a:defRPr sz="1200" b="1">
+                          <a:solidFill>
+                            <a:srgbClr val="FFFFFF"/>
+                          </a:solidFill>
+                          <a:latin typeface="맑은 고딕"/>
+                        </a:defRPr>
+                      </a:pPr>
+                      <a:r>
+                        <a:t>구분</a:t>
+                      </a:r>
+                    </a:p>
+                  </a:txBody>
+                  <a:tcPr>
+                    <a:solidFill>
+                      <a:srgbClr val="333333"/>
+                    </a:solidFill>
+                  </a:tcPr>
+                </a:tc>
+                <a:tc>
+                  <a:txBody>
+                    <a:bodyPr/>
+                    <a:lstStyle/>
+                    <a:p>
+                      <a:pPr algn="ctr">
+                        <a:defRPr sz="1200" b="1">
+                          <a:solidFill>
+                            <a:srgbClr val="FFFFFF"/>
+                          </a:solidFill>
+                          <a:latin typeface="맑은 고딕"/>
+                        </a:defRPr>
+                      </a:pPr>
+                      <a:r>
+                        <a:t>JIT (과거)</a:t>
+                      </a:r>
+                    </a:p>
+                  </a:txBody>
+                  <a:tcPr>
+                    <a:solidFill>
+                      <a:srgbClr val="333333"/>
+                    </a:solidFill>
+                  </a:tcPr>
+                </a:tc>
+                <a:tc>
+                  <a:txBody>
+                    <a:bodyPr/>
+                    <a:lstStyle/>
+                    <a:p>
+                      <a:pPr algn="ctr">
+                        <a:defRPr sz="1200" b="1">
+                          <a:solidFill>
+                            <a:srgbClr val="FFFFFF"/>
+                          </a:solidFill>
+                          <a:latin typeface="맑은 고딕"/>
+                        </a:defRPr>
+                      </a:pPr>
+                      <a:r>
+                        <a:t>JIC (현재/미래)</a:t>
+                      </a:r>
+                    </a:p>
+                  </a:txBody>
+                  <a:tcPr>
+                    <a:solidFill>
+                      <a:srgbClr val="333333"/>
+                    </a:solidFill>
+                  </a:tcPr>
+                </a:tc>
+              </a:tr>
+              <a:tr h="627017">
+                <a:tc>
+                  <a:txBody>
+                    <a:bodyPr/>
+                    <a:lstStyle/>
+                    <a:p>
+                      <a:pPr algn="l">
+                        <a:defRPr sz="1000">
+                          <a:solidFill>
+                            <a:srgbClr val="333333"/>
+                          </a:solidFill>
+                          <a:latin typeface="맑은 고딕"/>
+                        </a:defRPr>
+                      </a:pPr>
+                      <a:r>
+                        <a:t>재고 철학</a:t>
+                      </a:r>
+                    </a:p>
+                  </a:txBody>
+                  <a:tcPr/>
+                </a:tc>
+                <a:tc>
+                  <a:txBody>
+                    <a:bodyPr/>
+                    <a:lstStyle/>
+                    <a:p>
+                      <a:pPr algn="ctr">
+                        <a:defRPr sz="1000">
+                          <a:solidFill>
+                            <a:srgbClr val="333333"/>
+                          </a:solidFill>
+                          <a:latin typeface="맑은 고딕"/>
+                        </a:defRPr>
+                      </a:pPr>
+                      <a:r>
+                        <a:t>재고 = 낭비</a:t>
+                      </a:r>
+                    </a:p>
+                  </a:txBody>
+                  <a:tcPr/>
+                </a:tc>
+                <a:tc>
+                  <a:txBody>
+                    <a:bodyPr/>
+                    <a:lstStyle/>
+                    <a:p>
+                      <a:pPr algn="ctr">
+                        <a:defRPr sz="1000">
+                          <a:solidFill>
+                            <a:srgbClr val="333333"/>
+                          </a:solidFill>
+                          <a:latin typeface="맑은 고딕"/>
+                        </a:defRPr>
+                      </a:pPr>
+                      <a:r>
+                        <a:t>재고 = 전략적 자산</a:t>
+                      </a:r>
+                    </a:p>
+                  </a:txBody>
+                  <a:tcPr/>
+                </a:tc>
+              </a:tr>
+              <a:tr h="627017">
+                <a:tc>
+                  <a:txBody>
+                    <a:bodyPr/>
+                    <a:lstStyle/>
+                    <a:p>
+                      <a:pPr algn="l">
+                        <a:defRPr sz="1000">
+                          <a:solidFill>
+                            <a:srgbClr val="333333"/>
+                          </a:solidFill>
+                          <a:latin typeface="맑은 고딕"/>
+                        </a:defRPr>
+                      </a:pPr>
+                      <a:r>
+                        <a:t>목표</a:t>
+                      </a:r>
+                    </a:p>
+                  </a:txBody>
+                  <a:tcPr>
+                    <a:solidFill>
+                      <a:srgbClr val="E6E6E6"/>
+                    </a:solidFill>
+                  </a:tcPr>
+                </a:tc>
+                <a:tc>
+                  <a:txBody>
+                    <a:bodyPr/>
+                    <a:lstStyle/>
+                    <a:p>
+                      <a:pPr algn="ctr">
+                        <a:defRPr sz="1000">
+                          <a:solidFill>
+                            <a:srgbClr val="333333"/>
+                          </a:solidFill>
+                          <a:latin typeface="맑은 고딕"/>
+                        </a:defRPr>
+                      </a:pPr>
+                      <a:r>
+                        <a:t>재고 최소화 (Zero)</a:t>
+                      </a:r>
+                    </a:p>
+                  </a:txBody>
+                  <a:tcPr>
+                    <a:solidFill>
+                      <a:srgbClr val="E6E6E6"/>
+                    </a:solidFill>
+                  </a:tcPr>
+                </a:tc>
+                <a:tc>
+                  <a:txBody>
+                    <a:bodyPr/>
+                    <a:lstStyle/>
+                    <a:p>
+                      <a:pPr algn="ctr">
+                        <a:defRPr sz="1000">
+                          <a:solidFill>
+                            <a:srgbClr val="333333"/>
+                          </a:solidFill>
+                          <a:latin typeface="맑은 고딕"/>
+                        </a:defRPr>
+                      </a:pPr>
+                      <a:r>
+                        <a:t>최적 재고 (Optimal)</a:t>
+                      </a:r>
+                    </a:p>
+                  </a:txBody>
+                  <a:tcPr>
+                    <a:solidFill>
+                      <a:srgbClr val="E6E6E6"/>
+                    </a:solidFill>
+                  </a:tcPr>
+                </a:tc>
+              </a:tr>
+              <a:tr h="627017">
+                <a:tc>
+                  <a:txBody>
+                    <a:bodyPr/>
+                    <a:lstStyle/>
+                    <a:p>
+                      <a:pPr algn="l">
+                        <a:defRPr sz="1000">
+                          <a:solidFill>
+                            <a:srgbClr val="333333"/>
+                          </a:solidFill>
+                          <a:latin typeface="맑은 고딕"/>
+                        </a:defRPr>
+                      </a:pPr>
+                      <a:r>
+                        <a:t>우선순위</a:t>
+                      </a:r>
+                    </a:p>
+                  </a:txBody>
+                  <a:tcPr/>
+                </a:tc>
+                <a:tc>
+                  <a:txBody>
+                    <a:bodyPr/>
+                    <a:lstStyle/>
+                    <a:p>
+                      <a:pPr algn="ctr">
+                        <a:defRPr sz="1000">
+                          <a:solidFill>
+                            <a:srgbClr val="333333"/>
+                          </a:solidFill>
+                          <a:latin typeface="맑은 고딕"/>
+                        </a:defRPr>
+                      </a:pPr>
+                      <a:r>
+                        <a:t>효율성</a:t>
+                      </a:r>
+                    </a:p>
+                  </a:txBody>
+                  <a:tcPr/>
+                </a:tc>
+                <a:tc>
+                  <a:txBody>
+                    <a:bodyPr/>
+                    <a:lstStyle/>
+                    <a:p>
+                      <a:pPr algn="ctr">
+                        <a:defRPr sz="1000">
+                          <a:solidFill>
+                            <a:srgbClr val="333333"/>
+                          </a:solidFill>
+                          <a:latin typeface="맑은 고딕"/>
+                        </a:defRPr>
+                      </a:pPr>
+                      <a:r>
+                        <a:t>회복력</a:t>
+                      </a:r>
+                    </a:p>
+                  </a:txBody>
+                  <a:tcPr/>
+                </a:tc>
+              </a:tr>
+              <a:tr h="627017">
+                <a:tc>
+                  <a:txBody>
+                    <a:bodyPr/>
+                    <a:lstStyle/>
+                    <a:p>
+                      <a:pPr algn="l">
+                        <a:defRPr sz="1000">
+                          <a:solidFill>
+                            <a:srgbClr val="333333"/>
+                          </a:solidFill>
+                          <a:latin typeface="맑은 고딕"/>
+                        </a:defRPr>
+                      </a:pPr>
+                      <a:r>
+                        <a:t>리스크</a:t>
+                      </a:r>
+                    </a:p>
+                  </a:txBody>
+                  <a:tcPr>
+                    <a:solidFill>
+                      <a:srgbClr val="E6E6E6"/>
+                    </a:solidFill>
+                  </a:tcPr>
+                </a:tc>
+                <a:tc>
+                  <a:txBody>
+                    <a:bodyPr/>
+                    <a:lstStyle/>
+                    <a:p>
+                      <a:pPr algn="ctr">
+                        <a:defRPr sz="1000">
+                          <a:solidFill>
+                            <a:srgbClr val="333333"/>
+                          </a:solidFill>
+                          <a:latin typeface="맑은 고딕"/>
+                        </a:defRPr>
+                      </a:pPr>
+                      <a:r>
+                        <a:t>리스크 무시</a:t>
+                      </a:r>
+                    </a:p>
+                  </a:txBody>
+                  <a:tcPr>
+                    <a:solidFill>
+                      <a:srgbClr val="E6E6E6"/>
+                    </a:solidFill>
+                  </a:tcPr>
+                </a:tc>
+                <a:tc>
+                  <a:txBody>
+                    <a:bodyPr/>
+                    <a:lstStyle/>
+                    <a:p>
+                      <a:pPr algn="ctr">
+                        <a:defRPr sz="1000">
+                          <a:solidFill>
+                            <a:srgbClr val="333333"/>
+                          </a:solidFill>
+                          <a:latin typeface="맑은 고딕"/>
+                        </a:defRPr>
+                      </a:pPr>
+                      <a:r>
+                        <a:t>리스크 관리</a:t>
+                      </a:r>
+                    </a:p>
+                  </a:txBody>
+                  <a:tcPr>
+                    <a:solidFill>
+                      <a:srgbClr val="E6E6E6"/>
+                    </a:solidFill>
+                  </a:tcPr>
+                </a:tc>
+              </a:tr>
+              <a:tr h="627017">
+                <a:tc>
+                  <a:txBody>
+                    <a:bodyPr/>
+                    <a:lstStyle/>
+                    <a:p>
+                      <a:pPr algn="l">
+                        <a:defRPr sz="1000">
+                          <a:solidFill>
+                            <a:srgbClr val="333333"/>
+                          </a:solidFill>
+                          <a:latin typeface="맑은 고딕"/>
+                        </a:defRPr>
+                      </a:pPr>
+                      <a:r>
+                        <a:t>안전재고</a:t>
+                      </a:r>
+                    </a:p>
+                  </a:txBody>
+                  <a:tcPr/>
+                </a:tc>
+                <a:tc>
+                  <a:txBody>
+                    <a:bodyPr/>
+                    <a:lstStyle/>
+                    <a:p>
+                      <a:pPr algn="ctr">
+                        <a:defRPr sz="1000">
+                          <a:solidFill>
+                            <a:srgbClr val="333333"/>
+                          </a:solidFill>
+                          <a:latin typeface="맑은 고딕"/>
+                        </a:defRPr>
+                      </a:pPr>
+                      <a:r>
+                        <a:t>최소 (1-2주)</a:t>
+                      </a:r>
+                    </a:p>
+                  </a:txBody>
+                  <a:tcPr/>
+                </a:tc>
+                <a:tc>
+                  <a:txBody>
+                    <a:bodyPr/>
+                    <a:lstStyle/>
+                    <a:p>
+                      <a:pPr algn="ctr">
+                        <a:defRPr sz="1000">
+                          <a:solidFill>
+                            <a:srgbClr val="333333"/>
+                          </a:solidFill>
+                          <a:latin typeface="맑은 고딕"/>
+                        </a:defRPr>
+                      </a:pPr>
+                      <a:r>
+                        <a:t>차별화 (1주-6개월)</a:t>
+                      </a:r>
+                    </a:p>
+                  </a:txBody>
+                  <a:tcPr/>
+                </a:tc>
+              </a:tr>
+              <a:tr h="627018">
+                <a:tc>
+                  <a:txBody>
+                    <a:bodyPr/>
+                    <a:lstStyle/>
+                    <a:p>
+                      <a:pPr algn="l">
+                        <a:defRPr sz="1000">
+                          <a:solidFill>
+                            <a:srgbClr val="333333"/>
+                          </a:solidFill>
+                          <a:latin typeface="맑은 고딕"/>
+                        </a:defRPr>
+                      </a:pPr>
+                      <a:r>
+                        <a:t>공급업체</a:t>
+                      </a:r>
+                    </a:p>
+                  </a:txBody>
+                  <a:tcPr>
+                    <a:solidFill>
+                      <a:srgbClr val="E6E6E6"/>
+                    </a:solidFill>
+                  </a:tcPr>
+                </a:tc>
+                <a:tc>
+                  <a:txBody>
+                    <a:bodyPr/>
+                    <a:lstStyle/>
+                    <a:p>
+                      <a:pPr algn="ctr">
+                        <a:defRPr sz="1000">
+                          <a:solidFill>
+                            <a:srgbClr val="333333"/>
+                          </a:solidFill>
+                          <a:latin typeface="맑은 고딕"/>
+                        </a:defRPr>
+                      </a:pPr>
+                      <a:r>
+                        <a:t>Single Source</a:t>
+                      </a:r>
+                    </a:p>
+                  </a:txBody>
+                  <a:tcPr>
+                    <a:solidFill>
+                      <a:srgbClr val="E6E6E6"/>
+                    </a:solidFill>
+                  </a:tcPr>
+                </a:tc>
+                <a:tc>
+                  <a:txBody>
+                    <a:bodyPr/>
+                    <a:lstStyle/>
+                    <a:p>
+                      <a:pPr algn="ctr">
+                        <a:defRPr sz="1000">
+                          <a:solidFill>
+                            <a:srgbClr val="333333"/>
+                          </a:solidFill>
+                          <a:latin typeface="맑은 고딕"/>
+                        </a:defRPr>
+                      </a:pPr>
+                      <a:r>
+                        <a:t>Dual/Multi Source</a:t>
+                      </a:r>
+                    </a:p>
+                  </a:txBody>
+                  <a:tcPr>
+                    <a:solidFill>
+                      <a:srgbClr val="E6E6E6"/>
+                    </a:solidFill>
+                  </a:tcPr>
+                </a:tc>
+              </a:tr>
+            </a:tbl>
+          </a:graphicData>
+        </a:graphic>
+      </p:graphicFrame>
+      <p:sp>
+        <p:nvSpPr>
+          <p:cNvPr id="5" name="TextBox 4"/>
+          <p:cNvSpPr txBox="1"/>
+          <p:nvPr/>
+        </p:nvSpPr>
+        <p:spPr>
+          <a:xfrm>
+            <a:off x="274320" y="6400800"/>
+            <a:ext cx="7315200" cy="274320"/>
+          </a:xfrm>
+          <a:prstGeom prst="rect">
+            <a:avLst/>
+          </a:prstGeom>
+          <a:noFill/>
+        </p:spPr>
+        <p:txBody>
+          <a:bodyPr wrap="none">
+            <a:spAutoFit/>
+          </a:bodyPr>
+          <a:lstStyle/>
+          <a:p>
+            <a:pPr>
+              <a:defRPr sz="800">
+                <a:solidFill>
+                  <a:srgbClr val="666666"/>
+                </a:solidFill>
+                <a:latin typeface="Arial"/>
+              </a:defRPr>
+            </a:pPr>
+            <a:r>
+              <a:t>전략적 재고운영 Foundation</a:t>
+            </a:r>
+          </a:p>
+        </p:txBody>
+      </p:sp>
+      <p:sp>
+        <p:nvSpPr>
+          <p:cNvPr id="6" name="TextBox 5"/>
+          <p:cNvSpPr txBox="1"/>
+          <p:nvPr/>
+        </p:nvSpPr>
+        <p:spPr>
+          <a:xfrm>
+            <a:off x="9144000" y="6400800"/>
+            <a:ext cx="457200" cy="274320"/>
+          </a:xfrm>
+          <a:prstGeom prst="rect">
+            <a:avLst/>
+          </a:prstGeom>
+          <a:noFill/>
+        </p:spPr>
+        <p:txBody>
+          <a:bodyPr wrap="none">
+            <a:spAutoFit/>
+          </a:bodyPr>
+          <a:lstStyle/>
+          <a:p>
+            <a:pPr algn="r">
+              <a:defRPr sz="800">
+                <a:solidFill>
+                  <a:srgbClr val="666666"/>
+                </a:solidFill>
+                <a:latin typeface="Arial"/>
+              </a:defRPr>
+            </a:pPr>
+            <a:r>
+              <a:t>6</a:t>
+            </a:r>
+          </a:p>
+        </p:txBody>
+      </p:sp>
+    </p:spTree>
+  </p:cSld>
+  <p:clrMapOvr>
+    <a:masterClrMapping/>
+  </p:clrMapOvr>
+</p:sld>
+</file>
+
+<file path=ppt/slides/slide7.xml><?xml version="1.0" encoding="utf-8"?>
+<p:sld xmlns:a="http://schemas.openxmlformats.org/drawingml/2006/main" xmlns:p="http://schemas.openxmlformats.org/presentationml/2006/main" xmlns:r="http://schemas.openxmlformats.org/officeDocument/2006/relationships">
+  <p:cSld>
+    <p:spTree>
+      <p:nvGrpSpPr>
+        <p:cNvPr id="1" name=""/>
+        <p:cNvGrpSpPr/>
+        <p:nvPr/>
+      </p:nvGrpSpPr>
+      <p:grpSpPr/>
+      <p:sp>
+        <p:nvSpPr>
+          <p:cNvPr id="2" name="TextBox 1"/>
+          <p:cNvSpPr txBox="1"/>
+          <p:nvPr/>
+        </p:nvSpPr>
+        <p:spPr>
+          <a:xfrm>
+            <a:off x="274320" y="274320"/>
+            <a:ext cx="9354312" cy="548640"/>
+          </a:xfrm>
+          <a:prstGeom prst="rect">
+            <a:avLst/>
+          </a:prstGeom>
+          <a:noFill/>
+        </p:spPr>
+        <p:txBody>
+          <a:bodyPr wrap="none">
+            <a:spAutoFit/>
+          </a:bodyPr>
+          <a:lstStyle/>
+          <a:p>
+            <a:pPr>
+              <a:defRPr sz="2000" b="1">
+                <a:solidFill>
+                  <a:srgbClr val="000000"/>
+                </a:solidFill>
+                <a:latin typeface="맑은 고딕"/>
+              </a:defRPr>
+            </a:pPr>
+            <a:r>
+              <a:t>1.3 JIC를 채택한 글로벌 기업들</a:t>
+            </a:r>
+          </a:p>
+        </p:txBody>
+      </p:sp>
+      <p:sp>
+        <p:nvSpPr>
+          <p:cNvPr id="3" name="TextBox 2"/>
+          <p:cNvSpPr txBox="1"/>
+          <p:nvPr/>
+        </p:nvSpPr>
+        <p:spPr>
+          <a:xfrm>
+            <a:off x="274320" y="923544"/>
+            <a:ext cx="9436608" cy="576072"/>
+          </a:xfrm>
+          <a:prstGeom prst="rect">
+            <a:avLst/>
+          </a:prstGeom>
+          <a:noFill/>
+        </p:spPr>
+        <p:txBody>
+          <a:bodyPr wrap="square">
+            <a:spAutoFit/>
+          </a:bodyPr>
+          <a:lstStyle/>
+          <a:p>
+            <a:pPr>
+              <a:defRPr sz="1600" b="1">
+                <a:solidFill>
+                  <a:srgbClr val="666666"/>
+                </a:solidFill>
+                <a:latin typeface="맑은 고딕"/>
+              </a:defRPr>
+            </a:pPr>
+            <a:r>
+              <a:t>Apple, Intel, Toyota 등 글로벌 선도 기업들은 핵심 자재의 안전재고를 2주에서 6개월로 확대하며 공급망 회복력에 투자하고 있습니다.</a:t>
+            </a:r>
+          </a:p>
+        </p:txBody>
+      </p:sp>
+      <p:sp>
+        <p:nvSpPr>
+          <p:cNvPr id="4" name="TextBox 3"/>
+          <p:cNvSpPr txBox="1"/>
+          <p:nvPr/>
+        </p:nvSpPr>
+        <p:spPr>
+          <a:xfrm>
+            <a:off x="914400" y="1828800"/>
+            <a:ext cx="8074152" cy="4114800"/>
+          </a:xfrm>
+          <a:prstGeom prst="rect">
+            <a:avLst/>
+          </a:prstGeom>
+          <a:noFill/>
+        </p:spPr>
+        <p:txBody>
+          <a:bodyPr wrap="square">
+            <a:spAutoFit/>
+          </a:bodyPr>
+          <a:lstStyle/>
+          <a:p>
+            <a:pPr>
+              <a:spcAft>
+                <a:spcPts val="1200"/>
+              </a:spcAft>
+              <a:defRPr sz="1200">
+                <a:solidFill>
+                  <a:srgbClr val="333333"/>
+                </a:solidFill>
+                <a:latin typeface="맑은 고딕"/>
+              </a:defRPr>
+            </a:pPr>
+            <a:r>
+              <a:t>• Apple: 핵심 부품 안전재고 2주 → 6-8주 확대, Dual Sourcing 강화, 공급망 회복력에 $430억 투자</a:t>
+            </a:r>
+          </a:p>
+          <a:p>
+            <a:pPr>
+              <a:spcAft>
+                <a:spcPts val="1200"/>
+              </a:spcAft>
+              <a:defRPr sz="1200">
+                <a:solidFill>
+                  <a:srgbClr val="333333"/>
+                </a:solidFill>
+                <a:latin typeface="맑은 고딕"/>
+              </a:defRPr>
+            </a:pPr>
+            <a:r>
+              <a:t>• Intel: 핵심 원자재 안전재고 4주 → 12주 확대, Arizona와 Ohio에 $200억 반도체 공장 건설</a:t>
+            </a:r>
+          </a:p>
+          <a:p>
+            <a:pPr>
+              <a:spcAft>
+                <a:spcPts val="1200"/>
+              </a:spcAft>
+              <a:defRPr sz="1200">
+                <a:solidFill>
+                  <a:srgbClr val="333333"/>
+                </a:solidFill>
+                <a:latin typeface="맑은 고딕"/>
+              </a:defRPr>
+            </a:pPr>
+            <a:r>
+              <a:t>• Toyota (JIT 창시자): 2021년 이후 반도체 안전재고 4-6개월치 확보, "더 이상 JIT만 추구하지 않는다"</a:t>
+            </a:r>
+          </a:p>
+          <a:p>
+            <a:pPr>
+              <a:spcAft>
+                <a:spcPts val="1200"/>
+              </a:spcAft>
+              <a:defRPr sz="1200">
+                <a:solidFill>
+                  <a:srgbClr val="333333"/>
+                </a:solidFill>
+                <a:latin typeface="맑은 고딕"/>
+              </a:defRPr>
+            </a:pPr>
+            <a:r>
+              <a:t>• GM: 핵심 반도체 안전재고 0주 → 10-12주 확대, Triple Source 다변화, $70억 투자</a:t>
+            </a:r>
+          </a:p>
+        </p:txBody>
+      </p:sp>
+      <p:sp>
+        <p:nvSpPr>
+          <p:cNvPr id="5" name="TextBox 4"/>
+          <p:cNvSpPr txBox="1"/>
+          <p:nvPr/>
+        </p:nvSpPr>
+        <p:spPr>
+          <a:xfrm>
+            <a:off x="274320" y="6400800"/>
+            <a:ext cx="7315200" cy="274320"/>
+          </a:xfrm>
+          <a:prstGeom prst="rect">
+            <a:avLst/>
+          </a:prstGeom>
+          <a:noFill/>
+        </p:spPr>
+        <p:txBody>
+          <a:bodyPr wrap="none">
+            <a:spAutoFit/>
+          </a:bodyPr>
+          <a:lstStyle/>
+          <a:p>
+            <a:pPr>
+              <a:defRPr sz="800">
+                <a:solidFill>
+                  <a:srgbClr val="666666"/>
+                </a:solidFill>
+                <a:latin typeface="Arial"/>
+              </a:defRPr>
+            </a:pPr>
+            <a:r>
+              <a:t>전략적 재고운영 Foundation</a:t>
+            </a:r>
+          </a:p>
+        </p:txBody>
+      </p:sp>
+      <p:sp>
+        <p:nvSpPr>
+          <p:cNvPr id="6" name="TextBox 5"/>
+          <p:cNvSpPr txBox="1"/>
+          <p:nvPr/>
+        </p:nvSpPr>
+        <p:spPr>
+          <a:xfrm>
+            <a:off x="9144000" y="6400800"/>
+            <a:ext cx="457200" cy="274320"/>
+          </a:xfrm>
+          <a:prstGeom prst="rect">
+            <a:avLst/>
+          </a:prstGeom>
+          <a:noFill/>
+        </p:spPr>
+        <p:txBody>
+          <a:bodyPr wrap="none">
+            <a:spAutoFit/>
+          </a:bodyPr>
+          <a:lstStyle/>
+          <a:p>
+            <a:pPr algn="r">
+              <a:defRPr sz="800">
+                <a:solidFill>
+                  <a:srgbClr val="666666"/>
+                </a:solidFill>
+                <a:latin typeface="Arial"/>
+              </a:defRPr>
+            </a:pPr>
+            <a:r>
+              <a:t>7</a:t>
+            </a:r>
+          </a:p>
+        </p:txBody>
+      </p:sp>
+    </p:spTree>
+  </p:cSld>
+  <p:clrMapOvr>
+    <a:masterClrMapping/>
+  </p:clrMapOvr>
+</p:sld>
+</file>
+
+<file path=ppt/slides/slide8.xml><?xml version="1.0" encoding="utf-8"?>
+<p:sld xmlns:a="http://schemas.openxmlformats.org/drawingml/2006/main" xmlns:p="http://schemas.openxmlformats.org/presentationml/2006/main" xmlns:r="http://schemas.openxmlformats.org/officeDocument/2006/relationships">
+  <p:cSld>
+    <p:spTree>
+      <p:nvGrpSpPr>
+        <p:cNvPr id="1" name=""/>
+        <p:cNvGrpSpPr/>
+        <p:nvPr/>
+      </p:nvGrpSpPr>
+      <p:grpSpPr/>
+      <p:sp>
+        <p:nvSpPr>
+          <p:cNvPr id="2" name="TextBox 1"/>
+          <p:cNvSpPr txBox="1"/>
+          <p:nvPr/>
+        </p:nvSpPr>
+        <p:spPr>
+          <a:xfrm>
+            <a:off x="1828800" y="2286000"/>
+            <a:ext cx="6245352" cy="1828800"/>
+          </a:xfrm>
+          <a:prstGeom prst="rect">
+            <a:avLst/>
+          </a:prstGeom>
+          <a:noFill/>
+        </p:spPr>
+        <p:txBody>
+          <a:bodyPr wrap="none">
+            <a:spAutoFit/>
+          </a:bodyPr>
+          <a:lstStyle/>
+          <a:p>
+            <a:pPr algn="ctr">
+              <a:defRPr sz="7200" b="1">
+                <a:solidFill>
+                  <a:srgbClr val="333333"/>
+                </a:solidFill>
+                <a:latin typeface="맑은 고딕"/>
+              </a:defRPr>
+            </a:pPr>
+            <a:r>
+              <a:t>2장</a:t>
+            </a:r>
+          </a:p>
+        </p:txBody>
+      </p:sp>
+      <p:sp>
+        <p:nvSpPr>
+          <p:cNvPr id="3" name="TextBox 2"/>
+          <p:cNvSpPr txBox="1"/>
+          <p:nvPr/>
+        </p:nvSpPr>
+        <p:spPr>
+          <a:xfrm>
+            <a:off x="1828800" y="4297680"/>
+            <a:ext cx="6245352" cy="731520"/>
+          </a:xfrm>
+          <a:prstGeom prst="rect">
+            <a:avLst/>
+          </a:prstGeom>
+          <a:noFill/>
+        </p:spPr>
+        <p:txBody>
+          <a:bodyPr wrap="none">
+            <a:spAutoFit/>
+          </a:bodyPr>
+          <a:lstStyle/>
+          <a:p>
+            <a:pPr algn="ctr">
+              <a:defRPr sz="2400">
+                <a:solidFill>
+                  <a:srgbClr val="666666"/>
+                </a:solidFill>
+                <a:latin typeface="맑은 고딕"/>
+              </a:defRPr>
+            </a:pPr>
+            <a:r>
+              <a:t>Kraljic Matrix 프레임워크</a:t>
+            </a:r>
+          </a:p>
+        </p:txBody>
+      </p:sp>
+      <p:sp>
+        <p:nvSpPr>
+          <p:cNvPr id="4" name="TextBox 3"/>
+          <p:cNvSpPr txBox="1"/>
+          <p:nvPr/>
+        </p:nvSpPr>
+        <p:spPr>
+          <a:xfrm>
+            <a:off x="274320" y="6400800"/>
+            <a:ext cx="7315200" cy="274320"/>
+          </a:xfrm>
+          <a:prstGeom prst="rect">
+            <a:avLst/>
+          </a:prstGeom>
+          <a:noFill/>
+        </p:spPr>
+        <p:txBody>
+          <a:bodyPr wrap="none">
+            <a:spAutoFit/>
+          </a:bodyPr>
+          <a:lstStyle/>
+          <a:p>
+            <a:pPr>
+              <a:defRPr sz="800">
+                <a:solidFill>
+                  <a:srgbClr val="666666"/>
+                </a:solidFill>
+                <a:latin typeface="Arial"/>
+              </a:defRPr>
+            </a:pPr>
+            <a:r>
+              <a:t>전략적 재고운영 Foundation</a:t>
+            </a:r>
+          </a:p>
+        </p:txBody>
+      </p:sp>
+      <p:sp>
+        <p:nvSpPr>
+          <p:cNvPr id="5" name="TextBox 4"/>
+          <p:cNvSpPr txBox="1"/>
+          <p:nvPr/>
+        </p:nvSpPr>
+        <p:spPr>
+          <a:xfrm>
+            <a:off x="9144000" y="6400800"/>
+            <a:ext cx="457200" cy="274320"/>
+          </a:xfrm>
+          <a:prstGeom prst="rect">
+            <a:avLst/>
+          </a:prstGeom>
+          <a:noFill/>
+        </p:spPr>
+        <p:txBody>
+          <a:bodyPr wrap="none">
+            <a:spAutoFit/>
+          </a:bodyPr>
+          <a:lstStyle/>
+          <a:p>
+            <a:pPr algn="r">
+              <a:defRPr sz="800">
+                <a:solidFill>
+                  <a:srgbClr val="666666"/>
+                </a:solidFill>
+                <a:latin typeface="Arial"/>
+              </a:defRPr>
+            </a:pPr>
+            <a:r>
+              <a:t>8</a:t>
+            </a:r>
+          </a:p>
+        </p:txBody>
+      </p:sp>
+    </p:spTree>
+  </p:cSld>
+  <p:clrMapOvr>
+    <a:masterClrMapping/>
+  </p:clrMapOvr>
+</p:sld>
+</file>
+
+<file path=ppt/slides/slide9.xml><?xml version="1.0" encoding="utf-8"?>
+<p:sld xmlns:a="http://schemas.openxmlformats.org/drawingml/2006/main" xmlns:p="http://schemas.openxmlformats.org/presentationml/2006/main" xmlns:r="http://schemas.openxmlformats.org/officeDocument/2006/relationships">
+  <p:cSld>
+    <p:spTree>
+      <p:nvGrpSpPr>
+        <p:cNvPr id="1" name=""/>
+        <p:cNvGrpSpPr/>
+        <p:nvPr/>
+      </p:nvGrpSpPr>
+      <p:grpSpPr/>
+      <p:sp>
+        <p:nvSpPr>
+          <p:cNvPr id="2" name="TextBox 1"/>
+          <p:cNvSpPr txBox="1"/>
+          <p:nvPr/>
+        </p:nvSpPr>
+        <p:spPr>
+          <a:xfrm>
+            <a:off x="274320" y="274320"/>
+            <a:ext cx="9354312" cy="548640"/>
+          </a:xfrm>
+          <a:prstGeom prst="rect">
+            <a:avLst/>
+          </a:prstGeom>
+          <a:noFill/>
+        </p:spPr>
+        <p:txBody>
+          <a:bodyPr wrap="none">
+            <a:spAutoFit/>
+          </a:bodyPr>
+          <a:lstStyle/>
+          <a:p>
+            <a:pPr>
+              <a:defRPr sz="2000" b="1">
+                <a:solidFill>
+                  <a:srgbClr val="000000"/>
+                </a:solidFill>
+                <a:latin typeface="맑은 고딕"/>
+              </a:defRPr>
+            </a:pPr>
+            <a:r>
+              <a:t>2.1 Kraljic Matrix의 탄생과 의미</a:t>
+            </a:r>
+          </a:p>
+        </p:txBody>
+      </p:sp>
+      <p:sp>
+        <p:nvSpPr>
+          <p:cNvPr id="3" name="TextBox 2"/>
+          <p:cNvSpPr txBox="1"/>
+          <p:nvPr/>
+        </p:nvSpPr>
+        <p:spPr>
+          <a:xfrm>
+            <a:off x="274320" y="923544"/>
+            <a:ext cx="9436608" cy="576072"/>
+          </a:xfrm>
+          <a:prstGeom prst="rect">
+            <a:avLst/>
+          </a:prstGeom>
+          <a:noFill/>
+        </p:spPr>
+        <p:txBody>
+          <a:bodyPr wrap="square">
+            <a:spAutoFit/>
+          </a:bodyPr>
+          <a:lstStyle/>
+          <a:p>
+            <a:pPr>
+              <a:defRPr sz="1600" b="1">
+                <a:solidFill>
+                  <a:srgbClr val="666666"/>
+                </a:solidFill>
+                <a:latin typeface="맑은 고딕"/>
+              </a:defRPr>
+            </a:pPr>
+            <a:r>
+              <a:t>Kraljic Matrix는 모든 자재를 동등하게 취급하는 것이 아니라, 공급 리스크와 구매 임팩트에 따라 차별화된 전략을 적용하는 프레임워크입니다.</a:t>
+            </a:r>
+          </a:p>
+        </p:txBody>
+      </p:sp>
+      <p:sp>
+        <p:nvSpPr>
+          <p:cNvPr id="4" name="TextBox 3"/>
+          <p:cNvSpPr txBox="1"/>
+          <p:nvPr/>
+        </p:nvSpPr>
+        <p:spPr>
+          <a:xfrm>
+            <a:off x="914400" y="1828800"/>
+            <a:ext cx="8074152" cy="4114800"/>
+          </a:xfrm>
+          <a:prstGeom prst="rect">
+            <a:avLst/>
+          </a:prstGeom>
+          <a:noFill/>
+        </p:spPr>
+        <p:txBody>
+          <a:bodyPr wrap="square">
+            <a:spAutoFit/>
+          </a:bodyPr>
+          <a:lstStyle/>
+          <a:p>
+            <a:pPr>
+              <a:spcAft>
+                <a:spcPts val="1200"/>
+              </a:spcAft>
+              <a:defRPr sz="1200">
+                <a:solidFill>
+                  <a:srgbClr val="333333"/>
+                </a:solidFill>
+                <a:latin typeface="맑은 고딕"/>
+              </a:defRPr>
+            </a:pPr>
+            <a:r>
+              <a:t>• 1983년 Peter Kraljic이 Harvard Business Review에 발표</a:t>
+            </a:r>
+          </a:p>
+          <a:p>
+            <a:pPr>
+              <a:spcAft>
+                <a:spcPts val="1200"/>
+              </a:spcAft>
+              <a:defRPr sz="1200">
+                <a:solidFill>
+                  <a:srgbClr val="333333"/>
+                </a:solidFill>
+                <a:latin typeface="맑은 고딕"/>
+              </a:defRPr>
+            </a:pPr>
+            <a:r>
+              <a:t>• 배경: 1970년대 2차례 석유파동으로 공급 불안정 극심</a:t>
+            </a:r>
+          </a:p>
+          <a:p>
+            <a:pPr>
+              <a:spcAft>
+                <a:spcPts val="1200"/>
+              </a:spcAft>
+              <a:defRPr sz="1200">
+                <a:solidFill>
+                  <a:srgbClr val="333333"/>
+                </a:solidFill>
+                <a:latin typeface="맑은 고딕"/>
+              </a:defRPr>
+            </a:pPr>
+            <a:r>
+              <a:t>• 핵심 통찰: "Not all materials are created equal" - 자재 특성에 따른 차별화 필요</a:t>
+            </a:r>
+          </a:p>
+          <a:p>
+            <a:pPr>
+              <a:spcAft>
+                <a:spcPts val="1200"/>
+              </a:spcAft>
+              <a:defRPr sz="1200">
+                <a:solidFill>
+                  <a:srgbClr val="333333"/>
+                </a:solidFill>
+                <a:latin typeface="맑은 고딕"/>
+              </a:defRPr>
+            </a:pPr>
+            <a:r>
+              <a:t>• 2개 축: 공급 리스크(Y축) × 구매 임팩트(X축)</a:t>
+            </a:r>
+          </a:p>
+          <a:p>
+            <a:pPr>
+              <a:spcAft>
+                <a:spcPts val="1200"/>
+              </a:spcAft>
+              <a:defRPr sz="1200">
+                <a:solidFill>
+                  <a:srgbClr val="333333"/>
+                </a:solidFill>
+                <a:latin typeface="맑은 고딕"/>
+              </a:defRPr>
+            </a:pPr>
+            <a:r>
+              <a:t>• 4개 자재군: 병목, 레버리지, 전략, 일상</a:t>
+            </a:r>
+          </a:p>
+        </p:txBody>
+      </p:sp>
+      <p:sp>
+        <p:nvSpPr>
+          <p:cNvPr id="5" name="TextBox 4"/>
+          <p:cNvSpPr txBox="1"/>
+          <p:nvPr/>
+        </p:nvSpPr>
+        <p:spPr>
+          <a:xfrm>
+            <a:off x="274320" y="6400800"/>
+            <a:ext cx="7315200" cy="274320"/>
+          </a:xfrm>
+          <a:prstGeom prst="rect">
+            <a:avLst/>
+          </a:prstGeom>
+          <a:noFill/>
+        </p:spPr>
+        <p:txBody>
+          <a:bodyPr wrap="none">
+            <a:spAutoFit/>
+          </a:bodyPr>
+          <a:lstStyle/>
+          <a:p>
+            <a:pPr>
+              <a:defRPr sz="800">
+                <a:solidFill>
+                  <a:srgbClr val="666666"/>
+                </a:solidFill>
+                <a:latin typeface="Arial"/>
+              </a:defRPr>
+            </a:pPr>
+            <a:r>
+              <a:t>전략적 재고운영 Foundation</a:t>
+            </a:r>
+          </a:p>
+        </p:txBody>
+      </p:sp>
+      <p:sp>
+        <p:nvSpPr>
+          <p:cNvPr id="6" name="TextBox 5"/>
+          <p:cNvSpPr txBox="1"/>
+          <p:nvPr/>
+        </p:nvSpPr>
+        <p:spPr>
+          <a:xfrm>
+            <a:off x="9144000" y="6400800"/>
+            <a:ext cx="457200" cy="274320"/>
+          </a:xfrm>
+          <a:prstGeom prst="rect">
+            <a:avLst/>
+          </a:prstGeom>
+          <a:noFill/>
+        </p:spPr>
+        <p:txBody>
+          <a:bodyPr wrap="none">
+            <a:spAutoFit/>
+          </a:bodyPr>
+          <a:lstStyle/>
+          <a:p>
+            <a:pPr algn="r">
+              <a:defRPr sz="800">
+                <a:solidFill>
+                  <a:srgbClr val="666666"/>
+                </a:solidFill>
+                <a:latin typeface="Arial"/>
+              </a:defRPr>
+            </a:pPr>
+            <a:r>
+              <a:t>9</a:t>
             </a:r>
           </a:p>
         </p:txBody>

--- a/Part1_Session1_StrategicInventory.pptx
+++ b/Part1_Session1_StrategicInventory.pptx
@@ -4448,8 +4448,8 @@
         </p:nvCxnSpPr>
         <p:spPr>
           <a:xfrm>
-            <a:off x="914400" y="2743200"/>
-            <a:ext cx="8229600" cy="0"/>
+            <a:off x="731520" y="3200400"/>
+            <a:ext cx="8595360" cy="0"/>
           </a:xfrm>
           <a:prstGeom prst="line">
             <a:avLst/>
@@ -4477,23 +4477,25 @@
       </p:cxnSp>
       <p:sp>
         <p:nvSpPr>
-          <p:cNvPr id="6" name="Oval 5"/>
+          <p:cNvPr id="6" name="Rectangle 5"/>
           <p:cNvSpPr/>
           <p:nvPr/>
         </p:nvSpPr>
         <p:spPr>
           <a:xfrm>
-            <a:off x="1280160" y="2651760"/>
-            <a:ext cx="182880" cy="182880"/>
-          </a:xfrm>
-          <a:prstGeom prst="ellipse">
+            <a:off x="868680" y="1737360"/>
+            <a:ext cx="822960" cy="320040"/>
+          </a:xfrm>
+          <a:prstGeom prst="rect">
             <a:avLst/>
           </a:prstGeom>
           <a:solidFill>
             <a:srgbClr val="333333"/>
           </a:solidFill>
-          <a:ln>
-            <a:noFill/>
+          <a:ln w="19050">
+            <a:solidFill>
+              <a:srgbClr val="000000"/>
+            </a:solidFill>
           </a:ln>
         </p:spPr>
         <p:style>
@@ -4526,8 +4528,8 @@
         </p:nvSpPr>
         <p:spPr>
           <a:xfrm>
-            <a:off x="1097280" y="2926080"/>
-            <a:ext cx="548640" cy="228600"/>
+            <a:off x="914399" y="1810512"/>
+            <a:ext cx="731520" cy="182880"/>
           </a:xfrm>
           <a:prstGeom prst="rect">
             <a:avLst/>
@@ -4543,13 +4545,13 @@
             <a:pPr algn="ctr">
               <a:defRPr sz="1000" b="1">
                 <a:solidFill>
-                  <a:srgbClr val="333333"/>
+                  <a:srgbClr val="FFFFFF"/>
                 </a:solidFill>
                 <a:latin typeface="맑은 고딕"/>
               </a:defRPr>
             </a:pPr>
             <a:r>
-              <a:t>1970s</a:t>
+              <a:t>JIT 탄생</a:t>
             </a:r>
           </a:p>
         </p:txBody>
@@ -4562,8 +4564,3517 @@
         </p:nvSpPr>
         <p:spPr>
           <a:xfrm>
-            <a:off x="914400" y="1645920"/>
-            <a:ext cx="914400" cy="457200"/>
+            <a:off x="868680" y="2103120"/>
+            <a:ext cx="822960" cy="256032"/>
+          </a:xfrm>
+          <a:prstGeom prst="rect">
+            <a:avLst/>
+          </a:prstGeom>
+          <a:solidFill>
+            <a:srgbClr val="E6E6E6"/>
+          </a:solidFill>
+          <a:ln w="9525">
+            <a:solidFill>
+              <a:srgbClr val="CCCCCC"/>
+            </a:solidFill>
+          </a:ln>
+        </p:spPr>
+        <p:style>
+          <a:lnRef idx="1">
+            <a:schemeClr val="accent1"/>
+          </a:lnRef>
+          <a:fillRef idx="3">
+            <a:schemeClr val="accent1"/>
+          </a:fillRef>
+          <a:effectRef idx="2">
+            <a:schemeClr val="accent1"/>
+          </a:effectRef>
+          <a:fontRef idx="minor">
+            <a:schemeClr val="lt1"/>
+          </a:fontRef>
+        </p:style>
+        <p:txBody>
+          <a:bodyPr rtlCol="0" anchor="ctr"/>
+          <a:lstStyle/>
+          <a:p>
+            <a:pPr algn="ctr"/>
+          </a:p>
+        </p:txBody>
+      </p:sp>
+      <p:sp>
+        <p:nvSpPr>
+          <p:cNvPr id="9" name="TextBox 8"/>
+          <p:cNvSpPr txBox="1"/>
+          <p:nvPr/>
+        </p:nvSpPr>
+        <p:spPr>
+          <a:xfrm>
+            <a:off x="914399" y="2148840"/>
+            <a:ext cx="731520" cy="182880"/>
+          </a:xfrm>
+          <a:prstGeom prst="rect">
+            <a:avLst/>
+          </a:prstGeom>
+          <a:noFill/>
+        </p:spPr>
+        <p:txBody>
+          <a:bodyPr wrap="square">
+            <a:spAutoFit/>
+          </a:bodyPr>
+          <a:lstStyle/>
+          <a:p>
+            <a:pPr algn="ctr">
+              <a:defRPr sz="800" b="0">
+                <a:solidFill>
+                  <a:srgbClr val="333333"/>
+                </a:solidFill>
+                <a:latin typeface="맑은 고딕"/>
+              </a:defRPr>
+            </a:pPr>
+            <a:r>
+              <a:t>기업: 도요타</a:t>
+            </a:r>
+          </a:p>
+        </p:txBody>
+      </p:sp>
+      <p:sp>
+        <p:nvSpPr>
+          <p:cNvPr id="10" name="Rectangle 9"/>
+          <p:cNvSpPr/>
+          <p:nvPr/>
+        </p:nvSpPr>
+        <p:spPr>
+          <a:xfrm>
+            <a:off x="868680" y="2395728"/>
+            <a:ext cx="822960" cy="256032"/>
+          </a:xfrm>
+          <a:prstGeom prst="rect">
+            <a:avLst/>
+          </a:prstGeom>
+          <a:solidFill>
+            <a:srgbClr val="FFFFFF"/>
+          </a:solidFill>
+          <a:ln w="9525">
+            <a:solidFill>
+              <a:srgbClr val="CCCCCC"/>
+            </a:solidFill>
+          </a:ln>
+        </p:spPr>
+        <p:style>
+          <a:lnRef idx="1">
+            <a:schemeClr val="accent1"/>
+          </a:lnRef>
+          <a:fillRef idx="3">
+            <a:schemeClr val="accent1"/>
+          </a:fillRef>
+          <a:effectRef idx="2">
+            <a:schemeClr val="accent1"/>
+          </a:effectRef>
+          <a:fontRef idx="minor">
+            <a:schemeClr val="lt1"/>
+          </a:fontRef>
+        </p:style>
+        <p:txBody>
+          <a:bodyPr rtlCol="0" anchor="ctr"/>
+          <a:lstStyle/>
+          <a:p>
+            <a:pPr algn="ctr"/>
+          </a:p>
+        </p:txBody>
+      </p:sp>
+      <p:sp>
+        <p:nvSpPr>
+          <p:cNvPr id="11" name="TextBox 10"/>
+          <p:cNvSpPr txBox="1"/>
+          <p:nvPr/>
+        </p:nvSpPr>
+        <p:spPr>
+          <a:xfrm>
+            <a:off x="914399" y="2441448"/>
+            <a:ext cx="731520" cy="182880"/>
+          </a:xfrm>
+          <a:prstGeom prst="rect">
+            <a:avLst/>
+          </a:prstGeom>
+          <a:noFill/>
+        </p:spPr>
+        <p:txBody>
+          <a:bodyPr wrap="square">
+            <a:spAutoFit/>
+          </a:bodyPr>
+          <a:lstStyle/>
+          <a:p>
+            <a:pPr algn="ctr">
+              <a:defRPr sz="800" b="1">
+                <a:solidFill>
+                  <a:srgbClr val="000000"/>
+                </a:solidFill>
+                <a:latin typeface="맑은 고딕"/>
+              </a:defRPr>
+            </a:pPr>
+            <a:r>
+              <a:t>재고 50% 감소</a:t>
+            </a:r>
+          </a:p>
+        </p:txBody>
+      </p:sp>
+      <p:sp>
+        <p:nvSpPr>
+          <p:cNvPr id="12" name="Rectangle 11"/>
+          <p:cNvSpPr/>
+          <p:nvPr/>
+        </p:nvSpPr>
+        <p:spPr>
+          <a:xfrm>
+            <a:off x="868680" y="2688336"/>
+            <a:ext cx="822960" cy="256032"/>
+          </a:xfrm>
+          <a:prstGeom prst="rect">
+            <a:avLst/>
+          </a:prstGeom>
+          <a:solidFill>
+            <a:srgbClr val="E6E6E6"/>
+          </a:solidFill>
+          <a:ln w="9525">
+            <a:solidFill>
+              <a:srgbClr val="CCCCCC"/>
+            </a:solidFill>
+          </a:ln>
+        </p:spPr>
+        <p:style>
+          <a:lnRef idx="1">
+            <a:schemeClr val="accent1"/>
+          </a:lnRef>
+          <a:fillRef idx="3">
+            <a:schemeClr val="accent1"/>
+          </a:fillRef>
+          <a:effectRef idx="2">
+            <a:schemeClr val="accent1"/>
+          </a:effectRef>
+          <a:fontRef idx="minor">
+            <a:schemeClr val="lt1"/>
+          </a:fontRef>
+        </p:style>
+        <p:txBody>
+          <a:bodyPr rtlCol="0" anchor="ctr"/>
+          <a:lstStyle/>
+          <a:p>
+            <a:pPr algn="ctr"/>
+          </a:p>
+        </p:txBody>
+      </p:sp>
+      <p:sp>
+        <p:nvSpPr>
+          <p:cNvPr id="13" name="TextBox 12"/>
+          <p:cNvSpPr txBox="1"/>
+          <p:nvPr/>
+        </p:nvSpPr>
+        <p:spPr>
+          <a:xfrm>
+            <a:off x="914399" y="2734056"/>
+            <a:ext cx="731520" cy="182880"/>
+          </a:xfrm>
+          <a:prstGeom prst="rect">
+            <a:avLst/>
+          </a:prstGeom>
+          <a:noFill/>
+        </p:spPr>
+        <p:txBody>
+          <a:bodyPr wrap="square">
+            <a:spAutoFit/>
+          </a:bodyPr>
+          <a:lstStyle/>
+          <a:p>
+            <a:pPr algn="ctr">
+              <a:defRPr sz="800" b="0">
+                <a:solidFill>
+                  <a:srgbClr val="333333"/>
+                </a:solidFill>
+                <a:latin typeface="맑은 고딕"/>
+              </a:defRPr>
+            </a:pPr>
+            <a:r>
+              <a:t>기술: 칸반 시스템</a:t>
+            </a:r>
+          </a:p>
+        </p:txBody>
+      </p:sp>
+      <p:sp>
+        <p:nvSpPr>
+          <p:cNvPr id="14" name="Oval 13"/>
+          <p:cNvSpPr/>
+          <p:nvPr/>
+        </p:nvSpPr>
+        <p:spPr>
+          <a:xfrm>
+            <a:off x="1170431" y="3090672"/>
+            <a:ext cx="219456" cy="219456"/>
+          </a:xfrm>
+          <a:prstGeom prst="ellipse">
+            <a:avLst/>
+          </a:prstGeom>
+          <a:solidFill>
+            <a:srgbClr val="333333"/>
+          </a:solidFill>
+          <a:ln w="25400">
+            <a:solidFill>
+              <a:srgbClr val="000000"/>
+            </a:solidFill>
+          </a:ln>
+        </p:spPr>
+        <p:style>
+          <a:lnRef idx="1">
+            <a:schemeClr val="accent1"/>
+          </a:lnRef>
+          <a:fillRef idx="3">
+            <a:schemeClr val="accent1"/>
+          </a:fillRef>
+          <a:effectRef idx="2">
+            <a:schemeClr val="accent1"/>
+          </a:effectRef>
+          <a:fontRef idx="minor">
+            <a:schemeClr val="lt1"/>
+          </a:fontRef>
+        </p:style>
+        <p:txBody>
+          <a:bodyPr rtlCol="0" anchor="ctr"/>
+          <a:lstStyle/>
+          <a:p>
+            <a:pPr algn="ctr"/>
+          </a:p>
+        </p:txBody>
+      </p:sp>
+      <p:sp>
+        <p:nvSpPr>
+          <p:cNvPr id="15" name="TextBox 14"/>
+          <p:cNvSpPr txBox="1"/>
+          <p:nvPr/>
+        </p:nvSpPr>
+        <p:spPr>
+          <a:xfrm>
+            <a:off x="960119" y="3383280"/>
+            <a:ext cx="640080" cy="201168"/>
+          </a:xfrm>
+          <a:prstGeom prst="rect">
+            <a:avLst/>
+          </a:prstGeom>
+          <a:noFill/>
+        </p:spPr>
+        <p:txBody>
+          <a:bodyPr wrap="square">
+            <a:spAutoFit/>
+          </a:bodyPr>
+          <a:lstStyle/>
+          <a:p>
+            <a:pPr algn="ctr">
+              <a:defRPr sz="900" b="1">
+                <a:solidFill>
+                  <a:srgbClr val="000000"/>
+                </a:solidFill>
+                <a:latin typeface="맑은 고딕"/>
+              </a:defRPr>
+            </a:pPr>
+            <a:r>
+              <a:t>1970s</a:t>
+            </a:r>
+          </a:p>
+        </p:txBody>
+      </p:sp>
+      <p:cxnSp>
+        <p:nvCxnSpPr>
+          <p:cNvPr id="16" name="Connector 15"/>
+          <p:cNvCxnSpPr/>
+          <p:nvPr/>
+        </p:nvCxnSpPr>
+        <p:spPr>
+          <a:xfrm>
+            <a:off x="1280160" y="2944368"/>
+            <a:ext cx="0" cy="146304"/>
+          </a:xfrm>
+          <a:prstGeom prst="line">
+            <a:avLst/>
+          </a:prstGeom>
+          <a:ln w="12700">
+            <a:solidFill>
+              <a:srgbClr val="666666"/>
+            </a:solidFill>
+          </a:ln>
+        </p:spPr>
+        <p:style>
+          <a:lnRef idx="2">
+            <a:schemeClr val="accent1"/>
+          </a:lnRef>
+          <a:fillRef idx="0">
+            <a:schemeClr val="accent1"/>
+          </a:fillRef>
+          <a:effectRef idx="1">
+            <a:schemeClr val="accent1"/>
+          </a:effectRef>
+          <a:fontRef idx="minor">
+            <a:schemeClr val="tx1"/>
+          </a:fontRef>
+        </p:style>
+      </p:cxnSp>
+      <p:sp>
+        <p:nvSpPr>
+          <p:cNvPr id="17" name="Rectangle 16"/>
+          <p:cNvSpPr/>
+          <p:nvPr/>
+        </p:nvSpPr>
+        <p:spPr>
+          <a:xfrm>
+            <a:off x="868680" y="3657600"/>
+            <a:ext cx="822960" cy="320040"/>
+          </a:xfrm>
+          <a:prstGeom prst="rect">
+            <a:avLst/>
+          </a:prstGeom>
+          <a:solidFill>
+            <a:srgbClr val="FFFFFF"/>
+          </a:solidFill>
+          <a:ln w="9525">
+            <a:solidFill>
+              <a:srgbClr val="CCCCCC"/>
+            </a:solidFill>
+          </a:ln>
+        </p:spPr>
+        <p:style>
+          <a:lnRef idx="1">
+            <a:schemeClr val="accent1"/>
+          </a:lnRef>
+          <a:fillRef idx="3">
+            <a:schemeClr val="accent1"/>
+          </a:fillRef>
+          <a:effectRef idx="2">
+            <a:schemeClr val="accent1"/>
+          </a:effectRef>
+          <a:fontRef idx="minor">
+            <a:schemeClr val="lt1"/>
+          </a:fontRef>
+        </p:style>
+        <p:txBody>
+          <a:bodyPr rtlCol="0" anchor="ctr"/>
+          <a:lstStyle/>
+          <a:p>
+            <a:pPr algn="ctr"/>
+          </a:p>
+        </p:txBody>
+      </p:sp>
+      <p:sp>
+        <p:nvSpPr>
+          <p:cNvPr id="18" name="TextBox 17"/>
+          <p:cNvSpPr txBox="1"/>
+          <p:nvPr/>
+        </p:nvSpPr>
+        <p:spPr>
+          <a:xfrm>
+            <a:off x="914399" y="3730752"/>
+            <a:ext cx="731520" cy="228600"/>
+          </a:xfrm>
+          <a:prstGeom prst="rect">
+            <a:avLst/>
+          </a:prstGeom>
+          <a:noFill/>
+        </p:spPr>
+        <p:txBody>
+          <a:bodyPr wrap="square">
+            <a:spAutoFit/>
+          </a:bodyPr>
+          <a:lstStyle/>
+          <a:p>
+            <a:pPr algn="ctr">
+              <a:defRPr sz="800" b="0">
+                <a:solidFill>
+                  <a:srgbClr val="333333"/>
+                </a:solidFill>
+                <a:latin typeface="맑은 고딕"/>
+              </a:defRPr>
+            </a:pPr>
+            <a:r>
+              <a:t>무재고 경영</a:t>
+            </a:r>
+          </a:p>
+        </p:txBody>
+      </p:sp>
+      <p:sp>
+        <p:nvSpPr>
+          <p:cNvPr id="19" name="Rectangle 18"/>
+          <p:cNvSpPr/>
+          <p:nvPr/>
+        </p:nvSpPr>
+        <p:spPr>
+          <a:xfrm>
+            <a:off x="868680" y="4023360"/>
+            <a:ext cx="822960" cy="320040"/>
+          </a:xfrm>
+          <a:prstGeom prst="rect">
+            <a:avLst/>
+          </a:prstGeom>
+          <a:solidFill>
+            <a:srgbClr val="E6E6E6"/>
+          </a:solidFill>
+          <a:ln w="9525">
+            <a:solidFill>
+              <a:srgbClr val="CCCCCC"/>
+            </a:solidFill>
+          </a:ln>
+        </p:spPr>
+        <p:style>
+          <a:lnRef idx="1">
+            <a:schemeClr val="accent1"/>
+          </a:lnRef>
+          <a:fillRef idx="3">
+            <a:schemeClr val="accent1"/>
+          </a:fillRef>
+          <a:effectRef idx="2">
+            <a:schemeClr val="accent1"/>
+          </a:effectRef>
+          <a:fontRef idx="minor">
+            <a:schemeClr val="lt1"/>
+          </a:fontRef>
+        </p:style>
+        <p:txBody>
+          <a:bodyPr rtlCol="0" anchor="ctr"/>
+          <a:lstStyle/>
+          <a:p>
+            <a:pPr algn="ctr"/>
+          </a:p>
+        </p:txBody>
+      </p:sp>
+      <p:sp>
+        <p:nvSpPr>
+          <p:cNvPr id="20" name="TextBox 19"/>
+          <p:cNvSpPr txBox="1"/>
+          <p:nvPr/>
+        </p:nvSpPr>
+        <p:spPr>
+          <a:xfrm>
+            <a:off x="914399" y="4096512"/>
+            <a:ext cx="731520" cy="228600"/>
+          </a:xfrm>
+          <a:prstGeom prst="rect">
+            <a:avLst/>
+          </a:prstGeom>
+          <a:noFill/>
+        </p:spPr>
+        <p:txBody>
+          <a:bodyPr wrap="square">
+            <a:spAutoFit/>
+          </a:bodyPr>
+          <a:lstStyle/>
+          <a:p>
+            <a:pPr algn="ctr">
+              <a:defRPr sz="800" b="0">
+                <a:solidFill>
+                  <a:srgbClr val="333333"/>
+                </a:solidFill>
+                <a:latin typeface="맑은 고딕"/>
+              </a:defRPr>
+            </a:pPr>
+            <a:r>
+              <a:t>Just-In-Time</a:t>
+            </a:r>
+          </a:p>
+        </p:txBody>
+      </p:sp>
+      <p:sp>
+        <p:nvSpPr>
+          <p:cNvPr id="21" name="Rectangle 20"/>
+          <p:cNvSpPr/>
+          <p:nvPr/>
+        </p:nvSpPr>
+        <p:spPr>
+          <a:xfrm>
+            <a:off x="868680" y="4389120"/>
+            <a:ext cx="822960" cy="320040"/>
+          </a:xfrm>
+          <a:prstGeom prst="rect">
+            <a:avLst/>
+          </a:prstGeom>
+          <a:solidFill>
+            <a:srgbClr val="FFFFFF"/>
+          </a:solidFill>
+          <a:ln w="9525">
+            <a:solidFill>
+              <a:srgbClr val="CCCCCC"/>
+            </a:solidFill>
+          </a:ln>
+        </p:spPr>
+        <p:style>
+          <a:lnRef idx="1">
+            <a:schemeClr val="accent1"/>
+          </a:lnRef>
+          <a:fillRef idx="3">
+            <a:schemeClr val="accent1"/>
+          </a:fillRef>
+          <a:effectRef idx="2">
+            <a:schemeClr val="accent1"/>
+          </a:effectRef>
+          <a:fontRef idx="minor">
+            <a:schemeClr val="lt1"/>
+          </a:fontRef>
+        </p:style>
+        <p:txBody>
+          <a:bodyPr rtlCol="0" anchor="ctr"/>
+          <a:lstStyle/>
+          <a:p>
+            <a:pPr algn="ctr"/>
+          </a:p>
+        </p:txBody>
+      </p:sp>
+      <p:sp>
+        <p:nvSpPr>
+          <p:cNvPr id="22" name="TextBox 21"/>
+          <p:cNvSpPr txBox="1"/>
+          <p:nvPr/>
+        </p:nvSpPr>
+        <p:spPr>
+          <a:xfrm>
+            <a:off x="914399" y="4462272"/>
+            <a:ext cx="731520" cy="228600"/>
+          </a:xfrm>
+          <a:prstGeom prst="rect">
+            <a:avLst/>
+          </a:prstGeom>
+          <a:noFill/>
+        </p:spPr>
+        <p:txBody>
+          <a:bodyPr wrap="square">
+            <a:spAutoFit/>
+          </a:bodyPr>
+          <a:lstStyle/>
+          <a:p>
+            <a:pPr algn="ctr">
+              <a:defRPr sz="800" b="0">
+                <a:solidFill>
+                  <a:srgbClr val="333333"/>
+                </a:solidFill>
+                <a:latin typeface="맑은 고딕"/>
+              </a:defRPr>
+            </a:pPr>
+            <a:r>
+              <a:t>7대 낭비 제거</a:t>
+            </a:r>
+          </a:p>
+        </p:txBody>
+      </p:sp>
+      <p:cxnSp>
+        <p:nvCxnSpPr>
+          <p:cNvPr id="23" name="Connector 22"/>
+          <p:cNvCxnSpPr/>
+          <p:nvPr/>
+        </p:nvCxnSpPr>
+        <p:spPr>
+          <a:xfrm>
+            <a:off x="1280160" y="3310128"/>
+            <a:ext cx="0" cy="347472"/>
+          </a:xfrm>
+          <a:prstGeom prst="line">
+            <a:avLst/>
+          </a:prstGeom>
+          <a:ln w="12700">
+            <a:solidFill>
+              <a:srgbClr val="666666"/>
+            </a:solidFill>
+          </a:ln>
+        </p:spPr>
+        <p:style>
+          <a:lnRef idx="2">
+            <a:schemeClr val="accent1"/>
+          </a:lnRef>
+          <a:fillRef idx="0">
+            <a:schemeClr val="accent1"/>
+          </a:fillRef>
+          <a:effectRef idx="1">
+            <a:schemeClr val="accent1"/>
+          </a:effectRef>
+          <a:fontRef idx="minor">
+            <a:schemeClr val="tx1"/>
+          </a:fontRef>
+        </p:style>
+      </p:cxnSp>
+      <p:sp>
+        <p:nvSpPr>
+          <p:cNvPr id="24" name="Rectangle 23"/>
+          <p:cNvSpPr/>
+          <p:nvPr/>
+        </p:nvSpPr>
+        <p:spPr>
+          <a:xfrm>
+            <a:off x="2514600" y="1737360"/>
+            <a:ext cx="822960" cy="320040"/>
+          </a:xfrm>
+          <a:prstGeom prst="rect">
+            <a:avLst/>
+          </a:prstGeom>
+          <a:solidFill>
+            <a:srgbClr val="333333"/>
+          </a:solidFill>
+          <a:ln w="19050">
+            <a:solidFill>
+              <a:srgbClr val="000000"/>
+            </a:solidFill>
+          </a:ln>
+        </p:spPr>
+        <p:style>
+          <a:lnRef idx="1">
+            <a:schemeClr val="accent1"/>
+          </a:lnRef>
+          <a:fillRef idx="3">
+            <a:schemeClr val="accent1"/>
+          </a:fillRef>
+          <a:effectRef idx="2">
+            <a:schemeClr val="accent1"/>
+          </a:effectRef>
+          <a:fontRef idx="minor">
+            <a:schemeClr val="lt1"/>
+          </a:fontRef>
+        </p:style>
+        <p:txBody>
+          <a:bodyPr rtlCol="0" anchor="ctr"/>
+          <a:lstStyle/>
+          <a:p>
+            <a:pPr algn="ctr"/>
+          </a:p>
+        </p:txBody>
+      </p:sp>
+      <p:sp>
+        <p:nvSpPr>
+          <p:cNvPr id="25" name="TextBox 24"/>
+          <p:cNvSpPr txBox="1"/>
+          <p:nvPr/>
+        </p:nvSpPr>
+        <p:spPr>
+          <a:xfrm>
+            <a:off x="2560320" y="1810512"/>
+            <a:ext cx="731520" cy="182880"/>
+          </a:xfrm>
+          <a:prstGeom prst="rect">
+            <a:avLst/>
+          </a:prstGeom>
+          <a:noFill/>
+        </p:spPr>
+        <p:txBody>
+          <a:bodyPr wrap="square">
+            <a:spAutoFit/>
+          </a:bodyPr>
+          <a:lstStyle/>
+          <a:p>
+            <a:pPr algn="ctr">
+              <a:defRPr sz="1000" b="1">
+                <a:solidFill>
+                  <a:srgbClr val="FFFFFF"/>
+                </a:solidFill>
+                <a:latin typeface="맑은 고딕"/>
+              </a:defRPr>
+            </a:pPr>
+            <a:r>
+              <a:t>글로벌 확산</a:t>
+            </a:r>
+          </a:p>
+        </p:txBody>
+      </p:sp>
+      <p:sp>
+        <p:nvSpPr>
+          <p:cNvPr id="26" name="Rectangle 25"/>
+          <p:cNvSpPr/>
+          <p:nvPr/>
+        </p:nvSpPr>
+        <p:spPr>
+          <a:xfrm>
+            <a:off x="2514600" y="2103120"/>
+            <a:ext cx="822960" cy="256032"/>
+          </a:xfrm>
+          <a:prstGeom prst="rect">
+            <a:avLst/>
+          </a:prstGeom>
+          <a:solidFill>
+            <a:srgbClr val="E6E6E6"/>
+          </a:solidFill>
+          <a:ln w="9525">
+            <a:solidFill>
+              <a:srgbClr val="CCCCCC"/>
+            </a:solidFill>
+          </a:ln>
+        </p:spPr>
+        <p:style>
+          <a:lnRef idx="1">
+            <a:schemeClr val="accent1"/>
+          </a:lnRef>
+          <a:fillRef idx="3">
+            <a:schemeClr val="accent1"/>
+          </a:fillRef>
+          <a:effectRef idx="2">
+            <a:schemeClr val="accent1"/>
+          </a:effectRef>
+          <a:fontRef idx="minor">
+            <a:schemeClr val="lt1"/>
+          </a:fontRef>
+        </p:style>
+        <p:txBody>
+          <a:bodyPr rtlCol="0" anchor="ctr"/>
+          <a:lstStyle/>
+          <a:p>
+            <a:pPr algn="ctr"/>
+          </a:p>
+        </p:txBody>
+      </p:sp>
+      <p:sp>
+        <p:nvSpPr>
+          <p:cNvPr id="27" name="TextBox 26"/>
+          <p:cNvSpPr txBox="1"/>
+          <p:nvPr/>
+        </p:nvSpPr>
+        <p:spPr>
+          <a:xfrm>
+            <a:off x="2560320" y="2148840"/>
+            <a:ext cx="731520" cy="182880"/>
+          </a:xfrm>
+          <a:prstGeom prst="rect">
+            <a:avLst/>
+          </a:prstGeom>
+          <a:noFill/>
+        </p:spPr>
+        <p:txBody>
+          <a:bodyPr wrap="square">
+            <a:spAutoFit/>
+          </a:bodyPr>
+          <a:lstStyle/>
+          <a:p>
+            <a:pPr algn="ctr">
+              <a:defRPr sz="800" b="0">
+                <a:solidFill>
+                  <a:srgbClr val="333333"/>
+                </a:solidFill>
+                <a:latin typeface="맑은 고딕"/>
+              </a:defRPr>
+            </a:pPr>
+            <a:r>
+              <a:t>기업: GM·포드</a:t>
+            </a:r>
+          </a:p>
+        </p:txBody>
+      </p:sp>
+      <p:sp>
+        <p:nvSpPr>
+          <p:cNvPr id="28" name="Rectangle 27"/>
+          <p:cNvSpPr/>
+          <p:nvPr/>
+        </p:nvSpPr>
+        <p:spPr>
+          <a:xfrm>
+            <a:off x="2514600" y="2395728"/>
+            <a:ext cx="822960" cy="256032"/>
+          </a:xfrm>
+          <a:prstGeom prst="rect">
+            <a:avLst/>
+          </a:prstGeom>
+          <a:solidFill>
+            <a:srgbClr val="FFFFFF"/>
+          </a:solidFill>
+          <a:ln w="9525">
+            <a:solidFill>
+              <a:srgbClr val="CCCCCC"/>
+            </a:solidFill>
+          </a:ln>
+        </p:spPr>
+        <p:style>
+          <a:lnRef idx="1">
+            <a:schemeClr val="accent1"/>
+          </a:lnRef>
+          <a:fillRef idx="3">
+            <a:schemeClr val="accent1"/>
+          </a:fillRef>
+          <a:effectRef idx="2">
+            <a:schemeClr val="accent1"/>
+          </a:effectRef>
+          <a:fontRef idx="minor">
+            <a:schemeClr val="lt1"/>
+          </a:fontRef>
+        </p:style>
+        <p:txBody>
+          <a:bodyPr rtlCol="0" anchor="ctr"/>
+          <a:lstStyle/>
+          <a:p>
+            <a:pPr algn="ctr"/>
+          </a:p>
+        </p:txBody>
+      </p:sp>
+      <p:sp>
+        <p:nvSpPr>
+          <p:cNvPr id="29" name="TextBox 28"/>
+          <p:cNvSpPr txBox="1"/>
+          <p:nvPr/>
+        </p:nvSpPr>
+        <p:spPr>
+          <a:xfrm>
+            <a:off x="2560320" y="2441448"/>
+            <a:ext cx="731520" cy="182880"/>
+          </a:xfrm>
+          <a:prstGeom prst="rect">
+            <a:avLst/>
+          </a:prstGeom>
+          <a:noFill/>
+        </p:spPr>
+        <p:txBody>
+          <a:bodyPr wrap="square">
+            <a:spAutoFit/>
+          </a:bodyPr>
+          <a:lstStyle/>
+          <a:p>
+            <a:pPr algn="ctr">
+              <a:defRPr sz="800" b="1">
+                <a:solidFill>
+                  <a:srgbClr val="000000"/>
+                </a:solidFill>
+                <a:latin typeface="맑은 고딕"/>
+              </a:defRPr>
+            </a:pPr>
+            <a:r>
+              <a:t>원가 30% 절감</a:t>
+            </a:r>
+          </a:p>
+        </p:txBody>
+      </p:sp>
+      <p:sp>
+        <p:nvSpPr>
+          <p:cNvPr id="30" name="Rectangle 29"/>
+          <p:cNvSpPr/>
+          <p:nvPr/>
+        </p:nvSpPr>
+        <p:spPr>
+          <a:xfrm>
+            <a:off x="2514600" y="2688336"/>
+            <a:ext cx="822960" cy="256032"/>
+          </a:xfrm>
+          <a:prstGeom prst="rect">
+            <a:avLst/>
+          </a:prstGeom>
+          <a:solidFill>
+            <a:srgbClr val="E6E6E6"/>
+          </a:solidFill>
+          <a:ln w="9525">
+            <a:solidFill>
+              <a:srgbClr val="CCCCCC"/>
+            </a:solidFill>
+          </a:ln>
+        </p:spPr>
+        <p:style>
+          <a:lnRef idx="1">
+            <a:schemeClr val="accent1"/>
+          </a:lnRef>
+          <a:fillRef idx="3">
+            <a:schemeClr val="accent1"/>
+          </a:fillRef>
+          <a:effectRef idx="2">
+            <a:schemeClr val="accent1"/>
+          </a:effectRef>
+          <a:fontRef idx="minor">
+            <a:schemeClr val="lt1"/>
+          </a:fontRef>
+        </p:style>
+        <p:txBody>
+          <a:bodyPr rtlCol="0" anchor="ctr"/>
+          <a:lstStyle/>
+          <a:p>
+            <a:pPr algn="ctr"/>
+          </a:p>
+        </p:txBody>
+      </p:sp>
+      <p:sp>
+        <p:nvSpPr>
+          <p:cNvPr id="31" name="TextBox 30"/>
+          <p:cNvSpPr txBox="1"/>
+          <p:nvPr/>
+        </p:nvSpPr>
+        <p:spPr>
+          <a:xfrm>
+            <a:off x="2560320" y="2734056"/>
+            <a:ext cx="731520" cy="182880"/>
+          </a:xfrm>
+          <a:prstGeom prst="rect">
+            <a:avLst/>
+          </a:prstGeom>
+          <a:noFill/>
+        </p:spPr>
+        <p:txBody>
+          <a:bodyPr wrap="square">
+            <a:spAutoFit/>
+          </a:bodyPr>
+          <a:lstStyle/>
+          <a:p>
+            <a:pPr algn="ctr">
+              <a:defRPr sz="800" b="0">
+                <a:solidFill>
+                  <a:srgbClr val="333333"/>
+                </a:solidFill>
+                <a:latin typeface="맑은 고딕"/>
+              </a:defRPr>
+            </a:pPr>
+            <a:r>
+              <a:t>기술: Pull System</a:t>
+            </a:r>
+          </a:p>
+        </p:txBody>
+      </p:sp>
+      <p:sp>
+        <p:nvSpPr>
+          <p:cNvPr id="32" name="Oval 31"/>
+          <p:cNvSpPr/>
+          <p:nvPr/>
+        </p:nvSpPr>
+        <p:spPr>
+          <a:xfrm>
+            <a:off x="2816352" y="3090672"/>
+            <a:ext cx="219456" cy="219456"/>
+          </a:xfrm>
+          <a:prstGeom prst="ellipse">
+            <a:avLst/>
+          </a:prstGeom>
+          <a:solidFill>
+            <a:srgbClr val="333333"/>
+          </a:solidFill>
+          <a:ln w="25400">
+            <a:solidFill>
+              <a:srgbClr val="000000"/>
+            </a:solidFill>
+          </a:ln>
+        </p:spPr>
+        <p:style>
+          <a:lnRef idx="1">
+            <a:schemeClr val="accent1"/>
+          </a:lnRef>
+          <a:fillRef idx="3">
+            <a:schemeClr val="accent1"/>
+          </a:fillRef>
+          <a:effectRef idx="2">
+            <a:schemeClr val="accent1"/>
+          </a:effectRef>
+          <a:fontRef idx="minor">
+            <a:schemeClr val="lt1"/>
+          </a:fontRef>
+        </p:style>
+        <p:txBody>
+          <a:bodyPr rtlCol="0" anchor="ctr"/>
+          <a:lstStyle/>
+          <a:p>
+            <a:pPr algn="ctr"/>
+          </a:p>
+        </p:txBody>
+      </p:sp>
+      <p:sp>
+        <p:nvSpPr>
+          <p:cNvPr id="33" name="TextBox 32"/>
+          <p:cNvSpPr txBox="1"/>
+          <p:nvPr/>
+        </p:nvSpPr>
+        <p:spPr>
+          <a:xfrm>
+            <a:off x="2606040" y="3383280"/>
+            <a:ext cx="640080" cy="201168"/>
+          </a:xfrm>
+          <a:prstGeom prst="rect">
+            <a:avLst/>
+          </a:prstGeom>
+          <a:noFill/>
+        </p:spPr>
+        <p:txBody>
+          <a:bodyPr wrap="square">
+            <a:spAutoFit/>
+          </a:bodyPr>
+          <a:lstStyle/>
+          <a:p>
+            <a:pPr algn="ctr">
+              <a:defRPr sz="900" b="1">
+                <a:solidFill>
+                  <a:srgbClr val="000000"/>
+                </a:solidFill>
+                <a:latin typeface="맑은 고딕"/>
+              </a:defRPr>
+            </a:pPr>
+            <a:r>
+              <a:t>1990s</a:t>
+            </a:r>
+          </a:p>
+        </p:txBody>
+      </p:sp>
+      <p:cxnSp>
+        <p:nvCxnSpPr>
+          <p:cNvPr id="34" name="Connector 33"/>
+          <p:cNvCxnSpPr/>
+          <p:nvPr/>
+        </p:nvCxnSpPr>
+        <p:spPr>
+          <a:xfrm>
+            <a:off x="2926080" y="2944368"/>
+            <a:ext cx="0" cy="146304"/>
+          </a:xfrm>
+          <a:prstGeom prst="line">
+            <a:avLst/>
+          </a:prstGeom>
+          <a:ln w="12700">
+            <a:solidFill>
+              <a:srgbClr val="666666"/>
+            </a:solidFill>
+          </a:ln>
+        </p:spPr>
+        <p:style>
+          <a:lnRef idx="2">
+            <a:schemeClr val="accent1"/>
+          </a:lnRef>
+          <a:fillRef idx="0">
+            <a:schemeClr val="accent1"/>
+          </a:fillRef>
+          <a:effectRef idx="1">
+            <a:schemeClr val="accent1"/>
+          </a:effectRef>
+          <a:fontRef idx="minor">
+            <a:schemeClr val="tx1"/>
+          </a:fontRef>
+        </p:style>
+      </p:cxnSp>
+      <p:sp>
+        <p:nvSpPr>
+          <p:cNvPr id="35" name="Rectangle 34"/>
+          <p:cNvSpPr/>
+          <p:nvPr/>
+        </p:nvSpPr>
+        <p:spPr>
+          <a:xfrm>
+            <a:off x="2514600" y="3657600"/>
+            <a:ext cx="822960" cy="320040"/>
+          </a:xfrm>
+          <a:prstGeom prst="rect">
+            <a:avLst/>
+          </a:prstGeom>
+          <a:solidFill>
+            <a:srgbClr val="FFFFFF"/>
+          </a:solidFill>
+          <a:ln w="9525">
+            <a:solidFill>
+              <a:srgbClr val="CCCCCC"/>
+            </a:solidFill>
+          </a:ln>
+        </p:spPr>
+        <p:style>
+          <a:lnRef idx="1">
+            <a:schemeClr val="accent1"/>
+          </a:lnRef>
+          <a:fillRef idx="3">
+            <a:schemeClr val="accent1"/>
+          </a:fillRef>
+          <a:effectRef idx="2">
+            <a:schemeClr val="accent1"/>
+          </a:effectRef>
+          <a:fontRef idx="minor">
+            <a:schemeClr val="lt1"/>
+          </a:fontRef>
+        </p:style>
+        <p:txBody>
+          <a:bodyPr rtlCol="0" anchor="ctr"/>
+          <a:lstStyle/>
+          <a:p>
+            <a:pPr algn="ctr"/>
+          </a:p>
+        </p:txBody>
+      </p:sp>
+      <p:sp>
+        <p:nvSpPr>
+          <p:cNvPr id="36" name="TextBox 35"/>
+          <p:cNvSpPr txBox="1"/>
+          <p:nvPr/>
+        </p:nvSpPr>
+        <p:spPr>
+          <a:xfrm>
+            <a:off x="2560320" y="3730752"/>
+            <a:ext cx="731520" cy="228600"/>
+          </a:xfrm>
+          <a:prstGeom prst="rect">
+            <a:avLst/>
+          </a:prstGeom>
+          <a:noFill/>
+        </p:spPr>
+        <p:txBody>
+          <a:bodyPr wrap="square">
+            <a:spAutoFit/>
+          </a:bodyPr>
+          <a:lstStyle/>
+          <a:p>
+            <a:pPr algn="ctr">
+              <a:defRPr sz="800" b="0">
+                <a:solidFill>
+                  <a:srgbClr val="333333"/>
+                </a:solidFill>
+                <a:latin typeface="맑은 고딕"/>
+              </a:defRPr>
+            </a:pPr>
+            <a:r>
+              <a:t>미국 채택</a:t>
+            </a:r>
+          </a:p>
+        </p:txBody>
+      </p:sp>
+      <p:sp>
+        <p:nvSpPr>
+          <p:cNvPr id="37" name="Rectangle 36"/>
+          <p:cNvSpPr/>
+          <p:nvPr/>
+        </p:nvSpPr>
+        <p:spPr>
+          <a:xfrm>
+            <a:off x="2514600" y="4023360"/>
+            <a:ext cx="822960" cy="320040"/>
+          </a:xfrm>
+          <a:prstGeom prst="rect">
+            <a:avLst/>
+          </a:prstGeom>
+          <a:solidFill>
+            <a:srgbClr val="E6E6E6"/>
+          </a:solidFill>
+          <a:ln w="9525">
+            <a:solidFill>
+              <a:srgbClr val="CCCCCC"/>
+            </a:solidFill>
+          </a:ln>
+        </p:spPr>
+        <p:style>
+          <a:lnRef idx="1">
+            <a:schemeClr val="accent1"/>
+          </a:lnRef>
+          <a:fillRef idx="3">
+            <a:schemeClr val="accent1"/>
+          </a:fillRef>
+          <a:effectRef idx="2">
+            <a:schemeClr val="accent1"/>
+          </a:effectRef>
+          <a:fontRef idx="minor">
+            <a:schemeClr val="lt1"/>
+          </a:fontRef>
+        </p:style>
+        <p:txBody>
+          <a:bodyPr rtlCol="0" anchor="ctr"/>
+          <a:lstStyle/>
+          <a:p>
+            <a:pPr algn="ctr"/>
+          </a:p>
+        </p:txBody>
+      </p:sp>
+      <p:sp>
+        <p:nvSpPr>
+          <p:cNvPr id="38" name="TextBox 37"/>
+          <p:cNvSpPr txBox="1"/>
+          <p:nvPr/>
+        </p:nvSpPr>
+        <p:spPr>
+          <a:xfrm>
+            <a:off x="2560320" y="4096512"/>
+            <a:ext cx="731520" cy="228600"/>
+          </a:xfrm>
+          <a:prstGeom prst="rect">
+            <a:avLst/>
+          </a:prstGeom>
+          <a:noFill/>
+        </p:spPr>
+        <p:txBody>
+          <a:bodyPr wrap="square">
+            <a:spAutoFit/>
+          </a:bodyPr>
+          <a:lstStyle/>
+          <a:p>
+            <a:pPr algn="ctr">
+              <a:defRPr sz="800" b="0">
+                <a:solidFill>
+                  <a:srgbClr val="333333"/>
+                </a:solidFill>
+                <a:latin typeface="맑은 고딕"/>
+              </a:defRPr>
+            </a:pPr>
+            <a:r>
+              <a:t>린 생산</a:t>
+            </a:r>
+          </a:p>
+        </p:txBody>
+      </p:sp>
+      <p:sp>
+        <p:nvSpPr>
+          <p:cNvPr id="39" name="Rectangle 38"/>
+          <p:cNvSpPr/>
+          <p:nvPr/>
+        </p:nvSpPr>
+        <p:spPr>
+          <a:xfrm>
+            <a:off x="2514600" y="4389120"/>
+            <a:ext cx="822960" cy="320040"/>
+          </a:xfrm>
+          <a:prstGeom prst="rect">
+            <a:avLst/>
+          </a:prstGeom>
+          <a:solidFill>
+            <a:srgbClr val="FFFFFF"/>
+          </a:solidFill>
+          <a:ln w="9525">
+            <a:solidFill>
+              <a:srgbClr val="CCCCCC"/>
+            </a:solidFill>
+          </a:ln>
+        </p:spPr>
+        <p:style>
+          <a:lnRef idx="1">
+            <a:schemeClr val="accent1"/>
+          </a:lnRef>
+          <a:fillRef idx="3">
+            <a:schemeClr val="accent1"/>
+          </a:fillRef>
+          <a:effectRef idx="2">
+            <a:schemeClr val="accent1"/>
+          </a:effectRef>
+          <a:fontRef idx="minor">
+            <a:schemeClr val="lt1"/>
+          </a:fontRef>
+        </p:style>
+        <p:txBody>
+          <a:bodyPr rtlCol="0" anchor="ctr"/>
+          <a:lstStyle/>
+          <a:p>
+            <a:pPr algn="ctr"/>
+          </a:p>
+        </p:txBody>
+      </p:sp>
+      <p:sp>
+        <p:nvSpPr>
+          <p:cNvPr id="40" name="TextBox 39"/>
+          <p:cNvSpPr txBox="1"/>
+          <p:nvPr/>
+        </p:nvSpPr>
+        <p:spPr>
+          <a:xfrm>
+            <a:off x="2560320" y="4462272"/>
+            <a:ext cx="731520" cy="228600"/>
+          </a:xfrm>
+          <a:prstGeom prst="rect">
+            <a:avLst/>
+          </a:prstGeom>
+          <a:noFill/>
+        </p:spPr>
+        <p:txBody>
+          <a:bodyPr wrap="square">
+            <a:spAutoFit/>
+          </a:bodyPr>
+          <a:lstStyle/>
+          <a:p>
+            <a:pPr algn="ctr">
+              <a:defRPr sz="800" b="0">
+                <a:solidFill>
+                  <a:srgbClr val="333333"/>
+                </a:solidFill>
+                <a:latin typeface="맑은 고딕"/>
+              </a:defRPr>
+            </a:pPr>
+            <a:r>
+              <a:t>표준화 확산</a:t>
+            </a:r>
+          </a:p>
+        </p:txBody>
+      </p:sp>
+      <p:cxnSp>
+        <p:nvCxnSpPr>
+          <p:cNvPr id="41" name="Connector 40"/>
+          <p:cNvCxnSpPr/>
+          <p:nvPr/>
+        </p:nvCxnSpPr>
+        <p:spPr>
+          <a:xfrm>
+            <a:off x="2926080" y="3310128"/>
+            <a:ext cx="0" cy="347472"/>
+          </a:xfrm>
+          <a:prstGeom prst="line">
+            <a:avLst/>
+          </a:prstGeom>
+          <a:ln w="12700">
+            <a:solidFill>
+              <a:srgbClr val="666666"/>
+            </a:solidFill>
+          </a:ln>
+        </p:spPr>
+        <p:style>
+          <a:lnRef idx="2">
+            <a:schemeClr val="accent1"/>
+          </a:lnRef>
+          <a:fillRef idx="0">
+            <a:schemeClr val="accent1"/>
+          </a:fillRef>
+          <a:effectRef idx="1">
+            <a:schemeClr val="accent1"/>
+          </a:effectRef>
+          <a:fontRef idx="minor">
+            <a:schemeClr val="tx1"/>
+          </a:fontRef>
+        </p:style>
+      </p:cxnSp>
+      <p:sp>
+        <p:nvSpPr>
+          <p:cNvPr id="42" name="Rectangle 41"/>
+          <p:cNvSpPr/>
+          <p:nvPr/>
+        </p:nvSpPr>
+        <p:spPr>
+          <a:xfrm>
+            <a:off x="4160520" y="1737360"/>
+            <a:ext cx="822960" cy="320040"/>
+          </a:xfrm>
+          <a:prstGeom prst="rect">
+            <a:avLst/>
+          </a:prstGeom>
+          <a:solidFill>
+            <a:srgbClr val="333333"/>
+          </a:solidFill>
+          <a:ln w="19050">
+            <a:solidFill>
+              <a:srgbClr val="000000"/>
+            </a:solidFill>
+          </a:ln>
+        </p:spPr>
+        <p:style>
+          <a:lnRef idx="1">
+            <a:schemeClr val="accent1"/>
+          </a:lnRef>
+          <a:fillRef idx="3">
+            <a:schemeClr val="accent1"/>
+          </a:fillRef>
+          <a:effectRef idx="2">
+            <a:schemeClr val="accent1"/>
+          </a:effectRef>
+          <a:fontRef idx="minor">
+            <a:schemeClr val="lt1"/>
+          </a:fontRef>
+        </p:style>
+        <p:txBody>
+          <a:bodyPr rtlCol="0" anchor="ctr"/>
+          <a:lstStyle/>
+          <a:p>
+            <a:pPr algn="ctr"/>
+          </a:p>
+        </p:txBody>
+      </p:sp>
+      <p:sp>
+        <p:nvSpPr>
+          <p:cNvPr id="43" name="TextBox 42"/>
+          <p:cNvSpPr txBox="1"/>
+          <p:nvPr/>
+        </p:nvSpPr>
+        <p:spPr>
+          <a:xfrm>
+            <a:off x="4206240" y="1810512"/>
+            <a:ext cx="731520" cy="182880"/>
+          </a:xfrm>
+          <a:prstGeom prst="rect">
+            <a:avLst/>
+          </a:prstGeom>
+          <a:noFill/>
+        </p:spPr>
+        <p:txBody>
+          <a:bodyPr wrap="square">
+            <a:spAutoFit/>
+          </a:bodyPr>
+          <a:lstStyle/>
+          <a:p>
+            <a:pPr algn="ctr">
+              <a:defRPr sz="1000" b="1">
+                <a:solidFill>
+                  <a:srgbClr val="FFFFFF"/>
+                </a:solidFill>
+                <a:latin typeface="맑은 고딕"/>
+              </a:defRPr>
+            </a:pPr>
+            <a:r>
+              <a:t>디지털화</a:t>
+            </a:r>
+          </a:p>
+        </p:txBody>
+      </p:sp>
+      <p:sp>
+        <p:nvSpPr>
+          <p:cNvPr id="44" name="Rectangle 43"/>
+          <p:cNvSpPr/>
+          <p:nvPr/>
+        </p:nvSpPr>
+        <p:spPr>
+          <a:xfrm>
+            <a:off x="4160520" y="2103120"/>
+            <a:ext cx="822960" cy="256032"/>
+          </a:xfrm>
+          <a:prstGeom prst="rect">
+            <a:avLst/>
+          </a:prstGeom>
+          <a:solidFill>
+            <a:srgbClr val="E6E6E6"/>
+          </a:solidFill>
+          <a:ln w="9525">
+            <a:solidFill>
+              <a:srgbClr val="CCCCCC"/>
+            </a:solidFill>
+          </a:ln>
+        </p:spPr>
+        <p:style>
+          <a:lnRef idx="1">
+            <a:schemeClr val="accent1"/>
+          </a:lnRef>
+          <a:fillRef idx="3">
+            <a:schemeClr val="accent1"/>
+          </a:fillRef>
+          <a:effectRef idx="2">
+            <a:schemeClr val="accent1"/>
+          </a:effectRef>
+          <a:fontRef idx="minor">
+            <a:schemeClr val="lt1"/>
+          </a:fontRef>
+        </p:style>
+        <p:txBody>
+          <a:bodyPr rtlCol="0" anchor="ctr"/>
+          <a:lstStyle/>
+          <a:p>
+            <a:pPr algn="ctr"/>
+          </a:p>
+        </p:txBody>
+      </p:sp>
+      <p:sp>
+        <p:nvSpPr>
+          <p:cNvPr id="45" name="TextBox 44"/>
+          <p:cNvSpPr txBox="1"/>
+          <p:nvPr/>
+        </p:nvSpPr>
+        <p:spPr>
+          <a:xfrm>
+            <a:off x="4206240" y="2148840"/>
+            <a:ext cx="731520" cy="182880"/>
+          </a:xfrm>
+          <a:prstGeom prst="rect">
+            <a:avLst/>
+          </a:prstGeom>
+          <a:noFill/>
+        </p:spPr>
+        <p:txBody>
+          <a:bodyPr wrap="square">
+            <a:spAutoFit/>
+          </a:bodyPr>
+          <a:lstStyle/>
+          <a:p>
+            <a:pPr algn="ctr">
+              <a:defRPr sz="800" b="0">
+                <a:solidFill>
+                  <a:srgbClr val="333333"/>
+                </a:solidFill>
+                <a:latin typeface="맑은 고딕"/>
+              </a:defRPr>
+            </a:pPr>
+            <a:r>
+              <a:t>기업: 전 산업</a:t>
+            </a:r>
+          </a:p>
+        </p:txBody>
+      </p:sp>
+      <p:sp>
+        <p:nvSpPr>
+          <p:cNvPr id="46" name="Rectangle 45"/>
+          <p:cNvSpPr/>
+          <p:nvPr/>
+        </p:nvSpPr>
+        <p:spPr>
+          <a:xfrm>
+            <a:off x="4160520" y="2395728"/>
+            <a:ext cx="822960" cy="256032"/>
+          </a:xfrm>
+          <a:prstGeom prst="rect">
+            <a:avLst/>
+          </a:prstGeom>
+          <a:solidFill>
+            <a:srgbClr val="FFFFFF"/>
+          </a:solidFill>
+          <a:ln w="9525">
+            <a:solidFill>
+              <a:srgbClr val="CCCCCC"/>
+            </a:solidFill>
+          </a:ln>
+        </p:spPr>
+        <p:style>
+          <a:lnRef idx="1">
+            <a:schemeClr val="accent1"/>
+          </a:lnRef>
+          <a:fillRef idx="3">
+            <a:schemeClr val="accent1"/>
+          </a:fillRef>
+          <a:effectRef idx="2">
+            <a:schemeClr val="accent1"/>
+          </a:effectRef>
+          <a:fontRef idx="minor">
+            <a:schemeClr val="lt1"/>
+          </a:fontRef>
+        </p:style>
+        <p:txBody>
+          <a:bodyPr rtlCol="0" anchor="ctr"/>
+          <a:lstStyle/>
+          <a:p>
+            <a:pPr algn="ctr"/>
+          </a:p>
+        </p:txBody>
+      </p:sp>
+      <p:sp>
+        <p:nvSpPr>
+          <p:cNvPr id="47" name="TextBox 46"/>
+          <p:cNvSpPr txBox="1"/>
+          <p:nvPr/>
+        </p:nvSpPr>
+        <p:spPr>
+          <a:xfrm>
+            <a:off x="4206240" y="2441448"/>
+            <a:ext cx="731520" cy="182880"/>
+          </a:xfrm>
+          <a:prstGeom prst="rect">
+            <a:avLst/>
+          </a:prstGeom>
+          <a:noFill/>
+        </p:spPr>
+        <p:txBody>
+          <a:bodyPr wrap="square">
+            <a:spAutoFit/>
+          </a:bodyPr>
+          <a:lstStyle/>
+          <a:p>
+            <a:pPr algn="ctr">
+              <a:defRPr sz="800" b="1">
+                <a:solidFill>
+                  <a:srgbClr val="000000"/>
+                </a:solidFill>
+                <a:latin typeface="맑은 고딕"/>
+              </a:defRPr>
+            </a:pPr>
+            <a:r>
+              <a:t>리드타임 40% 단축</a:t>
+            </a:r>
+          </a:p>
+        </p:txBody>
+      </p:sp>
+      <p:sp>
+        <p:nvSpPr>
+          <p:cNvPr id="48" name="Rectangle 47"/>
+          <p:cNvSpPr/>
+          <p:nvPr/>
+        </p:nvSpPr>
+        <p:spPr>
+          <a:xfrm>
+            <a:off x="4160520" y="2688336"/>
+            <a:ext cx="822960" cy="256032"/>
+          </a:xfrm>
+          <a:prstGeom prst="rect">
+            <a:avLst/>
+          </a:prstGeom>
+          <a:solidFill>
+            <a:srgbClr val="E6E6E6"/>
+          </a:solidFill>
+          <a:ln w="9525">
+            <a:solidFill>
+              <a:srgbClr val="CCCCCC"/>
+            </a:solidFill>
+          </a:ln>
+        </p:spPr>
+        <p:style>
+          <a:lnRef idx="1">
+            <a:schemeClr val="accent1"/>
+          </a:lnRef>
+          <a:fillRef idx="3">
+            <a:schemeClr val="accent1"/>
+          </a:fillRef>
+          <a:effectRef idx="2">
+            <a:schemeClr val="accent1"/>
+          </a:effectRef>
+          <a:fontRef idx="minor">
+            <a:schemeClr val="lt1"/>
+          </a:fontRef>
+        </p:style>
+        <p:txBody>
+          <a:bodyPr rtlCol="0" anchor="ctr"/>
+          <a:lstStyle/>
+          <a:p>
+            <a:pPr algn="ctr"/>
+          </a:p>
+        </p:txBody>
+      </p:sp>
+      <p:sp>
+        <p:nvSpPr>
+          <p:cNvPr id="49" name="TextBox 48"/>
+          <p:cNvSpPr txBox="1"/>
+          <p:nvPr/>
+        </p:nvSpPr>
+        <p:spPr>
+          <a:xfrm>
+            <a:off x="4206240" y="2734056"/>
+            <a:ext cx="731520" cy="182880"/>
+          </a:xfrm>
+          <a:prstGeom prst="rect">
+            <a:avLst/>
+          </a:prstGeom>
+          <a:noFill/>
+        </p:spPr>
+        <p:txBody>
+          <a:bodyPr wrap="square">
+            <a:spAutoFit/>
+          </a:bodyPr>
+          <a:lstStyle/>
+          <a:p>
+            <a:pPr algn="ctr">
+              <a:defRPr sz="800" b="0">
+                <a:solidFill>
+                  <a:srgbClr val="333333"/>
+                </a:solidFill>
+                <a:latin typeface="맑은 고딕"/>
+              </a:defRPr>
+            </a:pPr>
+            <a:r>
+              <a:t>기술: ERP·MES 통합</a:t>
+            </a:r>
+          </a:p>
+        </p:txBody>
+      </p:sp>
+      <p:sp>
+        <p:nvSpPr>
+          <p:cNvPr id="50" name="Oval 49"/>
+          <p:cNvSpPr/>
+          <p:nvPr/>
+        </p:nvSpPr>
+        <p:spPr>
+          <a:xfrm>
+            <a:off x="4462272" y="3090672"/>
+            <a:ext cx="219456" cy="219456"/>
+          </a:xfrm>
+          <a:prstGeom prst="ellipse">
+            <a:avLst/>
+          </a:prstGeom>
+          <a:solidFill>
+            <a:srgbClr val="333333"/>
+          </a:solidFill>
+          <a:ln w="25400">
+            <a:solidFill>
+              <a:srgbClr val="000000"/>
+            </a:solidFill>
+          </a:ln>
+        </p:spPr>
+        <p:style>
+          <a:lnRef idx="1">
+            <a:schemeClr val="accent1"/>
+          </a:lnRef>
+          <a:fillRef idx="3">
+            <a:schemeClr val="accent1"/>
+          </a:fillRef>
+          <a:effectRef idx="2">
+            <a:schemeClr val="accent1"/>
+          </a:effectRef>
+          <a:fontRef idx="minor">
+            <a:schemeClr val="lt1"/>
+          </a:fontRef>
+        </p:style>
+        <p:txBody>
+          <a:bodyPr rtlCol="0" anchor="ctr"/>
+          <a:lstStyle/>
+          <a:p>
+            <a:pPr algn="ctr"/>
+          </a:p>
+        </p:txBody>
+      </p:sp>
+      <p:sp>
+        <p:nvSpPr>
+          <p:cNvPr id="51" name="TextBox 50"/>
+          <p:cNvSpPr txBox="1"/>
+          <p:nvPr/>
+        </p:nvSpPr>
+        <p:spPr>
+          <a:xfrm>
+            <a:off x="4251960" y="3383280"/>
+            <a:ext cx="640080" cy="201168"/>
+          </a:xfrm>
+          <a:prstGeom prst="rect">
+            <a:avLst/>
+          </a:prstGeom>
+          <a:noFill/>
+        </p:spPr>
+        <p:txBody>
+          <a:bodyPr wrap="square">
+            <a:spAutoFit/>
+          </a:bodyPr>
+          <a:lstStyle/>
+          <a:p>
+            <a:pPr algn="ctr">
+              <a:defRPr sz="900" b="1">
+                <a:solidFill>
+                  <a:srgbClr val="000000"/>
+                </a:solidFill>
+                <a:latin typeface="맑은 고딕"/>
+              </a:defRPr>
+            </a:pPr>
+            <a:r>
+              <a:t>2000s</a:t>
+            </a:r>
+          </a:p>
+        </p:txBody>
+      </p:sp>
+      <p:cxnSp>
+        <p:nvCxnSpPr>
+          <p:cNvPr id="52" name="Connector 51"/>
+          <p:cNvCxnSpPr/>
+          <p:nvPr/>
+        </p:nvCxnSpPr>
+        <p:spPr>
+          <a:xfrm>
+            <a:off x="4572000" y="2944368"/>
+            <a:ext cx="0" cy="146304"/>
+          </a:xfrm>
+          <a:prstGeom prst="line">
+            <a:avLst/>
+          </a:prstGeom>
+          <a:ln w="12700">
+            <a:solidFill>
+              <a:srgbClr val="666666"/>
+            </a:solidFill>
+          </a:ln>
+        </p:spPr>
+        <p:style>
+          <a:lnRef idx="2">
+            <a:schemeClr val="accent1"/>
+          </a:lnRef>
+          <a:fillRef idx="0">
+            <a:schemeClr val="accent1"/>
+          </a:fillRef>
+          <a:effectRef idx="1">
+            <a:schemeClr val="accent1"/>
+          </a:effectRef>
+          <a:fontRef idx="minor">
+            <a:schemeClr val="tx1"/>
+          </a:fontRef>
+        </p:style>
+      </p:cxnSp>
+      <p:sp>
+        <p:nvSpPr>
+          <p:cNvPr id="53" name="Rectangle 52"/>
+          <p:cNvSpPr/>
+          <p:nvPr/>
+        </p:nvSpPr>
+        <p:spPr>
+          <a:xfrm>
+            <a:off x="4160520" y="3657600"/>
+            <a:ext cx="822960" cy="320040"/>
+          </a:xfrm>
+          <a:prstGeom prst="rect">
+            <a:avLst/>
+          </a:prstGeom>
+          <a:solidFill>
+            <a:srgbClr val="FFFFFF"/>
+          </a:solidFill>
+          <a:ln w="9525">
+            <a:solidFill>
+              <a:srgbClr val="CCCCCC"/>
+            </a:solidFill>
+          </a:ln>
+        </p:spPr>
+        <p:style>
+          <a:lnRef idx="1">
+            <a:schemeClr val="accent1"/>
+          </a:lnRef>
+          <a:fillRef idx="3">
+            <a:schemeClr val="accent1"/>
+          </a:fillRef>
+          <a:effectRef idx="2">
+            <a:schemeClr val="accent1"/>
+          </a:effectRef>
+          <a:fontRef idx="minor">
+            <a:schemeClr val="lt1"/>
+          </a:fontRef>
+        </p:style>
+        <p:txBody>
+          <a:bodyPr rtlCol="0" anchor="ctr"/>
+          <a:lstStyle/>
+          <a:p>
+            <a:pPr algn="ctr"/>
+          </a:p>
+        </p:txBody>
+      </p:sp>
+      <p:sp>
+        <p:nvSpPr>
+          <p:cNvPr id="54" name="TextBox 53"/>
+          <p:cNvSpPr txBox="1"/>
+          <p:nvPr/>
+        </p:nvSpPr>
+        <p:spPr>
+          <a:xfrm>
+            <a:off x="4206240" y="3730752"/>
+            <a:ext cx="731520" cy="228600"/>
+          </a:xfrm>
+          <a:prstGeom prst="rect">
+            <a:avLst/>
+          </a:prstGeom>
+          <a:noFill/>
+        </p:spPr>
+        <p:txBody>
+          <a:bodyPr wrap="square">
+            <a:spAutoFit/>
+          </a:bodyPr>
+          <a:lstStyle/>
+          <a:p>
+            <a:pPr algn="ctr">
+              <a:defRPr sz="800" b="0">
+                <a:solidFill>
+                  <a:srgbClr val="333333"/>
+                </a:solidFill>
+                <a:latin typeface="맑은 고딕"/>
+              </a:defRPr>
+            </a:pPr>
+            <a:r>
+              <a:t>실시간 가시성</a:t>
+            </a:r>
+          </a:p>
+        </p:txBody>
+      </p:sp>
+      <p:sp>
+        <p:nvSpPr>
+          <p:cNvPr id="55" name="Rectangle 54"/>
+          <p:cNvSpPr/>
+          <p:nvPr/>
+        </p:nvSpPr>
+        <p:spPr>
+          <a:xfrm>
+            <a:off x="4160520" y="4023360"/>
+            <a:ext cx="822960" cy="320040"/>
+          </a:xfrm>
+          <a:prstGeom prst="rect">
+            <a:avLst/>
+          </a:prstGeom>
+          <a:solidFill>
+            <a:srgbClr val="E6E6E6"/>
+          </a:solidFill>
+          <a:ln w="9525">
+            <a:solidFill>
+              <a:srgbClr val="CCCCCC"/>
+            </a:solidFill>
+          </a:ln>
+        </p:spPr>
+        <p:style>
+          <a:lnRef idx="1">
+            <a:schemeClr val="accent1"/>
+          </a:lnRef>
+          <a:fillRef idx="3">
+            <a:schemeClr val="accent1"/>
+          </a:fillRef>
+          <a:effectRef idx="2">
+            <a:schemeClr val="accent1"/>
+          </a:effectRef>
+          <a:fontRef idx="minor">
+            <a:schemeClr val="lt1"/>
+          </a:fontRef>
+        </p:style>
+        <p:txBody>
+          <a:bodyPr rtlCol="0" anchor="ctr"/>
+          <a:lstStyle/>
+          <a:p>
+            <a:pPr algn="ctr"/>
+          </a:p>
+        </p:txBody>
+      </p:sp>
+      <p:sp>
+        <p:nvSpPr>
+          <p:cNvPr id="56" name="TextBox 55"/>
+          <p:cNvSpPr txBox="1"/>
+          <p:nvPr/>
+        </p:nvSpPr>
+        <p:spPr>
+          <a:xfrm>
+            <a:off x="4206240" y="4096512"/>
+            <a:ext cx="731520" cy="228600"/>
+          </a:xfrm>
+          <a:prstGeom prst="rect">
+            <a:avLst/>
+          </a:prstGeom>
+          <a:noFill/>
+        </p:spPr>
+        <p:txBody>
+          <a:bodyPr wrap="square">
+            <a:spAutoFit/>
+          </a:bodyPr>
+          <a:lstStyle/>
+          <a:p>
+            <a:pPr algn="ctr">
+              <a:defRPr sz="800" b="0">
+                <a:solidFill>
+                  <a:srgbClr val="333333"/>
+                </a:solidFill>
+                <a:latin typeface="맑은 고딕"/>
+              </a:defRPr>
+            </a:pPr>
+            <a:r>
+              <a:t>자동 발주</a:t>
+            </a:r>
+          </a:p>
+        </p:txBody>
+      </p:sp>
+      <p:sp>
+        <p:nvSpPr>
+          <p:cNvPr id="57" name="Rectangle 56"/>
+          <p:cNvSpPr/>
+          <p:nvPr/>
+        </p:nvSpPr>
+        <p:spPr>
+          <a:xfrm>
+            <a:off x="4160520" y="4389120"/>
+            <a:ext cx="822960" cy="320040"/>
+          </a:xfrm>
+          <a:prstGeom prst="rect">
+            <a:avLst/>
+          </a:prstGeom>
+          <a:solidFill>
+            <a:srgbClr val="FFFFFF"/>
+          </a:solidFill>
+          <a:ln w="9525">
+            <a:solidFill>
+              <a:srgbClr val="CCCCCC"/>
+            </a:solidFill>
+          </a:ln>
+        </p:spPr>
+        <p:style>
+          <a:lnRef idx="1">
+            <a:schemeClr val="accent1"/>
+          </a:lnRef>
+          <a:fillRef idx="3">
+            <a:schemeClr val="accent1"/>
+          </a:fillRef>
+          <a:effectRef idx="2">
+            <a:schemeClr val="accent1"/>
+          </a:effectRef>
+          <a:fontRef idx="minor">
+            <a:schemeClr val="lt1"/>
+          </a:fontRef>
+        </p:style>
+        <p:txBody>
+          <a:bodyPr rtlCol="0" anchor="ctr"/>
+          <a:lstStyle/>
+          <a:p>
+            <a:pPr algn="ctr"/>
+          </a:p>
+        </p:txBody>
+      </p:sp>
+      <p:sp>
+        <p:nvSpPr>
+          <p:cNvPr id="58" name="TextBox 57"/>
+          <p:cNvSpPr txBox="1"/>
+          <p:nvPr/>
+        </p:nvSpPr>
+        <p:spPr>
+          <a:xfrm>
+            <a:off x="4206240" y="4462272"/>
+            <a:ext cx="731520" cy="228600"/>
+          </a:xfrm>
+          <a:prstGeom prst="rect">
+            <a:avLst/>
+          </a:prstGeom>
+          <a:noFill/>
+        </p:spPr>
+        <p:txBody>
+          <a:bodyPr wrap="square">
+            <a:spAutoFit/>
+          </a:bodyPr>
+          <a:lstStyle/>
+          <a:p>
+            <a:pPr algn="ctr">
+              <a:defRPr sz="800" b="0">
+                <a:solidFill>
+                  <a:srgbClr val="333333"/>
+                </a:solidFill>
+                <a:latin typeface="맑은 고딕"/>
+              </a:defRPr>
+            </a:pPr>
+            <a:r>
+              <a:t>글로벌 SCM</a:t>
+            </a:r>
+          </a:p>
+        </p:txBody>
+      </p:sp>
+      <p:cxnSp>
+        <p:nvCxnSpPr>
+          <p:cNvPr id="59" name="Connector 58"/>
+          <p:cNvCxnSpPr/>
+          <p:nvPr/>
+        </p:nvCxnSpPr>
+        <p:spPr>
+          <a:xfrm>
+            <a:off x="4572000" y="3310128"/>
+            <a:ext cx="0" cy="347472"/>
+          </a:xfrm>
+          <a:prstGeom prst="line">
+            <a:avLst/>
+          </a:prstGeom>
+          <a:ln w="12700">
+            <a:solidFill>
+              <a:srgbClr val="666666"/>
+            </a:solidFill>
+          </a:ln>
+        </p:spPr>
+        <p:style>
+          <a:lnRef idx="2">
+            <a:schemeClr val="accent1"/>
+          </a:lnRef>
+          <a:fillRef idx="0">
+            <a:schemeClr val="accent1"/>
+          </a:fillRef>
+          <a:effectRef idx="1">
+            <a:schemeClr val="accent1"/>
+          </a:effectRef>
+          <a:fontRef idx="minor">
+            <a:schemeClr val="tx1"/>
+          </a:fontRef>
+        </p:style>
+      </p:cxnSp>
+      <p:sp>
+        <p:nvSpPr>
+          <p:cNvPr id="60" name="Rectangle 59"/>
+          <p:cNvSpPr/>
+          <p:nvPr/>
+        </p:nvSpPr>
+        <p:spPr>
+          <a:xfrm>
+            <a:off x="5806440" y="1737360"/>
+            <a:ext cx="822960" cy="320040"/>
+          </a:xfrm>
+          <a:prstGeom prst="rect">
+            <a:avLst/>
+          </a:prstGeom>
+          <a:solidFill>
+            <a:srgbClr val="333333"/>
+          </a:solidFill>
+          <a:ln w="19050">
+            <a:solidFill>
+              <a:srgbClr val="000000"/>
+            </a:solidFill>
+          </a:ln>
+        </p:spPr>
+        <p:style>
+          <a:lnRef idx="1">
+            <a:schemeClr val="accent1"/>
+          </a:lnRef>
+          <a:fillRef idx="3">
+            <a:schemeClr val="accent1"/>
+          </a:fillRef>
+          <a:effectRef idx="2">
+            <a:schemeClr val="accent1"/>
+          </a:effectRef>
+          <a:fontRef idx="minor">
+            <a:schemeClr val="lt1"/>
+          </a:fontRef>
+        </p:style>
+        <p:txBody>
+          <a:bodyPr rtlCol="0" anchor="ctr"/>
+          <a:lstStyle/>
+          <a:p>
+            <a:pPr algn="ctr"/>
+          </a:p>
+        </p:txBody>
+      </p:sp>
+      <p:sp>
+        <p:nvSpPr>
+          <p:cNvPr id="61" name="TextBox 60"/>
+          <p:cNvSpPr txBox="1"/>
+          <p:nvPr/>
+        </p:nvSpPr>
+        <p:spPr>
+          <a:xfrm>
+            <a:off x="5852159" y="1810512"/>
+            <a:ext cx="731520" cy="182880"/>
+          </a:xfrm>
+          <a:prstGeom prst="rect">
+            <a:avLst/>
+          </a:prstGeom>
+          <a:noFill/>
+        </p:spPr>
+        <p:txBody>
+          <a:bodyPr wrap="square">
+            <a:spAutoFit/>
+          </a:bodyPr>
+          <a:lstStyle/>
+          <a:p>
+            <a:pPr algn="ctr">
+              <a:defRPr sz="1000" b="1">
+                <a:solidFill>
+                  <a:srgbClr val="FFFFFF"/>
+                </a:solidFill>
+                <a:latin typeface="맑은 고딕"/>
+              </a:defRPr>
+            </a:pPr>
+            <a:r>
+              <a:t>최적화</a:t>
+            </a:r>
+          </a:p>
+        </p:txBody>
+      </p:sp>
+      <p:sp>
+        <p:nvSpPr>
+          <p:cNvPr id="62" name="Rectangle 61"/>
+          <p:cNvSpPr/>
+          <p:nvPr/>
+        </p:nvSpPr>
+        <p:spPr>
+          <a:xfrm>
+            <a:off x="5806440" y="2103120"/>
+            <a:ext cx="822960" cy="256032"/>
+          </a:xfrm>
+          <a:prstGeom prst="rect">
+            <a:avLst/>
+          </a:prstGeom>
+          <a:solidFill>
+            <a:srgbClr val="E6E6E6"/>
+          </a:solidFill>
+          <a:ln w="9525">
+            <a:solidFill>
+              <a:srgbClr val="CCCCCC"/>
+            </a:solidFill>
+          </a:ln>
+        </p:spPr>
+        <p:style>
+          <a:lnRef idx="1">
+            <a:schemeClr val="accent1"/>
+          </a:lnRef>
+          <a:fillRef idx="3">
+            <a:schemeClr val="accent1"/>
+          </a:fillRef>
+          <a:effectRef idx="2">
+            <a:schemeClr val="accent1"/>
+          </a:effectRef>
+          <a:fontRef idx="minor">
+            <a:schemeClr val="lt1"/>
+          </a:fontRef>
+        </p:style>
+        <p:txBody>
+          <a:bodyPr rtlCol="0" anchor="ctr"/>
+          <a:lstStyle/>
+          <a:p>
+            <a:pPr algn="ctr"/>
+          </a:p>
+        </p:txBody>
+      </p:sp>
+      <p:sp>
+        <p:nvSpPr>
+          <p:cNvPr id="63" name="TextBox 62"/>
+          <p:cNvSpPr txBox="1"/>
+          <p:nvPr/>
+        </p:nvSpPr>
+        <p:spPr>
+          <a:xfrm>
+            <a:off x="5852159" y="2148840"/>
+            <a:ext cx="731520" cy="182880"/>
+          </a:xfrm>
+          <a:prstGeom prst="rect">
+            <a:avLst/>
+          </a:prstGeom>
+          <a:noFill/>
+        </p:spPr>
+        <p:txBody>
+          <a:bodyPr wrap="square">
+            <a:spAutoFit/>
+          </a:bodyPr>
+          <a:lstStyle/>
+          <a:p>
+            <a:pPr algn="ctr">
+              <a:defRPr sz="800" b="0">
+                <a:solidFill>
+                  <a:srgbClr val="333333"/>
+                </a:solidFill>
+                <a:latin typeface="맑은 고딕"/>
+              </a:defRPr>
+            </a:pPr>
+            <a:r>
+              <a:t>기업: 애플·삼성</a:t>
+            </a:r>
+          </a:p>
+        </p:txBody>
+      </p:sp>
+      <p:sp>
+        <p:nvSpPr>
+          <p:cNvPr id="64" name="Rectangle 63"/>
+          <p:cNvSpPr/>
+          <p:nvPr/>
+        </p:nvSpPr>
+        <p:spPr>
+          <a:xfrm>
+            <a:off x="5806440" y="2395728"/>
+            <a:ext cx="822960" cy="256032"/>
+          </a:xfrm>
+          <a:prstGeom prst="rect">
+            <a:avLst/>
+          </a:prstGeom>
+          <a:solidFill>
+            <a:srgbClr val="FFFFFF"/>
+          </a:solidFill>
+          <a:ln w="9525">
+            <a:solidFill>
+              <a:srgbClr val="CCCCCC"/>
+            </a:solidFill>
+          </a:ln>
+        </p:spPr>
+        <p:style>
+          <a:lnRef idx="1">
+            <a:schemeClr val="accent1"/>
+          </a:lnRef>
+          <a:fillRef idx="3">
+            <a:schemeClr val="accent1"/>
+          </a:fillRef>
+          <a:effectRef idx="2">
+            <a:schemeClr val="accent1"/>
+          </a:effectRef>
+          <a:fontRef idx="minor">
+            <a:schemeClr val="lt1"/>
+          </a:fontRef>
+        </p:style>
+        <p:txBody>
+          <a:bodyPr rtlCol="0" anchor="ctr"/>
+          <a:lstStyle/>
+          <a:p>
+            <a:pPr algn="ctr"/>
+          </a:p>
+        </p:txBody>
+      </p:sp>
+      <p:sp>
+        <p:nvSpPr>
+          <p:cNvPr id="65" name="TextBox 64"/>
+          <p:cNvSpPr txBox="1"/>
+          <p:nvPr/>
+        </p:nvSpPr>
+        <p:spPr>
+          <a:xfrm>
+            <a:off x="5852159" y="2441448"/>
+            <a:ext cx="731520" cy="182880"/>
+          </a:xfrm>
+          <a:prstGeom prst="rect">
+            <a:avLst/>
+          </a:prstGeom>
+          <a:noFill/>
+        </p:spPr>
+        <p:txBody>
+          <a:bodyPr wrap="square">
+            <a:spAutoFit/>
+          </a:bodyPr>
+          <a:lstStyle/>
+          <a:p>
+            <a:pPr algn="ctr">
+              <a:defRPr sz="800" b="1">
+                <a:solidFill>
+                  <a:srgbClr val="000000"/>
+                </a:solidFill>
+                <a:latin typeface="맑은 고딕"/>
+              </a:defRPr>
+            </a:pPr>
+            <a:r>
+              <a:t>재고회전율 50회</a:t>
+            </a:r>
+          </a:p>
+        </p:txBody>
+      </p:sp>
+      <p:sp>
+        <p:nvSpPr>
+          <p:cNvPr id="66" name="Rectangle 65"/>
+          <p:cNvSpPr/>
+          <p:nvPr/>
+        </p:nvSpPr>
+        <p:spPr>
+          <a:xfrm>
+            <a:off x="5806440" y="2688336"/>
+            <a:ext cx="822960" cy="256032"/>
+          </a:xfrm>
+          <a:prstGeom prst="rect">
+            <a:avLst/>
+          </a:prstGeom>
+          <a:solidFill>
+            <a:srgbClr val="E6E6E6"/>
+          </a:solidFill>
+          <a:ln w="9525">
+            <a:solidFill>
+              <a:srgbClr val="CCCCCC"/>
+            </a:solidFill>
+          </a:ln>
+        </p:spPr>
+        <p:style>
+          <a:lnRef idx="1">
+            <a:schemeClr val="accent1"/>
+          </a:lnRef>
+          <a:fillRef idx="3">
+            <a:schemeClr val="accent1"/>
+          </a:fillRef>
+          <a:effectRef idx="2">
+            <a:schemeClr val="accent1"/>
+          </a:effectRef>
+          <a:fontRef idx="minor">
+            <a:schemeClr val="lt1"/>
+          </a:fontRef>
+        </p:style>
+        <p:txBody>
+          <a:bodyPr rtlCol="0" anchor="ctr"/>
+          <a:lstStyle/>
+          <a:p>
+            <a:pPr algn="ctr"/>
+          </a:p>
+        </p:txBody>
+      </p:sp>
+      <p:sp>
+        <p:nvSpPr>
+          <p:cNvPr id="67" name="TextBox 66"/>
+          <p:cNvSpPr txBox="1"/>
+          <p:nvPr/>
+        </p:nvSpPr>
+        <p:spPr>
+          <a:xfrm>
+            <a:off x="5852159" y="2734056"/>
+            <a:ext cx="731520" cy="182880"/>
+          </a:xfrm>
+          <a:prstGeom prst="rect">
+            <a:avLst/>
+          </a:prstGeom>
+          <a:noFill/>
+        </p:spPr>
+        <p:txBody>
+          <a:bodyPr wrap="square">
+            <a:spAutoFit/>
+          </a:bodyPr>
+          <a:lstStyle/>
+          <a:p>
+            <a:pPr algn="ctr">
+              <a:defRPr sz="800" b="0">
+                <a:solidFill>
+                  <a:srgbClr val="333333"/>
+                </a:solidFill>
+                <a:latin typeface="맑은 고딕"/>
+              </a:defRPr>
+            </a:pPr>
+            <a:r>
+              <a:t>기술: AI 수요예측</a:t>
+            </a:r>
+          </a:p>
+        </p:txBody>
+      </p:sp>
+      <p:sp>
+        <p:nvSpPr>
+          <p:cNvPr id="68" name="Oval 67"/>
+          <p:cNvSpPr/>
+          <p:nvPr/>
+        </p:nvSpPr>
+        <p:spPr>
+          <a:xfrm>
+            <a:off x="6108192" y="3090672"/>
+            <a:ext cx="219456" cy="219456"/>
+          </a:xfrm>
+          <a:prstGeom prst="ellipse">
+            <a:avLst/>
+          </a:prstGeom>
+          <a:solidFill>
+            <a:srgbClr val="333333"/>
+          </a:solidFill>
+          <a:ln w="25400">
+            <a:solidFill>
+              <a:srgbClr val="000000"/>
+            </a:solidFill>
+          </a:ln>
+        </p:spPr>
+        <p:style>
+          <a:lnRef idx="1">
+            <a:schemeClr val="accent1"/>
+          </a:lnRef>
+          <a:fillRef idx="3">
+            <a:schemeClr val="accent1"/>
+          </a:fillRef>
+          <a:effectRef idx="2">
+            <a:schemeClr val="accent1"/>
+          </a:effectRef>
+          <a:fontRef idx="minor">
+            <a:schemeClr val="lt1"/>
+          </a:fontRef>
+        </p:style>
+        <p:txBody>
+          <a:bodyPr rtlCol="0" anchor="ctr"/>
+          <a:lstStyle/>
+          <a:p>
+            <a:pPr algn="ctr"/>
+          </a:p>
+        </p:txBody>
+      </p:sp>
+      <p:sp>
+        <p:nvSpPr>
+          <p:cNvPr id="69" name="TextBox 68"/>
+          <p:cNvSpPr txBox="1"/>
+          <p:nvPr/>
+        </p:nvSpPr>
+        <p:spPr>
+          <a:xfrm>
+            <a:off x="5897880" y="3383280"/>
+            <a:ext cx="640080" cy="201168"/>
+          </a:xfrm>
+          <a:prstGeom prst="rect">
+            <a:avLst/>
+          </a:prstGeom>
+          <a:noFill/>
+        </p:spPr>
+        <p:txBody>
+          <a:bodyPr wrap="square">
+            <a:spAutoFit/>
+          </a:bodyPr>
+          <a:lstStyle/>
+          <a:p>
+            <a:pPr algn="ctr">
+              <a:defRPr sz="900" b="1">
+                <a:solidFill>
+                  <a:srgbClr val="000000"/>
+                </a:solidFill>
+                <a:latin typeface="맑은 고딕"/>
+              </a:defRPr>
+            </a:pPr>
+            <a:r>
+              <a:t>2010s</a:t>
+            </a:r>
+          </a:p>
+        </p:txBody>
+      </p:sp>
+      <p:cxnSp>
+        <p:nvCxnSpPr>
+          <p:cNvPr id="70" name="Connector 69"/>
+          <p:cNvCxnSpPr/>
+          <p:nvPr/>
+        </p:nvCxnSpPr>
+        <p:spPr>
+          <a:xfrm>
+            <a:off x="6217920" y="2944368"/>
+            <a:ext cx="0" cy="146304"/>
+          </a:xfrm>
+          <a:prstGeom prst="line">
+            <a:avLst/>
+          </a:prstGeom>
+          <a:ln w="12700">
+            <a:solidFill>
+              <a:srgbClr val="666666"/>
+            </a:solidFill>
+          </a:ln>
+        </p:spPr>
+        <p:style>
+          <a:lnRef idx="2">
+            <a:schemeClr val="accent1"/>
+          </a:lnRef>
+          <a:fillRef idx="0">
+            <a:schemeClr val="accent1"/>
+          </a:fillRef>
+          <a:effectRef idx="1">
+            <a:schemeClr val="accent1"/>
+          </a:effectRef>
+          <a:fontRef idx="minor">
+            <a:schemeClr val="tx1"/>
+          </a:fontRef>
+        </p:style>
+      </p:cxnSp>
+      <p:sp>
+        <p:nvSpPr>
+          <p:cNvPr id="71" name="Rectangle 70"/>
+          <p:cNvSpPr/>
+          <p:nvPr/>
+        </p:nvSpPr>
+        <p:spPr>
+          <a:xfrm>
+            <a:off x="5806440" y="3657600"/>
+            <a:ext cx="822960" cy="320040"/>
+          </a:xfrm>
+          <a:prstGeom prst="rect">
+            <a:avLst/>
+          </a:prstGeom>
+          <a:solidFill>
+            <a:srgbClr val="FFFFFF"/>
+          </a:solidFill>
+          <a:ln w="9525">
+            <a:solidFill>
+              <a:srgbClr val="CCCCCC"/>
+            </a:solidFill>
+          </a:ln>
+        </p:spPr>
+        <p:style>
+          <a:lnRef idx="1">
+            <a:schemeClr val="accent1"/>
+          </a:lnRef>
+          <a:fillRef idx="3">
+            <a:schemeClr val="accent1"/>
+          </a:fillRef>
+          <a:effectRef idx="2">
+            <a:schemeClr val="accent1"/>
+          </a:effectRef>
+          <a:fontRef idx="minor">
+            <a:schemeClr val="lt1"/>
+          </a:fontRef>
+        </p:style>
+        <p:txBody>
+          <a:bodyPr rtlCol="0" anchor="ctr"/>
+          <a:lstStyle/>
+          <a:p>
+            <a:pPr algn="ctr"/>
+          </a:p>
+        </p:txBody>
+      </p:sp>
+      <p:sp>
+        <p:nvSpPr>
+          <p:cNvPr id="72" name="TextBox 71"/>
+          <p:cNvSpPr txBox="1"/>
+          <p:nvPr/>
+        </p:nvSpPr>
+        <p:spPr>
+          <a:xfrm>
+            <a:off x="5852159" y="3730752"/>
+            <a:ext cx="731520" cy="228600"/>
+          </a:xfrm>
+          <a:prstGeom prst="rect">
+            <a:avLst/>
+          </a:prstGeom>
+          <a:noFill/>
+        </p:spPr>
+        <p:txBody>
+          <a:bodyPr wrap="square">
+            <a:spAutoFit/>
+          </a:bodyPr>
+          <a:lstStyle/>
+          <a:p>
+            <a:pPr algn="ctr">
+              <a:defRPr sz="800" b="0">
+                <a:solidFill>
+                  <a:srgbClr val="333333"/>
+                </a:solidFill>
+                <a:latin typeface="맑은 고딕"/>
+              </a:defRPr>
+            </a:pPr>
+            <a:r>
+              <a:t>극한 효율화</a:t>
+            </a:r>
+          </a:p>
+        </p:txBody>
+      </p:sp>
+      <p:sp>
+        <p:nvSpPr>
+          <p:cNvPr id="73" name="Rectangle 72"/>
+          <p:cNvSpPr/>
+          <p:nvPr/>
+        </p:nvSpPr>
+        <p:spPr>
+          <a:xfrm>
+            <a:off x="5806440" y="4023360"/>
+            <a:ext cx="822960" cy="320040"/>
+          </a:xfrm>
+          <a:prstGeom prst="rect">
+            <a:avLst/>
+          </a:prstGeom>
+          <a:solidFill>
+            <a:srgbClr val="E6E6E6"/>
+          </a:solidFill>
+          <a:ln w="9525">
+            <a:solidFill>
+              <a:srgbClr val="CCCCCC"/>
+            </a:solidFill>
+          </a:ln>
+        </p:spPr>
+        <p:style>
+          <a:lnRef idx="1">
+            <a:schemeClr val="accent1"/>
+          </a:lnRef>
+          <a:fillRef idx="3">
+            <a:schemeClr val="accent1"/>
+          </a:fillRef>
+          <a:effectRef idx="2">
+            <a:schemeClr val="accent1"/>
+          </a:effectRef>
+          <a:fontRef idx="minor">
+            <a:schemeClr val="lt1"/>
+          </a:fontRef>
+        </p:style>
+        <p:txBody>
+          <a:bodyPr rtlCol="0" anchor="ctr"/>
+          <a:lstStyle/>
+          <a:p>
+            <a:pPr algn="ctr"/>
+          </a:p>
+        </p:txBody>
+      </p:sp>
+      <p:sp>
+        <p:nvSpPr>
+          <p:cNvPr id="74" name="TextBox 73"/>
+          <p:cNvSpPr txBox="1"/>
+          <p:nvPr/>
+        </p:nvSpPr>
+        <p:spPr>
+          <a:xfrm>
+            <a:off x="5852159" y="4096512"/>
+            <a:ext cx="731520" cy="228600"/>
+          </a:xfrm>
+          <a:prstGeom prst="rect">
+            <a:avLst/>
+          </a:prstGeom>
+          <a:noFill/>
+        </p:spPr>
+        <p:txBody>
+          <a:bodyPr wrap="square">
+            <a:spAutoFit/>
+          </a:bodyPr>
+          <a:lstStyle/>
+          <a:p>
+            <a:pPr algn="ctr">
+              <a:defRPr sz="800" b="0">
+                <a:solidFill>
+                  <a:srgbClr val="333333"/>
+                </a:solidFill>
+                <a:latin typeface="맑은 고딕"/>
+              </a:defRPr>
+            </a:pPr>
+            <a:r>
+              <a:t>초정밀 계획</a:t>
+            </a:r>
+          </a:p>
+        </p:txBody>
+      </p:sp>
+      <p:sp>
+        <p:nvSpPr>
+          <p:cNvPr id="75" name="Rectangle 74"/>
+          <p:cNvSpPr/>
+          <p:nvPr/>
+        </p:nvSpPr>
+        <p:spPr>
+          <a:xfrm>
+            <a:off x="5806440" y="4389120"/>
+            <a:ext cx="822960" cy="320040"/>
+          </a:xfrm>
+          <a:prstGeom prst="rect">
+            <a:avLst/>
+          </a:prstGeom>
+          <a:solidFill>
+            <a:srgbClr val="FFFFFF"/>
+          </a:solidFill>
+          <a:ln w="9525">
+            <a:solidFill>
+              <a:srgbClr val="CCCCCC"/>
+            </a:solidFill>
+          </a:ln>
+        </p:spPr>
+        <p:style>
+          <a:lnRef idx="1">
+            <a:schemeClr val="accent1"/>
+          </a:lnRef>
+          <a:fillRef idx="3">
+            <a:schemeClr val="accent1"/>
+          </a:fillRef>
+          <a:effectRef idx="2">
+            <a:schemeClr val="accent1"/>
+          </a:effectRef>
+          <a:fontRef idx="minor">
+            <a:schemeClr val="lt1"/>
+          </a:fontRef>
+        </p:style>
+        <p:txBody>
+          <a:bodyPr rtlCol="0" anchor="ctr"/>
+          <a:lstStyle/>
+          <a:p>
+            <a:pPr algn="ctr"/>
+          </a:p>
+        </p:txBody>
+      </p:sp>
+      <p:sp>
+        <p:nvSpPr>
+          <p:cNvPr id="76" name="TextBox 75"/>
+          <p:cNvSpPr txBox="1"/>
+          <p:nvPr/>
+        </p:nvSpPr>
+        <p:spPr>
+          <a:xfrm>
+            <a:off x="5852159" y="4462272"/>
+            <a:ext cx="731520" cy="228600"/>
+          </a:xfrm>
+          <a:prstGeom prst="rect">
+            <a:avLst/>
+          </a:prstGeom>
+          <a:noFill/>
+        </p:spPr>
+        <p:txBody>
+          <a:bodyPr wrap="square">
+            <a:spAutoFit/>
+          </a:bodyPr>
+          <a:lstStyle/>
+          <a:p>
+            <a:pPr algn="ctr">
+              <a:defRPr sz="800" b="0">
+                <a:solidFill>
+                  <a:srgbClr val="333333"/>
+                </a:solidFill>
+                <a:latin typeface="맑은 고딕"/>
+              </a:defRPr>
+            </a:pPr>
+            <a:r>
+              <a:t>Zero Buffer</a:t>
+            </a:r>
+          </a:p>
+        </p:txBody>
+      </p:sp>
+      <p:cxnSp>
+        <p:nvCxnSpPr>
+          <p:cNvPr id="77" name="Connector 76"/>
+          <p:cNvCxnSpPr/>
+          <p:nvPr/>
+        </p:nvCxnSpPr>
+        <p:spPr>
+          <a:xfrm>
+            <a:off x="6217920" y="3310128"/>
+            <a:ext cx="0" cy="347472"/>
+          </a:xfrm>
+          <a:prstGeom prst="line">
+            <a:avLst/>
+          </a:prstGeom>
+          <a:ln w="12700">
+            <a:solidFill>
+              <a:srgbClr val="666666"/>
+            </a:solidFill>
+          </a:ln>
+        </p:spPr>
+        <p:style>
+          <a:lnRef idx="2">
+            <a:schemeClr val="accent1"/>
+          </a:lnRef>
+          <a:fillRef idx="0">
+            <a:schemeClr val="accent1"/>
+          </a:fillRef>
+          <a:effectRef idx="1">
+            <a:schemeClr val="accent1"/>
+          </a:effectRef>
+          <a:fontRef idx="minor">
+            <a:schemeClr val="tx1"/>
+          </a:fontRef>
+        </p:style>
+      </p:cxnSp>
+      <p:sp>
+        <p:nvSpPr>
+          <p:cNvPr id="78" name="Rectangle 77"/>
+          <p:cNvSpPr/>
+          <p:nvPr/>
+        </p:nvSpPr>
+        <p:spPr>
+          <a:xfrm>
+            <a:off x="7452360" y="1737360"/>
+            <a:ext cx="822960" cy="320040"/>
+          </a:xfrm>
+          <a:prstGeom prst="rect">
+            <a:avLst/>
+          </a:prstGeom>
+          <a:solidFill>
+            <a:srgbClr val="333333"/>
+          </a:solidFill>
+          <a:ln w="19050">
+            <a:solidFill>
+              <a:srgbClr val="000000"/>
+            </a:solidFill>
+          </a:ln>
+        </p:spPr>
+        <p:style>
+          <a:lnRef idx="1">
+            <a:schemeClr val="accent1"/>
+          </a:lnRef>
+          <a:fillRef idx="3">
+            <a:schemeClr val="accent1"/>
+          </a:fillRef>
+          <a:effectRef idx="2">
+            <a:schemeClr val="accent1"/>
+          </a:effectRef>
+          <a:fontRef idx="minor">
+            <a:schemeClr val="lt1"/>
+          </a:fontRef>
+        </p:style>
+        <p:txBody>
+          <a:bodyPr rtlCol="0" anchor="ctr"/>
+          <a:lstStyle/>
+          <a:p>
+            <a:pPr algn="ctr"/>
+          </a:p>
+        </p:txBody>
+      </p:sp>
+      <p:sp>
+        <p:nvSpPr>
+          <p:cNvPr id="79" name="TextBox 78"/>
+          <p:cNvSpPr txBox="1"/>
+          <p:nvPr/>
+        </p:nvSpPr>
+        <p:spPr>
+          <a:xfrm>
+            <a:off x="7498079" y="1810512"/>
+            <a:ext cx="731520" cy="182880"/>
+          </a:xfrm>
+          <a:prstGeom prst="rect">
+            <a:avLst/>
+          </a:prstGeom>
+          <a:noFill/>
+        </p:spPr>
+        <p:txBody>
+          <a:bodyPr wrap="square">
+            <a:spAutoFit/>
+          </a:bodyPr>
+          <a:lstStyle/>
+          <a:p>
+            <a:pPr algn="ctr">
+              <a:defRPr sz="1000" b="1">
+                <a:solidFill>
+                  <a:srgbClr val="FFFFFF"/>
+                </a:solidFill>
+                <a:latin typeface="맑은 고딕"/>
+              </a:defRPr>
+            </a:pPr>
+            <a:r>
+              <a:t>팬데믹 쇼크</a:t>
+            </a:r>
+          </a:p>
+        </p:txBody>
+      </p:sp>
+      <p:sp>
+        <p:nvSpPr>
+          <p:cNvPr id="80" name="Rectangle 79"/>
+          <p:cNvSpPr/>
+          <p:nvPr/>
+        </p:nvSpPr>
+        <p:spPr>
+          <a:xfrm>
+            <a:off x="7452360" y="2103120"/>
+            <a:ext cx="822960" cy="256032"/>
+          </a:xfrm>
+          <a:prstGeom prst="rect">
+            <a:avLst/>
+          </a:prstGeom>
+          <a:solidFill>
+            <a:srgbClr val="E6E6E6"/>
+          </a:solidFill>
+          <a:ln w="9525">
+            <a:solidFill>
+              <a:srgbClr val="CCCCCC"/>
+            </a:solidFill>
+          </a:ln>
+        </p:spPr>
+        <p:style>
+          <a:lnRef idx="1">
+            <a:schemeClr val="accent1"/>
+          </a:lnRef>
+          <a:fillRef idx="3">
+            <a:schemeClr val="accent1"/>
+          </a:fillRef>
+          <a:effectRef idx="2">
+            <a:schemeClr val="accent1"/>
+          </a:effectRef>
+          <a:fontRef idx="minor">
+            <a:schemeClr val="lt1"/>
+          </a:fontRef>
+        </p:style>
+        <p:txBody>
+          <a:bodyPr rtlCol="0" anchor="ctr"/>
+          <a:lstStyle/>
+          <a:p>
+            <a:pPr algn="ctr"/>
+          </a:p>
+        </p:txBody>
+      </p:sp>
+      <p:sp>
+        <p:nvSpPr>
+          <p:cNvPr id="81" name="TextBox 80"/>
+          <p:cNvSpPr txBox="1"/>
+          <p:nvPr/>
+        </p:nvSpPr>
+        <p:spPr>
+          <a:xfrm>
+            <a:off x="7498079" y="2148840"/>
+            <a:ext cx="731520" cy="182880"/>
+          </a:xfrm>
+          <a:prstGeom prst="rect">
+            <a:avLst/>
+          </a:prstGeom>
+          <a:noFill/>
+        </p:spPr>
+        <p:txBody>
+          <a:bodyPr wrap="square">
+            <a:spAutoFit/>
+          </a:bodyPr>
+          <a:lstStyle/>
+          <a:p>
+            <a:pPr algn="ctr">
+              <a:defRPr sz="800" b="0">
+                <a:solidFill>
+                  <a:srgbClr val="333333"/>
+                </a:solidFill>
+                <a:latin typeface="맑은 고딕"/>
+              </a:defRPr>
+            </a:pPr>
+            <a:r>
+              <a:t>기업: 전 세계</a:t>
+            </a:r>
+          </a:p>
+        </p:txBody>
+      </p:sp>
+      <p:sp>
+        <p:nvSpPr>
+          <p:cNvPr id="82" name="Rectangle 81"/>
+          <p:cNvSpPr/>
+          <p:nvPr/>
+        </p:nvSpPr>
+        <p:spPr>
+          <a:xfrm>
+            <a:off x="7452360" y="2395728"/>
+            <a:ext cx="822960" cy="256032"/>
+          </a:xfrm>
+          <a:prstGeom prst="rect">
+            <a:avLst/>
+          </a:prstGeom>
+          <a:solidFill>
+            <a:srgbClr val="FFFFFF"/>
+          </a:solidFill>
+          <a:ln w="9525">
+            <a:solidFill>
+              <a:srgbClr val="CCCCCC"/>
+            </a:solidFill>
+          </a:ln>
+        </p:spPr>
+        <p:style>
+          <a:lnRef idx="1">
+            <a:schemeClr val="accent1"/>
+          </a:lnRef>
+          <a:fillRef idx="3">
+            <a:schemeClr val="accent1"/>
+          </a:fillRef>
+          <a:effectRef idx="2">
+            <a:schemeClr val="accent1"/>
+          </a:effectRef>
+          <a:fontRef idx="minor">
+            <a:schemeClr val="lt1"/>
+          </a:fontRef>
+        </p:style>
+        <p:txBody>
+          <a:bodyPr rtlCol="0" anchor="ctr"/>
+          <a:lstStyle/>
+          <a:p>
+            <a:pPr algn="ctr"/>
+          </a:p>
+        </p:txBody>
+      </p:sp>
+      <p:sp>
+        <p:nvSpPr>
+          <p:cNvPr id="83" name="TextBox 82"/>
+          <p:cNvSpPr txBox="1"/>
+          <p:nvPr/>
+        </p:nvSpPr>
+        <p:spPr>
+          <a:xfrm>
+            <a:off x="7498079" y="2441448"/>
+            <a:ext cx="731520" cy="182880"/>
+          </a:xfrm>
+          <a:prstGeom prst="rect">
+            <a:avLst/>
+          </a:prstGeom>
+          <a:noFill/>
+        </p:spPr>
+        <p:txBody>
+          <a:bodyPr wrap="square">
+            <a:spAutoFit/>
+          </a:bodyPr>
+          <a:lstStyle/>
+          <a:p>
+            <a:pPr algn="ctr">
+              <a:defRPr sz="800" b="1">
+                <a:solidFill>
+                  <a:srgbClr val="000000"/>
+                </a:solidFill>
+                <a:latin typeface="맑은 고딕"/>
+              </a:defRPr>
+            </a:pPr>
+            <a:r>
+              <a:t>생산 80% 중단</a:t>
+            </a:r>
+          </a:p>
+        </p:txBody>
+      </p:sp>
+      <p:sp>
+        <p:nvSpPr>
+          <p:cNvPr id="84" name="Rectangle 83"/>
+          <p:cNvSpPr/>
+          <p:nvPr/>
+        </p:nvSpPr>
+        <p:spPr>
+          <a:xfrm>
+            <a:off x="7452360" y="2688336"/>
+            <a:ext cx="822960" cy="256032"/>
+          </a:xfrm>
+          <a:prstGeom prst="rect">
+            <a:avLst/>
+          </a:prstGeom>
+          <a:solidFill>
+            <a:srgbClr val="E6E6E6"/>
+          </a:solidFill>
+          <a:ln w="9525">
+            <a:solidFill>
+              <a:srgbClr val="CCCCCC"/>
+            </a:solidFill>
+          </a:ln>
+        </p:spPr>
+        <p:style>
+          <a:lnRef idx="1">
+            <a:schemeClr val="accent1"/>
+          </a:lnRef>
+          <a:fillRef idx="3">
+            <a:schemeClr val="accent1"/>
+          </a:fillRef>
+          <a:effectRef idx="2">
+            <a:schemeClr val="accent1"/>
+          </a:effectRef>
+          <a:fontRef idx="minor">
+            <a:schemeClr val="lt1"/>
+          </a:fontRef>
+        </p:style>
+        <p:txBody>
+          <a:bodyPr rtlCol="0" anchor="ctr"/>
+          <a:lstStyle/>
+          <a:p>
+            <a:pPr algn="ctr"/>
+          </a:p>
+        </p:txBody>
+      </p:sp>
+      <p:sp>
+        <p:nvSpPr>
+          <p:cNvPr id="85" name="TextBox 84"/>
+          <p:cNvSpPr txBox="1"/>
+          <p:nvPr/>
+        </p:nvSpPr>
+        <p:spPr>
+          <a:xfrm>
+            <a:off x="7498079" y="2734056"/>
+            <a:ext cx="731520" cy="182880"/>
+          </a:xfrm>
+          <a:prstGeom prst="rect">
+            <a:avLst/>
+          </a:prstGeom>
+          <a:noFill/>
+        </p:spPr>
+        <p:txBody>
+          <a:bodyPr wrap="square">
+            <a:spAutoFit/>
+          </a:bodyPr>
+          <a:lstStyle/>
+          <a:p>
+            <a:pPr algn="ctr">
+              <a:defRPr sz="800" b="0">
+                <a:solidFill>
+                  <a:srgbClr val="333333"/>
+                </a:solidFill>
+                <a:latin typeface="맑은 고딕"/>
+              </a:defRPr>
+            </a:pPr>
+            <a:r>
+              <a:t>기술: JIT 붕괴</a:t>
+            </a:r>
+          </a:p>
+        </p:txBody>
+      </p:sp>
+      <p:sp>
+        <p:nvSpPr>
+          <p:cNvPr id="86" name="Oval 85"/>
+          <p:cNvSpPr/>
+          <p:nvPr/>
+        </p:nvSpPr>
+        <p:spPr>
+          <a:xfrm>
+            <a:off x="7754112" y="3090672"/>
+            <a:ext cx="219456" cy="219456"/>
+          </a:xfrm>
+          <a:prstGeom prst="ellipse">
+            <a:avLst/>
+          </a:prstGeom>
+          <a:solidFill>
+            <a:srgbClr val="333333"/>
+          </a:solidFill>
+          <a:ln w="25400">
+            <a:solidFill>
+              <a:srgbClr val="000000"/>
+            </a:solidFill>
+          </a:ln>
+        </p:spPr>
+        <p:style>
+          <a:lnRef idx="1">
+            <a:schemeClr val="accent1"/>
+          </a:lnRef>
+          <a:fillRef idx="3">
+            <a:schemeClr val="accent1"/>
+          </a:fillRef>
+          <a:effectRef idx="2">
+            <a:schemeClr val="accent1"/>
+          </a:effectRef>
+          <a:fontRef idx="minor">
+            <a:schemeClr val="lt1"/>
+          </a:fontRef>
+        </p:style>
+        <p:txBody>
+          <a:bodyPr rtlCol="0" anchor="ctr"/>
+          <a:lstStyle/>
+          <a:p>
+            <a:pPr algn="ctr"/>
+          </a:p>
+        </p:txBody>
+      </p:sp>
+      <p:sp>
+        <p:nvSpPr>
+          <p:cNvPr id="87" name="TextBox 86"/>
+          <p:cNvSpPr txBox="1"/>
+          <p:nvPr/>
+        </p:nvSpPr>
+        <p:spPr>
+          <a:xfrm>
+            <a:off x="7543800" y="3383280"/>
+            <a:ext cx="640080" cy="201168"/>
+          </a:xfrm>
+          <a:prstGeom prst="rect">
+            <a:avLst/>
+          </a:prstGeom>
+          <a:noFill/>
+        </p:spPr>
+        <p:txBody>
+          <a:bodyPr wrap="square">
+            <a:spAutoFit/>
+          </a:bodyPr>
+          <a:lstStyle/>
+          <a:p>
+            <a:pPr algn="ctr">
+              <a:defRPr sz="900" b="1">
+                <a:solidFill>
+                  <a:srgbClr val="000000"/>
+                </a:solidFill>
+                <a:latin typeface="맑은 고딕"/>
+              </a:defRPr>
+            </a:pPr>
+            <a:r>
+              <a:t>2020</a:t>
+            </a:r>
+          </a:p>
+        </p:txBody>
+      </p:sp>
+      <p:cxnSp>
+        <p:nvCxnSpPr>
+          <p:cNvPr id="88" name="Connector 87"/>
+          <p:cNvCxnSpPr/>
+          <p:nvPr/>
+        </p:nvCxnSpPr>
+        <p:spPr>
+          <a:xfrm>
+            <a:off x="7863840" y="2944368"/>
+            <a:ext cx="0" cy="146304"/>
+          </a:xfrm>
+          <a:prstGeom prst="line">
+            <a:avLst/>
+          </a:prstGeom>
+          <a:ln w="12700">
+            <a:solidFill>
+              <a:srgbClr val="666666"/>
+            </a:solidFill>
+          </a:ln>
+        </p:spPr>
+        <p:style>
+          <a:lnRef idx="2">
+            <a:schemeClr val="accent1"/>
+          </a:lnRef>
+          <a:fillRef idx="0">
+            <a:schemeClr val="accent1"/>
+          </a:fillRef>
+          <a:effectRef idx="1">
+            <a:schemeClr val="accent1"/>
+          </a:effectRef>
+          <a:fontRef idx="minor">
+            <a:schemeClr val="tx1"/>
+          </a:fontRef>
+        </p:style>
+      </p:cxnSp>
+      <p:sp>
+        <p:nvSpPr>
+          <p:cNvPr id="89" name="Rectangle 88"/>
+          <p:cNvSpPr/>
+          <p:nvPr/>
+        </p:nvSpPr>
+        <p:spPr>
+          <a:xfrm>
+            <a:off x="7452360" y="3657600"/>
+            <a:ext cx="822960" cy="320040"/>
+          </a:xfrm>
+          <a:prstGeom prst="rect">
+            <a:avLst/>
+          </a:prstGeom>
+          <a:solidFill>
+            <a:srgbClr val="FFFFFF"/>
+          </a:solidFill>
+          <a:ln w="9525">
+            <a:solidFill>
+              <a:srgbClr val="CCCCCC"/>
+            </a:solidFill>
+          </a:ln>
+        </p:spPr>
+        <p:style>
+          <a:lnRef idx="1">
+            <a:schemeClr val="accent1"/>
+          </a:lnRef>
+          <a:fillRef idx="3">
+            <a:schemeClr val="accent1"/>
+          </a:fillRef>
+          <a:effectRef idx="2">
+            <a:schemeClr val="accent1"/>
+          </a:effectRef>
+          <a:fontRef idx="minor">
+            <a:schemeClr val="lt1"/>
+          </a:fontRef>
+        </p:style>
+        <p:txBody>
+          <a:bodyPr rtlCol="0" anchor="ctr"/>
+          <a:lstStyle/>
+          <a:p>
+            <a:pPr algn="ctr"/>
+          </a:p>
+        </p:txBody>
+      </p:sp>
+      <p:sp>
+        <p:nvSpPr>
+          <p:cNvPr id="90" name="TextBox 89"/>
+          <p:cNvSpPr txBox="1"/>
+          <p:nvPr/>
+        </p:nvSpPr>
+        <p:spPr>
+          <a:xfrm>
+            <a:off x="7498079" y="3730752"/>
+            <a:ext cx="731520" cy="228600"/>
+          </a:xfrm>
+          <a:prstGeom prst="rect">
+            <a:avLst/>
+          </a:prstGeom>
+          <a:noFill/>
+        </p:spPr>
+        <p:txBody>
+          <a:bodyPr wrap="square">
+            <a:spAutoFit/>
+          </a:bodyPr>
+          <a:lstStyle/>
+          <a:p>
+            <a:pPr algn="ctr">
+              <a:defRPr sz="800" b="0">
+                <a:solidFill>
+                  <a:srgbClr val="333333"/>
+                </a:solidFill>
+                <a:latin typeface="맑은 고딕"/>
+              </a:defRPr>
+            </a:pPr>
+            <a:r>
+              <a:t>공급망 마비</a:t>
+            </a:r>
+          </a:p>
+        </p:txBody>
+      </p:sp>
+      <p:sp>
+        <p:nvSpPr>
+          <p:cNvPr id="91" name="Rectangle 90"/>
+          <p:cNvSpPr/>
+          <p:nvPr/>
+        </p:nvSpPr>
+        <p:spPr>
+          <a:xfrm>
+            <a:off x="7452360" y="4023360"/>
+            <a:ext cx="822960" cy="320040"/>
+          </a:xfrm>
+          <a:prstGeom prst="rect">
+            <a:avLst/>
+          </a:prstGeom>
+          <a:solidFill>
+            <a:srgbClr val="E6E6E6"/>
+          </a:solidFill>
+          <a:ln w="9525">
+            <a:solidFill>
+              <a:srgbClr val="CCCCCC"/>
+            </a:solidFill>
+          </a:ln>
+        </p:spPr>
+        <p:style>
+          <a:lnRef idx="1">
+            <a:schemeClr val="accent1"/>
+          </a:lnRef>
+          <a:fillRef idx="3">
+            <a:schemeClr val="accent1"/>
+          </a:fillRef>
+          <a:effectRef idx="2">
+            <a:schemeClr val="accent1"/>
+          </a:effectRef>
+          <a:fontRef idx="minor">
+            <a:schemeClr val="lt1"/>
+          </a:fontRef>
+        </p:style>
+        <p:txBody>
+          <a:bodyPr rtlCol="0" anchor="ctr"/>
+          <a:lstStyle/>
+          <a:p>
+            <a:pPr algn="ctr"/>
+          </a:p>
+        </p:txBody>
+      </p:sp>
+      <p:sp>
+        <p:nvSpPr>
+          <p:cNvPr id="92" name="TextBox 91"/>
+          <p:cNvSpPr txBox="1"/>
+          <p:nvPr/>
+        </p:nvSpPr>
+        <p:spPr>
+          <a:xfrm>
+            <a:off x="7498079" y="4096512"/>
+            <a:ext cx="731520" cy="228600"/>
+          </a:xfrm>
+          <a:prstGeom prst="rect">
+            <a:avLst/>
+          </a:prstGeom>
+          <a:noFill/>
+        </p:spPr>
+        <p:txBody>
+          <a:bodyPr wrap="square">
+            <a:spAutoFit/>
+          </a:bodyPr>
+          <a:lstStyle/>
+          <a:p>
+            <a:pPr algn="ctr">
+              <a:defRPr sz="800" b="0">
+                <a:solidFill>
+                  <a:srgbClr val="333333"/>
+                </a:solidFill>
+                <a:latin typeface="맑은 고딕"/>
+              </a:defRPr>
+            </a:pPr>
+            <a:r>
+              <a:t>재고 부족</a:t>
+            </a:r>
+          </a:p>
+        </p:txBody>
+      </p:sp>
+      <p:sp>
+        <p:nvSpPr>
+          <p:cNvPr id="93" name="Rectangle 92"/>
+          <p:cNvSpPr/>
+          <p:nvPr/>
+        </p:nvSpPr>
+        <p:spPr>
+          <a:xfrm>
+            <a:off x="7452360" y="4389120"/>
+            <a:ext cx="822960" cy="320040"/>
+          </a:xfrm>
+          <a:prstGeom prst="rect">
+            <a:avLst/>
+          </a:prstGeom>
+          <a:solidFill>
+            <a:srgbClr val="FFFFFF"/>
+          </a:solidFill>
+          <a:ln w="9525">
+            <a:solidFill>
+              <a:srgbClr val="CCCCCC"/>
+            </a:solidFill>
+          </a:ln>
+        </p:spPr>
+        <p:style>
+          <a:lnRef idx="1">
+            <a:schemeClr val="accent1"/>
+          </a:lnRef>
+          <a:fillRef idx="3">
+            <a:schemeClr val="accent1"/>
+          </a:fillRef>
+          <a:effectRef idx="2">
+            <a:schemeClr val="accent1"/>
+          </a:effectRef>
+          <a:fontRef idx="minor">
+            <a:schemeClr val="lt1"/>
+          </a:fontRef>
+        </p:style>
+        <p:txBody>
+          <a:bodyPr rtlCol="0" anchor="ctr"/>
+          <a:lstStyle/>
+          <a:p>
+            <a:pPr algn="ctr"/>
+          </a:p>
+        </p:txBody>
+      </p:sp>
+      <p:sp>
+        <p:nvSpPr>
+          <p:cNvPr id="94" name="TextBox 93"/>
+          <p:cNvSpPr txBox="1"/>
+          <p:nvPr/>
+        </p:nvSpPr>
+        <p:spPr>
+          <a:xfrm>
+            <a:off x="7498079" y="4462272"/>
+            <a:ext cx="731520" cy="228600"/>
+          </a:xfrm>
+          <a:prstGeom prst="rect">
+            <a:avLst/>
+          </a:prstGeom>
+          <a:noFill/>
+        </p:spPr>
+        <p:txBody>
+          <a:bodyPr wrap="square">
+            <a:spAutoFit/>
+          </a:bodyPr>
+          <a:lstStyle/>
+          <a:p>
+            <a:pPr algn="ctr">
+              <a:defRPr sz="800" b="0">
+                <a:solidFill>
+                  <a:srgbClr val="333333"/>
+                </a:solidFill>
+                <a:latin typeface="맑은 고딕"/>
+              </a:defRPr>
+            </a:pPr>
+            <a:r>
+              <a:t>JIC 전환</a:t>
+            </a:r>
+          </a:p>
+        </p:txBody>
+      </p:sp>
+      <p:cxnSp>
+        <p:nvCxnSpPr>
+          <p:cNvPr id="95" name="Connector 94"/>
+          <p:cNvCxnSpPr/>
+          <p:nvPr/>
+        </p:nvCxnSpPr>
+        <p:spPr>
+          <a:xfrm>
+            <a:off x="7863840" y="3310128"/>
+            <a:ext cx="0" cy="347472"/>
+          </a:xfrm>
+          <a:prstGeom prst="line">
+            <a:avLst/>
+          </a:prstGeom>
+          <a:ln w="12700">
+            <a:solidFill>
+              <a:srgbClr val="666666"/>
+            </a:solidFill>
+          </a:ln>
+        </p:spPr>
+        <p:style>
+          <a:lnRef idx="2">
+            <a:schemeClr val="accent1"/>
+          </a:lnRef>
+          <a:fillRef idx="0">
+            <a:schemeClr val="accent1"/>
+          </a:fillRef>
+          <a:effectRef idx="1">
+            <a:schemeClr val="accent1"/>
+          </a:effectRef>
+          <a:fontRef idx="minor">
+            <a:schemeClr val="tx1"/>
+          </a:fontRef>
+        </p:style>
+      </p:cxnSp>
+      <p:sp>
+        <p:nvSpPr>
+          <p:cNvPr id="96" name="Rectangle 95"/>
+          <p:cNvSpPr/>
+          <p:nvPr/>
+        </p:nvSpPr>
+        <p:spPr>
+          <a:xfrm>
+            <a:off x="822960" y="5760720"/>
+            <a:ext cx="1645920" cy="594360"/>
           </a:xfrm>
           <a:prstGeom prst="rect">
             <a:avLst/>
@@ -4601,14 +8112,14 @@
       </p:sp>
       <p:sp>
         <p:nvSpPr>
-          <p:cNvPr id="9" name="TextBox 8"/>
-          <p:cNvSpPr txBox="1"/>
-          <p:nvPr/>
-        </p:nvSpPr>
-        <p:spPr>
-          <a:xfrm>
-            <a:off x="960120" y="1691640"/>
-            <a:ext cx="822960" cy="182880"/>
+          <p:cNvPr id="97" name="TextBox 96"/>
+          <p:cNvSpPr txBox="1"/>
+          <p:nvPr/>
+        </p:nvSpPr>
+        <p:spPr>
+          <a:xfrm>
+            <a:off x="868680" y="5806440"/>
+            <a:ext cx="1554480" cy="164592"/>
           </a:xfrm>
           <a:prstGeom prst="rect">
             <a:avLst/>
@@ -4622,7 +8133,7 @@
           <a:lstStyle/>
           <a:p>
             <a:pPr algn="ctr">
-              <a:defRPr sz="1100" b="1">
+              <a:defRPr sz="900" b="1">
                 <a:solidFill>
                   <a:srgbClr val="000000"/>
                 </a:solidFill>
@@ -4630,56 +8141,61 @@
               </a:defRPr>
             </a:pPr>
             <a:r>
-              <a:t>JIT 탄생</a:t>
-            </a:r>
-          </a:p>
-        </p:txBody>
-      </p:sp>
-      <p:cxnSp>
-        <p:nvCxnSpPr>
-          <p:cNvPr id="10" name="Connector 9"/>
-          <p:cNvCxnSpPr/>
-          <p:nvPr/>
-        </p:nvCxnSpPr>
-        <p:spPr>
-          <a:xfrm>
-            <a:off x="1371600" y="2103120"/>
-            <a:ext cx="0" cy="548640"/>
-          </a:xfrm>
-          <a:prstGeom prst="line">
-            <a:avLst/>
-          </a:prstGeom>
-          <a:ln w="12700">
-            <a:solidFill>
-              <a:srgbClr val="CCCCCC"/>
-            </a:solidFill>
-          </a:ln>
-        </p:spPr>
-        <p:style>
-          <a:lnRef idx="2">
-            <a:schemeClr val="accent1"/>
-          </a:lnRef>
-          <a:fillRef idx="0">
-            <a:schemeClr val="accent1"/>
-          </a:fillRef>
-          <a:effectRef idx="1">
-            <a:schemeClr val="accent1"/>
-          </a:effectRef>
-          <a:fontRef idx="minor">
-            <a:schemeClr val="tx1"/>
-          </a:fontRef>
-        </p:style>
-      </p:cxnSp>
-      <p:sp>
-        <p:nvSpPr>
-          <p:cNvPr id="11" name="Rectangle 10"/>
+              <a:t>혁신 기간</a:t>
+            </a:r>
+          </a:p>
+        </p:txBody>
+      </p:sp>
+      <p:sp>
+        <p:nvSpPr>
+          <p:cNvPr id="98" name="TextBox 97"/>
+          <p:cNvSpPr txBox="1"/>
+          <p:nvPr/>
+        </p:nvSpPr>
+        <p:spPr>
+          <a:xfrm>
+            <a:off x="868680" y="6016752"/>
+            <a:ext cx="1554480" cy="292608"/>
+          </a:xfrm>
+          <a:prstGeom prst="rect">
+            <a:avLst/>
+          </a:prstGeom>
+          <a:noFill/>
+        </p:spPr>
+        <p:txBody>
+          <a:bodyPr wrap="square">
+            <a:spAutoFit/>
+          </a:bodyPr>
+          <a:lstStyle/>
+          <a:p>
+            <a:pPr algn="ctr">
+              <a:defRPr sz="800" b="0">
+                <a:solidFill>
+                  <a:srgbClr val="333333"/>
+                </a:solidFill>
+                <a:latin typeface="맑은 고딕"/>
+              </a:defRPr>
+            </a:pPr>
+            <a:r>
+              <a:t>1970-2010</a:t>
+            </a:r>
+            <a:br/>
+            <a:r>
+              <a:t>40년</a:t>
+            </a:r>
+          </a:p>
+        </p:txBody>
+      </p:sp>
+      <p:sp>
+        <p:nvSpPr>
+          <p:cNvPr id="99" name="Rectangle 98"/>
           <p:cNvSpPr/>
           <p:nvPr/>
         </p:nvSpPr>
         <p:spPr>
           <a:xfrm>
-            <a:off x="914400" y="3291840"/>
-            <a:ext cx="914400" cy="640080"/>
+            <a:off x="2542032" y="5760720"/>
+            <a:ext cx="1645920" cy="594360"/>
           </a:xfrm>
           <a:prstGeom prst="rect">
             <a:avLst/>
@@ -4689,7 +8205,7 @@
           </a:solidFill>
           <a:ln w="12700">
             <a:solidFill>
-              <a:srgbClr val="CCCCCC"/>
+              <a:srgbClr val="666666"/>
             </a:solidFill>
           </a:ln>
         </p:spPr>
@@ -4717,14 +8233,14 @@
       </p:sp>
       <p:sp>
         <p:nvSpPr>
-          <p:cNvPr id="12" name="TextBox 11"/>
-          <p:cNvSpPr txBox="1"/>
-          <p:nvPr/>
-        </p:nvSpPr>
-        <p:spPr>
-          <a:xfrm>
-            <a:off x="960120" y="3364992"/>
-            <a:ext cx="822960" cy="548640"/>
+          <p:cNvPr id="100" name="TextBox 99"/>
+          <p:cNvSpPr txBox="1"/>
+          <p:nvPr/>
+        </p:nvSpPr>
+        <p:spPr>
+          <a:xfrm>
+            <a:off x="2587752" y="5806440"/>
+            <a:ext cx="1554480" cy="164592"/>
           </a:xfrm>
           <a:prstGeom prst="rect">
             <a:avLst/>
@@ -4738,7 +8254,43 @@
           <a:lstStyle/>
           <a:p>
             <a:pPr algn="ctr">
-              <a:defRPr sz="900" b="0">
+              <a:defRPr sz="900" b="1">
+                <a:solidFill>
+                  <a:srgbClr val="000000"/>
+                </a:solidFill>
+                <a:latin typeface="맑은 고딕"/>
+              </a:defRPr>
+            </a:pPr>
+            <a:r>
+              <a:t>효과</a:t>
+            </a:r>
+          </a:p>
+        </p:txBody>
+      </p:sp>
+      <p:sp>
+        <p:nvSpPr>
+          <p:cNvPr id="101" name="TextBox 100"/>
+          <p:cNvSpPr txBox="1"/>
+          <p:nvPr/>
+        </p:nvSpPr>
+        <p:spPr>
+          <a:xfrm>
+            <a:off x="2587752" y="6016752"/>
+            <a:ext cx="1554480" cy="292608"/>
+          </a:xfrm>
+          <a:prstGeom prst="rect">
+            <a:avLst/>
+          </a:prstGeom>
+          <a:noFill/>
+        </p:spPr>
+        <p:txBody>
+          <a:bodyPr wrap="square">
+            <a:spAutoFit/>
+          </a:bodyPr>
+          <a:lstStyle/>
+          <a:p>
+            <a:pPr algn="ctr">
+              <a:defRPr sz="800" b="0">
                 <a:solidFill>
                   <a:srgbClr val="333333"/>
                 </a:solidFill>
@@ -4746,140 +8298,25 @@
               </a:defRPr>
             </a:pPr>
             <a:r>
-              <a:t>도요타 생산 방식</a:t>
+              <a:t>재고 50%↓</a:t>
             </a:r>
             <a:br/>
             <a:r>
-              <a:t>무재고 경영</a:t>
-            </a:r>
-          </a:p>
-        </p:txBody>
-      </p:sp>
-      <p:sp>
-        <p:nvSpPr>
-          <p:cNvPr id="13" name="TextBox 12"/>
-          <p:cNvSpPr txBox="1"/>
-          <p:nvPr/>
-        </p:nvSpPr>
-        <p:spPr>
-          <a:xfrm>
-            <a:off x="1143000" y="3794760"/>
-            <a:ext cx="457200" cy="182880"/>
-          </a:xfrm>
-          <a:prstGeom prst="rect">
-            <a:avLst/>
-          </a:prstGeom>
-          <a:noFill/>
-        </p:spPr>
-        <p:txBody>
-          <a:bodyPr wrap="square">
-            <a:spAutoFit/>
-          </a:bodyPr>
-          <a:lstStyle/>
-          <a:p>
-            <a:pPr algn="ctr">
-              <a:defRPr sz="1000" b="1">
-                <a:solidFill>
-                  <a:srgbClr val="000000"/>
-                </a:solidFill>
-                <a:latin typeface="맑은 고딕"/>
-              </a:defRPr>
-            </a:pPr>
-            <a:r>
-              <a:t>↑</a:t>
-            </a:r>
-          </a:p>
-        </p:txBody>
-      </p:sp>
-      <p:sp>
-        <p:nvSpPr>
-          <p:cNvPr id="14" name="Oval 13"/>
+              <a:t>원가 30%↓</a:t>
+            </a:r>
+          </a:p>
+        </p:txBody>
+      </p:sp>
+      <p:sp>
+        <p:nvSpPr>
+          <p:cNvPr id="102" name="Rectangle 101"/>
           <p:cNvSpPr/>
           <p:nvPr/>
         </p:nvSpPr>
         <p:spPr>
           <a:xfrm>
-            <a:off x="2880360" y="2651760"/>
-            <a:ext cx="182880" cy="182880"/>
-          </a:xfrm>
-          <a:prstGeom prst="ellipse">
-            <a:avLst/>
-          </a:prstGeom>
-          <a:solidFill>
-            <a:srgbClr val="333333"/>
-          </a:solidFill>
-          <a:ln>
-            <a:noFill/>
-          </a:ln>
-        </p:spPr>
-        <p:style>
-          <a:lnRef idx="1">
-            <a:schemeClr val="accent1"/>
-          </a:lnRef>
-          <a:fillRef idx="3">
-            <a:schemeClr val="accent1"/>
-          </a:fillRef>
-          <a:effectRef idx="2">
-            <a:schemeClr val="accent1"/>
-          </a:effectRef>
-          <a:fontRef idx="minor">
-            <a:schemeClr val="lt1"/>
-          </a:fontRef>
-        </p:style>
-        <p:txBody>
-          <a:bodyPr rtlCol="0" anchor="ctr"/>
-          <a:lstStyle/>
-          <a:p>
-            <a:pPr algn="ctr"/>
-          </a:p>
-        </p:txBody>
-      </p:sp>
-      <p:sp>
-        <p:nvSpPr>
-          <p:cNvPr id="15" name="TextBox 14"/>
-          <p:cNvSpPr txBox="1"/>
-          <p:nvPr/>
-        </p:nvSpPr>
-        <p:spPr>
-          <a:xfrm>
-            <a:off x="2697480" y="2926080"/>
-            <a:ext cx="548640" cy="228600"/>
-          </a:xfrm>
-          <a:prstGeom prst="rect">
-            <a:avLst/>
-          </a:prstGeom>
-          <a:noFill/>
-        </p:spPr>
-        <p:txBody>
-          <a:bodyPr wrap="square">
-            <a:spAutoFit/>
-          </a:bodyPr>
-          <a:lstStyle/>
-          <a:p>
-            <a:pPr algn="ctr">
-              <a:defRPr sz="1000" b="1">
-                <a:solidFill>
-                  <a:srgbClr val="333333"/>
-                </a:solidFill>
-                <a:latin typeface="맑은 고딕"/>
-              </a:defRPr>
-            </a:pPr>
-            <a:r>
-              <a:t>1990s</a:t>
-            </a:r>
-          </a:p>
-        </p:txBody>
-      </p:sp>
-      <p:sp>
-        <p:nvSpPr>
-          <p:cNvPr id="16" name="Rectangle 15"/>
-          <p:cNvSpPr/>
-          <p:nvPr/>
-        </p:nvSpPr>
-        <p:spPr>
-          <a:xfrm>
-            <a:off x="2514600" y="1645920"/>
-            <a:ext cx="914400" cy="457200"/>
+            <a:off x="4261104" y="5760720"/>
+            <a:ext cx="1645920" cy="594360"/>
           </a:xfrm>
           <a:prstGeom prst="rect">
             <a:avLst/>
@@ -4917,14 +8354,14 @@
       </p:sp>
       <p:sp>
         <p:nvSpPr>
-          <p:cNvPr id="17" name="TextBox 16"/>
-          <p:cNvSpPr txBox="1"/>
-          <p:nvPr/>
-        </p:nvSpPr>
-        <p:spPr>
-          <a:xfrm>
-            <a:off x="2560320" y="1691640"/>
-            <a:ext cx="822960" cy="182880"/>
+          <p:cNvPr id="103" name="TextBox 102"/>
+          <p:cNvSpPr txBox="1"/>
+          <p:nvPr/>
+        </p:nvSpPr>
+        <p:spPr>
+          <a:xfrm>
+            <a:off x="4306824" y="5806440"/>
+            <a:ext cx="1554480" cy="164592"/>
           </a:xfrm>
           <a:prstGeom prst="rect">
             <a:avLst/>
@@ -4938,7 +8375,7 @@
           <a:lstStyle/>
           <a:p>
             <a:pPr algn="ctr">
-              <a:defRPr sz="1100" b="1">
+              <a:defRPr sz="900" b="1">
                 <a:solidFill>
                   <a:srgbClr val="000000"/>
                 </a:solidFill>
@@ -4946,56 +8383,61 @@
               </a:defRPr>
             </a:pPr>
             <a:r>
-              <a:t>글로벌 확산</a:t>
-            </a:r>
-          </a:p>
-        </p:txBody>
-      </p:sp>
-      <p:cxnSp>
-        <p:nvCxnSpPr>
-          <p:cNvPr id="18" name="Connector 17"/>
-          <p:cNvCxnSpPr/>
-          <p:nvPr/>
-        </p:nvCxnSpPr>
-        <p:spPr>
-          <a:xfrm>
-            <a:off x="2971800" y="2103120"/>
-            <a:ext cx="0" cy="548640"/>
-          </a:xfrm>
-          <a:prstGeom prst="line">
-            <a:avLst/>
-          </a:prstGeom>
-          <a:ln w="12700">
-            <a:solidFill>
-              <a:srgbClr val="CCCCCC"/>
-            </a:solidFill>
-          </a:ln>
-        </p:spPr>
-        <p:style>
-          <a:lnRef idx="2">
-            <a:schemeClr val="accent1"/>
-          </a:lnRef>
-          <a:fillRef idx="0">
-            <a:schemeClr val="accent1"/>
-          </a:fillRef>
-          <a:effectRef idx="1">
-            <a:schemeClr val="accent1"/>
-          </a:effectRef>
-          <a:fontRef idx="minor">
-            <a:schemeClr val="tx1"/>
-          </a:fontRef>
-        </p:style>
-      </p:cxnSp>
-      <p:sp>
-        <p:nvSpPr>
-          <p:cNvPr id="19" name="Rectangle 18"/>
+              <a:t>확산</a:t>
+            </a:r>
+          </a:p>
+        </p:txBody>
+      </p:sp>
+      <p:sp>
+        <p:nvSpPr>
+          <p:cNvPr id="104" name="TextBox 103"/>
+          <p:cNvSpPr txBox="1"/>
+          <p:nvPr/>
+        </p:nvSpPr>
+        <p:spPr>
+          <a:xfrm>
+            <a:off x="4306824" y="6016752"/>
+            <a:ext cx="1554480" cy="292608"/>
+          </a:xfrm>
+          <a:prstGeom prst="rect">
+            <a:avLst/>
+          </a:prstGeom>
+          <a:noFill/>
+        </p:spPr>
+        <p:txBody>
+          <a:bodyPr wrap="square">
+            <a:spAutoFit/>
+          </a:bodyPr>
+          <a:lstStyle/>
+          <a:p>
+            <a:pPr algn="ctr">
+              <a:defRPr sz="800" b="0">
+                <a:solidFill>
+                  <a:srgbClr val="333333"/>
+                </a:solidFill>
+                <a:latin typeface="맑은 고딕"/>
+              </a:defRPr>
+            </a:pPr>
+            <a:r>
+              <a:t>전 산업</a:t>
+            </a:r>
+            <a:br/>
+            <a:r>
+              <a:t>글로벌 표준</a:t>
+            </a:r>
+          </a:p>
+        </p:txBody>
+      </p:sp>
+      <p:sp>
+        <p:nvSpPr>
+          <p:cNvPr id="105" name="Rectangle 104"/>
           <p:cNvSpPr/>
           <p:nvPr/>
         </p:nvSpPr>
         <p:spPr>
           <a:xfrm>
-            <a:off x="2514600" y="3291840"/>
-            <a:ext cx="914400" cy="640080"/>
+            <a:off x="5980176" y="5760720"/>
+            <a:ext cx="1645920" cy="594360"/>
           </a:xfrm>
           <a:prstGeom prst="rect">
             <a:avLst/>
@@ -5005,7 +8447,7 @@
           </a:solidFill>
           <a:ln w="12700">
             <a:solidFill>
-              <a:srgbClr val="CCCCCC"/>
+              <a:srgbClr val="666666"/>
             </a:solidFill>
           </a:ln>
         </p:spPr>
@@ -5033,14 +8475,14 @@
       </p:sp>
       <p:sp>
         <p:nvSpPr>
-          <p:cNvPr id="20" name="TextBox 19"/>
-          <p:cNvSpPr txBox="1"/>
-          <p:nvPr/>
-        </p:nvSpPr>
-        <p:spPr>
-          <a:xfrm>
-            <a:off x="2560320" y="3364992"/>
-            <a:ext cx="822960" cy="548640"/>
+          <p:cNvPr id="106" name="TextBox 105"/>
+          <p:cNvSpPr txBox="1"/>
+          <p:nvPr/>
+        </p:nvSpPr>
+        <p:spPr>
+          <a:xfrm>
+            <a:off x="6025896" y="5806440"/>
+            <a:ext cx="1554480" cy="164592"/>
           </a:xfrm>
           <a:prstGeom prst="rect">
             <a:avLst/>
@@ -5054,7 +8496,43 @@
           <a:lstStyle/>
           <a:p>
             <a:pPr algn="ctr">
-              <a:defRPr sz="900" b="0">
+              <a:defRPr sz="900" b="1">
+                <a:solidFill>
+                  <a:srgbClr val="000000"/>
+                </a:solidFill>
+                <a:latin typeface="맑은 고딕"/>
+              </a:defRPr>
+            </a:pPr>
+            <a:r>
+              <a:t>붕괴</a:t>
+            </a:r>
+          </a:p>
+        </p:txBody>
+      </p:sp>
+      <p:sp>
+        <p:nvSpPr>
+          <p:cNvPr id="107" name="TextBox 106"/>
+          <p:cNvSpPr txBox="1"/>
+          <p:nvPr/>
+        </p:nvSpPr>
+        <p:spPr>
+          <a:xfrm>
+            <a:off x="6025896" y="6016752"/>
+            <a:ext cx="1554480" cy="292608"/>
+          </a:xfrm>
+          <a:prstGeom prst="rect">
+            <a:avLst/>
+          </a:prstGeom>
+          <a:noFill/>
+        </p:spPr>
+        <p:txBody>
+          <a:bodyPr wrap="square">
+            <a:spAutoFit/>
+          </a:bodyPr>
+          <a:lstStyle/>
+          <a:p>
+            <a:pPr algn="ctr">
+              <a:defRPr sz="800" b="0">
                 <a:solidFill>
                   <a:srgbClr val="333333"/>
                 </a:solidFill>
@@ -5062,140 +8540,25 @@
               </a:defRPr>
             </a:pPr>
             <a:r>
-              <a:t>미국·유럽 제조업</a:t>
+              <a:t>2020 팬데믹</a:t>
             </a:r>
             <a:br/>
             <a:r>
-              <a:t>표준 채택</a:t>
-            </a:r>
-          </a:p>
-        </p:txBody>
-      </p:sp>
-      <p:sp>
-        <p:nvSpPr>
-          <p:cNvPr id="21" name="TextBox 20"/>
-          <p:cNvSpPr txBox="1"/>
-          <p:nvPr/>
-        </p:nvSpPr>
-        <p:spPr>
-          <a:xfrm>
-            <a:off x="2743200" y="3794760"/>
-            <a:ext cx="457200" cy="182880"/>
-          </a:xfrm>
-          <a:prstGeom prst="rect">
-            <a:avLst/>
-          </a:prstGeom>
-          <a:noFill/>
-        </p:spPr>
-        <p:txBody>
-          <a:bodyPr wrap="square">
-            <a:spAutoFit/>
-          </a:bodyPr>
-          <a:lstStyle/>
-          <a:p>
-            <a:pPr algn="ctr">
-              <a:defRPr sz="1000" b="1">
-                <a:solidFill>
-                  <a:srgbClr val="000000"/>
-                </a:solidFill>
-                <a:latin typeface="맑은 고딕"/>
-              </a:defRPr>
-            </a:pPr>
-            <a:r>
-              <a:t>↑↑</a:t>
-            </a:r>
-          </a:p>
-        </p:txBody>
-      </p:sp>
-      <p:sp>
-        <p:nvSpPr>
-          <p:cNvPr id="22" name="Oval 21"/>
+              <a:t>1개월 마비</a:t>
+            </a:r>
+          </a:p>
+        </p:txBody>
+      </p:sp>
+      <p:sp>
+        <p:nvSpPr>
+          <p:cNvPr id="108" name="Rectangle 107"/>
           <p:cNvSpPr/>
           <p:nvPr/>
         </p:nvSpPr>
         <p:spPr>
           <a:xfrm>
-            <a:off x="4480560" y="2651760"/>
-            <a:ext cx="182880" cy="182880"/>
-          </a:xfrm>
-          <a:prstGeom prst="ellipse">
-            <a:avLst/>
-          </a:prstGeom>
-          <a:solidFill>
-            <a:srgbClr val="333333"/>
-          </a:solidFill>
-          <a:ln>
-            <a:noFill/>
-          </a:ln>
-        </p:spPr>
-        <p:style>
-          <a:lnRef idx="1">
-            <a:schemeClr val="accent1"/>
-          </a:lnRef>
-          <a:fillRef idx="3">
-            <a:schemeClr val="accent1"/>
-          </a:fillRef>
-          <a:effectRef idx="2">
-            <a:schemeClr val="accent1"/>
-          </a:effectRef>
-          <a:fontRef idx="minor">
-            <a:schemeClr val="lt1"/>
-          </a:fontRef>
-        </p:style>
-        <p:txBody>
-          <a:bodyPr rtlCol="0" anchor="ctr"/>
-          <a:lstStyle/>
-          <a:p>
-            <a:pPr algn="ctr"/>
-          </a:p>
-        </p:txBody>
-      </p:sp>
-      <p:sp>
-        <p:nvSpPr>
-          <p:cNvPr id="23" name="TextBox 22"/>
-          <p:cNvSpPr txBox="1"/>
-          <p:nvPr/>
-        </p:nvSpPr>
-        <p:spPr>
-          <a:xfrm>
-            <a:off x="4297680" y="2926080"/>
-            <a:ext cx="548640" cy="228600"/>
-          </a:xfrm>
-          <a:prstGeom prst="rect">
-            <a:avLst/>
-          </a:prstGeom>
-          <a:noFill/>
-        </p:spPr>
-        <p:txBody>
-          <a:bodyPr wrap="square">
-            <a:spAutoFit/>
-          </a:bodyPr>
-          <a:lstStyle/>
-          <a:p>
-            <a:pPr algn="ctr">
-              <a:defRPr sz="1000" b="1">
-                <a:solidFill>
-                  <a:srgbClr val="333333"/>
-                </a:solidFill>
-                <a:latin typeface="맑은 고딕"/>
-              </a:defRPr>
-            </a:pPr>
-            <a:r>
-              <a:t>2000s</a:t>
-            </a:r>
-          </a:p>
-        </p:txBody>
-      </p:sp>
-      <p:sp>
-        <p:nvSpPr>
-          <p:cNvPr id="24" name="Rectangle 23"/>
-          <p:cNvSpPr/>
-          <p:nvPr/>
-        </p:nvSpPr>
-        <p:spPr>
-          <a:xfrm>
-            <a:off x="4114800" y="1645920"/>
-            <a:ext cx="914400" cy="457200"/>
+            <a:off x="7699248" y="5760720"/>
+            <a:ext cx="1645920" cy="594360"/>
           </a:xfrm>
           <a:prstGeom prst="rect">
             <a:avLst/>
@@ -5233,14 +8596,14 @@
       </p:sp>
       <p:sp>
         <p:nvSpPr>
-          <p:cNvPr id="25" name="TextBox 24"/>
-          <p:cNvSpPr txBox="1"/>
-          <p:nvPr/>
-        </p:nvSpPr>
-        <p:spPr>
-          <a:xfrm>
-            <a:off x="4160520" y="1691640"/>
-            <a:ext cx="822960" cy="182880"/>
+          <p:cNvPr id="109" name="TextBox 108"/>
+          <p:cNvSpPr txBox="1"/>
+          <p:nvPr/>
+        </p:nvSpPr>
+        <p:spPr>
+          <a:xfrm>
+            <a:off x="7744968" y="5806440"/>
+            <a:ext cx="1554480" cy="164592"/>
           </a:xfrm>
           <a:prstGeom prst="rect">
             <a:avLst/>
@@ -5254,7 +8617,7 @@
           <a:lstStyle/>
           <a:p>
             <a:pPr algn="ctr">
-              <a:defRPr sz="1100" b="1">
+              <a:defRPr sz="900" b="1">
                 <a:solidFill>
                   <a:srgbClr val="000000"/>
                 </a:solidFill>
@@ -5262,101 +8625,21 @@
               </a:defRPr>
             </a:pPr>
             <a:r>
-              <a:t>디지털화</a:t>
-            </a:r>
-          </a:p>
-        </p:txBody>
-      </p:sp>
-      <p:cxnSp>
-        <p:nvCxnSpPr>
-          <p:cNvPr id="26" name="Connector 25"/>
-          <p:cNvCxnSpPr/>
-          <p:nvPr/>
-        </p:nvCxnSpPr>
-        <p:spPr>
-          <a:xfrm>
-            <a:off x="4572000" y="2103120"/>
-            <a:ext cx="0" cy="548640"/>
-          </a:xfrm>
-          <a:prstGeom prst="line">
-            <a:avLst/>
-          </a:prstGeom>
-          <a:ln w="12700">
-            <a:solidFill>
-              <a:srgbClr val="CCCCCC"/>
-            </a:solidFill>
-          </a:ln>
-        </p:spPr>
-        <p:style>
-          <a:lnRef idx="2">
-            <a:schemeClr val="accent1"/>
-          </a:lnRef>
-          <a:fillRef idx="0">
-            <a:schemeClr val="accent1"/>
-          </a:fillRef>
-          <a:effectRef idx="1">
-            <a:schemeClr val="accent1"/>
-          </a:effectRef>
-          <a:fontRef idx="minor">
-            <a:schemeClr val="tx1"/>
-          </a:fontRef>
-        </p:style>
-      </p:cxnSp>
-      <p:sp>
-        <p:nvSpPr>
-          <p:cNvPr id="27" name="Rectangle 26"/>
-          <p:cNvSpPr/>
-          <p:nvPr/>
-        </p:nvSpPr>
-        <p:spPr>
-          <a:xfrm>
-            <a:off x="4114800" y="3291840"/>
-            <a:ext cx="914400" cy="640080"/>
-          </a:xfrm>
-          <a:prstGeom prst="rect">
-            <a:avLst/>
-          </a:prstGeom>
-          <a:solidFill>
-            <a:srgbClr val="FFFFFF"/>
-          </a:solidFill>
-          <a:ln w="12700">
-            <a:solidFill>
-              <a:srgbClr val="CCCCCC"/>
-            </a:solidFill>
-          </a:ln>
-        </p:spPr>
-        <p:style>
-          <a:lnRef idx="1">
-            <a:schemeClr val="accent1"/>
-          </a:lnRef>
-          <a:fillRef idx="3">
-            <a:schemeClr val="accent1"/>
-          </a:fillRef>
-          <a:effectRef idx="2">
-            <a:schemeClr val="accent1"/>
-          </a:effectRef>
-          <a:fontRef idx="minor">
-            <a:schemeClr val="lt1"/>
-          </a:fontRef>
-        </p:style>
-        <p:txBody>
-          <a:bodyPr rtlCol="0" anchor="ctr"/>
-          <a:lstStyle/>
-          <a:p>
-            <a:pPr algn="ctr"/>
-          </a:p>
-        </p:txBody>
-      </p:sp>
-      <p:sp>
-        <p:nvSpPr>
-          <p:cNvPr id="28" name="TextBox 27"/>
-          <p:cNvSpPr txBox="1"/>
-          <p:nvPr/>
-        </p:nvSpPr>
-        <p:spPr>
-          <a:xfrm>
-            <a:off x="4160520" y="3364992"/>
-            <a:ext cx="822960" cy="548640"/>
+              <a:t>전환</a:t>
+            </a:r>
+          </a:p>
+        </p:txBody>
+      </p:sp>
+      <p:sp>
+        <p:nvSpPr>
+          <p:cNvPr id="110" name="TextBox 109"/>
+          <p:cNvSpPr txBox="1"/>
+          <p:nvPr/>
+        </p:nvSpPr>
+        <p:spPr>
+          <a:xfrm>
+            <a:off x="7744968" y="6016752"/>
+            <a:ext cx="1554480" cy="292608"/>
           </a:xfrm>
           <a:prstGeom prst="rect">
             <a:avLst/>
@@ -5370,7 +8653,7 @@
           <a:lstStyle/>
           <a:p>
             <a:pPr algn="ctr">
-              <a:defRPr sz="900" b="0">
+              <a:defRPr sz="800" b="0">
                 <a:solidFill>
                   <a:srgbClr val="333333"/>
                 </a:solidFill>
@@ -5378,1118 +8661,11 @@
               </a:defRPr>
             </a:pPr>
             <a:r>
-              <a:t>ERP 시스템</a:t>
+              <a:t>JIT → JIC</a:t>
             </a:r>
             <a:br/>
             <a:r>
-              <a:t>실시간 가시성</a:t>
-            </a:r>
-          </a:p>
-        </p:txBody>
-      </p:sp>
-      <p:sp>
-        <p:nvSpPr>
-          <p:cNvPr id="29" name="TextBox 28"/>
-          <p:cNvSpPr txBox="1"/>
-          <p:nvPr/>
-        </p:nvSpPr>
-        <p:spPr>
-          <a:xfrm>
-            <a:off x="4343400" y="3794760"/>
-            <a:ext cx="457200" cy="182880"/>
-          </a:xfrm>
-          <a:prstGeom prst="rect">
-            <a:avLst/>
-          </a:prstGeom>
-          <a:noFill/>
-        </p:spPr>
-        <p:txBody>
-          <a:bodyPr wrap="square">
-            <a:spAutoFit/>
-          </a:bodyPr>
-          <a:lstStyle/>
-          <a:p>
-            <a:pPr algn="ctr">
-              <a:defRPr sz="1000" b="1">
-                <a:solidFill>
-                  <a:srgbClr val="000000"/>
-                </a:solidFill>
-                <a:latin typeface="맑은 고딕"/>
-              </a:defRPr>
-            </a:pPr>
-            <a:r>
-              <a:t>↑↑↑</a:t>
-            </a:r>
-          </a:p>
-        </p:txBody>
-      </p:sp>
-      <p:sp>
-        <p:nvSpPr>
-          <p:cNvPr id="30" name="Oval 29"/>
-          <p:cNvSpPr/>
-          <p:nvPr/>
-        </p:nvSpPr>
-        <p:spPr>
-          <a:xfrm>
-            <a:off x="6080760" y="2651760"/>
-            <a:ext cx="182880" cy="182880"/>
-          </a:xfrm>
-          <a:prstGeom prst="ellipse">
-            <a:avLst/>
-          </a:prstGeom>
-          <a:solidFill>
-            <a:srgbClr val="333333"/>
-          </a:solidFill>
-          <a:ln>
-            <a:noFill/>
-          </a:ln>
-        </p:spPr>
-        <p:style>
-          <a:lnRef idx="1">
-            <a:schemeClr val="accent1"/>
-          </a:lnRef>
-          <a:fillRef idx="3">
-            <a:schemeClr val="accent1"/>
-          </a:fillRef>
-          <a:effectRef idx="2">
-            <a:schemeClr val="accent1"/>
-          </a:effectRef>
-          <a:fontRef idx="minor">
-            <a:schemeClr val="lt1"/>
-          </a:fontRef>
-        </p:style>
-        <p:txBody>
-          <a:bodyPr rtlCol="0" anchor="ctr"/>
-          <a:lstStyle/>
-          <a:p>
-            <a:pPr algn="ctr"/>
-          </a:p>
-        </p:txBody>
-      </p:sp>
-      <p:sp>
-        <p:nvSpPr>
-          <p:cNvPr id="31" name="TextBox 30"/>
-          <p:cNvSpPr txBox="1"/>
-          <p:nvPr/>
-        </p:nvSpPr>
-        <p:spPr>
-          <a:xfrm>
-            <a:off x="5897880" y="2926080"/>
-            <a:ext cx="548640" cy="228600"/>
-          </a:xfrm>
-          <a:prstGeom prst="rect">
-            <a:avLst/>
-          </a:prstGeom>
-          <a:noFill/>
-        </p:spPr>
-        <p:txBody>
-          <a:bodyPr wrap="square">
-            <a:spAutoFit/>
-          </a:bodyPr>
-          <a:lstStyle/>
-          <a:p>
-            <a:pPr algn="ctr">
-              <a:defRPr sz="1000" b="1">
-                <a:solidFill>
-                  <a:srgbClr val="333333"/>
-                </a:solidFill>
-                <a:latin typeface="맑은 고딕"/>
-              </a:defRPr>
-            </a:pPr>
-            <a:r>
-              <a:t>2010s</a:t>
-            </a:r>
-          </a:p>
-        </p:txBody>
-      </p:sp>
-      <p:sp>
-        <p:nvSpPr>
-          <p:cNvPr id="32" name="Rectangle 31"/>
-          <p:cNvSpPr/>
-          <p:nvPr/>
-        </p:nvSpPr>
-        <p:spPr>
-          <a:xfrm>
-            <a:off x="5715000" y="1645920"/>
-            <a:ext cx="914400" cy="457200"/>
-          </a:xfrm>
-          <a:prstGeom prst="rect">
-            <a:avLst/>
-          </a:prstGeom>
-          <a:solidFill>
-            <a:srgbClr val="E6E6E6"/>
-          </a:solidFill>
-          <a:ln w="12700">
-            <a:solidFill>
-              <a:srgbClr val="666666"/>
-            </a:solidFill>
-          </a:ln>
-        </p:spPr>
-        <p:style>
-          <a:lnRef idx="1">
-            <a:schemeClr val="accent1"/>
-          </a:lnRef>
-          <a:fillRef idx="3">
-            <a:schemeClr val="accent1"/>
-          </a:fillRef>
-          <a:effectRef idx="2">
-            <a:schemeClr val="accent1"/>
-          </a:effectRef>
-          <a:fontRef idx="minor">
-            <a:schemeClr val="lt1"/>
-          </a:fontRef>
-        </p:style>
-        <p:txBody>
-          <a:bodyPr rtlCol="0" anchor="ctr"/>
-          <a:lstStyle/>
-          <a:p>
-            <a:pPr algn="ctr"/>
-          </a:p>
-        </p:txBody>
-      </p:sp>
-      <p:sp>
-        <p:nvSpPr>
-          <p:cNvPr id="33" name="TextBox 32"/>
-          <p:cNvSpPr txBox="1"/>
-          <p:nvPr/>
-        </p:nvSpPr>
-        <p:spPr>
-          <a:xfrm>
-            <a:off x="5760720" y="1691640"/>
-            <a:ext cx="822960" cy="182880"/>
-          </a:xfrm>
-          <a:prstGeom prst="rect">
-            <a:avLst/>
-          </a:prstGeom>
-          <a:noFill/>
-        </p:spPr>
-        <p:txBody>
-          <a:bodyPr wrap="square">
-            <a:spAutoFit/>
-          </a:bodyPr>
-          <a:lstStyle/>
-          <a:p>
-            <a:pPr algn="ctr">
-              <a:defRPr sz="1100" b="1">
-                <a:solidFill>
-                  <a:srgbClr val="000000"/>
-                </a:solidFill>
-                <a:latin typeface="맑은 고딕"/>
-              </a:defRPr>
-            </a:pPr>
-            <a:r>
-              <a:t>최적화</a:t>
-            </a:r>
-          </a:p>
-        </p:txBody>
-      </p:sp>
-      <p:cxnSp>
-        <p:nvCxnSpPr>
-          <p:cNvPr id="34" name="Connector 33"/>
-          <p:cNvCxnSpPr/>
-          <p:nvPr/>
-        </p:nvCxnSpPr>
-        <p:spPr>
-          <a:xfrm>
-            <a:off x="6172200" y="2103120"/>
-            <a:ext cx="0" cy="548640"/>
-          </a:xfrm>
-          <a:prstGeom prst="line">
-            <a:avLst/>
-          </a:prstGeom>
-          <a:ln w="12700">
-            <a:solidFill>
-              <a:srgbClr val="CCCCCC"/>
-            </a:solidFill>
-          </a:ln>
-        </p:spPr>
-        <p:style>
-          <a:lnRef idx="2">
-            <a:schemeClr val="accent1"/>
-          </a:lnRef>
-          <a:fillRef idx="0">
-            <a:schemeClr val="accent1"/>
-          </a:fillRef>
-          <a:effectRef idx="1">
-            <a:schemeClr val="accent1"/>
-          </a:effectRef>
-          <a:fontRef idx="minor">
-            <a:schemeClr val="tx1"/>
-          </a:fontRef>
-        </p:style>
-      </p:cxnSp>
-      <p:sp>
-        <p:nvSpPr>
-          <p:cNvPr id="35" name="Rectangle 34"/>
-          <p:cNvSpPr/>
-          <p:nvPr/>
-        </p:nvSpPr>
-        <p:spPr>
-          <a:xfrm>
-            <a:off x="5715000" y="3291840"/>
-            <a:ext cx="914400" cy="640080"/>
-          </a:xfrm>
-          <a:prstGeom prst="rect">
-            <a:avLst/>
-          </a:prstGeom>
-          <a:solidFill>
-            <a:srgbClr val="FFFFFF"/>
-          </a:solidFill>
-          <a:ln w="12700">
-            <a:solidFill>
-              <a:srgbClr val="CCCCCC"/>
-            </a:solidFill>
-          </a:ln>
-        </p:spPr>
-        <p:style>
-          <a:lnRef idx="1">
-            <a:schemeClr val="accent1"/>
-          </a:lnRef>
-          <a:fillRef idx="3">
-            <a:schemeClr val="accent1"/>
-          </a:fillRef>
-          <a:effectRef idx="2">
-            <a:schemeClr val="accent1"/>
-          </a:effectRef>
-          <a:fontRef idx="minor">
-            <a:schemeClr val="lt1"/>
-          </a:fontRef>
-        </p:style>
-        <p:txBody>
-          <a:bodyPr rtlCol="0" anchor="ctr"/>
-          <a:lstStyle/>
-          <a:p>
-            <a:pPr algn="ctr"/>
-          </a:p>
-        </p:txBody>
-      </p:sp>
-      <p:sp>
-        <p:nvSpPr>
-          <p:cNvPr id="36" name="TextBox 35"/>
-          <p:cNvSpPr txBox="1"/>
-          <p:nvPr/>
-        </p:nvSpPr>
-        <p:spPr>
-          <a:xfrm>
-            <a:off x="5760720" y="3364992"/>
-            <a:ext cx="822960" cy="548640"/>
-          </a:xfrm>
-          <a:prstGeom prst="rect">
-            <a:avLst/>
-          </a:prstGeom>
-          <a:noFill/>
-        </p:spPr>
-        <p:txBody>
-          <a:bodyPr wrap="square">
-            <a:spAutoFit/>
-          </a:bodyPr>
-          <a:lstStyle/>
-          <a:p>
-            <a:pPr algn="ctr">
-              <a:defRPr sz="900" b="0">
-                <a:solidFill>
-                  <a:srgbClr val="333333"/>
-                </a:solidFill>
-                <a:latin typeface="맑은 고딕"/>
-              </a:defRPr>
-            </a:pPr>
-            <a:r>
-              <a:t>공급망 최적화</a:t>
-            </a:r>
-            <a:br/>
-            <a:r>
-              <a:t>원가 절감 극대화</a:t>
-            </a:r>
-          </a:p>
-        </p:txBody>
-      </p:sp>
-      <p:sp>
-        <p:nvSpPr>
-          <p:cNvPr id="37" name="TextBox 36"/>
-          <p:cNvSpPr txBox="1"/>
-          <p:nvPr/>
-        </p:nvSpPr>
-        <p:spPr>
-          <a:xfrm>
-            <a:off x="5943600" y="3794760"/>
-            <a:ext cx="457200" cy="182880"/>
-          </a:xfrm>
-          <a:prstGeom prst="rect">
-            <a:avLst/>
-          </a:prstGeom>
-          <a:noFill/>
-        </p:spPr>
-        <p:txBody>
-          <a:bodyPr wrap="square">
-            <a:spAutoFit/>
-          </a:bodyPr>
-          <a:lstStyle/>
-          <a:p>
-            <a:pPr algn="ctr">
-              <a:defRPr sz="1000" b="1">
-                <a:solidFill>
-                  <a:srgbClr val="000000"/>
-                </a:solidFill>
-                <a:latin typeface="맑은 고딕"/>
-              </a:defRPr>
-            </a:pPr>
-            <a:r>
-              <a:t>↑↑↑</a:t>
-            </a:r>
-          </a:p>
-        </p:txBody>
-      </p:sp>
-      <p:sp>
-        <p:nvSpPr>
-          <p:cNvPr id="38" name="Oval 37"/>
-          <p:cNvSpPr/>
-          <p:nvPr/>
-        </p:nvSpPr>
-        <p:spPr>
-          <a:xfrm>
-            <a:off x="7680960" y="2651760"/>
-            <a:ext cx="182880" cy="182880"/>
-          </a:xfrm>
-          <a:prstGeom prst="ellipse">
-            <a:avLst/>
-          </a:prstGeom>
-          <a:solidFill>
-            <a:srgbClr val="333333"/>
-          </a:solidFill>
-          <a:ln>
-            <a:noFill/>
-          </a:ln>
-        </p:spPr>
-        <p:style>
-          <a:lnRef idx="1">
-            <a:schemeClr val="accent1"/>
-          </a:lnRef>
-          <a:fillRef idx="3">
-            <a:schemeClr val="accent1"/>
-          </a:fillRef>
-          <a:effectRef idx="2">
-            <a:schemeClr val="accent1"/>
-          </a:effectRef>
-          <a:fontRef idx="minor">
-            <a:schemeClr val="lt1"/>
-          </a:fontRef>
-        </p:style>
-        <p:txBody>
-          <a:bodyPr rtlCol="0" anchor="ctr"/>
-          <a:lstStyle/>
-          <a:p>
-            <a:pPr algn="ctr"/>
-          </a:p>
-        </p:txBody>
-      </p:sp>
-      <p:sp>
-        <p:nvSpPr>
-          <p:cNvPr id="39" name="TextBox 38"/>
-          <p:cNvSpPr txBox="1"/>
-          <p:nvPr/>
-        </p:nvSpPr>
-        <p:spPr>
-          <a:xfrm>
-            <a:off x="7498079" y="2926080"/>
-            <a:ext cx="548640" cy="228600"/>
-          </a:xfrm>
-          <a:prstGeom prst="rect">
-            <a:avLst/>
-          </a:prstGeom>
-          <a:noFill/>
-        </p:spPr>
-        <p:txBody>
-          <a:bodyPr wrap="square">
-            <a:spAutoFit/>
-          </a:bodyPr>
-          <a:lstStyle/>
-          <a:p>
-            <a:pPr algn="ctr">
-              <a:defRPr sz="1000" b="1">
-                <a:solidFill>
-                  <a:srgbClr val="333333"/>
-                </a:solidFill>
-                <a:latin typeface="맑은 고딕"/>
-              </a:defRPr>
-            </a:pPr>
-            <a:r>
-              <a:t>2020</a:t>
-            </a:r>
-          </a:p>
-        </p:txBody>
-      </p:sp>
-      <p:sp>
-        <p:nvSpPr>
-          <p:cNvPr id="40" name="Rectangle 39"/>
-          <p:cNvSpPr/>
-          <p:nvPr/>
-        </p:nvSpPr>
-        <p:spPr>
-          <a:xfrm>
-            <a:off x="7315200" y="1645920"/>
-            <a:ext cx="914400" cy="457200"/>
-          </a:xfrm>
-          <a:prstGeom prst="rect">
-            <a:avLst/>
-          </a:prstGeom>
-          <a:solidFill>
-            <a:srgbClr val="E6E6E6"/>
-          </a:solidFill>
-          <a:ln w="12700">
-            <a:solidFill>
-              <a:srgbClr val="666666"/>
-            </a:solidFill>
-          </a:ln>
-        </p:spPr>
-        <p:style>
-          <a:lnRef idx="1">
-            <a:schemeClr val="accent1"/>
-          </a:lnRef>
-          <a:fillRef idx="3">
-            <a:schemeClr val="accent1"/>
-          </a:fillRef>
-          <a:effectRef idx="2">
-            <a:schemeClr val="accent1"/>
-          </a:effectRef>
-          <a:fontRef idx="minor">
-            <a:schemeClr val="lt1"/>
-          </a:fontRef>
-        </p:style>
-        <p:txBody>
-          <a:bodyPr rtlCol="0" anchor="ctr"/>
-          <a:lstStyle/>
-          <a:p>
-            <a:pPr algn="ctr"/>
-          </a:p>
-        </p:txBody>
-      </p:sp>
-      <p:sp>
-        <p:nvSpPr>
-          <p:cNvPr id="41" name="TextBox 40"/>
-          <p:cNvSpPr txBox="1"/>
-          <p:nvPr/>
-        </p:nvSpPr>
-        <p:spPr>
-          <a:xfrm>
-            <a:off x="7360920" y="1691640"/>
-            <a:ext cx="822960" cy="182880"/>
-          </a:xfrm>
-          <a:prstGeom prst="rect">
-            <a:avLst/>
-          </a:prstGeom>
-          <a:noFill/>
-        </p:spPr>
-        <p:txBody>
-          <a:bodyPr wrap="square">
-            <a:spAutoFit/>
-          </a:bodyPr>
-          <a:lstStyle/>
-          <a:p>
-            <a:pPr algn="ctr">
-              <a:defRPr sz="1100" b="1">
-                <a:solidFill>
-                  <a:srgbClr val="000000"/>
-                </a:solidFill>
-                <a:latin typeface="맑은 고딕"/>
-              </a:defRPr>
-            </a:pPr>
-            <a:r>
-              <a:t>팬데믹 쇼크</a:t>
-            </a:r>
-          </a:p>
-        </p:txBody>
-      </p:sp>
-      <p:cxnSp>
-        <p:nvCxnSpPr>
-          <p:cNvPr id="42" name="Connector 41"/>
-          <p:cNvCxnSpPr/>
-          <p:nvPr/>
-        </p:nvCxnSpPr>
-        <p:spPr>
-          <a:xfrm>
-            <a:off x="7772400" y="2103120"/>
-            <a:ext cx="0" cy="548640"/>
-          </a:xfrm>
-          <a:prstGeom prst="line">
-            <a:avLst/>
-          </a:prstGeom>
-          <a:ln w="12700">
-            <a:solidFill>
-              <a:srgbClr val="CCCCCC"/>
-            </a:solidFill>
-          </a:ln>
-        </p:spPr>
-        <p:style>
-          <a:lnRef idx="2">
-            <a:schemeClr val="accent1"/>
-          </a:lnRef>
-          <a:fillRef idx="0">
-            <a:schemeClr val="accent1"/>
-          </a:fillRef>
-          <a:effectRef idx="1">
-            <a:schemeClr val="accent1"/>
-          </a:effectRef>
-          <a:fontRef idx="minor">
-            <a:schemeClr val="tx1"/>
-          </a:fontRef>
-        </p:style>
-      </p:cxnSp>
-      <p:sp>
-        <p:nvSpPr>
-          <p:cNvPr id="43" name="Rectangle 42"/>
-          <p:cNvSpPr/>
-          <p:nvPr/>
-        </p:nvSpPr>
-        <p:spPr>
-          <a:xfrm>
-            <a:off x="7315200" y="3291840"/>
-            <a:ext cx="914400" cy="640080"/>
-          </a:xfrm>
-          <a:prstGeom prst="rect">
-            <a:avLst/>
-          </a:prstGeom>
-          <a:solidFill>
-            <a:srgbClr val="FFFFFF"/>
-          </a:solidFill>
-          <a:ln w="12700">
-            <a:solidFill>
-              <a:srgbClr val="CCCCCC"/>
-            </a:solidFill>
-          </a:ln>
-        </p:spPr>
-        <p:style>
-          <a:lnRef idx="1">
-            <a:schemeClr val="accent1"/>
-          </a:lnRef>
-          <a:fillRef idx="3">
-            <a:schemeClr val="accent1"/>
-          </a:fillRef>
-          <a:effectRef idx="2">
-            <a:schemeClr val="accent1"/>
-          </a:effectRef>
-          <a:fontRef idx="minor">
-            <a:schemeClr val="lt1"/>
-          </a:fontRef>
-        </p:style>
-        <p:txBody>
-          <a:bodyPr rtlCol="0" anchor="ctr"/>
-          <a:lstStyle/>
-          <a:p>
-            <a:pPr algn="ctr"/>
-          </a:p>
-        </p:txBody>
-      </p:sp>
-      <p:sp>
-        <p:nvSpPr>
-          <p:cNvPr id="44" name="TextBox 43"/>
-          <p:cNvSpPr txBox="1"/>
-          <p:nvPr/>
-        </p:nvSpPr>
-        <p:spPr>
-          <a:xfrm>
-            <a:off x="7360920" y="3364992"/>
-            <a:ext cx="822960" cy="548640"/>
-          </a:xfrm>
-          <a:prstGeom prst="rect">
-            <a:avLst/>
-          </a:prstGeom>
-          <a:noFill/>
-        </p:spPr>
-        <p:txBody>
-          <a:bodyPr wrap="square">
-            <a:spAutoFit/>
-          </a:bodyPr>
-          <a:lstStyle/>
-          <a:p>
-            <a:pPr algn="ctr">
-              <a:defRPr sz="900" b="0">
-                <a:solidFill>
-                  <a:srgbClr val="333333"/>
-                </a:solidFill>
-                <a:latin typeface="맑은 고딕"/>
-              </a:defRPr>
-            </a:pPr>
-            <a:r>
-              <a:t>공급망 마비</a:t>
-            </a:r>
-            <a:br/>
-            <a:r>
-              <a:t>JIT 붕괴</a:t>
-            </a:r>
-          </a:p>
-        </p:txBody>
-      </p:sp>
-      <p:sp>
-        <p:nvSpPr>
-          <p:cNvPr id="45" name="TextBox 44"/>
-          <p:cNvSpPr txBox="1"/>
-          <p:nvPr/>
-        </p:nvSpPr>
-        <p:spPr>
-          <a:xfrm>
-            <a:off x="7543800" y="3794760"/>
-            <a:ext cx="457200" cy="182880"/>
-          </a:xfrm>
-          <a:prstGeom prst="rect">
-            <a:avLst/>
-          </a:prstGeom>
-          <a:noFill/>
-        </p:spPr>
-        <p:txBody>
-          <a:bodyPr wrap="square">
-            <a:spAutoFit/>
-          </a:bodyPr>
-          <a:lstStyle/>
-          <a:p>
-            <a:pPr algn="ctr">
-              <a:defRPr sz="1000" b="1">
-                <a:solidFill>
-                  <a:srgbClr val="000000"/>
-                </a:solidFill>
-                <a:latin typeface="맑은 고딕"/>
-              </a:defRPr>
-            </a:pPr>
-            <a:r>
-              <a:t>↓↓↓</a:t>
-            </a:r>
-          </a:p>
-        </p:txBody>
-      </p:sp>
-      <p:sp>
-        <p:nvSpPr>
-          <p:cNvPr id="46" name="Rectangle 45"/>
-          <p:cNvSpPr/>
-          <p:nvPr/>
-        </p:nvSpPr>
-        <p:spPr>
-          <a:xfrm>
-            <a:off x="9326880" y="1828800"/>
-            <a:ext cx="0" cy="4114800"/>
-          </a:xfrm>
-          <a:prstGeom prst="rect">
-            <a:avLst/>
-          </a:prstGeom>
-          <a:solidFill>
-            <a:srgbClr val="FFFFFF"/>
-          </a:solidFill>
-          <a:ln>
-            <a:noFill/>
-          </a:ln>
-        </p:spPr>
-        <p:style>
-          <a:lnRef idx="1">
-            <a:schemeClr val="accent1"/>
-          </a:lnRef>
-          <a:fillRef idx="3">
-            <a:schemeClr val="accent1"/>
-          </a:fillRef>
-          <a:effectRef idx="2">
-            <a:schemeClr val="accent1"/>
-          </a:effectRef>
-          <a:fontRef idx="minor">
-            <a:schemeClr val="lt1"/>
-          </a:fontRef>
-        </p:style>
-        <p:txBody>
-          <a:bodyPr rtlCol="0" anchor="ctr"/>
-          <a:lstStyle/>
-          <a:p>
-            <a:pPr algn="ctr"/>
-          </a:p>
-        </p:txBody>
-      </p:sp>
-      <p:sp>
-        <p:nvSpPr>
-          <p:cNvPr id="47" name="TextBox 46"/>
-          <p:cNvSpPr txBox="1"/>
-          <p:nvPr/>
-        </p:nvSpPr>
-        <p:spPr>
-          <a:xfrm>
-            <a:off x="7315199" y="1828800"/>
-            <a:ext cx="1828800" cy="274320"/>
-          </a:xfrm>
-          <a:prstGeom prst="rect">
-            <a:avLst/>
-          </a:prstGeom>
-          <a:noFill/>
-        </p:spPr>
-        <p:txBody>
-          <a:bodyPr wrap="square">
-            <a:spAutoFit/>
-          </a:bodyPr>
-          <a:lstStyle/>
-          <a:p>
-            <a:pPr algn="l">
-              <a:defRPr sz="1200" b="1">
-                <a:solidFill>
-                  <a:srgbClr val="000000"/>
-                </a:solidFill>
-                <a:latin typeface="맑은 고딕"/>
-              </a:defRPr>
-            </a:pPr>
-            <a:r>
-              <a:t>시사점</a:t>
-            </a:r>
-          </a:p>
-        </p:txBody>
-      </p:sp>
-      <p:sp>
-        <p:nvSpPr>
-          <p:cNvPr id="48" name="TextBox 47"/>
-          <p:cNvSpPr txBox="1"/>
-          <p:nvPr/>
-        </p:nvSpPr>
-        <p:spPr>
-          <a:xfrm>
-            <a:off x="7406640" y="2194560"/>
-            <a:ext cx="137160" cy="182880"/>
-          </a:xfrm>
-          <a:prstGeom prst="rect">
-            <a:avLst/>
-          </a:prstGeom>
-          <a:noFill/>
-        </p:spPr>
-        <p:txBody>
-          <a:bodyPr wrap="square">
-            <a:spAutoFit/>
-          </a:bodyPr>
-          <a:lstStyle/>
-          <a:p>
-            <a:pPr algn="l">
-              <a:defRPr sz="1000" b="0">
-                <a:solidFill>
-                  <a:srgbClr val="333333"/>
-                </a:solidFill>
-                <a:latin typeface="맑은 고딕"/>
-              </a:defRPr>
-            </a:pPr>
-            <a:r>
-              <a:t>•</a:t>
-            </a:r>
-          </a:p>
-        </p:txBody>
-      </p:sp>
-      <p:sp>
-        <p:nvSpPr>
-          <p:cNvPr id="49" name="TextBox 48"/>
-          <p:cNvSpPr txBox="1"/>
-          <p:nvPr/>
-        </p:nvSpPr>
-        <p:spPr>
-          <a:xfrm>
-            <a:off x="7589519" y="2194560"/>
-            <a:ext cx="1645920" cy="274320"/>
-          </a:xfrm>
-          <a:prstGeom prst="rect">
-            <a:avLst/>
-          </a:prstGeom>
-          <a:noFill/>
-        </p:spPr>
-        <p:txBody>
-          <a:bodyPr wrap="square">
-            <a:spAutoFit/>
-          </a:bodyPr>
-          <a:lstStyle/>
-          <a:p>
-            <a:pPr algn="l">
-              <a:defRPr sz="900" b="0">
-                <a:solidFill>
-                  <a:srgbClr val="333333"/>
-                </a:solidFill>
-                <a:latin typeface="맑은 고딕"/>
-              </a:defRPr>
-            </a:pPr>
-            <a:r>
-              <a:t>JIT는 40년간 제조업 혁신의 상징</a:t>
-            </a:r>
-          </a:p>
-        </p:txBody>
-      </p:sp>
-      <p:sp>
-        <p:nvSpPr>
-          <p:cNvPr id="50" name="TextBox 49"/>
-          <p:cNvSpPr txBox="1"/>
-          <p:nvPr/>
-        </p:nvSpPr>
-        <p:spPr>
-          <a:xfrm>
-            <a:off x="7406640" y="2514600"/>
-            <a:ext cx="137160" cy="182880"/>
-          </a:xfrm>
-          <a:prstGeom prst="rect">
-            <a:avLst/>
-          </a:prstGeom>
-          <a:noFill/>
-        </p:spPr>
-        <p:txBody>
-          <a:bodyPr wrap="square">
-            <a:spAutoFit/>
-          </a:bodyPr>
-          <a:lstStyle/>
-          <a:p>
-            <a:pPr algn="l">
-              <a:defRPr sz="1000" b="0">
-                <a:solidFill>
-                  <a:srgbClr val="333333"/>
-                </a:solidFill>
-                <a:latin typeface="맑은 고딕"/>
-              </a:defRPr>
-            </a:pPr>
-            <a:r>
-              <a:t>•</a:t>
-            </a:r>
-          </a:p>
-        </p:txBody>
-      </p:sp>
-      <p:sp>
-        <p:nvSpPr>
-          <p:cNvPr id="51" name="TextBox 50"/>
-          <p:cNvSpPr txBox="1"/>
-          <p:nvPr/>
-        </p:nvSpPr>
-        <p:spPr>
-          <a:xfrm>
-            <a:off x="7589519" y="2514600"/>
-            <a:ext cx="1645920" cy="274320"/>
-          </a:xfrm>
-          <a:prstGeom prst="rect">
-            <a:avLst/>
-          </a:prstGeom>
-          <a:noFill/>
-        </p:spPr>
-        <p:txBody>
-          <a:bodyPr wrap="square">
-            <a:spAutoFit/>
-          </a:bodyPr>
-          <a:lstStyle/>
-          <a:p>
-            <a:pPr algn="l">
-              <a:defRPr sz="900" b="0">
-                <a:solidFill>
-                  <a:srgbClr val="333333"/>
-                </a:solidFill>
-                <a:latin typeface="맑은 고딕"/>
-              </a:defRPr>
-            </a:pPr>
-            <a:r>
-              <a:t>원가 절감과 효율성 극대화 달성</a:t>
-            </a:r>
-          </a:p>
-        </p:txBody>
-      </p:sp>
-      <p:sp>
-        <p:nvSpPr>
-          <p:cNvPr id="52" name="TextBox 51"/>
-          <p:cNvSpPr txBox="1"/>
-          <p:nvPr/>
-        </p:nvSpPr>
-        <p:spPr>
-          <a:xfrm>
-            <a:off x="7406640" y="2834640"/>
-            <a:ext cx="137160" cy="182880"/>
-          </a:xfrm>
-          <a:prstGeom prst="rect">
-            <a:avLst/>
-          </a:prstGeom>
-          <a:noFill/>
-        </p:spPr>
-        <p:txBody>
-          <a:bodyPr wrap="square">
-            <a:spAutoFit/>
-          </a:bodyPr>
-          <a:lstStyle/>
-          <a:p>
-            <a:pPr algn="l">
-              <a:defRPr sz="1000" b="0">
-                <a:solidFill>
-                  <a:srgbClr val="333333"/>
-                </a:solidFill>
-                <a:latin typeface="맑은 고딕"/>
-              </a:defRPr>
-            </a:pPr>
-            <a:r>
-              <a:t>•</a:t>
-            </a:r>
-          </a:p>
-        </p:txBody>
-      </p:sp>
-      <p:sp>
-        <p:nvSpPr>
-          <p:cNvPr id="53" name="TextBox 52"/>
-          <p:cNvSpPr txBox="1"/>
-          <p:nvPr/>
-        </p:nvSpPr>
-        <p:spPr>
-          <a:xfrm>
-            <a:off x="7589519" y="2834640"/>
-            <a:ext cx="1645920" cy="274320"/>
-          </a:xfrm>
-          <a:prstGeom prst="rect">
-            <a:avLst/>
-          </a:prstGeom>
-          <a:noFill/>
-        </p:spPr>
-        <p:txBody>
-          <a:bodyPr wrap="square">
-            <a:spAutoFit/>
-          </a:bodyPr>
-          <a:lstStyle/>
-          <a:p>
-            <a:pPr algn="l">
-              <a:defRPr sz="900" b="0">
-                <a:solidFill>
-                  <a:srgbClr val="333333"/>
-                </a:solidFill>
-                <a:latin typeface="맑은 고딕"/>
-              </a:defRPr>
-            </a:pPr>
-            <a:r>
-              <a:t>2020년 팬데믹으로 근본적 한계 노출</a:t>
-            </a:r>
-          </a:p>
-        </p:txBody>
-      </p:sp>
-      <p:sp>
-        <p:nvSpPr>
-          <p:cNvPr id="54" name="TextBox 53"/>
-          <p:cNvSpPr txBox="1"/>
-          <p:nvPr/>
-        </p:nvSpPr>
-        <p:spPr>
-          <a:xfrm>
-            <a:off x="7406640" y="3154680"/>
-            <a:ext cx="137160" cy="182880"/>
-          </a:xfrm>
-          <a:prstGeom prst="rect">
-            <a:avLst/>
-          </a:prstGeom>
-          <a:noFill/>
-        </p:spPr>
-        <p:txBody>
-          <a:bodyPr wrap="square">
-            <a:spAutoFit/>
-          </a:bodyPr>
-          <a:lstStyle/>
-          <a:p>
-            <a:pPr algn="l">
-              <a:defRPr sz="1000" b="0">
-                <a:solidFill>
-                  <a:srgbClr val="333333"/>
-                </a:solidFill>
-                <a:latin typeface="맑은 고딕"/>
-              </a:defRPr>
-            </a:pPr>
-            <a:r>
-              <a:t>•</a:t>
-            </a:r>
-          </a:p>
-        </p:txBody>
-      </p:sp>
-      <p:sp>
-        <p:nvSpPr>
-          <p:cNvPr id="55" name="TextBox 54"/>
-          <p:cNvSpPr txBox="1"/>
-          <p:nvPr/>
-        </p:nvSpPr>
-        <p:spPr>
-          <a:xfrm>
-            <a:off x="7589519" y="3154680"/>
-            <a:ext cx="1645920" cy="274320"/>
-          </a:xfrm>
-          <a:prstGeom prst="rect">
-            <a:avLst/>
-          </a:prstGeom>
-          <a:noFill/>
-        </p:spPr>
-        <p:txBody>
-          <a:bodyPr wrap="square">
-            <a:spAutoFit/>
-          </a:bodyPr>
-          <a:lstStyle/>
-          <a:p>
-            <a:pPr algn="l">
-              <a:defRPr sz="900" b="0">
-                <a:solidFill>
-                  <a:srgbClr val="333333"/>
-                </a:solidFill>
-                <a:latin typeface="맑은 고딕"/>
-              </a:defRPr>
-            </a:pPr>
-            <a:r>
-              <a:t>공급망 리스크에 극도로 취약</a:t>
-            </a:r>
-          </a:p>
-        </p:txBody>
-      </p:sp>
-      <p:sp>
-        <p:nvSpPr>
-          <p:cNvPr id="56" name="TextBox 55"/>
-          <p:cNvSpPr txBox="1"/>
-          <p:nvPr/>
-        </p:nvSpPr>
-        <p:spPr>
-          <a:xfrm>
-            <a:off x="7406640" y="3474720"/>
-            <a:ext cx="137160" cy="182880"/>
-          </a:xfrm>
-          <a:prstGeom prst="rect">
-            <a:avLst/>
-          </a:prstGeom>
-          <a:noFill/>
-        </p:spPr>
-        <p:txBody>
-          <a:bodyPr wrap="square">
-            <a:spAutoFit/>
-          </a:bodyPr>
-          <a:lstStyle/>
-          <a:p>
-            <a:pPr algn="l">
-              <a:defRPr sz="1000" b="0">
-                <a:solidFill>
-                  <a:srgbClr val="333333"/>
-                </a:solidFill>
-                <a:latin typeface="맑은 고딕"/>
-              </a:defRPr>
-            </a:pPr>
-            <a:r>
-              <a:t>•</a:t>
-            </a:r>
-          </a:p>
-        </p:txBody>
-      </p:sp>
-      <p:sp>
-        <p:nvSpPr>
-          <p:cNvPr id="57" name="TextBox 56"/>
-          <p:cNvSpPr txBox="1"/>
-          <p:nvPr/>
-        </p:nvSpPr>
-        <p:spPr>
-          <a:xfrm>
-            <a:off x="7589519" y="3474720"/>
-            <a:ext cx="1645920" cy="274320"/>
-          </a:xfrm>
-          <a:prstGeom prst="rect">
-            <a:avLst/>
-          </a:prstGeom>
-          <a:noFill/>
-        </p:spPr>
-        <p:txBody>
-          <a:bodyPr wrap="square">
-            <a:spAutoFit/>
-          </a:bodyPr>
-          <a:lstStyle/>
-          <a:p>
-            <a:pPr algn="l">
-              <a:defRPr sz="900" b="0">
-                <a:solidFill>
-                  <a:srgbClr val="333333"/>
-                </a:solidFill>
-                <a:latin typeface="맑은 고딕"/>
-              </a:defRPr>
-            </a:pPr>
-            <a:r>
-              <a:t>JIC로의 패러다임 전환 불가피</a:t>
+              <a:t>안전재고 확보</a:t>
             </a:r>
           </a:p>
         </p:txBody>
